--- a/administrative/documents/day1_agenda.pptx
+++ b/administrative/documents/day1_agenda.pptx
@@ -1,22 +1,22 @@
 
 <file path=ppt/presentation.xml><?xml version="1.0" encoding="utf-8"?>
-<p:presentation xmlns:a="http://schemas.openxmlformats.org/drawingml/2006/main" xmlns:r="http://schemas.openxmlformats.org/officeDocument/2006/relationships" xmlns:mc="http://schemas.openxmlformats.org/markup-compatibility/2006" xmlns:mv="urn:schemas-microsoft-com:mac:vml" xmlns:p="http://schemas.openxmlformats.org/presentationml/2006/main" xmlns:c="http://schemas.openxmlformats.org/drawingml/2006/chart" xmlns:dgm="http://schemas.openxmlformats.org/drawingml/2006/diagram" xmlns:o="urn:schemas-microsoft-com:office:office" xmlns:v="urn:schemas-microsoft-com:vml" xmlns:pvml="urn:schemas-microsoft-com:office:powerpoint" xmlns:com="http://schemas.openxmlformats.org/drawingml/2006/compatibility" xmlns:p14="http://schemas.microsoft.com/office/powerpoint/2010/main" xmlns:p15="http://schemas.microsoft.com/office/powerpoint/2012/main" xmlns:ahyp="http://schemas.microsoft.com/office/drawing/2018/hyperlinkcolor" autoCompressPictures="0" strictFirstAndLastChars="0" saveSubsetFonts="1">
+<p:presentation xmlns:a="http://schemas.openxmlformats.org/drawingml/2006/main" xmlns:r="http://schemas.openxmlformats.org/officeDocument/2006/relationships" xmlns:p="http://schemas.openxmlformats.org/presentationml/2006/main" strictFirstAndLastChars="0" saveSubsetFonts="1" autoCompressPictures="0">
   <p:sldMasterIdLst>
-    <p:sldMasterId id="2147483659" r:id="rId4"/>
+    <p:sldMasterId id="2147483659" r:id="rId1"/>
   </p:sldMasterIdLst>
   <p:notesMasterIdLst>
-    <p:notesMasterId r:id="rId5"/>
+    <p:notesMasterId r:id="rId6"/>
   </p:notesMasterIdLst>
   <p:sldIdLst>
-    <p:sldId id="256" r:id="rId6"/>
-    <p:sldId id="257" r:id="rId7"/>
-    <p:sldId id="258" r:id="rId8"/>
-    <p:sldId id="259" r:id="rId9"/>
+    <p:sldId id="256" r:id="rId2"/>
+    <p:sldId id="257" r:id="rId3"/>
+    <p:sldId id="258" r:id="rId4"/>
+    <p:sldId id="259" r:id="rId5"/>
   </p:sldIdLst>
-  <p:sldSz cy="5143500" cx="9144000"/>
+  <p:sldSz cx="9144000" cy="5143500" type="screen16x9"/>
   <p:notesSz cx="6858000" cy="9144000"/>
   <p:defaultTextStyle>
-    <a:defPPr lvl="0" marR="0" rtl="0" algn="l">
+    <a:defPPr marR="0" lvl="0" algn="l" rtl="0">
       <a:lnSpc>
         <a:spcPct val="100000"/>
       </a:lnSpc>
@@ -27,7 +27,7 @@
         <a:spcPts val="0"/>
       </a:spcAft>
     </a:defPPr>
-    <a:lvl1pPr lvl="0" marR="0" rtl="0" algn="l">
+    <a:lvl1pPr marR="0" lvl="0" algn="l" rtl="0">
       <a:lnSpc>
         <a:spcPct val="100000"/>
       </a:lnSpc>
@@ -41,7 +41,7 @@
         <a:srgbClr val="000000"/>
       </a:buClr>
       <a:buFont typeface="Arial"/>
-      <a:defRPr b="0" i="0" sz="1400" u="none" cap="none" strike="noStrike">
+      <a:defRPr sz="1400" b="0" i="0" u="none" strike="noStrike" cap="none">
         <a:solidFill>
           <a:srgbClr val="000000"/>
         </a:solidFill>
@@ -51,7 +51,7 @@
         <a:sym typeface="Arial"/>
       </a:defRPr>
     </a:lvl1pPr>
-    <a:lvl2pPr lvl="1" marR="0" rtl="0" algn="l">
+    <a:lvl2pPr marR="0" lvl="1" algn="l" rtl="0">
       <a:lnSpc>
         <a:spcPct val="100000"/>
       </a:lnSpc>
@@ -65,7 +65,7 @@
         <a:srgbClr val="000000"/>
       </a:buClr>
       <a:buFont typeface="Arial"/>
-      <a:defRPr b="0" i="0" sz="1400" u="none" cap="none" strike="noStrike">
+      <a:defRPr sz="1400" b="0" i="0" u="none" strike="noStrike" cap="none">
         <a:solidFill>
           <a:srgbClr val="000000"/>
         </a:solidFill>
@@ -75,7 +75,7 @@
         <a:sym typeface="Arial"/>
       </a:defRPr>
     </a:lvl2pPr>
-    <a:lvl3pPr lvl="2" marR="0" rtl="0" algn="l">
+    <a:lvl3pPr marR="0" lvl="2" algn="l" rtl="0">
       <a:lnSpc>
         <a:spcPct val="100000"/>
       </a:lnSpc>
@@ -89,7 +89,7 @@
         <a:srgbClr val="000000"/>
       </a:buClr>
       <a:buFont typeface="Arial"/>
-      <a:defRPr b="0" i="0" sz="1400" u="none" cap="none" strike="noStrike">
+      <a:defRPr sz="1400" b="0" i="0" u="none" strike="noStrike" cap="none">
         <a:solidFill>
           <a:srgbClr val="000000"/>
         </a:solidFill>
@@ -99,7 +99,7 @@
         <a:sym typeface="Arial"/>
       </a:defRPr>
     </a:lvl3pPr>
-    <a:lvl4pPr lvl="3" marR="0" rtl="0" algn="l">
+    <a:lvl4pPr marR="0" lvl="3" algn="l" rtl="0">
       <a:lnSpc>
         <a:spcPct val="100000"/>
       </a:lnSpc>
@@ -113,7 +113,7 @@
         <a:srgbClr val="000000"/>
       </a:buClr>
       <a:buFont typeface="Arial"/>
-      <a:defRPr b="0" i="0" sz="1400" u="none" cap="none" strike="noStrike">
+      <a:defRPr sz="1400" b="0" i="0" u="none" strike="noStrike" cap="none">
         <a:solidFill>
           <a:srgbClr val="000000"/>
         </a:solidFill>
@@ -123,7 +123,7 @@
         <a:sym typeface="Arial"/>
       </a:defRPr>
     </a:lvl4pPr>
-    <a:lvl5pPr lvl="4" marR="0" rtl="0" algn="l">
+    <a:lvl5pPr marR="0" lvl="4" algn="l" rtl="0">
       <a:lnSpc>
         <a:spcPct val="100000"/>
       </a:lnSpc>
@@ -137,7 +137,7 @@
         <a:srgbClr val="000000"/>
       </a:buClr>
       <a:buFont typeface="Arial"/>
-      <a:defRPr b="0" i="0" sz="1400" u="none" cap="none" strike="noStrike">
+      <a:defRPr sz="1400" b="0" i="0" u="none" strike="noStrike" cap="none">
         <a:solidFill>
           <a:srgbClr val="000000"/>
         </a:solidFill>
@@ -147,7 +147,7 @@
         <a:sym typeface="Arial"/>
       </a:defRPr>
     </a:lvl5pPr>
-    <a:lvl6pPr lvl="5" marR="0" rtl="0" algn="l">
+    <a:lvl6pPr marR="0" lvl="5" algn="l" rtl="0">
       <a:lnSpc>
         <a:spcPct val="100000"/>
       </a:lnSpc>
@@ -161,7 +161,7 @@
         <a:srgbClr val="000000"/>
       </a:buClr>
       <a:buFont typeface="Arial"/>
-      <a:defRPr b="0" i="0" sz="1400" u="none" cap="none" strike="noStrike">
+      <a:defRPr sz="1400" b="0" i="0" u="none" strike="noStrike" cap="none">
         <a:solidFill>
           <a:srgbClr val="000000"/>
         </a:solidFill>
@@ -171,7 +171,7 @@
         <a:sym typeface="Arial"/>
       </a:defRPr>
     </a:lvl6pPr>
-    <a:lvl7pPr lvl="6" marR="0" rtl="0" algn="l">
+    <a:lvl7pPr marR="0" lvl="6" algn="l" rtl="0">
       <a:lnSpc>
         <a:spcPct val="100000"/>
       </a:lnSpc>
@@ -185,7 +185,7 @@
         <a:srgbClr val="000000"/>
       </a:buClr>
       <a:buFont typeface="Arial"/>
-      <a:defRPr b="0" i="0" sz="1400" u="none" cap="none" strike="noStrike">
+      <a:defRPr sz="1400" b="0" i="0" u="none" strike="noStrike" cap="none">
         <a:solidFill>
           <a:srgbClr val="000000"/>
         </a:solidFill>
@@ -195,7 +195,7 @@
         <a:sym typeface="Arial"/>
       </a:defRPr>
     </a:lvl7pPr>
-    <a:lvl8pPr lvl="7" marR="0" rtl="0" algn="l">
+    <a:lvl8pPr marR="0" lvl="7" algn="l" rtl="0">
       <a:lnSpc>
         <a:spcPct val="100000"/>
       </a:lnSpc>
@@ -209,7 +209,7 @@
         <a:srgbClr val="000000"/>
       </a:buClr>
       <a:buFont typeface="Arial"/>
-      <a:defRPr b="0" i="0" sz="1400" u="none" cap="none" strike="noStrike">
+      <a:defRPr sz="1400" b="0" i="0" u="none" strike="noStrike" cap="none">
         <a:solidFill>
           <a:srgbClr val="000000"/>
         </a:solidFill>
@@ -219,7 +219,7 @@
         <a:sym typeface="Arial"/>
       </a:defRPr>
     </a:lvl8pPr>
-    <a:lvl9pPr lvl="8" marR="0" rtl="0" algn="l">
+    <a:lvl9pPr marR="0" lvl="8" algn="l" rtl="0">
       <a:lnSpc>
         <a:spcPct val="100000"/>
       </a:lnSpc>
@@ -233,7 +233,7 @@
         <a:srgbClr val="000000"/>
       </a:buClr>
       <a:buFont typeface="Arial"/>
-      <a:defRPr b="0" i="0" sz="1400" u="none" cap="none" strike="noStrike">
+      <a:defRPr sz="1400" b="0" i="0" u="none" strike="noStrike" cap="none">
         <a:solidFill>
           <a:srgbClr val="000000"/>
         </a:solidFill>
@@ -246,7 +246,7 @@
   </p:defaultTextStyle>
   <p:extLst>
     <p:ext uri="{EFAFB233-063F-42B5-8137-9DF3F51BA10A}">
-      <p15:sldGuideLst>
+      <p15:sldGuideLst xmlns:p15="http://schemas.microsoft.com/office/powerpoint/2012/main">
         <p15:guide id="1" orient="horz" pos="1620">
           <p15:clr>
             <a:srgbClr val="A4A3A4"/>
@@ -264,18 +264,19 @@
 </file>
 
 <file path=ppt/notesMasters/notesMaster1.xml><?xml version="1.0" encoding="utf-8"?>
-<p:notesMaster xmlns:a="http://schemas.openxmlformats.org/drawingml/2006/main" xmlns:r="http://schemas.openxmlformats.org/officeDocument/2006/relationships" xmlns:mc="http://schemas.openxmlformats.org/markup-compatibility/2006" xmlns:mv="urn:schemas-microsoft-com:mac:vml" xmlns:p="http://schemas.openxmlformats.org/presentationml/2006/main" xmlns:c="http://schemas.openxmlformats.org/drawingml/2006/chart" xmlns:dgm="http://schemas.openxmlformats.org/drawingml/2006/diagram" xmlns:o="urn:schemas-microsoft-com:office:office" xmlns:v="urn:schemas-microsoft-com:vml" xmlns:pvml="urn:schemas-microsoft-com:office:powerpoint" xmlns:com="http://schemas.openxmlformats.org/drawingml/2006/compatibility" xmlns:p14="http://schemas.microsoft.com/office/powerpoint/2010/main" xmlns:p15="http://schemas.microsoft.com/office/powerpoint/2012/main" xmlns:ahyp="http://schemas.microsoft.com/office/drawing/2018/hyperlinkcolor">
+<p:notesMaster xmlns:a="http://schemas.openxmlformats.org/drawingml/2006/main" xmlns:r="http://schemas.openxmlformats.org/officeDocument/2006/relationships" xmlns:p="http://schemas.openxmlformats.org/presentationml/2006/main">
   <p:cSld>
     <p:bg>
       <p:bgPr>
         <a:solidFill>
           <a:schemeClr val="lt1"/>
         </a:solidFill>
+        <a:effectLst/>
       </p:bgPr>
     </p:bg>
     <p:spTree>
       <p:nvGrpSpPr>
-        <p:cNvPr id="2" name="Shape 2"/>
+        <p:cNvPr id="1" name="Shape 2"/>
         <p:cNvGrpSpPr/>
         <p:nvPr/>
       </p:nvGrpSpPr>
@@ -290,9 +291,11 @@
       <p:sp>
         <p:nvSpPr>
           <p:cNvPr id="3" name="Google Shape;3;n"/>
-          <p:cNvSpPr/>
+          <p:cNvSpPr>
+            <a:spLocks noGrp="1" noRot="1" noChangeAspect="1"/>
+          </p:cNvSpPr>
           <p:nvPr>
-            <p:ph idx="2" type="sldImg"/>
+            <p:ph type="sldImg" idx="2"/>
           </p:nvPr>
         </p:nvSpPr>
         <p:spPr>
@@ -301,9 +304,13 @@
             <a:ext cx="6096075" cy="3429000"/>
           </a:xfrm>
           <a:custGeom>
-            <a:rect b="b" l="l" r="r" t="t"/>
+            <a:avLst/>
+            <a:gdLst/>
+            <a:ahLst/>
+            <a:cxnLst/>
+            <a:rect l="l" t="t" r="r" b="b"/>
             <a:pathLst>
-              <a:path extrusionOk="0" h="120000" w="120000">
+              <a:path w="120000" h="120000" extrusionOk="0">
                 <a:moveTo>
                   <a:pt x="0" y="0"/>
                 </a:moveTo>
@@ -321,23 +328,25 @@
             </a:pathLst>
           </a:custGeom>
           <a:noFill/>
-          <a:ln cap="flat" cmpd="sng" w="9525">
+          <a:ln w="9525" cap="flat" cmpd="sng">
             <a:solidFill>
               <a:srgbClr val="000000"/>
             </a:solidFill>
             <a:prstDash val="solid"/>
             <a:round/>
-            <a:headEnd len="sm" w="sm" type="none"/>
-            <a:tailEnd len="sm" w="sm" type="none"/>
+            <a:headEnd type="none" w="sm" len="sm"/>
+            <a:tailEnd type="none" w="sm" len="sm"/>
           </a:ln>
         </p:spPr>
       </p:sp>
       <p:sp>
         <p:nvSpPr>
           <p:cNvPr id="4" name="Google Shape;4;n"/>
-          <p:cNvSpPr txBox="1"/>
+          <p:cNvSpPr txBox="1">
+            <a:spLocks noGrp="1"/>
+          </p:cNvSpPr>
           <p:nvPr>
-            <p:ph idx="1" type="body"/>
+            <p:ph type="body" idx="1"/>
           </p:nvPr>
         </p:nvSpPr>
         <p:spPr>
@@ -354,11 +363,11 @@
           </a:ln>
         </p:spPr>
         <p:txBody>
-          <a:bodyPr anchorCtr="0" anchor="t" bIns="91425" lIns="91425" spcFirstLastPara="1" rIns="91425" wrap="square" tIns="91425">
+          <a:bodyPr spcFirstLastPara="1" wrap="square" lIns="91425" tIns="91425" rIns="91425" bIns="91425" anchor="t" anchorCtr="0">
             <a:noAutofit/>
           </a:bodyPr>
           <a:lstStyle>
-            <a:lvl1pPr indent="-298450" lvl="0" marL="457200" marR="0" rtl="0" algn="l">
+            <a:lvl1pPr marL="457200" marR="0" lvl="0" indent="-298450" algn="l" rtl="0">
               <a:lnSpc>
                 <a:spcPct val="100000"/>
               </a:lnSpc>
@@ -374,7 +383,7 @@
               <a:buSzPts val="1100"/>
               <a:buFont typeface="Arial"/>
               <a:buChar char="●"/>
-              <a:defRPr b="0" i="0" sz="1100" u="none" cap="none" strike="noStrike">
+              <a:defRPr sz="1100" b="0" i="0" u="none" strike="noStrike" cap="none">
                 <a:solidFill>
                   <a:srgbClr val="000000"/>
                 </a:solidFill>
@@ -384,7 +393,7 @@
                 <a:sym typeface="Arial"/>
               </a:defRPr>
             </a:lvl1pPr>
-            <a:lvl2pPr indent="-298450" lvl="1" marL="914400" marR="0" rtl="0" algn="l">
+            <a:lvl2pPr marL="914400" marR="0" lvl="1" indent="-298450" algn="l" rtl="0">
               <a:lnSpc>
                 <a:spcPct val="100000"/>
               </a:lnSpc>
@@ -400,7 +409,7 @@
               <a:buSzPts val="1100"/>
               <a:buFont typeface="Arial"/>
               <a:buChar char="○"/>
-              <a:defRPr b="0" i="0" sz="1100" u="none" cap="none" strike="noStrike">
+              <a:defRPr sz="1100" b="0" i="0" u="none" strike="noStrike" cap="none">
                 <a:solidFill>
                   <a:srgbClr val="000000"/>
                 </a:solidFill>
@@ -410,7 +419,7 @@
                 <a:sym typeface="Arial"/>
               </a:defRPr>
             </a:lvl2pPr>
-            <a:lvl3pPr indent="-298450" lvl="2" marL="1371600" marR="0" rtl="0" algn="l">
+            <a:lvl3pPr marL="1371600" marR="0" lvl="2" indent="-298450" algn="l" rtl="0">
               <a:lnSpc>
                 <a:spcPct val="100000"/>
               </a:lnSpc>
@@ -426,7 +435,7 @@
               <a:buSzPts val="1100"/>
               <a:buFont typeface="Arial"/>
               <a:buChar char="■"/>
-              <a:defRPr b="0" i="0" sz="1100" u="none" cap="none" strike="noStrike">
+              <a:defRPr sz="1100" b="0" i="0" u="none" strike="noStrike" cap="none">
                 <a:solidFill>
                   <a:srgbClr val="000000"/>
                 </a:solidFill>
@@ -436,7 +445,7 @@
                 <a:sym typeface="Arial"/>
               </a:defRPr>
             </a:lvl3pPr>
-            <a:lvl4pPr indent="-298450" lvl="3" marL="1828800" marR="0" rtl="0" algn="l">
+            <a:lvl4pPr marL="1828800" marR="0" lvl="3" indent="-298450" algn="l" rtl="0">
               <a:lnSpc>
                 <a:spcPct val="100000"/>
               </a:lnSpc>
@@ -452,7 +461,7 @@
               <a:buSzPts val="1100"/>
               <a:buFont typeface="Arial"/>
               <a:buChar char="●"/>
-              <a:defRPr b="0" i="0" sz="1100" u="none" cap="none" strike="noStrike">
+              <a:defRPr sz="1100" b="0" i="0" u="none" strike="noStrike" cap="none">
                 <a:solidFill>
                   <a:srgbClr val="000000"/>
                 </a:solidFill>
@@ -462,7 +471,7 @@
                 <a:sym typeface="Arial"/>
               </a:defRPr>
             </a:lvl4pPr>
-            <a:lvl5pPr indent="-298450" lvl="4" marL="2286000" marR="0" rtl="0" algn="l">
+            <a:lvl5pPr marL="2286000" marR="0" lvl="4" indent="-298450" algn="l" rtl="0">
               <a:lnSpc>
                 <a:spcPct val="100000"/>
               </a:lnSpc>
@@ -478,7 +487,7 @@
               <a:buSzPts val="1100"/>
               <a:buFont typeface="Arial"/>
               <a:buChar char="○"/>
-              <a:defRPr b="0" i="0" sz="1100" u="none" cap="none" strike="noStrike">
+              <a:defRPr sz="1100" b="0" i="0" u="none" strike="noStrike" cap="none">
                 <a:solidFill>
                   <a:srgbClr val="000000"/>
                 </a:solidFill>
@@ -488,7 +497,7 @@
                 <a:sym typeface="Arial"/>
               </a:defRPr>
             </a:lvl5pPr>
-            <a:lvl6pPr indent="-298450" lvl="5" marL="2743200" marR="0" rtl="0" algn="l">
+            <a:lvl6pPr marL="2743200" marR="0" lvl="5" indent="-298450" algn="l" rtl="0">
               <a:lnSpc>
                 <a:spcPct val="100000"/>
               </a:lnSpc>
@@ -504,7 +513,7 @@
               <a:buSzPts val="1100"/>
               <a:buFont typeface="Arial"/>
               <a:buChar char="■"/>
-              <a:defRPr b="0" i="0" sz="1100" u="none" cap="none" strike="noStrike">
+              <a:defRPr sz="1100" b="0" i="0" u="none" strike="noStrike" cap="none">
                 <a:solidFill>
                   <a:srgbClr val="000000"/>
                 </a:solidFill>
@@ -514,7 +523,7 @@
                 <a:sym typeface="Arial"/>
               </a:defRPr>
             </a:lvl6pPr>
-            <a:lvl7pPr indent="-298450" lvl="6" marL="3200400" marR="0" rtl="0" algn="l">
+            <a:lvl7pPr marL="3200400" marR="0" lvl="6" indent="-298450" algn="l" rtl="0">
               <a:lnSpc>
                 <a:spcPct val="100000"/>
               </a:lnSpc>
@@ -530,7 +539,7 @@
               <a:buSzPts val="1100"/>
               <a:buFont typeface="Arial"/>
               <a:buChar char="●"/>
-              <a:defRPr b="0" i="0" sz="1100" u="none" cap="none" strike="noStrike">
+              <a:defRPr sz="1100" b="0" i="0" u="none" strike="noStrike" cap="none">
                 <a:solidFill>
                   <a:srgbClr val="000000"/>
                 </a:solidFill>
@@ -540,7 +549,7 @@
                 <a:sym typeface="Arial"/>
               </a:defRPr>
             </a:lvl7pPr>
-            <a:lvl8pPr indent="-298450" lvl="7" marL="3657600" marR="0" rtl="0" algn="l">
+            <a:lvl8pPr marL="3657600" marR="0" lvl="7" indent="-298450" algn="l" rtl="0">
               <a:lnSpc>
                 <a:spcPct val="100000"/>
               </a:lnSpc>
@@ -556,7 +565,7 @@
               <a:buSzPts val="1100"/>
               <a:buFont typeface="Arial"/>
               <a:buChar char="○"/>
-              <a:defRPr b="0" i="0" sz="1100" u="none" cap="none" strike="noStrike">
+              <a:defRPr sz="1100" b="0" i="0" u="none" strike="noStrike" cap="none">
                 <a:solidFill>
                   <a:srgbClr val="000000"/>
                 </a:solidFill>
@@ -566,7 +575,7 @@
                 <a:sym typeface="Arial"/>
               </a:defRPr>
             </a:lvl8pPr>
-            <a:lvl9pPr indent="-298450" lvl="8" marL="4114800" marR="0" rtl="0" algn="l">
+            <a:lvl9pPr marL="4114800" marR="0" lvl="8" indent="-298450" algn="l" rtl="0">
               <a:lnSpc>
                 <a:spcPct val="100000"/>
               </a:lnSpc>
@@ -582,7 +591,7 @@
               <a:buSzPts val="1100"/>
               <a:buFont typeface="Arial"/>
               <a:buChar char="■"/>
-              <a:defRPr b="0" i="0" sz="1100" u="none" cap="none" strike="noStrike">
+              <a:defRPr sz="1100" b="0" i="0" u="none" strike="noStrike" cap="none">
                 <a:solidFill>
                   <a:srgbClr val="000000"/>
                 </a:solidFill>
@@ -593,14 +602,16 @@
               </a:defRPr>
             </a:lvl9pPr>
           </a:lstStyle>
-          <a:p/>
+          <a:p>
+            <a:endParaRPr/>
+          </a:p>
         </p:txBody>
       </p:sp>
     </p:spTree>
   </p:cSld>
-  <p:clrMap accent1="accent1" accent2="accent2" accent3="accent3" accent4="accent4" accent5="accent5" accent6="accent6" bg1="lt1" bg2="dk2" tx1="dk1" tx2="lt2" folHlink="folHlink" hlink="hlink"/>
+  <p:clrMap bg1="lt1" tx1="dk1" bg2="dk2" tx2="lt2" accent1="accent1" accent2="accent2" accent3="accent3" accent4="accent4" accent5="accent5" accent6="accent6" hlink="hlink" folHlink="folHlink"/>
   <p:notesStyle>
-    <a:defPPr lvl="0" marR="0" rtl="0" algn="l">
+    <a:defPPr marR="0" lvl="0" algn="l" rtl="0">
       <a:lnSpc>
         <a:spcPct val="100000"/>
       </a:lnSpc>
@@ -611,7 +622,7 @@
         <a:spcPts val="0"/>
       </a:spcAft>
     </a:defPPr>
-    <a:lvl1pPr lvl="0" marR="0" rtl="0" algn="l">
+    <a:lvl1pPr marR="0" lvl="0" algn="l" rtl="0">
       <a:lnSpc>
         <a:spcPct val="100000"/>
       </a:lnSpc>
@@ -625,7 +636,7 @@
         <a:srgbClr val="000000"/>
       </a:buClr>
       <a:buFont typeface="Arial"/>
-      <a:defRPr b="0" i="0" sz="1400" u="none" cap="none" strike="noStrike">
+      <a:defRPr sz="1400" b="0" i="0" u="none" strike="noStrike" cap="none">
         <a:solidFill>
           <a:srgbClr val="000000"/>
         </a:solidFill>
@@ -635,7 +646,7 @@
         <a:sym typeface="Arial"/>
       </a:defRPr>
     </a:lvl1pPr>
-    <a:lvl2pPr lvl="1" marR="0" rtl="0" algn="l">
+    <a:lvl2pPr marR="0" lvl="1" algn="l" rtl="0">
       <a:lnSpc>
         <a:spcPct val="100000"/>
       </a:lnSpc>
@@ -649,7 +660,7 @@
         <a:srgbClr val="000000"/>
       </a:buClr>
       <a:buFont typeface="Arial"/>
-      <a:defRPr b="0" i="0" sz="1400" u="none" cap="none" strike="noStrike">
+      <a:defRPr sz="1400" b="0" i="0" u="none" strike="noStrike" cap="none">
         <a:solidFill>
           <a:srgbClr val="000000"/>
         </a:solidFill>
@@ -659,7 +670,7 @@
         <a:sym typeface="Arial"/>
       </a:defRPr>
     </a:lvl2pPr>
-    <a:lvl3pPr lvl="2" marR="0" rtl="0" algn="l">
+    <a:lvl3pPr marR="0" lvl="2" algn="l" rtl="0">
       <a:lnSpc>
         <a:spcPct val="100000"/>
       </a:lnSpc>
@@ -673,7 +684,7 @@
         <a:srgbClr val="000000"/>
       </a:buClr>
       <a:buFont typeface="Arial"/>
-      <a:defRPr b="0" i="0" sz="1400" u="none" cap="none" strike="noStrike">
+      <a:defRPr sz="1400" b="0" i="0" u="none" strike="noStrike" cap="none">
         <a:solidFill>
           <a:srgbClr val="000000"/>
         </a:solidFill>
@@ -683,7 +694,7 @@
         <a:sym typeface="Arial"/>
       </a:defRPr>
     </a:lvl3pPr>
-    <a:lvl4pPr lvl="3" marR="0" rtl="0" algn="l">
+    <a:lvl4pPr marR="0" lvl="3" algn="l" rtl="0">
       <a:lnSpc>
         <a:spcPct val="100000"/>
       </a:lnSpc>
@@ -697,7 +708,7 @@
         <a:srgbClr val="000000"/>
       </a:buClr>
       <a:buFont typeface="Arial"/>
-      <a:defRPr b="0" i="0" sz="1400" u="none" cap="none" strike="noStrike">
+      <a:defRPr sz="1400" b="0" i="0" u="none" strike="noStrike" cap="none">
         <a:solidFill>
           <a:srgbClr val="000000"/>
         </a:solidFill>
@@ -707,7 +718,7 @@
         <a:sym typeface="Arial"/>
       </a:defRPr>
     </a:lvl4pPr>
-    <a:lvl5pPr lvl="4" marR="0" rtl="0" algn="l">
+    <a:lvl5pPr marR="0" lvl="4" algn="l" rtl="0">
       <a:lnSpc>
         <a:spcPct val="100000"/>
       </a:lnSpc>
@@ -721,7 +732,7 @@
         <a:srgbClr val="000000"/>
       </a:buClr>
       <a:buFont typeface="Arial"/>
-      <a:defRPr b="0" i="0" sz="1400" u="none" cap="none" strike="noStrike">
+      <a:defRPr sz="1400" b="0" i="0" u="none" strike="noStrike" cap="none">
         <a:solidFill>
           <a:srgbClr val="000000"/>
         </a:solidFill>
@@ -731,7 +742,7 @@
         <a:sym typeface="Arial"/>
       </a:defRPr>
     </a:lvl5pPr>
-    <a:lvl6pPr lvl="5" marR="0" rtl="0" algn="l">
+    <a:lvl6pPr marR="0" lvl="5" algn="l" rtl="0">
       <a:lnSpc>
         <a:spcPct val="100000"/>
       </a:lnSpc>
@@ -745,7 +756,7 @@
         <a:srgbClr val="000000"/>
       </a:buClr>
       <a:buFont typeface="Arial"/>
-      <a:defRPr b="0" i="0" sz="1400" u="none" cap="none" strike="noStrike">
+      <a:defRPr sz="1400" b="0" i="0" u="none" strike="noStrike" cap="none">
         <a:solidFill>
           <a:srgbClr val="000000"/>
         </a:solidFill>
@@ -755,7 +766,7 @@
         <a:sym typeface="Arial"/>
       </a:defRPr>
     </a:lvl6pPr>
-    <a:lvl7pPr lvl="6" marR="0" rtl="0" algn="l">
+    <a:lvl7pPr marR="0" lvl="6" algn="l" rtl="0">
       <a:lnSpc>
         <a:spcPct val="100000"/>
       </a:lnSpc>
@@ -769,7 +780,7 @@
         <a:srgbClr val="000000"/>
       </a:buClr>
       <a:buFont typeface="Arial"/>
-      <a:defRPr b="0" i="0" sz="1400" u="none" cap="none" strike="noStrike">
+      <a:defRPr sz="1400" b="0" i="0" u="none" strike="noStrike" cap="none">
         <a:solidFill>
           <a:srgbClr val="000000"/>
         </a:solidFill>
@@ -779,7 +790,7 @@
         <a:sym typeface="Arial"/>
       </a:defRPr>
     </a:lvl7pPr>
-    <a:lvl8pPr lvl="7" marR="0" rtl="0" algn="l">
+    <a:lvl8pPr marR="0" lvl="7" algn="l" rtl="0">
       <a:lnSpc>
         <a:spcPct val="100000"/>
       </a:lnSpc>
@@ -793,7 +804,7 @@
         <a:srgbClr val="000000"/>
       </a:buClr>
       <a:buFont typeface="Arial"/>
-      <a:defRPr b="0" i="0" sz="1400" u="none" cap="none" strike="noStrike">
+      <a:defRPr sz="1400" b="0" i="0" u="none" strike="noStrike" cap="none">
         <a:solidFill>
           <a:srgbClr val="000000"/>
         </a:solidFill>
@@ -803,7 +814,7 @@
         <a:sym typeface="Arial"/>
       </a:defRPr>
     </a:lvl8pPr>
-    <a:lvl9pPr lvl="8" marR="0" rtl="0" algn="l">
+    <a:lvl9pPr marR="0" lvl="8" algn="l" rtl="0">
       <a:lnSpc>
         <a:spcPct val="100000"/>
       </a:lnSpc>
@@ -817,7 +828,7 @@
         <a:srgbClr val="000000"/>
       </a:buClr>
       <a:buFont typeface="Arial"/>
-      <a:defRPr b="0" i="0" sz="1400" u="none" cap="none" strike="noStrike">
+      <a:defRPr sz="1400" b="0" i="0" u="none" strike="noStrike" cap="none">
         <a:solidFill>
           <a:srgbClr val="000000"/>
         </a:solidFill>
@@ -832,11 +843,11 @@
 </file>
 
 <file path=ppt/notesSlides/notesSlide1.xml><?xml version="1.0" encoding="utf-8"?>
-<p:notes xmlns:a="http://schemas.openxmlformats.org/drawingml/2006/main" xmlns:r="http://schemas.openxmlformats.org/officeDocument/2006/relationships" xmlns:mc="http://schemas.openxmlformats.org/markup-compatibility/2006" xmlns:mv="urn:schemas-microsoft-com:mac:vml" xmlns:p="http://schemas.openxmlformats.org/presentationml/2006/main" xmlns:c="http://schemas.openxmlformats.org/drawingml/2006/chart" xmlns:dgm="http://schemas.openxmlformats.org/drawingml/2006/diagram" xmlns:o="urn:schemas-microsoft-com:office:office" xmlns:v="urn:schemas-microsoft-com:vml" xmlns:pvml="urn:schemas-microsoft-com:office:powerpoint" xmlns:com="http://schemas.openxmlformats.org/drawingml/2006/compatibility" xmlns:p14="http://schemas.microsoft.com/office/powerpoint/2010/main" xmlns:p15="http://schemas.microsoft.com/office/powerpoint/2012/main" xmlns:ahyp="http://schemas.microsoft.com/office/drawing/2018/hyperlinkcolor" showMasterPhAnim="0" showMasterSp="0">
+<p:notes xmlns:a="http://schemas.openxmlformats.org/drawingml/2006/main" xmlns:r="http://schemas.openxmlformats.org/officeDocument/2006/relationships" xmlns:p="http://schemas.openxmlformats.org/presentationml/2006/main" showMasterSp="0" showMasterPhAnim="0">
   <p:cSld>
     <p:spTree>
       <p:nvGrpSpPr>
-        <p:cNvPr id="50" name="Shape 50"/>
+        <p:cNvPr id="1" name="Shape 50"/>
         <p:cNvGrpSpPr/>
         <p:nvPr/>
       </p:nvGrpSpPr>
@@ -851,9 +862,11 @@
       <p:sp>
         <p:nvSpPr>
           <p:cNvPr id="51" name="Google Shape;51;p1:notes"/>
-          <p:cNvSpPr/>
+          <p:cNvSpPr>
+            <a:spLocks noGrp="1" noRot="1" noChangeAspect="1"/>
+          </p:cNvSpPr>
           <p:nvPr>
-            <p:ph idx="2" type="sldImg"/>
+            <p:ph type="sldImg" idx="2"/>
           </p:nvPr>
         </p:nvSpPr>
         <p:spPr>
@@ -862,9 +875,13 @@
             <a:ext cx="6096000" cy="3429000"/>
           </a:xfrm>
           <a:custGeom>
-            <a:rect b="b" l="l" r="r" t="t"/>
+            <a:avLst/>
+            <a:gdLst/>
+            <a:ahLst/>
+            <a:cxnLst/>
+            <a:rect l="l" t="t" r="r" b="b"/>
             <a:pathLst>
-              <a:path extrusionOk="0" h="120000" w="120000">
+              <a:path w="120000" h="120000" extrusionOk="0">
                 <a:moveTo>
                   <a:pt x="0" y="0"/>
                 </a:moveTo>
@@ -882,23 +899,25 @@
             </a:pathLst>
           </a:custGeom>
           <a:noFill/>
-          <a:ln cap="flat" cmpd="sng" w="9525">
+          <a:ln w="9525" cap="flat" cmpd="sng">
             <a:solidFill>
               <a:srgbClr val="000000"/>
             </a:solidFill>
             <a:prstDash val="solid"/>
             <a:round/>
-            <a:headEnd len="sm" w="sm" type="none"/>
-            <a:tailEnd len="sm" w="sm" type="none"/>
+            <a:headEnd type="none" w="sm" len="sm"/>
+            <a:tailEnd type="none" w="sm" len="sm"/>
           </a:ln>
         </p:spPr>
       </p:sp>
       <p:sp>
         <p:nvSpPr>
           <p:cNvPr id="52" name="Google Shape;52;p1:notes"/>
-          <p:cNvSpPr txBox="1"/>
+          <p:cNvSpPr txBox="1">
+            <a:spLocks noGrp="1"/>
+          </p:cNvSpPr>
           <p:nvPr>
-            <p:ph idx="1" type="body"/>
+            <p:ph type="body" idx="1"/>
           </p:nvPr>
         </p:nvSpPr>
         <p:spPr>
@@ -915,12 +934,12 @@
           </a:ln>
         </p:spPr>
         <p:txBody>
-          <a:bodyPr anchorCtr="0" anchor="t" bIns="91425" lIns="91425" spcFirstLastPara="1" rIns="91425" wrap="square" tIns="91425">
+          <a:bodyPr spcFirstLastPara="1" wrap="square" lIns="91425" tIns="91425" rIns="91425" bIns="91425" anchor="t" anchorCtr="0">
             <a:noAutofit/>
           </a:bodyPr>
           <a:lstStyle/>
           <a:p>
-            <a:pPr indent="0" lvl="0" marL="0" rtl="0" algn="l">
+            <a:pPr marL="0" lvl="0" indent="0" algn="l" rtl="0">
               <a:lnSpc>
                 <a:spcPct val="100000"/>
               </a:lnSpc>
@@ -933,9 +952,6 @@
               <a:buSzPts val="1100"/>
               <a:buNone/>
             </a:pPr>
-            <a:r>
-              <a:t/>
-            </a:r>
             <a:endParaRPr/>
           </a:p>
         </p:txBody>
@@ -949,11 +965,11 @@
 </file>
 
 <file path=ppt/notesSlides/notesSlide2.xml><?xml version="1.0" encoding="utf-8"?>
-<p:notes xmlns:a="http://schemas.openxmlformats.org/drawingml/2006/main" xmlns:r="http://schemas.openxmlformats.org/officeDocument/2006/relationships" xmlns:mc="http://schemas.openxmlformats.org/markup-compatibility/2006" xmlns:mv="urn:schemas-microsoft-com:mac:vml" xmlns:p="http://schemas.openxmlformats.org/presentationml/2006/main" xmlns:c="http://schemas.openxmlformats.org/drawingml/2006/chart" xmlns:dgm="http://schemas.openxmlformats.org/drawingml/2006/diagram" xmlns:o="urn:schemas-microsoft-com:office:office" xmlns:v="urn:schemas-microsoft-com:vml" xmlns:pvml="urn:schemas-microsoft-com:office:powerpoint" xmlns:com="http://schemas.openxmlformats.org/drawingml/2006/compatibility" xmlns:p14="http://schemas.microsoft.com/office/powerpoint/2010/main" xmlns:p15="http://schemas.microsoft.com/office/powerpoint/2012/main" xmlns:ahyp="http://schemas.microsoft.com/office/drawing/2018/hyperlinkcolor" showMasterPhAnim="0" showMasterSp="0">
+<p:notes xmlns:a="http://schemas.openxmlformats.org/drawingml/2006/main" xmlns:r="http://schemas.openxmlformats.org/officeDocument/2006/relationships" xmlns:p="http://schemas.openxmlformats.org/presentationml/2006/main" showMasterSp="0" showMasterPhAnim="0">
   <p:cSld>
     <p:spTree>
       <p:nvGrpSpPr>
-        <p:cNvPr id="56" name="Shape 56"/>
+        <p:cNvPr id="1" name="Shape 56"/>
         <p:cNvGrpSpPr/>
         <p:nvPr/>
       </p:nvGrpSpPr>
@@ -968,9 +984,11 @@
       <p:sp>
         <p:nvSpPr>
           <p:cNvPr id="57" name="Google Shape;57;p2:notes"/>
-          <p:cNvSpPr/>
+          <p:cNvSpPr>
+            <a:spLocks noGrp="1" noRot="1" noChangeAspect="1"/>
+          </p:cNvSpPr>
           <p:nvPr>
-            <p:ph idx="2" type="sldImg"/>
+            <p:ph type="sldImg" idx="2"/>
           </p:nvPr>
         </p:nvSpPr>
         <p:spPr>
@@ -979,9 +997,13 @@
             <a:ext cx="6096000" cy="3429000"/>
           </a:xfrm>
           <a:custGeom>
-            <a:rect b="b" l="l" r="r" t="t"/>
+            <a:avLst/>
+            <a:gdLst/>
+            <a:ahLst/>
+            <a:cxnLst/>
+            <a:rect l="l" t="t" r="r" b="b"/>
             <a:pathLst>
-              <a:path extrusionOk="0" h="120000" w="120000">
+              <a:path w="120000" h="120000" extrusionOk="0">
                 <a:moveTo>
                   <a:pt x="0" y="0"/>
                 </a:moveTo>
@@ -999,23 +1021,25 @@
             </a:pathLst>
           </a:custGeom>
           <a:noFill/>
-          <a:ln cap="flat" cmpd="sng" w="9525">
+          <a:ln w="9525" cap="flat" cmpd="sng">
             <a:solidFill>
               <a:srgbClr val="000000"/>
             </a:solidFill>
             <a:prstDash val="solid"/>
             <a:round/>
-            <a:headEnd len="sm" w="sm" type="none"/>
-            <a:tailEnd len="sm" w="sm" type="none"/>
+            <a:headEnd type="none" w="sm" len="sm"/>
+            <a:tailEnd type="none" w="sm" len="sm"/>
           </a:ln>
         </p:spPr>
       </p:sp>
       <p:sp>
         <p:nvSpPr>
           <p:cNvPr id="58" name="Google Shape;58;p2:notes"/>
-          <p:cNvSpPr txBox="1"/>
+          <p:cNvSpPr txBox="1">
+            <a:spLocks noGrp="1"/>
+          </p:cNvSpPr>
           <p:nvPr>
-            <p:ph idx="1" type="body"/>
+            <p:ph type="body" idx="1"/>
           </p:nvPr>
         </p:nvSpPr>
         <p:spPr>
@@ -1032,12 +1056,12 @@
           </a:ln>
         </p:spPr>
         <p:txBody>
-          <a:bodyPr anchorCtr="0" anchor="t" bIns="91425" lIns="91425" spcFirstLastPara="1" rIns="91425" wrap="square" tIns="91425">
+          <a:bodyPr spcFirstLastPara="1" wrap="square" lIns="91425" tIns="91425" rIns="91425" bIns="91425" anchor="t" anchorCtr="0">
             <a:noAutofit/>
           </a:bodyPr>
           <a:lstStyle/>
           <a:p>
-            <a:pPr indent="0" lvl="0" marL="0" rtl="0" algn="l">
+            <a:pPr marL="0" lvl="0" indent="0" algn="l" rtl="0">
               <a:lnSpc>
                 <a:spcPct val="100000"/>
               </a:lnSpc>
@@ -1050,9 +1074,6 @@
               <a:buSzPts val="1100"/>
               <a:buNone/>
             </a:pPr>
-            <a:r>
-              <a:t/>
-            </a:r>
             <a:endParaRPr/>
           </a:p>
         </p:txBody>
@@ -1066,11 +1087,11 @@
 </file>
 
 <file path=ppt/notesSlides/notesSlide3.xml><?xml version="1.0" encoding="utf-8"?>
-<p:notes xmlns:a="http://schemas.openxmlformats.org/drawingml/2006/main" xmlns:r="http://schemas.openxmlformats.org/officeDocument/2006/relationships" xmlns:mc="http://schemas.openxmlformats.org/markup-compatibility/2006" xmlns:mv="urn:schemas-microsoft-com:mac:vml" xmlns:p="http://schemas.openxmlformats.org/presentationml/2006/main" xmlns:c="http://schemas.openxmlformats.org/drawingml/2006/chart" xmlns:dgm="http://schemas.openxmlformats.org/drawingml/2006/diagram" xmlns:o="urn:schemas-microsoft-com:office:office" xmlns:v="urn:schemas-microsoft-com:vml" xmlns:pvml="urn:schemas-microsoft-com:office:powerpoint" xmlns:com="http://schemas.openxmlformats.org/drawingml/2006/compatibility" xmlns:p14="http://schemas.microsoft.com/office/powerpoint/2010/main" xmlns:p15="http://schemas.microsoft.com/office/powerpoint/2012/main" xmlns:ahyp="http://schemas.microsoft.com/office/drawing/2018/hyperlinkcolor" showMasterPhAnim="0" showMasterSp="0">
+<p:notes xmlns:a="http://schemas.openxmlformats.org/drawingml/2006/main" xmlns:r="http://schemas.openxmlformats.org/officeDocument/2006/relationships" xmlns:p="http://schemas.openxmlformats.org/presentationml/2006/main" showMasterSp="0" showMasterPhAnim="0">
   <p:cSld>
     <p:spTree>
       <p:nvGrpSpPr>
-        <p:cNvPr id="62" name="Shape 62"/>
+        <p:cNvPr id="1" name="Shape 62"/>
         <p:cNvGrpSpPr/>
         <p:nvPr/>
       </p:nvGrpSpPr>
@@ -1085,9 +1106,11 @@
       <p:sp>
         <p:nvSpPr>
           <p:cNvPr id="63" name="Google Shape;63;p3:notes"/>
-          <p:cNvSpPr/>
+          <p:cNvSpPr>
+            <a:spLocks noGrp="1" noRot="1" noChangeAspect="1"/>
+          </p:cNvSpPr>
           <p:nvPr>
-            <p:ph idx="2" type="sldImg"/>
+            <p:ph type="sldImg" idx="2"/>
           </p:nvPr>
         </p:nvSpPr>
         <p:spPr>
@@ -1096,9 +1119,13 @@
             <a:ext cx="6096000" cy="3429000"/>
           </a:xfrm>
           <a:custGeom>
-            <a:rect b="b" l="l" r="r" t="t"/>
+            <a:avLst/>
+            <a:gdLst/>
+            <a:ahLst/>
+            <a:cxnLst/>
+            <a:rect l="l" t="t" r="r" b="b"/>
             <a:pathLst>
-              <a:path extrusionOk="0" h="120000" w="120000">
+              <a:path w="120000" h="120000" extrusionOk="0">
                 <a:moveTo>
                   <a:pt x="0" y="0"/>
                 </a:moveTo>
@@ -1116,23 +1143,25 @@
             </a:pathLst>
           </a:custGeom>
           <a:noFill/>
-          <a:ln cap="flat" cmpd="sng" w="9525">
+          <a:ln w="9525" cap="flat" cmpd="sng">
             <a:solidFill>
               <a:srgbClr val="000000"/>
             </a:solidFill>
             <a:prstDash val="solid"/>
             <a:round/>
-            <a:headEnd len="sm" w="sm" type="none"/>
-            <a:tailEnd len="sm" w="sm" type="none"/>
+            <a:headEnd type="none" w="sm" len="sm"/>
+            <a:tailEnd type="none" w="sm" len="sm"/>
           </a:ln>
         </p:spPr>
       </p:sp>
       <p:sp>
         <p:nvSpPr>
           <p:cNvPr id="64" name="Google Shape;64;p3:notes"/>
-          <p:cNvSpPr txBox="1"/>
+          <p:cNvSpPr txBox="1">
+            <a:spLocks noGrp="1"/>
+          </p:cNvSpPr>
           <p:nvPr>
-            <p:ph idx="1" type="body"/>
+            <p:ph type="body" idx="1"/>
           </p:nvPr>
         </p:nvSpPr>
         <p:spPr>
@@ -1149,12 +1178,12 @@
           </a:ln>
         </p:spPr>
         <p:txBody>
-          <a:bodyPr anchorCtr="0" anchor="t" bIns="91425" lIns="91425" spcFirstLastPara="1" rIns="91425" wrap="square" tIns="91425">
+          <a:bodyPr spcFirstLastPara="1" wrap="square" lIns="91425" tIns="91425" rIns="91425" bIns="91425" anchor="t" anchorCtr="0">
             <a:noAutofit/>
           </a:bodyPr>
           <a:lstStyle/>
           <a:p>
-            <a:pPr indent="0" lvl="0" marL="0" rtl="0" algn="l">
+            <a:pPr marL="0" lvl="0" indent="0" algn="l" rtl="0">
               <a:lnSpc>
                 <a:spcPct val="100000"/>
               </a:lnSpc>
@@ -1167,9 +1196,6 @@
               <a:buSzPts val="1100"/>
               <a:buNone/>
             </a:pPr>
-            <a:r>
-              <a:t/>
-            </a:r>
             <a:endParaRPr/>
           </a:p>
         </p:txBody>
@@ -1183,11 +1209,11 @@
 </file>
 
 <file path=ppt/notesSlides/notesSlide4.xml><?xml version="1.0" encoding="utf-8"?>
-<p:notes xmlns:a="http://schemas.openxmlformats.org/drawingml/2006/main" xmlns:r="http://schemas.openxmlformats.org/officeDocument/2006/relationships" xmlns:mc="http://schemas.openxmlformats.org/markup-compatibility/2006" xmlns:mv="urn:schemas-microsoft-com:mac:vml" xmlns:p="http://schemas.openxmlformats.org/presentationml/2006/main" xmlns:c="http://schemas.openxmlformats.org/drawingml/2006/chart" xmlns:dgm="http://schemas.openxmlformats.org/drawingml/2006/diagram" xmlns:o="urn:schemas-microsoft-com:office:office" xmlns:v="urn:schemas-microsoft-com:vml" xmlns:pvml="urn:schemas-microsoft-com:office:powerpoint" xmlns:com="http://schemas.openxmlformats.org/drawingml/2006/compatibility" xmlns:p14="http://schemas.microsoft.com/office/powerpoint/2010/main" xmlns:p15="http://schemas.microsoft.com/office/powerpoint/2012/main" xmlns:ahyp="http://schemas.microsoft.com/office/drawing/2018/hyperlinkcolor" showMasterPhAnim="0" showMasterSp="0">
+<p:notes xmlns:a="http://schemas.openxmlformats.org/drawingml/2006/main" xmlns:r="http://schemas.openxmlformats.org/officeDocument/2006/relationships" xmlns:p="http://schemas.openxmlformats.org/presentationml/2006/main" showMasterSp="0" showMasterPhAnim="0">
   <p:cSld>
     <p:spTree>
       <p:nvGrpSpPr>
-        <p:cNvPr id="68" name="Shape 68"/>
+        <p:cNvPr id="1" name="Shape 68"/>
         <p:cNvGrpSpPr/>
         <p:nvPr/>
       </p:nvGrpSpPr>
@@ -1202,9 +1228,11 @@
       <p:sp>
         <p:nvSpPr>
           <p:cNvPr id="69" name="Google Shape;69;p4:notes"/>
-          <p:cNvSpPr/>
+          <p:cNvSpPr>
+            <a:spLocks noGrp="1" noRot="1" noChangeAspect="1"/>
+          </p:cNvSpPr>
           <p:nvPr>
-            <p:ph idx="2" type="sldImg"/>
+            <p:ph type="sldImg" idx="2"/>
           </p:nvPr>
         </p:nvSpPr>
         <p:spPr>
@@ -1213,9 +1241,13 @@
             <a:ext cx="6096000" cy="3429000"/>
           </a:xfrm>
           <a:custGeom>
-            <a:rect b="b" l="l" r="r" t="t"/>
+            <a:avLst/>
+            <a:gdLst/>
+            <a:ahLst/>
+            <a:cxnLst/>
+            <a:rect l="l" t="t" r="r" b="b"/>
             <a:pathLst>
-              <a:path extrusionOk="0" h="120000" w="120000">
+              <a:path w="120000" h="120000" extrusionOk="0">
                 <a:moveTo>
                   <a:pt x="0" y="0"/>
                 </a:moveTo>
@@ -1233,23 +1265,25 @@
             </a:pathLst>
           </a:custGeom>
           <a:noFill/>
-          <a:ln cap="flat" cmpd="sng" w="9525">
+          <a:ln w="9525" cap="flat" cmpd="sng">
             <a:solidFill>
               <a:srgbClr val="000000"/>
             </a:solidFill>
             <a:prstDash val="solid"/>
             <a:round/>
-            <a:headEnd len="sm" w="sm" type="none"/>
-            <a:tailEnd len="sm" w="sm" type="none"/>
+            <a:headEnd type="none" w="sm" len="sm"/>
+            <a:tailEnd type="none" w="sm" len="sm"/>
           </a:ln>
         </p:spPr>
       </p:sp>
       <p:sp>
         <p:nvSpPr>
           <p:cNvPr id="70" name="Google Shape;70;p4:notes"/>
-          <p:cNvSpPr txBox="1"/>
+          <p:cNvSpPr txBox="1">
+            <a:spLocks noGrp="1"/>
+          </p:cNvSpPr>
           <p:nvPr>
-            <p:ph idx="1" type="body"/>
+            <p:ph type="body" idx="1"/>
           </p:nvPr>
         </p:nvSpPr>
         <p:spPr>
@@ -1266,12 +1300,12 @@
           </a:ln>
         </p:spPr>
         <p:txBody>
-          <a:bodyPr anchorCtr="0" anchor="t" bIns="91425" lIns="91425" spcFirstLastPara="1" rIns="91425" wrap="square" tIns="91425">
+          <a:bodyPr spcFirstLastPara="1" wrap="square" lIns="91425" tIns="91425" rIns="91425" bIns="91425" anchor="t" anchorCtr="0">
             <a:noAutofit/>
           </a:bodyPr>
           <a:lstStyle/>
           <a:p>
-            <a:pPr indent="0" lvl="0" marL="0" rtl="0" algn="l">
+            <a:pPr marL="0" lvl="0" indent="0" algn="l" rtl="0">
               <a:lnSpc>
                 <a:spcPct val="100000"/>
               </a:lnSpc>
@@ -1284,9 +1318,6 @@
               <a:buSzPts val="1100"/>
               <a:buNone/>
             </a:pPr>
-            <a:r>
-              <a:t/>
-            </a:r>
             <a:endParaRPr/>
           </a:p>
         </p:txBody>
@@ -1300,11 +1331,11 @@
 </file>
 
 <file path=ppt/slideLayouts/slideLayout1.xml><?xml version="1.0" encoding="utf-8"?>
-<p:sldLayout xmlns:a="http://schemas.openxmlformats.org/drawingml/2006/main" xmlns:r="http://schemas.openxmlformats.org/officeDocument/2006/relationships" xmlns:mc="http://schemas.openxmlformats.org/markup-compatibility/2006" xmlns:mv="urn:schemas-microsoft-com:mac:vml" xmlns:p="http://schemas.openxmlformats.org/presentationml/2006/main" xmlns:c="http://schemas.openxmlformats.org/drawingml/2006/chart" xmlns:dgm="http://schemas.openxmlformats.org/drawingml/2006/diagram" xmlns:o="urn:schemas-microsoft-com:office:office" xmlns:v="urn:schemas-microsoft-com:vml" xmlns:pvml="urn:schemas-microsoft-com:office:powerpoint" xmlns:com="http://schemas.openxmlformats.org/drawingml/2006/compatibility" xmlns:p14="http://schemas.microsoft.com/office/powerpoint/2010/main" xmlns:p15="http://schemas.microsoft.com/office/powerpoint/2012/main" xmlns:ahyp="http://schemas.microsoft.com/office/drawing/2018/hyperlinkcolor" matchingName="Title and body" type="tx">
+<p:sldLayout xmlns:a="http://schemas.openxmlformats.org/drawingml/2006/main" xmlns:r="http://schemas.openxmlformats.org/officeDocument/2006/relationships" xmlns:p="http://schemas.openxmlformats.org/presentationml/2006/main" matchingName="Title and body" type="tx">
   <p:cSld name="TITLE_AND_BODY">
     <p:spTree>
       <p:nvGrpSpPr>
-        <p:cNvPr id="9" name="Shape 9"/>
+        <p:cNvPr id="1" name="Shape 9"/>
         <p:cNvGrpSpPr/>
         <p:nvPr/>
       </p:nvGrpSpPr>
@@ -1319,7 +1350,9 @@
       <p:sp>
         <p:nvSpPr>
           <p:cNvPr id="10" name="Google Shape;10;p2"/>
-          <p:cNvSpPr txBox="1"/>
+          <p:cNvSpPr txBox="1">
+            <a:spLocks noGrp="1"/>
+          </p:cNvSpPr>
           <p:nvPr>
             <p:ph type="title"/>
           </p:nvPr>
@@ -1338,7 +1371,7 @@
           </a:ln>
         </p:spPr>
         <p:txBody>
-          <a:bodyPr anchorCtr="0" anchor="t" bIns="91425" lIns="91425" spcFirstLastPara="1" rIns="91425" wrap="square" tIns="91425">
+          <a:bodyPr spcFirstLastPara="1" wrap="square" lIns="91425" tIns="91425" rIns="91425" bIns="91425" anchor="t" anchorCtr="0">
             <a:normAutofit/>
           </a:bodyPr>
           <a:lstStyle>
@@ -1469,15 +1502,19 @@
               <a:defRPr/>
             </a:lvl9pPr>
           </a:lstStyle>
-          <a:p/>
+          <a:p>
+            <a:endParaRPr/>
+          </a:p>
         </p:txBody>
       </p:sp>
       <p:sp>
         <p:nvSpPr>
           <p:cNvPr id="11" name="Google Shape;11;p2"/>
-          <p:cNvSpPr txBox="1"/>
+          <p:cNvSpPr txBox="1">
+            <a:spLocks noGrp="1"/>
+          </p:cNvSpPr>
           <p:nvPr>
-            <p:ph idx="1" type="body"/>
+            <p:ph type="body" idx="1"/>
           </p:nvPr>
         </p:nvSpPr>
         <p:spPr>
@@ -1494,11 +1531,11 @@
           </a:ln>
         </p:spPr>
         <p:txBody>
-          <a:bodyPr anchorCtr="0" anchor="t" bIns="91425" lIns="91425" spcFirstLastPara="1" rIns="91425" wrap="square" tIns="91425">
+          <a:bodyPr spcFirstLastPara="1" wrap="square" lIns="91425" tIns="91425" rIns="91425" bIns="91425" anchor="t" anchorCtr="0">
             <a:normAutofit/>
           </a:bodyPr>
           <a:lstStyle>
-            <a:lvl1pPr indent="-342900" lvl="0" marL="457200" algn="l">
+            <a:lvl1pPr marL="457200" lvl="0" indent="-342900" algn="l">
               <a:lnSpc>
                 <a:spcPct val="115000"/>
               </a:lnSpc>
@@ -1512,7 +1549,7 @@
               <a:buChar char="●"/>
               <a:defRPr/>
             </a:lvl1pPr>
-            <a:lvl2pPr indent="-317500" lvl="1" marL="914400" algn="l">
+            <a:lvl2pPr marL="914400" lvl="1" indent="-317500" algn="l">
               <a:lnSpc>
                 <a:spcPct val="115000"/>
               </a:lnSpc>
@@ -1526,7 +1563,7 @@
               <a:buChar char="○"/>
               <a:defRPr/>
             </a:lvl2pPr>
-            <a:lvl3pPr indent="-317500" lvl="2" marL="1371600" algn="l">
+            <a:lvl3pPr marL="1371600" lvl="2" indent="-317500" algn="l">
               <a:lnSpc>
                 <a:spcPct val="115000"/>
               </a:lnSpc>
@@ -1540,7 +1577,7 @@
               <a:buChar char="■"/>
               <a:defRPr/>
             </a:lvl3pPr>
-            <a:lvl4pPr indent="-317500" lvl="3" marL="1828800" algn="l">
+            <a:lvl4pPr marL="1828800" lvl="3" indent="-317500" algn="l">
               <a:lnSpc>
                 <a:spcPct val="115000"/>
               </a:lnSpc>
@@ -1554,7 +1591,7 @@
               <a:buChar char="●"/>
               <a:defRPr/>
             </a:lvl4pPr>
-            <a:lvl5pPr indent="-317500" lvl="4" marL="2286000" algn="l">
+            <a:lvl5pPr marL="2286000" lvl="4" indent="-317500" algn="l">
               <a:lnSpc>
                 <a:spcPct val="115000"/>
               </a:lnSpc>
@@ -1568,7 +1605,7 @@
               <a:buChar char="○"/>
               <a:defRPr/>
             </a:lvl5pPr>
-            <a:lvl6pPr indent="-317500" lvl="5" marL="2743200" algn="l">
+            <a:lvl6pPr marL="2743200" lvl="5" indent="-317500" algn="l">
               <a:lnSpc>
                 <a:spcPct val="115000"/>
               </a:lnSpc>
@@ -1582,7 +1619,7 @@
               <a:buChar char="■"/>
               <a:defRPr/>
             </a:lvl6pPr>
-            <a:lvl7pPr indent="-317500" lvl="6" marL="3200400" algn="l">
+            <a:lvl7pPr marL="3200400" lvl="6" indent="-317500" algn="l">
               <a:lnSpc>
                 <a:spcPct val="115000"/>
               </a:lnSpc>
@@ -1596,7 +1633,7 @@
               <a:buChar char="●"/>
               <a:defRPr/>
             </a:lvl7pPr>
-            <a:lvl8pPr indent="-317500" lvl="7" marL="3657600" algn="l">
+            <a:lvl8pPr marL="3657600" lvl="7" indent="-317500" algn="l">
               <a:lnSpc>
                 <a:spcPct val="115000"/>
               </a:lnSpc>
@@ -1610,7 +1647,7 @@
               <a:buChar char="○"/>
               <a:defRPr/>
             </a:lvl8pPr>
-            <a:lvl9pPr indent="-317500" lvl="8" marL="4114800" algn="l">
+            <a:lvl9pPr marL="4114800" lvl="8" indent="-317500" algn="l">
               <a:lnSpc>
                 <a:spcPct val="115000"/>
               </a:lnSpc>
@@ -1625,15 +1662,19 @@
               <a:defRPr/>
             </a:lvl9pPr>
           </a:lstStyle>
-          <a:p/>
+          <a:p>
+            <a:endParaRPr/>
+          </a:p>
         </p:txBody>
       </p:sp>
       <p:sp>
         <p:nvSpPr>
           <p:cNvPr id="12" name="Google Shape;12;p2"/>
-          <p:cNvSpPr txBox="1"/>
+          <p:cNvSpPr txBox="1">
+            <a:spLocks noGrp="1"/>
+          </p:cNvSpPr>
           <p:nvPr>
-            <p:ph idx="12" type="sldNum"/>
+            <p:ph type="sldNum" idx="12"/>
           </p:nvPr>
         </p:nvSpPr>
         <p:spPr>
@@ -1650,11 +1691,11 @@
           </a:ln>
         </p:spPr>
         <p:txBody>
-          <a:bodyPr anchorCtr="0" anchor="ctr" bIns="91425" lIns="91425" spcFirstLastPara="1" rIns="91425" wrap="square" tIns="91425">
+          <a:bodyPr spcFirstLastPara="1" wrap="square" lIns="91425" tIns="91425" rIns="91425" bIns="91425" anchor="ctr" anchorCtr="0">
             <a:normAutofit/>
           </a:bodyPr>
           <a:lstStyle>
-            <a:lvl1pPr indent="0" lvl="0" marL="0" marR="0" algn="r">
+            <a:lvl1pPr marL="0" marR="0" lvl="0" indent="0" algn="r">
               <a:lnSpc>
                 <a:spcPct val="100000"/>
               </a:lnSpc>
@@ -1670,7 +1711,7 @@
               <a:buSzPts val="1000"/>
               <a:buFont typeface="Arial"/>
               <a:buNone/>
-              <a:defRPr b="0" i="0" sz="1000" u="none" cap="none" strike="noStrike">
+              <a:defRPr sz="1000" b="0" i="0" u="none" strike="noStrike" cap="none">
                 <a:solidFill>
                   <a:schemeClr val="dk2"/>
                 </a:solidFill>
@@ -1680,7 +1721,7 @@
                 <a:sym typeface="Arial"/>
               </a:defRPr>
             </a:lvl1pPr>
-            <a:lvl2pPr indent="0" lvl="1" marL="0" marR="0" algn="r">
+            <a:lvl2pPr marL="0" marR="0" lvl="1" indent="0" algn="r">
               <a:lnSpc>
                 <a:spcPct val="100000"/>
               </a:lnSpc>
@@ -1696,7 +1737,7 @@
               <a:buSzPts val="1000"/>
               <a:buFont typeface="Arial"/>
               <a:buNone/>
-              <a:defRPr b="0" i="0" sz="1000" u="none" cap="none" strike="noStrike">
+              <a:defRPr sz="1000" b="0" i="0" u="none" strike="noStrike" cap="none">
                 <a:solidFill>
                   <a:schemeClr val="dk2"/>
                 </a:solidFill>
@@ -1706,7 +1747,7 @@
                 <a:sym typeface="Arial"/>
               </a:defRPr>
             </a:lvl2pPr>
-            <a:lvl3pPr indent="0" lvl="2" marL="0" marR="0" algn="r">
+            <a:lvl3pPr marL="0" marR="0" lvl="2" indent="0" algn="r">
               <a:lnSpc>
                 <a:spcPct val="100000"/>
               </a:lnSpc>
@@ -1722,7 +1763,7 @@
               <a:buSzPts val="1000"/>
               <a:buFont typeface="Arial"/>
               <a:buNone/>
-              <a:defRPr b="0" i="0" sz="1000" u="none" cap="none" strike="noStrike">
+              <a:defRPr sz="1000" b="0" i="0" u="none" strike="noStrike" cap="none">
                 <a:solidFill>
                   <a:schemeClr val="dk2"/>
                 </a:solidFill>
@@ -1732,7 +1773,7 @@
                 <a:sym typeface="Arial"/>
               </a:defRPr>
             </a:lvl3pPr>
-            <a:lvl4pPr indent="0" lvl="3" marL="0" marR="0" algn="r">
+            <a:lvl4pPr marL="0" marR="0" lvl="3" indent="0" algn="r">
               <a:lnSpc>
                 <a:spcPct val="100000"/>
               </a:lnSpc>
@@ -1748,7 +1789,7 @@
               <a:buSzPts val="1000"/>
               <a:buFont typeface="Arial"/>
               <a:buNone/>
-              <a:defRPr b="0" i="0" sz="1000" u="none" cap="none" strike="noStrike">
+              <a:defRPr sz="1000" b="0" i="0" u="none" strike="noStrike" cap="none">
                 <a:solidFill>
                   <a:schemeClr val="dk2"/>
                 </a:solidFill>
@@ -1758,7 +1799,7 @@
                 <a:sym typeface="Arial"/>
               </a:defRPr>
             </a:lvl4pPr>
-            <a:lvl5pPr indent="0" lvl="4" marL="0" marR="0" algn="r">
+            <a:lvl5pPr marL="0" marR="0" lvl="4" indent="0" algn="r">
               <a:lnSpc>
                 <a:spcPct val="100000"/>
               </a:lnSpc>
@@ -1774,7 +1815,7 @@
               <a:buSzPts val="1000"/>
               <a:buFont typeface="Arial"/>
               <a:buNone/>
-              <a:defRPr b="0" i="0" sz="1000" u="none" cap="none" strike="noStrike">
+              <a:defRPr sz="1000" b="0" i="0" u="none" strike="noStrike" cap="none">
                 <a:solidFill>
                   <a:schemeClr val="dk2"/>
                 </a:solidFill>
@@ -1784,7 +1825,7 @@
                 <a:sym typeface="Arial"/>
               </a:defRPr>
             </a:lvl5pPr>
-            <a:lvl6pPr indent="0" lvl="5" marL="0" marR="0" algn="r">
+            <a:lvl6pPr marL="0" marR="0" lvl="5" indent="0" algn="r">
               <a:lnSpc>
                 <a:spcPct val="100000"/>
               </a:lnSpc>
@@ -1800,7 +1841,7 @@
               <a:buSzPts val="1000"/>
               <a:buFont typeface="Arial"/>
               <a:buNone/>
-              <a:defRPr b="0" i="0" sz="1000" u="none" cap="none" strike="noStrike">
+              <a:defRPr sz="1000" b="0" i="0" u="none" strike="noStrike" cap="none">
                 <a:solidFill>
                   <a:schemeClr val="dk2"/>
                 </a:solidFill>
@@ -1810,7 +1851,7 @@
                 <a:sym typeface="Arial"/>
               </a:defRPr>
             </a:lvl6pPr>
-            <a:lvl7pPr indent="0" lvl="6" marL="0" marR="0" algn="r">
+            <a:lvl7pPr marL="0" marR="0" lvl="6" indent="0" algn="r">
               <a:lnSpc>
                 <a:spcPct val="100000"/>
               </a:lnSpc>
@@ -1826,7 +1867,7 @@
               <a:buSzPts val="1000"/>
               <a:buFont typeface="Arial"/>
               <a:buNone/>
-              <a:defRPr b="0" i="0" sz="1000" u="none" cap="none" strike="noStrike">
+              <a:defRPr sz="1000" b="0" i="0" u="none" strike="noStrike" cap="none">
                 <a:solidFill>
                   <a:schemeClr val="dk2"/>
                 </a:solidFill>
@@ -1836,7 +1877,7 @@
                 <a:sym typeface="Arial"/>
               </a:defRPr>
             </a:lvl7pPr>
-            <a:lvl8pPr indent="0" lvl="7" marL="0" marR="0" algn="r">
+            <a:lvl8pPr marL="0" marR="0" lvl="7" indent="0" algn="r">
               <a:lnSpc>
                 <a:spcPct val="100000"/>
               </a:lnSpc>
@@ -1852,7 +1893,7 @@
               <a:buSzPts val="1000"/>
               <a:buFont typeface="Arial"/>
               <a:buNone/>
-              <a:defRPr b="0" i="0" sz="1000" u="none" cap="none" strike="noStrike">
+              <a:defRPr sz="1000" b="0" i="0" u="none" strike="noStrike" cap="none">
                 <a:solidFill>
                   <a:schemeClr val="dk2"/>
                 </a:solidFill>
@@ -1862,7 +1903,7 @@
                 <a:sym typeface="Arial"/>
               </a:defRPr>
             </a:lvl8pPr>
-            <a:lvl9pPr indent="0" lvl="8" marL="0" marR="0" algn="r">
+            <a:lvl9pPr marL="0" marR="0" lvl="8" indent="0" algn="r">
               <a:lnSpc>
                 <a:spcPct val="100000"/>
               </a:lnSpc>
@@ -1878,7 +1919,7 @@
               <a:buSzPts val="1000"/>
               <a:buFont typeface="Arial"/>
               <a:buNone/>
-              <a:defRPr b="0" i="0" sz="1000" u="none" cap="none" strike="noStrike">
+              <a:defRPr sz="1000" b="0" i="0" u="none" strike="noStrike" cap="none">
                 <a:solidFill>
                   <a:schemeClr val="dk2"/>
                 </a:solidFill>
@@ -1890,7 +1931,7 @@
             </a:lvl9pPr>
           </a:lstStyle>
           <a:p>
-            <a:pPr indent="0" lvl="0" marL="0" rtl="0" algn="r">
+            <a:pPr marL="0" lvl="0" indent="0" algn="r" rtl="0">
               <a:spcBef>
                 <a:spcPts val="0"/>
               </a:spcBef>
@@ -1916,11 +1957,11 @@
 </file>
 
 <file path=ppt/slideLayouts/slideLayout10.xml><?xml version="1.0" encoding="utf-8"?>
-<p:sldLayout xmlns:a="http://schemas.openxmlformats.org/drawingml/2006/main" xmlns:r="http://schemas.openxmlformats.org/officeDocument/2006/relationships" xmlns:mc="http://schemas.openxmlformats.org/markup-compatibility/2006" xmlns:mv="urn:schemas-microsoft-com:mac:vml" xmlns:p="http://schemas.openxmlformats.org/presentationml/2006/main" xmlns:c="http://schemas.openxmlformats.org/drawingml/2006/chart" xmlns:dgm="http://schemas.openxmlformats.org/drawingml/2006/diagram" xmlns:o="urn:schemas-microsoft-com:office:office" xmlns:v="urn:schemas-microsoft-com:vml" xmlns:pvml="urn:schemas-microsoft-com:office:powerpoint" xmlns:com="http://schemas.openxmlformats.org/drawingml/2006/compatibility" xmlns:p14="http://schemas.microsoft.com/office/powerpoint/2010/main" xmlns:p15="http://schemas.microsoft.com/office/powerpoint/2012/main" xmlns:ahyp="http://schemas.microsoft.com/office/drawing/2018/hyperlinkcolor" matchingName="Big number">
+<p:sldLayout xmlns:a="http://schemas.openxmlformats.org/drawingml/2006/main" xmlns:r="http://schemas.openxmlformats.org/officeDocument/2006/relationships" xmlns:p="http://schemas.openxmlformats.org/presentationml/2006/main" matchingName="Big number">
   <p:cSld name="BIG_NUMBER">
     <p:spTree>
       <p:nvGrpSpPr>
-        <p:cNvPr id="44" name="Shape 44"/>
+        <p:cNvPr id="1" name="Shape 44"/>
         <p:cNvGrpSpPr/>
         <p:nvPr/>
       </p:nvGrpSpPr>
@@ -1935,9 +1976,11 @@
       <p:sp>
         <p:nvSpPr>
           <p:cNvPr id="45" name="Google Shape;45;p11"/>
-          <p:cNvSpPr txBox="1"/>
+          <p:cNvSpPr txBox="1">
+            <a:spLocks noGrp="1"/>
+          </p:cNvSpPr>
           <p:nvPr>
-            <p:ph hasCustomPrompt="1" type="title"/>
+            <p:ph type="title" hasCustomPrompt="1"/>
           </p:nvPr>
         </p:nvSpPr>
         <p:spPr>
@@ -1954,7 +1997,7 @@
           </a:ln>
         </p:spPr>
         <p:txBody>
-          <a:bodyPr anchorCtr="0" anchor="b" bIns="91425" lIns="91425" spcFirstLastPara="1" rIns="91425" wrap="square" tIns="91425">
+          <a:bodyPr spcFirstLastPara="1" wrap="square" lIns="91425" tIns="91425" rIns="91425" bIns="91425" anchor="b" anchorCtr="0">
             <a:normAutofit/>
           </a:bodyPr>
           <a:lstStyle>
@@ -2095,9 +2138,11 @@
       <p:sp>
         <p:nvSpPr>
           <p:cNvPr id="46" name="Google Shape;46;p11"/>
-          <p:cNvSpPr txBox="1"/>
+          <p:cNvSpPr txBox="1">
+            <a:spLocks noGrp="1"/>
+          </p:cNvSpPr>
           <p:nvPr>
-            <p:ph idx="1" type="body"/>
+            <p:ph type="body" idx="1"/>
           </p:nvPr>
         </p:nvSpPr>
         <p:spPr>
@@ -2114,11 +2159,11 @@
           </a:ln>
         </p:spPr>
         <p:txBody>
-          <a:bodyPr anchorCtr="0" anchor="t" bIns="91425" lIns="91425" spcFirstLastPara="1" rIns="91425" wrap="square" tIns="91425">
+          <a:bodyPr spcFirstLastPara="1" wrap="square" lIns="91425" tIns="91425" rIns="91425" bIns="91425" anchor="t" anchorCtr="0">
             <a:normAutofit/>
           </a:bodyPr>
           <a:lstStyle>
-            <a:lvl1pPr indent="-342900" lvl="0" marL="457200" algn="ctr">
+            <a:lvl1pPr marL="457200" lvl="0" indent="-342900" algn="ctr">
               <a:lnSpc>
                 <a:spcPct val="115000"/>
               </a:lnSpc>
@@ -2132,7 +2177,7 @@
               <a:buChar char="●"/>
               <a:defRPr/>
             </a:lvl1pPr>
-            <a:lvl2pPr indent="-317500" lvl="1" marL="914400" algn="ctr">
+            <a:lvl2pPr marL="914400" lvl="1" indent="-317500" algn="ctr">
               <a:lnSpc>
                 <a:spcPct val="115000"/>
               </a:lnSpc>
@@ -2146,7 +2191,7 @@
               <a:buChar char="○"/>
               <a:defRPr/>
             </a:lvl2pPr>
-            <a:lvl3pPr indent="-317500" lvl="2" marL="1371600" algn="ctr">
+            <a:lvl3pPr marL="1371600" lvl="2" indent="-317500" algn="ctr">
               <a:lnSpc>
                 <a:spcPct val="115000"/>
               </a:lnSpc>
@@ -2160,7 +2205,7 @@
               <a:buChar char="■"/>
               <a:defRPr/>
             </a:lvl3pPr>
-            <a:lvl4pPr indent="-317500" lvl="3" marL="1828800" algn="ctr">
+            <a:lvl4pPr marL="1828800" lvl="3" indent="-317500" algn="ctr">
               <a:lnSpc>
                 <a:spcPct val="115000"/>
               </a:lnSpc>
@@ -2174,7 +2219,7 @@
               <a:buChar char="●"/>
               <a:defRPr/>
             </a:lvl4pPr>
-            <a:lvl5pPr indent="-317500" lvl="4" marL="2286000" algn="ctr">
+            <a:lvl5pPr marL="2286000" lvl="4" indent="-317500" algn="ctr">
               <a:lnSpc>
                 <a:spcPct val="115000"/>
               </a:lnSpc>
@@ -2188,7 +2233,7 @@
               <a:buChar char="○"/>
               <a:defRPr/>
             </a:lvl5pPr>
-            <a:lvl6pPr indent="-317500" lvl="5" marL="2743200" algn="ctr">
+            <a:lvl6pPr marL="2743200" lvl="5" indent="-317500" algn="ctr">
               <a:lnSpc>
                 <a:spcPct val="115000"/>
               </a:lnSpc>
@@ -2202,7 +2247,7 @@
               <a:buChar char="■"/>
               <a:defRPr/>
             </a:lvl6pPr>
-            <a:lvl7pPr indent="-317500" lvl="6" marL="3200400" algn="ctr">
+            <a:lvl7pPr marL="3200400" lvl="6" indent="-317500" algn="ctr">
               <a:lnSpc>
                 <a:spcPct val="115000"/>
               </a:lnSpc>
@@ -2216,7 +2261,7 @@
               <a:buChar char="●"/>
               <a:defRPr/>
             </a:lvl7pPr>
-            <a:lvl8pPr indent="-317500" lvl="7" marL="3657600" algn="ctr">
+            <a:lvl8pPr marL="3657600" lvl="7" indent="-317500" algn="ctr">
               <a:lnSpc>
                 <a:spcPct val="115000"/>
               </a:lnSpc>
@@ -2230,7 +2275,7 @@
               <a:buChar char="○"/>
               <a:defRPr/>
             </a:lvl8pPr>
-            <a:lvl9pPr indent="-317500" lvl="8" marL="4114800" algn="ctr">
+            <a:lvl9pPr marL="4114800" lvl="8" indent="-317500" algn="ctr">
               <a:lnSpc>
                 <a:spcPct val="115000"/>
               </a:lnSpc>
@@ -2245,15 +2290,19 @@
               <a:defRPr/>
             </a:lvl9pPr>
           </a:lstStyle>
-          <a:p/>
+          <a:p>
+            <a:endParaRPr/>
+          </a:p>
         </p:txBody>
       </p:sp>
       <p:sp>
         <p:nvSpPr>
           <p:cNvPr id="47" name="Google Shape;47;p11"/>
-          <p:cNvSpPr txBox="1"/>
+          <p:cNvSpPr txBox="1">
+            <a:spLocks noGrp="1"/>
+          </p:cNvSpPr>
           <p:nvPr>
-            <p:ph idx="12" type="sldNum"/>
+            <p:ph type="sldNum" idx="12"/>
           </p:nvPr>
         </p:nvSpPr>
         <p:spPr>
@@ -2270,11 +2319,11 @@
           </a:ln>
         </p:spPr>
         <p:txBody>
-          <a:bodyPr anchorCtr="0" anchor="ctr" bIns="91425" lIns="91425" spcFirstLastPara="1" rIns="91425" wrap="square" tIns="91425">
+          <a:bodyPr spcFirstLastPara="1" wrap="square" lIns="91425" tIns="91425" rIns="91425" bIns="91425" anchor="ctr" anchorCtr="0">
             <a:normAutofit/>
           </a:bodyPr>
           <a:lstStyle>
-            <a:lvl1pPr indent="0" lvl="0" marL="0" marR="0" algn="r">
+            <a:lvl1pPr marL="0" marR="0" lvl="0" indent="0" algn="r">
               <a:lnSpc>
                 <a:spcPct val="100000"/>
               </a:lnSpc>
@@ -2290,7 +2339,7 @@
               <a:buSzPts val="1000"/>
               <a:buFont typeface="Arial"/>
               <a:buNone/>
-              <a:defRPr b="0" i="0" sz="1000" u="none" cap="none" strike="noStrike">
+              <a:defRPr sz="1000" b="0" i="0" u="none" strike="noStrike" cap="none">
                 <a:solidFill>
                   <a:schemeClr val="dk2"/>
                 </a:solidFill>
@@ -2300,7 +2349,7 @@
                 <a:sym typeface="Arial"/>
               </a:defRPr>
             </a:lvl1pPr>
-            <a:lvl2pPr indent="0" lvl="1" marL="0" marR="0" algn="r">
+            <a:lvl2pPr marL="0" marR="0" lvl="1" indent="0" algn="r">
               <a:lnSpc>
                 <a:spcPct val="100000"/>
               </a:lnSpc>
@@ -2316,7 +2365,7 @@
               <a:buSzPts val="1000"/>
               <a:buFont typeface="Arial"/>
               <a:buNone/>
-              <a:defRPr b="0" i="0" sz="1000" u="none" cap="none" strike="noStrike">
+              <a:defRPr sz="1000" b="0" i="0" u="none" strike="noStrike" cap="none">
                 <a:solidFill>
                   <a:schemeClr val="dk2"/>
                 </a:solidFill>
@@ -2326,7 +2375,7 @@
                 <a:sym typeface="Arial"/>
               </a:defRPr>
             </a:lvl2pPr>
-            <a:lvl3pPr indent="0" lvl="2" marL="0" marR="0" algn="r">
+            <a:lvl3pPr marL="0" marR="0" lvl="2" indent="0" algn="r">
               <a:lnSpc>
                 <a:spcPct val="100000"/>
               </a:lnSpc>
@@ -2342,7 +2391,7 @@
               <a:buSzPts val="1000"/>
               <a:buFont typeface="Arial"/>
               <a:buNone/>
-              <a:defRPr b="0" i="0" sz="1000" u="none" cap="none" strike="noStrike">
+              <a:defRPr sz="1000" b="0" i="0" u="none" strike="noStrike" cap="none">
                 <a:solidFill>
                   <a:schemeClr val="dk2"/>
                 </a:solidFill>
@@ -2352,7 +2401,7 @@
                 <a:sym typeface="Arial"/>
               </a:defRPr>
             </a:lvl3pPr>
-            <a:lvl4pPr indent="0" lvl="3" marL="0" marR="0" algn="r">
+            <a:lvl4pPr marL="0" marR="0" lvl="3" indent="0" algn="r">
               <a:lnSpc>
                 <a:spcPct val="100000"/>
               </a:lnSpc>
@@ -2368,7 +2417,7 @@
               <a:buSzPts val="1000"/>
               <a:buFont typeface="Arial"/>
               <a:buNone/>
-              <a:defRPr b="0" i="0" sz="1000" u="none" cap="none" strike="noStrike">
+              <a:defRPr sz="1000" b="0" i="0" u="none" strike="noStrike" cap="none">
                 <a:solidFill>
                   <a:schemeClr val="dk2"/>
                 </a:solidFill>
@@ -2378,7 +2427,7 @@
                 <a:sym typeface="Arial"/>
               </a:defRPr>
             </a:lvl4pPr>
-            <a:lvl5pPr indent="0" lvl="4" marL="0" marR="0" algn="r">
+            <a:lvl5pPr marL="0" marR="0" lvl="4" indent="0" algn="r">
               <a:lnSpc>
                 <a:spcPct val="100000"/>
               </a:lnSpc>
@@ -2394,7 +2443,7 @@
               <a:buSzPts val="1000"/>
               <a:buFont typeface="Arial"/>
               <a:buNone/>
-              <a:defRPr b="0" i="0" sz="1000" u="none" cap="none" strike="noStrike">
+              <a:defRPr sz="1000" b="0" i="0" u="none" strike="noStrike" cap="none">
                 <a:solidFill>
                   <a:schemeClr val="dk2"/>
                 </a:solidFill>
@@ -2404,7 +2453,7 @@
                 <a:sym typeface="Arial"/>
               </a:defRPr>
             </a:lvl5pPr>
-            <a:lvl6pPr indent="0" lvl="5" marL="0" marR="0" algn="r">
+            <a:lvl6pPr marL="0" marR="0" lvl="5" indent="0" algn="r">
               <a:lnSpc>
                 <a:spcPct val="100000"/>
               </a:lnSpc>
@@ -2420,7 +2469,7 @@
               <a:buSzPts val="1000"/>
               <a:buFont typeface="Arial"/>
               <a:buNone/>
-              <a:defRPr b="0" i="0" sz="1000" u="none" cap="none" strike="noStrike">
+              <a:defRPr sz="1000" b="0" i="0" u="none" strike="noStrike" cap="none">
                 <a:solidFill>
                   <a:schemeClr val="dk2"/>
                 </a:solidFill>
@@ -2430,7 +2479,7 @@
                 <a:sym typeface="Arial"/>
               </a:defRPr>
             </a:lvl6pPr>
-            <a:lvl7pPr indent="0" lvl="6" marL="0" marR="0" algn="r">
+            <a:lvl7pPr marL="0" marR="0" lvl="6" indent="0" algn="r">
               <a:lnSpc>
                 <a:spcPct val="100000"/>
               </a:lnSpc>
@@ -2446,7 +2495,7 @@
               <a:buSzPts val="1000"/>
               <a:buFont typeface="Arial"/>
               <a:buNone/>
-              <a:defRPr b="0" i="0" sz="1000" u="none" cap="none" strike="noStrike">
+              <a:defRPr sz="1000" b="0" i="0" u="none" strike="noStrike" cap="none">
                 <a:solidFill>
                   <a:schemeClr val="dk2"/>
                 </a:solidFill>
@@ -2456,7 +2505,7 @@
                 <a:sym typeface="Arial"/>
               </a:defRPr>
             </a:lvl7pPr>
-            <a:lvl8pPr indent="0" lvl="7" marL="0" marR="0" algn="r">
+            <a:lvl8pPr marL="0" marR="0" lvl="7" indent="0" algn="r">
               <a:lnSpc>
                 <a:spcPct val="100000"/>
               </a:lnSpc>
@@ -2472,7 +2521,7 @@
               <a:buSzPts val="1000"/>
               <a:buFont typeface="Arial"/>
               <a:buNone/>
-              <a:defRPr b="0" i="0" sz="1000" u="none" cap="none" strike="noStrike">
+              <a:defRPr sz="1000" b="0" i="0" u="none" strike="noStrike" cap="none">
                 <a:solidFill>
                   <a:schemeClr val="dk2"/>
                 </a:solidFill>
@@ -2482,7 +2531,7 @@
                 <a:sym typeface="Arial"/>
               </a:defRPr>
             </a:lvl8pPr>
-            <a:lvl9pPr indent="0" lvl="8" marL="0" marR="0" algn="r">
+            <a:lvl9pPr marL="0" marR="0" lvl="8" indent="0" algn="r">
               <a:lnSpc>
                 <a:spcPct val="100000"/>
               </a:lnSpc>
@@ -2498,7 +2547,7 @@
               <a:buSzPts val="1000"/>
               <a:buFont typeface="Arial"/>
               <a:buNone/>
-              <a:defRPr b="0" i="0" sz="1000" u="none" cap="none" strike="noStrike">
+              <a:defRPr sz="1000" b="0" i="0" u="none" strike="noStrike" cap="none">
                 <a:solidFill>
                   <a:schemeClr val="dk2"/>
                 </a:solidFill>
@@ -2510,7 +2559,7 @@
             </a:lvl9pPr>
           </a:lstStyle>
           <a:p>
-            <a:pPr indent="0" lvl="0" marL="0" rtl="0" algn="r">
+            <a:pPr marL="0" lvl="0" indent="0" algn="r" rtl="0">
               <a:spcBef>
                 <a:spcPts val="0"/>
               </a:spcBef>
@@ -2536,11 +2585,11 @@
 </file>
 
 <file path=ppt/slideLayouts/slideLayout11.xml><?xml version="1.0" encoding="utf-8"?>
-<p:sldLayout xmlns:a="http://schemas.openxmlformats.org/drawingml/2006/main" xmlns:r="http://schemas.openxmlformats.org/officeDocument/2006/relationships" xmlns:mc="http://schemas.openxmlformats.org/markup-compatibility/2006" xmlns:mv="urn:schemas-microsoft-com:mac:vml" xmlns:p="http://schemas.openxmlformats.org/presentationml/2006/main" xmlns:c="http://schemas.openxmlformats.org/drawingml/2006/chart" xmlns:dgm="http://schemas.openxmlformats.org/drawingml/2006/diagram" xmlns:o="urn:schemas-microsoft-com:office:office" xmlns:v="urn:schemas-microsoft-com:vml" xmlns:pvml="urn:schemas-microsoft-com:office:powerpoint" xmlns:com="http://schemas.openxmlformats.org/drawingml/2006/compatibility" xmlns:p14="http://schemas.microsoft.com/office/powerpoint/2010/main" xmlns:p15="http://schemas.microsoft.com/office/powerpoint/2012/main" xmlns:ahyp="http://schemas.microsoft.com/office/drawing/2018/hyperlinkcolor" matchingName="Blank" type="blank">
+<p:sldLayout xmlns:a="http://schemas.openxmlformats.org/drawingml/2006/main" xmlns:r="http://schemas.openxmlformats.org/officeDocument/2006/relationships" xmlns:p="http://schemas.openxmlformats.org/presentationml/2006/main" matchingName="Blank" type="blank">
   <p:cSld name="BLANK">
     <p:spTree>
       <p:nvGrpSpPr>
-        <p:cNvPr id="48" name="Shape 48"/>
+        <p:cNvPr id="1" name="Shape 48"/>
         <p:cNvGrpSpPr/>
         <p:nvPr/>
       </p:nvGrpSpPr>
@@ -2555,9 +2604,11 @@
       <p:sp>
         <p:nvSpPr>
           <p:cNvPr id="49" name="Google Shape;49;p12"/>
-          <p:cNvSpPr txBox="1"/>
+          <p:cNvSpPr txBox="1">
+            <a:spLocks noGrp="1"/>
+          </p:cNvSpPr>
           <p:nvPr>
-            <p:ph idx="12" type="sldNum"/>
+            <p:ph type="sldNum" idx="12"/>
           </p:nvPr>
         </p:nvSpPr>
         <p:spPr>
@@ -2574,11 +2625,11 @@
           </a:ln>
         </p:spPr>
         <p:txBody>
-          <a:bodyPr anchorCtr="0" anchor="ctr" bIns="91425" lIns="91425" spcFirstLastPara="1" rIns="91425" wrap="square" tIns="91425">
+          <a:bodyPr spcFirstLastPara="1" wrap="square" lIns="91425" tIns="91425" rIns="91425" bIns="91425" anchor="ctr" anchorCtr="0">
             <a:normAutofit/>
           </a:bodyPr>
           <a:lstStyle>
-            <a:lvl1pPr indent="0" lvl="0" marL="0" marR="0" algn="r">
+            <a:lvl1pPr marL="0" marR="0" lvl="0" indent="0" algn="r">
               <a:lnSpc>
                 <a:spcPct val="100000"/>
               </a:lnSpc>
@@ -2594,7 +2645,7 @@
               <a:buSzPts val="1000"/>
               <a:buFont typeface="Arial"/>
               <a:buNone/>
-              <a:defRPr b="0" i="0" sz="1000" u="none" cap="none" strike="noStrike">
+              <a:defRPr sz="1000" b="0" i="0" u="none" strike="noStrike" cap="none">
                 <a:solidFill>
                   <a:schemeClr val="dk2"/>
                 </a:solidFill>
@@ -2604,7 +2655,7 @@
                 <a:sym typeface="Arial"/>
               </a:defRPr>
             </a:lvl1pPr>
-            <a:lvl2pPr indent="0" lvl="1" marL="0" marR="0" algn="r">
+            <a:lvl2pPr marL="0" marR="0" lvl="1" indent="0" algn="r">
               <a:lnSpc>
                 <a:spcPct val="100000"/>
               </a:lnSpc>
@@ -2620,7 +2671,7 @@
               <a:buSzPts val="1000"/>
               <a:buFont typeface="Arial"/>
               <a:buNone/>
-              <a:defRPr b="0" i="0" sz="1000" u="none" cap="none" strike="noStrike">
+              <a:defRPr sz="1000" b="0" i="0" u="none" strike="noStrike" cap="none">
                 <a:solidFill>
                   <a:schemeClr val="dk2"/>
                 </a:solidFill>
@@ -2630,7 +2681,7 @@
                 <a:sym typeface="Arial"/>
               </a:defRPr>
             </a:lvl2pPr>
-            <a:lvl3pPr indent="0" lvl="2" marL="0" marR="0" algn="r">
+            <a:lvl3pPr marL="0" marR="0" lvl="2" indent="0" algn="r">
               <a:lnSpc>
                 <a:spcPct val="100000"/>
               </a:lnSpc>
@@ -2646,7 +2697,7 @@
               <a:buSzPts val="1000"/>
               <a:buFont typeface="Arial"/>
               <a:buNone/>
-              <a:defRPr b="0" i="0" sz="1000" u="none" cap="none" strike="noStrike">
+              <a:defRPr sz="1000" b="0" i="0" u="none" strike="noStrike" cap="none">
                 <a:solidFill>
                   <a:schemeClr val="dk2"/>
                 </a:solidFill>
@@ -2656,7 +2707,7 @@
                 <a:sym typeface="Arial"/>
               </a:defRPr>
             </a:lvl3pPr>
-            <a:lvl4pPr indent="0" lvl="3" marL="0" marR="0" algn="r">
+            <a:lvl4pPr marL="0" marR="0" lvl="3" indent="0" algn="r">
               <a:lnSpc>
                 <a:spcPct val="100000"/>
               </a:lnSpc>
@@ -2672,7 +2723,7 @@
               <a:buSzPts val="1000"/>
               <a:buFont typeface="Arial"/>
               <a:buNone/>
-              <a:defRPr b="0" i="0" sz="1000" u="none" cap="none" strike="noStrike">
+              <a:defRPr sz="1000" b="0" i="0" u="none" strike="noStrike" cap="none">
                 <a:solidFill>
                   <a:schemeClr val="dk2"/>
                 </a:solidFill>
@@ -2682,7 +2733,7 @@
                 <a:sym typeface="Arial"/>
               </a:defRPr>
             </a:lvl4pPr>
-            <a:lvl5pPr indent="0" lvl="4" marL="0" marR="0" algn="r">
+            <a:lvl5pPr marL="0" marR="0" lvl="4" indent="0" algn="r">
               <a:lnSpc>
                 <a:spcPct val="100000"/>
               </a:lnSpc>
@@ -2698,7 +2749,7 @@
               <a:buSzPts val="1000"/>
               <a:buFont typeface="Arial"/>
               <a:buNone/>
-              <a:defRPr b="0" i="0" sz="1000" u="none" cap="none" strike="noStrike">
+              <a:defRPr sz="1000" b="0" i="0" u="none" strike="noStrike" cap="none">
                 <a:solidFill>
                   <a:schemeClr val="dk2"/>
                 </a:solidFill>
@@ -2708,7 +2759,7 @@
                 <a:sym typeface="Arial"/>
               </a:defRPr>
             </a:lvl5pPr>
-            <a:lvl6pPr indent="0" lvl="5" marL="0" marR="0" algn="r">
+            <a:lvl6pPr marL="0" marR="0" lvl="5" indent="0" algn="r">
               <a:lnSpc>
                 <a:spcPct val="100000"/>
               </a:lnSpc>
@@ -2724,7 +2775,7 @@
               <a:buSzPts val="1000"/>
               <a:buFont typeface="Arial"/>
               <a:buNone/>
-              <a:defRPr b="0" i="0" sz="1000" u="none" cap="none" strike="noStrike">
+              <a:defRPr sz="1000" b="0" i="0" u="none" strike="noStrike" cap="none">
                 <a:solidFill>
                   <a:schemeClr val="dk2"/>
                 </a:solidFill>
@@ -2734,7 +2785,7 @@
                 <a:sym typeface="Arial"/>
               </a:defRPr>
             </a:lvl6pPr>
-            <a:lvl7pPr indent="0" lvl="6" marL="0" marR="0" algn="r">
+            <a:lvl7pPr marL="0" marR="0" lvl="6" indent="0" algn="r">
               <a:lnSpc>
                 <a:spcPct val="100000"/>
               </a:lnSpc>
@@ -2750,7 +2801,7 @@
               <a:buSzPts val="1000"/>
               <a:buFont typeface="Arial"/>
               <a:buNone/>
-              <a:defRPr b="0" i="0" sz="1000" u="none" cap="none" strike="noStrike">
+              <a:defRPr sz="1000" b="0" i="0" u="none" strike="noStrike" cap="none">
                 <a:solidFill>
                   <a:schemeClr val="dk2"/>
                 </a:solidFill>
@@ -2760,7 +2811,7 @@
                 <a:sym typeface="Arial"/>
               </a:defRPr>
             </a:lvl7pPr>
-            <a:lvl8pPr indent="0" lvl="7" marL="0" marR="0" algn="r">
+            <a:lvl8pPr marL="0" marR="0" lvl="7" indent="0" algn="r">
               <a:lnSpc>
                 <a:spcPct val="100000"/>
               </a:lnSpc>
@@ -2776,7 +2827,7 @@
               <a:buSzPts val="1000"/>
               <a:buFont typeface="Arial"/>
               <a:buNone/>
-              <a:defRPr b="0" i="0" sz="1000" u="none" cap="none" strike="noStrike">
+              <a:defRPr sz="1000" b="0" i="0" u="none" strike="noStrike" cap="none">
                 <a:solidFill>
                   <a:schemeClr val="dk2"/>
                 </a:solidFill>
@@ -2786,7 +2837,7 @@
                 <a:sym typeface="Arial"/>
               </a:defRPr>
             </a:lvl8pPr>
-            <a:lvl9pPr indent="0" lvl="8" marL="0" marR="0" algn="r">
+            <a:lvl9pPr marL="0" marR="0" lvl="8" indent="0" algn="r">
               <a:lnSpc>
                 <a:spcPct val="100000"/>
               </a:lnSpc>
@@ -2802,7 +2853,7 @@
               <a:buSzPts val="1000"/>
               <a:buFont typeface="Arial"/>
               <a:buNone/>
-              <a:defRPr b="0" i="0" sz="1000" u="none" cap="none" strike="noStrike">
+              <a:defRPr sz="1000" b="0" i="0" u="none" strike="noStrike" cap="none">
                 <a:solidFill>
                   <a:schemeClr val="dk2"/>
                 </a:solidFill>
@@ -2814,7 +2865,7 @@
             </a:lvl9pPr>
           </a:lstStyle>
           <a:p>
-            <a:pPr indent="0" lvl="0" marL="0" rtl="0" algn="r">
+            <a:pPr marL="0" lvl="0" indent="0" algn="r" rtl="0">
               <a:spcBef>
                 <a:spcPts val="0"/>
               </a:spcBef>
@@ -2840,11 +2891,11 @@
 </file>
 
 <file path=ppt/slideLayouts/slideLayout2.xml><?xml version="1.0" encoding="utf-8"?>
-<p:sldLayout xmlns:a="http://schemas.openxmlformats.org/drawingml/2006/main" xmlns:r="http://schemas.openxmlformats.org/officeDocument/2006/relationships" xmlns:mc="http://schemas.openxmlformats.org/markup-compatibility/2006" xmlns:mv="urn:schemas-microsoft-com:mac:vml" xmlns:p="http://schemas.openxmlformats.org/presentationml/2006/main" xmlns:c="http://schemas.openxmlformats.org/drawingml/2006/chart" xmlns:dgm="http://schemas.openxmlformats.org/drawingml/2006/diagram" xmlns:o="urn:schemas-microsoft-com:office:office" xmlns:v="urn:schemas-microsoft-com:vml" xmlns:pvml="urn:schemas-microsoft-com:office:powerpoint" xmlns:com="http://schemas.openxmlformats.org/drawingml/2006/compatibility" xmlns:p14="http://schemas.microsoft.com/office/powerpoint/2010/main" xmlns:p15="http://schemas.microsoft.com/office/powerpoint/2012/main" xmlns:ahyp="http://schemas.microsoft.com/office/drawing/2018/hyperlinkcolor" matchingName="Title slide" type="title">
+<p:sldLayout xmlns:a="http://schemas.openxmlformats.org/drawingml/2006/main" xmlns:r="http://schemas.openxmlformats.org/officeDocument/2006/relationships" xmlns:p="http://schemas.openxmlformats.org/presentationml/2006/main" matchingName="Title slide" type="title">
   <p:cSld name="TITLE">
     <p:spTree>
       <p:nvGrpSpPr>
-        <p:cNvPr id="13" name="Shape 13"/>
+        <p:cNvPr id="1" name="Shape 13"/>
         <p:cNvGrpSpPr/>
         <p:nvPr/>
       </p:nvGrpSpPr>
@@ -2859,7 +2910,9 @@
       <p:sp>
         <p:nvSpPr>
           <p:cNvPr id="14" name="Google Shape;14;p3"/>
-          <p:cNvSpPr txBox="1"/>
+          <p:cNvSpPr txBox="1">
+            <a:spLocks noGrp="1"/>
+          </p:cNvSpPr>
           <p:nvPr>
             <p:ph type="ctrTitle"/>
           </p:nvPr>
@@ -2878,7 +2931,7 @@
           </a:ln>
         </p:spPr>
         <p:txBody>
-          <a:bodyPr anchorCtr="0" anchor="b" bIns="91425" lIns="91425" spcFirstLastPara="1" rIns="91425" wrap="square" tIns="91425">
+          <a:bodyPr spcFirstLastPara="1" wrap="square" lIns="91425" tIns="91425" rIns="91425" bIns="91425" anchor="b" anchorCtr="0">
             <a:normAutofit/>
           </a:bodyPr>
           <a:lstStyle>
@@ -3009,15 +3062,19 @@
               <a:defRPr sz="5200"/>
             </a:lvl9pPr>
           </a:lstStyle>
-          <a:p/>
+          <a:p>
+            <a:endParaRPr/>
+          </a:p>
         </p:txBody>
       </p:sp>
       <p:sp>
         <p:nvSpPr>
           <p:cNvPr id="15" name="Google Shape;15;p3"/>
-          <p:cNvSpPr txBox="1"/>
+          <p:cNvSpPr txBox="1">
+            <a:spLocks noGrp="1"/>
+          </p:cNvSpPr>
           <p:nvPr>
-            <p:ph idx="1" type="subTitle"/>
+            <p:ph type="subTitle" idx="1"/>
           </p:nvPr>
         </p:nvSpPr>
         <p:spPr>
@@ -3034,7 +3091,7 @@
           </a:ln>
         </p:spPr>
         <p:txBody>
-          <a:bodyPr anchorCtr="0" anchor="t" bIns="91425" lIns="91425" spcFirstLastPara="1" rIns="91425" wrap="square" tIns="91425">
+          <a:bodyPr spcFirstLastPara="1" wrap="square" lIns="91425" tIns="91425" rIns="91425" bIns="91425" anchor="t" anchorCtr="0">
             <a:normAutofit/>
           </a:bodyPr>
           <a:lstStyle>
@@ -3165,15 +3222,19 @@
               <a:defRPr sz="2800"/>
             </a:lvl9pPr>
           </a:lstStyle>
-          <a:p/>
+          <a:p>
+            <a:endParaRPr/>
+          </a:p>
         </p:txBody>
       </p:sp>
       <p:sp>
         <p:nvSpPr>
           <p:cNvPr id="16" name="Google Shape;16;p3"/>
-          <p:cNvSpPr txBox="1"/>
+          <p:cNvSpPr txBox="1">
+            <a:spLocks noGrp="1"/>
+          </p:cNvSpPr>
           <p:nvPr>
-            <p:ph idx="12" type="sldNum"/>
+            <p:ph type="sldNum" idx="12"/>
           </p:nvPr>
         </p:nvSpPr>
         <p:spPr>
@@ -3190,11 +3251,11 @@
           </a:ln>
         </p:spPr>
         <p:txBody>
-          <a:bodyPr anchorCtr="0" anchor="ctr" bIns="91425" lIns="91425" spcFirstLastPara="1" rIns="91425" wrap="square" tIns="91425">
+          <a:bodyPr spcFirstLastPara="1" wrap="square" lIns="91425" tIns="91425" rIns="91425" bIns="91425" anchor="ctr" anchorCtr="0">
             <a:normAutofit/>
           </a:bodyPr>
           <a:lstStyle>
-            <a:lvl1pPr indent="0" lvl="0" marL="0" marR="0" algn="r">
+            <a:lvl1pPr marL="0" marR="0" lvl="0" indent="0" algn="r">
               <a:lnSpc>
                 <a:spcPct val="100000"/>
               </a:lnSpc>
@@ -3210,7 +3271,7 @@
               <a:buSzPts val="1000"/>
               <a:buFont typeface="Arial"/>
               <a:buNone/>
-              <a:defRPr b="0" i="0" sz="1000" u="none" cap="none" strike="noStrike">
+              <a:defRPr sz="1000" b="0" i="0" u="none" strike="noStrike" cap="none">
                 <a:solidFill>
                   <a:schemeClr val="dk2"/>
                 </a:solidFill>
@@ -3220,7 +3281,7 @@
                 <a:sym typeface="Arial"/>
               </a:defRPr>
             </a:lvl1pPr>
-            <a:lvl2pPr indent="0" lvl="1" marL="0" marR="0" algn="r">
+            <a:lvl2pPr marL="0" marR="0" lvl="1" indent="0" algn="r">
               <a:lnSpc>
                 <a:spcPct val="100000"/>
               </a:lnSpc>
@@ -3236,7 +3297,7 @@
               <a:buSzPts val="1000"/>
               <a:buFont typeface="Arial"/>
               <a:buNone/>
-              <a:defRPr b="0" i="0" sz="1000" u="none" cap="none" strike="noStrike">
+              <a:defRPr sz="1000" b="0" i="0" u="none" strike="noStrike" cap="none">
                 <a:solidFill>
                   <a:schemeClr val="dk2"/>
                 </a:solidFill>
@@ -3246,7 +3307,7 @@
                 <a:sym typeface="Arial"/>
               </a:defRPr>
             </a:lvl2pPr>
-            <a:lvl3pPr indent="0" lvl="2" marL="0" marR="0" algn="r">
+            <a:lvl3pPr marL="0" marR="0" lvl="2" indent="0" algn="r">
               <a:lnSpc>
                 <a:spcPct val="100000"/>
               </a:lnSpc>
@@ -3262,7 +3323,7 @@
               <a:buSzPts val="1000"/>
               <a:buFont typeface="Arial"/>
               <a:buNone/>
-              <a:defRPr b="0" i="0" sz="1000" u="none" cap="none" strike="noStrike">
+              <a:defRPr sz="1000" b="0" i="0" u="none" strike="noStrike" cap="none">
                 <a:solidFill>
                   <a:schemeClr val="dk2"/>
                 </a:solidFill>
@@ -3272,7 +3333,7 @@
                 <a:sym typeface="Arial"/>
               </a:defRPr>
             </a:lvl3pPr>
-            <a:lvl4pPr indent="0" lvl="3" marL="0" marR="0" algn="r">
+            <a:lvl4pPr marL="0" marR="0" lvl="3" indent="0" algn="r">
               <a:lnSpc>
                 <a:spcPct val="100000"/>
               </a:lnSpc>
@@ -3288,7 +3349,7 @@
               <a:buSzPts val="1000"/>
               <a:buFont typeface="Arial"/>
               <a:buNone/>
-              <a:defRPr b="0" i="0" sz="1000" u="none" cap="none" strike="noStrike">
+              <a:defRPr sz="1000" b="0" i="0" u="none" strike="noStrike" cap="none">
                 <a:solidFill>
                   <a:schemeClr val="dk2"/>
                 </a:solidFill>
@@ -3298,7 +3359,7 @@
                 <a:sym typeface="Arial"/>
               </a:defRPr>
             </a:lvl4pPr>
-            <a:lvl5pPr indent="0" lvl="4" marL="0" marR="0" algn="r">
+            <a:lvl5pPr marL="0" marR="0" lvl="4" indent="0" algn="r">
               <a:lnSpc>
                 <a:spcPct val="100000"/>
               </a:lnSpc>
@@ -3314,7 +3375,7 @@
               <a:buSzPts val="1000"/>
               <a:buFont typeface="Arial"/>
               <a:buNone/>
-              <a:defRPr b="0" i="0" sz="1000" u="none" cap="none" strike="noStrike">
+              <a:defRPr sz="1000" b="0" i="0" u="none" strike="noStrike" cap="none">
                 <a:solidFill>
                   <a:schemeClr val="dk2"/>
                 </a:solidFill>
@@ -3324,7 +3385,7 @@
                 <a:sym typeface="Arial"/>
               </a:defRPr>
             </a:lvl5pPr>
-            <a:lvl6pPr indent="0" lvl="5" marL="0" marR="0" algn="r">
+            <a:lvl6pPr marL="0" marR="0" lvl="5" indent="0" algn="r">
               <a:lnSpc>
                 <a:spcPct val="100000"/>
               </a:lnSpc>
@@ -3340,7 +3401,7 @@
               <a:buSzPts val="1000"/>
               <a:buFont typeface="Arial"/>
               <a:buNone/>
-              <a:defRPr b="0" i="0" sz="1000" u="none" cap="none" strike="noStrike">
+              <a:defRPr sz="1000" b="0" i="0" u="none" strike="noStrike" cap="none">
                 <a:solidFill>
                   <a:schemeClr val="dk2"/>
                 </a:solidFill>
@@ -3350,7 +3411,7 @@
                 <a:sym typeface="Arial"/>
               </a:defRPr>
             </a:lvl6pPr>
-            <a:lvl7pPr indent="0" lvl="6" marL="0" marR="0" algn="r">
+            <a:lvl7pPr marL="0" marR="0" lvl="6" indent="0" algn="r">
               <a:lnSpc>
                 <a:spcPct val="100000"/>
               </a:lnSpc>
@@ -3366,7 +3427,7 @@
               <a:buSzPts val="1000"/>
               <a:buFont typeface="Arial"/>
               <a:buNone/>
-              <a:defRPr b="0" i="0" sz="1000" u="none" cap="none" strike="noStrike">
+              <a:defRPr sz="1000" b="0" i="0" u="none" strike="noStrike" cap="none">
                 <a:solidFill>
                   <a:schemeClr val="dk2"/>
                 </a:solidFill>
@@ -3376,7 +3437,7 @@
                 <a:sym typeface="Arial"/>
               </a:defRPr>
             </a:lvl7pPr>
-            <a:lvl8pPr indent="0" lvl="7" marL="0" marR="0" algn="r">
+            <a:lvl8pPr marL="0" marR="0" lvl="7" indent="0" algn="r">
               <a:lnSpc>
                 <a:spcPct val="100000"/>
               </a:lnSpc>
@@ -3392,7 +3453,7 @@
               <a:buSzPts val="1000"/>
               <a:buFont typeface="Arial"/>
               <a:buNone/>
-              <a:defRPr b="0" i="0" sz="1000" u="none" cap="none" strike="noStrike">
+              <a:defRPr sz="1000" b="0" i="0" u="none" strike="noStrike" cap="none">
                 <a:solidFill>
                   <a:schemeClr val="dk2"/>
                 </a:solidFill>
@@ -3402,7 +3463,7 @@
                 <a:sym typeface="Arial"/>
               </a:defRPr>
             </a:lvl8pPr>
-            <a:lvl9pPr indent="0" lvl="8" marL="0" marR="0" algn="r">
+            <a:lvl9pPr marL="0" marR="0" lvl="8" indent="0" algn="r">
               <a:lnSpc>
                 <a:spcPct val="100000"/>
               </a:lnSpc>
@@ -3418,7 +3479,7 @@
               <a:buSzPts val="1000"/>
               <a:buFont typeface="Arial"/>
               <a:buNone/>
-              <a:defRPr b="0" i="0" sz="1000" u="none" cap="none" strike="noStrike">
+              <a:defRPr sz="1000" b="0" i="0" u="none" strike="noStrike" cap="none">
                 <a:solidFill>
                   <a:schemeClr val="dk2"/>
                 </a:solidFill>
@@ -3430,7 +3491,7 @@
             </a:lvl9pPr>
           </a:lstStyle>
           <a:p>
-            <a:pPr indent="0" lvl="0" marL="0" rtl="0" algn="r">
+            <a:pPr marL="0" lvl="0" indent="0" algn="r" rtl="0">
               <a:spcBef>
                 <a:spcPts val="0"/>
               </a:spcBef>
@@ -3456,11 +3517,11 @@
 </file>
 
 <file path=ppt/slideLayouts/slideLayout3.xml><?xml version="1.0" encoding="utf-8"?>
-<p:sldLayout xmlns:a="http://schemas.openxmlformats.org/drawingml/2006/main" xmlns:r="http://schemas.openxmlformats.org/officeDocument/2006/relationships" xmlns:mc="http://schemas.openxmlformats.org/markup-compatibility/2006" xmlns:mv="urn:schemas-microsoft-com:mac:vml" xmlns:p="http://schemas.openxmlformats.org/presentationml/2006/main" xmlns:c="http://schemas.openxmlformats.org/drawingml/2006/chart" xmlns:dgm="http://schemas.openxmlformats.org/drawingml/2006/diagram" xmlns:o="urn:schemas-microsoft-com:office:office" xmlns:v="urn:schemas-microsoft-com:vml" xmlns:pvml="urn:schemas-microsoft-com:office:powerpoint" xmlns:com="http://schemas.openxmlformats.org/drawingml/2006/compatibility" xmlns:p14="http://schemas.microsoft.com/office/powerpoint/2010/main" xmlns:p15="http://schemas.microsoft.com/office/powerpoint/2012/main" xmlns:ahyp="http://schemas.microsoft.com/office/drawing/2018/hyperlinkcolor" matchingName="Section header" type="secHead">
+<p:sldLayout xmlns:a="http://schemas.openxmlformats.org/drawingml/2006/main" xmlns:r="http://schemas.openxmlformats.org/officeDocument/2006/relationships" xmlns:p="http://schemas.openxmlformats.org/presentationml/2006/main" matchingName="Section header" type="secHead">
   <p:cSld name="SECTION_HEADER">
     <p:spTree>
       <p:nvGrpSpPr>
-        <p:cNvPr id="17" name="Shape 17"/>
+        <p:cNvPr id="1" name="Shape 17"/>
         <p:cNvGrpSpPr/>
         <p:nvPr/>
       </p:nvGrpSpPr>
@@ -3475,7 +3536,9 @@
       <p:sp>
         <p:nvSpPr>
           <p:cNvPr id="18" name="Google Shape;18;p4"/>
-          <p:cNvSpPr txBox="1"/>
+          <p:cNvSpPr txBox="1">
+            <a:spLocks noGrp="1"/>
+          </p:cNvSpPr>
           <p:nvPr>
             <p:ph type="title"/>
           </p:nvPr>
@@ -3494,7 +3557,7 @@
           </a:ln>
         </p:spPr>
         <p:txBody>
-          <a:bodyPr anchorCtr="0" anchor="ctr" bIns="91425" lIns="91425" spcFirstLastPara="1" rIns="91425" wrap="square" tIns="91425">
+          <a:bodyPr spcFirstLastPara="1" wrap="square" lIns="91425" tIns="91425" rIns="91425" bIns="91425" anchor="ctr" anchorCtr="0">
             <a:normAutofit/>
           </a:bodyPr>
           <a:lstStyle>
@@ -3625,15 +3688,19 @@
               <a:defRPr sz="3600"/>
             </a:lvl9pPr>
           </a:lstStyle>
-          <a:p/>
+          <a:p>
+            <a:endParaRPr/>
+          </a:p>
         </p:txBody>
       </p:sp>
       <p:sp>
         <p:nvSpPr>
           <p:cNvPr id="19" name="Google Shape;19;p4"/>
-          <p:cNvSpPr txBox="1"/>
+          <p:cNvSpPr txBox="1">
+            <a:spLocks noGrp="1"/>
+          </p:cNvSpPr>
           <p:nvPr>
-            <p:ph idx="12" type="sldNum"/>
+            <p:ph type="sldNum" idx="12"/>
           </p:nvPr>
         </p:nvSpPr>
         <p:spPr>
@@ -3650,11 +3717,11 @@
           </a:ln>
         </p:spPr>
         <p:txBody>
-          <a:bodyPr anchorCtr="0" anchor="ctr" bIns="91425" lIns="91425" spcFirstLastPara="1" rIns="91425" wrap="square" tIns="91425">
+          <a:bodyPr spcFirstLastPara="1" wrap="square" lIns="91425" tIns="91425" rIns="91425" bIns="91425" anchor="ctr" anchorCtr="0">
             <a:normAutofit/>
           </a:bodyPr>
           <a:lstStyle>
-            <a:lvl1pPr indent="0" lvl="0" marL="0" marR="0" algn="r">
+            <a:lvl1pPr marL="0" marR="0" lvl="0" indent="0" algn="r">
               <a:lnSpc>
                 <a:spcPct val="100000"/>
               </a:lnSpc>
@@ -3670,7 +3737,7 @@
               <a:buSzPts val="1000"/>
               <a:buFont typeface="Arial"/>
               <a:buNone/>
-              <a:defRPr b="0" i="0" sz="1000" u="none" cap="none" strike="noStrike">
+              <a:defRPr sz="1000" b="0" i="0" u="none" strike="noStrike" cap="none">
                 <a:solidFill>
                   <a:schemeClr val="dk2"/>
                 </a:solidFill>
@@ -3680,7 +3747,7 @@
                 <a:sym typeface="Arial"/>
               </a:defRPr>
             </a:lvl1pPr>
-            <a:lvl2pPr indent="0" lvl="1" marL="0" marR="0" algn="r">
+            <a:lvl2pPr marL="0" marR="0" lvl="1" indent="0" algn="r">
               <a:lnSpc>
                 <a:spcPct val="100000"/>
               </a:lnSpc>
@@ -3696,7 +3763,7 @@
               <a:buSzPts val="1000"/>
               <a:buFont typeface="Arial"/>
               <a:buNone/>
-              <a:defRPr b="0" i="0" sz="1000" u="none" cap="none" strike="noStrike">
+              <a:defRPr sz="1000" b="0" i="0" u="none" strike="noStrike" cap="none">
                 <a:solidFill>
                   <a:schemeClr val="dk2"/>
                 </a:solidFill>
@@ -3706,7 +3773,7 @@
                 <a:sym typeface="Arial"/>
               </a:defRPr>
             </a:lvl2pPr>
-            <a:lvl3pPr indent="0" lvl="2" marL="0" marR="0" algn="r">
+            <a:lvl3pPr marL="0" marR="0" lvl="2" indent="0" algn="r">
               <a:lnSpc>
                 <a:spcPct val="100000"/>
               </a:lnSpc>
@@ -3722,7 +3789,7 @@
               <a:buSzPts val="1000"/>
               <a:buFont typeface="Arial"/>
               <a:buNone/>
-              <a:defRPr b="0" i="0" sz="1000" u="none" cap="none" strike="noStrike">
+              <a:defRPr sz="1000" b="0" i="0" u="none" strike="noStrike" cap="none">
                 <a:solidFill>
                   <a:schemeClr val="dk2"/>
                 </a:solidFill>
@@ -3732,7 +3799,7 @@
                 <a:sym typeface="Arial"/>
               </a:defRPr>
             </a:lvl3pPr>
-            <a:lvl4pPr indent="0" lvl="3" marL="0" marR="0" algn="r">
+            <a:lvl4pPr marL="0" marR="0" lvl="3" indent="0" algn="r">
               <a:lnSpc>
                 <a:spcPct val="100000"/>
               </a:lnSpc>
@@ -3748,7 +3815,7 @@
               <a:buSzPts val="1000"/>
               <a:buFont typeface="Arial"/>
               <a:buNone/>
-              <a:defRPr b="0" i="0" sz="1000" u="none" cap="none" strike="noStrike">
+              <a:defRPr sz="1000" b="0" i="0" u="none" strike="noStrike" cap="none">
                 <a:solidFill>
                   <a:schemeClr val="dk2"/>
                 </a:solidFill>
@@ -3758,7 +3825,7 @@
                 <a:sym typeface="Arial"/>
               </a:defRPr>
             </a:lvl4pPr>
-            <a:lvl5pPr indent="0" lvl="4" marL="0" marR="0" algn="r">
+            <a:lvl5pPr marL="0" marR="0" lvl="4" indent="0" algn="r">
               <a:lnSpc>
                 <a:spcPct val="100000"/>
               </a:lnSpc>
@@ -3774,7 +3841,7 @@
               <a:buSzPts val="1000"/>
               <a:buFont typeface="Arial"/>
               <a:buNone/>
-              <a:defRPr b="0" i="0" sz="1000" u="none" cap="none" strike="noStrike">
+              <a:defRPr sz="1000" b="0" i="0" u="none" strike="noStrike" cap="none">
                 <a:solidFill>
                   <a:schemeClr val="dk2"/>
                 </a:solidFill>
@@ -3784,7 +3851,7 @@
                 <a:sym typeface="Arial"/>
               </a:defRPr>
             </a:lvl5pPr>
-            <a:lvl6pPr indent="0" lvl="5" marL="0" marR="0" algn="r">
+            <a:lvl6pPr marL="0" marR="0" lvl="5" indent="0" algn="r">
               <a:lnSpc>
                 <a:spcPct val="100000"/>
               </a:lnSpc>
@@ -3800,7 +3867,7 @@
               <a:buSzPts val="1000"/>
               <a:buFont typeface="Arial"/>
               <a:buNone/>
-              <a:defRPr b="0" i="0" sz="1000" u="none" cap="none" strike="noStrike">
+              <a:defRPr sz="1000" b="0" i="0" u="none" strike="noStrike" cap="none">
                 <a:solidFill>
                   <a:schemeClr val="dk2"/>
                 </a:solidFill>
@@ -3810,7 +3877,7 @@
                 <a:sym typeface="Arial"/>
               </a:defRPr>
             </a:lvl6pPr>
-            <a:lvl7pPr indent="0" lvl="6" marL="0" marR="0" algn="r">
+            <a:lvl7pPr marL="0" marR="0" lvl="6" indent="0" algn="r">
               <a:lnSpc>
                 <a:spcPct val="100000"/>
               </a:lnSpc>
@@ -3826,7 +3893,7 @@
               <a:buSzPts val="1000"/>
               <a:buFont typeface="Arial"/>
               <a:buNone/>
-              <a:defRPr b="0" i="0" sz="1000" u="none" cap="none" strike="noStrike">
+              <a:defRPr sz="1000" b="0" i="0" u="none" strike="noStrike" cap="none">
                 <a:solidFill>
                   <a:schemeClr val="dk2"/>
                 </a:solidFill>
@@ -3836,7 +3903,7 @@
                 <a:sym typeface="Arial"/>
               </a:defRPr>
             </a:lvl7pPr>
-            <a:lvl8pPr indent="0" lvl="7" marL="0" marR="0" algn="r">
+            <a:lvl8pPr marL="0" marR="0" lvl="7" indent="0" algn="r">
               <a:lnSpc>
                 <a:spcPct val="100000"/>
               </a:lnSpc>
@@ -3852,7 +3919,7 @@
               <a:buSzPts val="1000"/>
               <a:buFont typeface="Arial"/>
               <a:buNone/>
-              <a:defRPr b="0" i="0" sz="1000" u="none" cap="none" strike="noStrike">
+              <a:defRPr sz="1000" b="0" i="0" u="none" strike="noStrike" cap="none">
                 <a:solidFill>
                   <a:schemeClr val="dk2"/>
                 </a:solidFill>
@@ -3862,7 +3929,7 @@
                 <a:sym typeface="Arial"/>
               </a:defRPr>
             </a:lvl8pPr>
-            <a:lvl9pPr indent="0" lvl="8" marL="0" marR="0" algn="r">
+            <a:lvl9pPr marL="0" marR="0" lvl="8" indent="0" algn="r">
               <a:lnSpc>
                 <a:spcPct val="100000"/>
               </a:lnSpc>
@@ -3878,7 +3945,7 @@
               <a:buSzPts val="1000"/>
               <a:buFont typeface="Arial"/>
               <a:buNone/>
-              <a:defRPr b="0" i="0" sz="1000" u="none" cap="none" strike="noStrike">
+              <a:defRPr sz="1000" b="0" i="0" u="none" strike="noStrike" cap="none">
                 <a:solidFill>
                   <a:schemeClr val="dk2"/>
                 </a:solidFill>
@@ -3890,7 +3957,7 @@
             </a:lvl9pPr>
           </a:lstStyle>
           <a:p>
-            <a:pPr indent="0" lvl="0" marL="0" rtl="0" algn="r">
+            <a:pPr marL="0" lvl="0" indent="0" algn="r" rtl="0">
               <a:spcBef>
                 <a:spcPts val="0"/>
               </a:spcBef>
@@ -3916,11 +3983,11 @@
 </file>
 
 <file path=ppt/slideLayouts/slideLayout4.xml><?xml version="1.0" encoding="utf-8"?>
-<p:sldLayout xmlns:a="http://schemas.openxmlformats.org/drawingml/2006/main" xmlns:r="http://schemas.openxmlformats.org/officeDocument/2006/relationships" xmlns:mc="http://schemas.openxmlformats.org/markup-compatibility/2006" xmlns:mv="urn:schemas-microsoft-com:mac:vml" xmlns:p="http://schemas.openxmlformats.org/presentationml/2006/main" xmlns:c="http://schemas.openxmlformats.org/drawingml/2006/chart" xmlns:dgm="http://schemas.openxmlformats.org/drawingml/2006/diagram" xmlns:o="urn:schemas-microsoft-com:office:office" xmlns:v="urn:schemas-microsoft-com:vml" xmlns:pvml="urn:schemas-microsoft-com:office:powerpoint" xmlns:com="http://schemas.openxmlformats.org/drawingml/2006/compatibility" xmlns:p14="http://schemas.microsoft.com/office/powerpoint/2010/main" xmlns:p15="http://schemas.microsoft.com/office/powerpoint/2012/main" xmlns:ahyp="http://schemas.microsoft.com/office/drawing/2018/hyperlinkcolor" matchingName="Title and two columns" type="twoColTx">
+<p:sldLayout xmlns:a="http://schemas.openxmlformats.org/drawingml/2006/main" xmlns:r="http://schemas.openxmlformats.org/officeDocument/2006/relationships" xmlns:p="http://schemas.openxmlformats.org/presentationml/2006/main" matchingName="Title and two columns" type="twoColTx">
   <p:cSld name="TITLE_AND_TWO_COLUMNS">
     <p:spTree>
       <p:nvGrpSpPr>
-        <p:cNvPr id="20" name="Shape 20"/>
+        <p:cNvPr id="1" name="Shape 20"/>
         <p:cNvGrpSpPr/>
         <p:nvPr/>
       </p:nvGrpSpPr>
@@ -3935,7 +4002,9 @@
       <p:sp>
         <p:nvSpPr>
           <p:cNvPr id="21" name="Google Shape;21;p5"/>
-          <p:cNvSpPr txBox="1"/>
+          <p:cNvSpPr txBox="1">
+            <a:spLocks noGrp="1"/>
+          </p:cNvSpPr>
           <p:nvPr>
             <p:ph type="title"/>
           </p:nvPr>
@@ -3954,7 +4023,7 @@
           </a:ln>
         </p:spPr>
         <p:txBody>
-          <a:bodyPr anchorCtr="0" anchor="t" bIns="91425" lIns="91425" spcFirstLastPara="1" rIns="91425" wrap="square" tIns="91425">
+          <a:bodyPr spcFirstLastPara="1" wrap="square" lIns="91425" tIns="91425" rIns="91425" bIns="91425" anchor="t" anchorCtr="0">
             <a:normAutofit/>
           </a:bodyPr>
           <a:lstStyle>
@@ -4085,15 +4154,19 @@
               <a:defRPr/>
             </a:lvl9pPr>
           </a:lstStyle>
-          <a:p/>
+          <a:p>
+            <a:endParaRPr/>
+          </a:p>
         </p:txBody>
       </p:sp>
       <p:sp>
         <p:nvSpPr>
           <p:cNvPr id="22" name="Google Shape;22;p5"/>
-          <p:cNvSpPr txBox="1"/>
+          <p:cNvSpPr txBox="1">
+            <a:spLocks noGrp="1"/>
+          </p:cNvSpPr>
           <p:nvPr>
-            <p:ph idx="1" type="body"/>
+            <p:ph type="body" idx="1"/>
           </p:nvPr>
         </p:nvSpPr>
         <p:spPr>
@@ -4110,11 +4183,11 @@
           </a:ln>
         </p:spPr>
         <p:txBody>
-          <a:bodyPr anchorCtr="0" anchor="t" bIns="91425" lIns="91425" spcFirstLastPara="1" rIns="91425" wrap="square" tIns="91425">
+          <a:bodyPr spcFirstLastPara="1" wrap="square" lIns="91425" tIns="91425" rIns="91425" bIns="91425" anchor="t" anchorCtr="0">
             <a:normAutofit/>
           </a:bodyPr>
           <a:lstStyle>
-            <a:lvl1pPr indent="-317500" lvl="0" marL="457200" algn="l">
+            <a:lvl1pPr marL="457200" lvl="0" indent="-317500" algn="l">
               <a:lnSpc>
                 <a:spcPct val="115000"/>
               </a:lnSpc>
@@ -4128,7 +4201,7 @@
               <a:buChar char="●"/>
               <a:defRPr sz="1400"/>
             </a:lvl1pPr>
-            <a:lvl2pPr indent="-304800" lvl="1" marL="914400" algn="l">
+            <a:lvl2pPr marL="914400" lvl="1" indent="-304800" algn="l">
               <a:lnSpc>
                 <a:spcPct val="115000"/>
               </a:lnSpc>
@@ -4142,7 +4215,7 @@
               <a:buChar char="○"/>
               <a:defRPr sz="1200"/>
             </a:lvl2pPr>
-            <a:lvl3pPr indent="-304800" lvl="2" marL="1371600" algn="l">
+            <a:lvl3pPr marL="1371600" lvl="2" indent="-304800" algn="l">
               <a:lnSpc>
                 <a:spcPct val="115000"/>
               </a:lnSpc>
@@ -4156,7 +4229,7 @@
               <a:buChar char="■"/>
               <a:defRPr sz="1200"/>
             </a:lvl3pPr>
-            <a:lvl4pPr indent="-304800" lvl="3" marL="1828800" algn="l">
+            <a:lvl4pPr marL="1828800" lvl="3" indent="-304800" algn="l">
               <a:lnSpc>
                 <a:spcPct val="115000"/>
               </a:lnSpc>
@@ -4170,7 +4243,7 @@
               <a:buChar char="●"/>
               <a:defRPr sz="1200"/>
             </a:lvl4pPr>
-            <a:lvl5pPr indent="-304800" lvl="4" marL="2286000" algn="l">
+            <a:lvl5pPr marL="2286000" lvl="4" indent="-304800" algn="l">
               <a:lnSpc>
                 <a:spcPct val="115000"/>
               </a:lnSpc>
@@ -4184,7 +4257,7 @@
               <a:buChar char="○"/>
               <a:defRPr sz="1200"/>
             </a:lvl5pPr>
-            <a:lvl6pPr indent="-304800" lvl="5" marL="2743200" algn="l">
+            <a:lvl6pPr marL="2743200" lvl="5" indent="-304800" algn="l">
               <a:lnSpc>
                 <a:spcPct val="115000"/>
               </a:lnSpc>
@@ -4198,7 +4271,7 @@
               <a:buChar char="■"/>
               <a:defRPr sz="1200"/>
             </a:lvl6pPr>
-            <a:lvl7pPr indent="-304800" lvl="6" marL="3200400" algn="l">
+            <a:lvl7pPr marL="3200400" lvl="6" indent="-304800" algn="l">
               <a:lnSpc>
                 <a:spcPct val="115000"/>
               </a:lnSpc>
@@ -4212,7 +4285,7 @@
               <a:buChar char="●"/>
               <a:defRPr sz="1200"/>
             </a:lvl7pPr>
-            <a:lvl8pPr indent="-304800" lvl="7" marL="3657600" algn="l">
+            <a:lvl8pPr marL="3657600" lvl="7" indent="-304800" algn="l">
               <a:lnSpc>
                 <a:spcPct val="115000"/>
               </a:lnSpc>
@@ -4226,7 +4299,7 @@
               <a:buChar char="○"/>
               <a:defRPr sz="1200"/>
             </a:lvl8pPr>
-            <a:lvl9pPr indent="-304800" lvl="8" marL="4114800" algn="l">
+            <a:lvl9pPr marL="4114800" lvl="8" indent="-304800" algn="l">
               <a:lnSpc>
                 <a:spcPct val="115000"/>
               </a:lnSpc>
@@ -4241,15 +4314,19 @@
               <a:defRPr sz="1200"/>
             </a:lvl9pPr>
           </a:lstStyle>
-          <a:p/>
+          <a:p>
+            <a:endParaRPr/>
+          </a:p>
         </p:txBody>
       </p:sp>
       <p:sp>
         <p:nvSpPr>
           <p:cNvPr id="23" name="Google Shape;23;p5"/>
-          <p:cNvSpPr txBox="1"/>
+          <p:cNvSpPr txBox="1">
+            <a:spLocks noGrp="1"/>
+          </p:cNvSpPr>
           <p:nvPr>
-            <p:ph idx="2" type="body"/>
+            <p:ph type="body" idx="2"/>
           </p:nvPr>
         </p:nvSpPr>
         <p:spPr>
@@ -4266,11 +4343,11 @@
           </a:ln>
         </p:spPr>
         <p:txBody>
-          <a:bodyPr anchorCtr="0" anchor="t" bIns="91425" lIns="91425" spcFirstLastPara="1" rIns="91425" wrap="square" tIns="91425">
+          <a:bodyPr spcFirstLastPara="1" wrap="square" lIns="91425" tIns="91425" rIns="91425" bIns="91425" anchor="t" anchorCtr="0">
             <a:normAutofit/>
           </a:bodyPr>
           <a:lstStyle>
-            <a:lvl1pPr indent="-317500" lvl="0" marL="457200" algn="l">
+            <a:lvl1pPr marL="457200" lvl="0" indent="-317500" algn="l">
               <a:lnSpc>
                 <a:spcPct val="115000"/>
               </a:lnSpc>
@@ -4284,7 +4361,7 @@
               <a:buChar char="●"/>
               <a:defRPr sz="1400"/>
             </a:lvl1pPr>
-            <a:lvl2pPr indent="-304800" lvl="1" marL="914400" algn="l">
+            <a:lvl2pPr marL="914400" lvl="1" indent="-304800" algn="l">
               <a:lnSpc>
                 <a:spcPct val="115000"/>
               </a:lnSpc>
@@ -4298,7 +4375,7 @@
               <a:buChar char="○"/>
               <a:defRPr sz="1200"/>
             </a:lvl2pPr>
-            <a:lvl3pPr indent="-304800" lvl="2" marL="1371600" algn="l">
+            <a:lvl3pPr marL="1371600" lvl="2" indent="-304800" algn="l">
               <a:lnSpc>
                 <a:spcPct val="115000"/>
               </a:lnSpc>
@@ -4312,7 +4389,7 @@
               <a:buChar char="■"/>
               <a:defRPr sz="1200"/>
             </a:lvl3pPr>
-            <a:lvl4pPr indent="-304800" lvl="3" marL="1828800" algn="l">
+            <a:lvl4pPr marL="1828800" lvl="3" indent="-304800" algn="l">
               <a:lnSpc>
                 <a:spcPct val="115000"/>
               </a:lnSpc>
@@ -4326,7 +4403,7 @@
               <a:buChar char="●"/>
               <a:defRPr sz="1200"/>
             </a:lvl4pPr>
-            <a:lvl5pPr indent="-304800" lvl="4" marL="2286000" algn="l">
+            <a:lvl5pPr marL="2286000" lvl="4" indent="-304800" algn="l">
               <a:lnSpc>
                 <a:spcPct val="115000"/>
               </a:lnSpc>
@@ -4340,7 +4417,7 @@
               <a:buChar char="○"/>
               <a:defRPr sz="1200"/>
             </a:lvl5pPr>
-            <a:lvl6pPr indent="-304800" lvl="5" marL="2743200" algn="l">
+            <a:lvl6pPr marL="2743200" lvl="5" indent="-304800" algn="l">
               <a:lnSpc>
                 <a:spcPct val="115000"/>
               </a:lnSpc>
@@ -4354,7 +4431,7 @@
               <a:buChar char="■"/>
               <a:defRPr sz="1200"/>
             </a:lvl6pPr>
-            <a:lvl7pPr indent="-304800" lvl="6" marL="3200400" algn="l">
+            <a:lvl7pPr marL="3200400" lvl="6" indent="-304800" algn="l">
               <a:lnSpc>
                 <a:spcPct val="115000"/>
               </a:lnSpc>
@@ -4368,7 +4445,7 @@
               <a:buChar char="●"/>
               <a:defRPr sz="1200"/>
             </a:lvl7pPr>
-            <a:lvl8pPr indent="-304800" lvl="7" marL="3657600" algn="l">
+            <a:lvl8pPr marL="3657600" lvl="7" indent="-304800" algn="l">
               <a:lnSpc>
                 <a:spcPct val="115000"/>
               </a:lnSpc>
@@ -4382,7 +4459,7 @@
               <a:buChar char="○"/>
               <a:defRPr sz="1200"/>
             </a:lvl8pPr>
-            <a:lvl9pPr indent="-304800" lvl="8" marL="4114800" algn="l">
+            <a:lvl9pPr marL="4114800" lvl="8" indent="-304800" algn="l">
               <a:lnSpc>
                 <a:spcPct val="115000"/>
               </a:lnSpc>
@@ -4397,15 +4474,19 @@
               <a:defRPr sz="1200"/>
             </a:lvl9pPr>
           </a:lstStyle>
-          <a:p/>
+          <a:p>
+            <a:endParaRPr/>
+          </a:p>
         </p:txBody>
       </p:sp>
       <p:sp>
         <p:nvSpPr>
           <p:cNvPr id="24" name="Google Shape;24;p5"/>
-          <p:cNvSpPr txBox="1"/>
+          <p:cNvSpPr txBox="1">
+            <a:spLocks noGrp="1"/>
+          </p:cNvSpPr>
           <p:nvPr>
-            <p:ph idx="12" type="sldNum"/>
+            <p:ph type="sldNum" idx="12"/>
           </p:nvPr>
         </p:nvSpPr>
         <p:spPr>
@@ -4422,11 +4503,11 @@
           </a:ln>
         </p:spPr>
         <p:txBody>
-          <a:bodyPr anchorCtr="0" anchor="ctr" bIns="91425" lIns="91425" spcFirstLastPara="1" rIns="91425" wrap="square" tIns="91425">
+          <a:bodyPr spcFirstLastPara="1" wrap="square" lIns="91425" tIns="91425" rIns="91425" bIns="91425" anchor="ctr" anchorCtr="0">
             <a:normAutofit/>
           </a:bodyPr>
           <a:lstStyle>
-            <a:lvl1pPr indent="0" lvl="0" marL="0" marR="0" algn="r">
+            <a:lvl1pPr marL="0" marR="0" lvl="0" indent="0" algn="r">
               <a:lnSpc>
                 <a:spcPct val="100000"/>
               </a:lnSpc>
@@ -4442,7 +4523,7 @@
               <a:buSzPts val="1000"/>
               <a:buFont typeface="Arial"/>
               <a:buNone/>
-              <a:defRPr b="0" i="0" sz="1000" u="none" cap="none" strike="noStrike">
+              <a:defRPr sz="1000" b="0" i="0" u="none" strike="noStrike" cap="none">
                 <a:solidFill>
                   <a:schemeClr val="dk2"/>
                 </a:solidFill>
@@ -4452,7 +4533,7 @@
                 <a:sym typeface="Arial"/>
               </a:defRPr>
             </a:lvl1pPr>
-            <a:lvl2pPr indent="0" lvl="1" marL="0" marR="0" algn="r">
+            <a:lvl2pPr marL="0" marR="0" lvl="1" indent="0" algn="r">
               <a:lnSpc>
                 <a:spcPct val="100000"/>
               </a:lnSpc>
@@ -4468,7 +4549,7 @@
               <a:buSzPts val="1000"/>
               <a:buFont typeface="Arial"/>
               <a:buNone/>
-              <a:defRPr b="0" i="0" sz="1000" u="none" cap="none" strike="noStrike">
+              <a:defRPr sz="1000" b="0" i="0" u="none" strike="noStrike" cap="none">
                 <a:solidFill>
                   <a:schemeClr val="dk2"/>
                 </a:solidFill>
@@ -4478,7 +4559,7 @@
                 <a:sym typeface="Arial"/>
               </a:defRPr>
             </a:lvl2pPr>
-            <a:lvl3pPr indent="0" lvl="2" marL="0" marR="0" algn="r">
+            <a:lvl3pPr marL="0" marR="0" lvl="2" indent="0" algn="r">
               <a:lnSpc>
                 <a:spcPct val="100000"/>
               </a:lnSpc>
@@ -4494,7 +4575,7 @@
               <a:buSzPts val="1000"/>
               <a:buFont typeface="Arial"/>
               <a:buNone/>
-              <a:defRPr b="0" i="0" sz="1000" u="none" cap="none" strike="noStrike">
+              <a:defRPr sz="1000" b="0" i="0" u="none" strike="noStrike" cap="none">
                 <a:solidFill>
                   <a:schemeClr val="dk2"/>
                 </a:solidFill>
@@ -4504,7 +4585,7 @@
                 <a:sym typeface="Arial"/>
               </a:defRPr>
             </a:lvl3pPr>
-            <a:lvl4pPr indent="0" lvl="3" marL="0" marR="0" algn="r">
+            <a:lvl4pPr marL="0" marR="0" lvl="3" indent="0" algn="r">
               <a:lnSpc>
                 <a:spcPct val="100000"/>
               </a:lnSpc>
@@ -4520,7 +4601,7 @@
               <a:buSzPts val="1000"/>
               <a:buFont typeface="Arial"/>
               <a:buNone/>
-              <a:defRPr b="0" i="0" sz="1000" u="none" cap="none" strike="noStrike">
+              <a:defRPr sz="1000" b="0" i="0" u="none" strike="noStrike" cap="none">
                 <a:solidFill>
                   <a:schemeClr val="dk2"/>
                 </a:solidFill>
@@ -4530,7 +4611,7 @@
                 <a:sym typeface="Arial"/>
               </a:defRPr>
             </a:lvl4pPr>
-            <a:lvl5pPr indent="0" lvl="4" marL="0" marR="0" algn="r">
+            <a:lvl5pPr marL="0" marR="0" lvl="4" indent="0" algn="r">
               <a:lnSpc>
                 <a:spcPct val="100000"/>
               </a:lnSpc>
@@ -4546,7 +4627,7 @@
               <a:buSzPts val="1000"/>
               <a:buFont typeface="Arial"/>
               <a:buNone/>
-              <a:defRPr b="0" i="0" sz="1000" u="none" cap="none" strike="noStrike">
+              <a:defRPr sz="1000" b="0" i="0" u="none" strike="noStrike" cap="none">
                 <a:solidFill>
                   <a:schemeClr val="dk2"/>
                 </a:solidFill>
@@ -4556,7 +4637,7 @@
                 <a:sym typeface="Arial"/>
               </a:defRPr>
             </a:lvl5pPr>
-            <a:lvl6pPr indent="0" lvl="5" marL="0" marR="0" algn="r">
+            <a:lvl6pPr marL="0" marR="0" lvl="5" indent="0" algn="r">
               <a:lnSpc>
                 <a:spcPct val="100000"/>
               </a:lnSpc>
@@ -4572,7 +4653,7 @@
               <a:buSzPts val="1000"/>
               <a:buFont typeface="Arial"/>
               <a:buNone/>
-              <a:defRPr b="0" i="0" sz="1000" u="none" cap="none" strike="noStrike">
+              <a:defRPr sz="1000" b="0" i="0" u="none" strike="noStrike" cap="none">
                 <a:solidFill>
                   <a:schemeClr val="dk2"/>
                 </a:solidFill>
@@ -4582,7 +4663,7 @@
                 <a:sym typeface="Arial"/>
               </a:defRPr>
             </a:lvl6pPr>
-            <a:lvl7pPr indent="0" lvl="6" marL="0" marR="0" algn="r">
+            <a:lvl7pPr marL="0" marR="0" lvl="6" indent="0" algn="r">
               <a:lnSpc>
                 <a:spcPct val="100000"/>
               </a:lnSpc>
@@ -4598,7 +4679,7 @@
               <a:buSzPts val="1000"/>
               <a:buFont typeface="Arial"/>
               <a:buNone/>
-              <a:defRPr b="0" i="0" sz="1000" u="none" cap="none" strike="noStrike">
+              <a:defRPr sz="1000" b="0" i="0" u="none" strike="noStrike" cap="none">
                 <a:solidFill>
                   <a:schemeClr val="dk2"/>
                 </a:solidFill>
@@ -4608,7 +4689,7 @@
                 <a:sym typeface="Arial"/>
               </a:defRPr>
             </a:lvl7pPr>
-            <a:lvl8pPr indent="0" lvl="7" marL="0" marR="0" algn="r">
+            <a:lvl8pPr marL="0" marR="0" lvl="7" indent="0" algn="r">
               <a:lnSpc>
                 <a:spcPct val="100000"/>
               </a:lnSpc>
@@ -4624,7 +4705,7 @@
               <a:buSzPts val="1000"/>
               <a:buFont typeface="Arial"/>
               <a:buNone/>
-              <a:defRPr b="0" i="0" sz="1000" u="none" cap="none" strike="noStrike">
+              <a:defRPr sz="1000" b="0" i="0" u="none" strike="noStrike" cap="none">
                 <a:solidFill>
                   <a:schemeClr val="dk2"/>
                 </a:solidFill>
@@ -4634,7 +4715,7 @@
                 <a:sym typeface="Arial"/>
               </a:defRPr>
             </a:lvl8pPr>
-            <a:lvl9pPr indent="0" lvl="8" marL="0" marR="0" algn="r">
+            <a:lvl9pPr marL="0" marR="0" lvl="8" indent="0" algn="r">
               <a:lnSpc>
                 <a:spcPct val="100000"/>
               </a:lnSpc>
@@ -4650,7 +4731,7 @@
               <a:buSzPts val="1000"/>
               <a:buFont typeface="Arial"/>
               <a:buNone/>
-              <a:defRPr b="0" i="0" sz="1000" u="none" cap="none" strike="noStrike">
+              <a:defRPr sz="1000" b="0" i="0" u="none" strike="noStrike" cap="none">
                 <a:solidFill>
                   <a:schemeClr val="dk2"/>
                 </a:solidFill>
@@ -4662,7 +4743,7 @@
             </a:lvl9pPr>
           </a:lstStyle>
           <a:p>
-            <a:pPr indent="0" lvl="0" marL="0" rtl="0" algn="r">
+            <a:pPr marL="0" lvl="0" indent="0" algn="r" rtl="0">
               <a:spcBef>
                 <a:spcPts val="0"/>
               </a:spcBef>
@@ -4688,11 +4769,11 @@
 </file>
 
 <file path=ppt/slideLayouts/slideLayout5.xml><?xml version="1.0" encoding="utf-8"?>
-<p:sldLayout xmlns:a="http://schemas.openxmlformats.org/drawingml/2006/main" xmlns:r="http://schemas.openxmlformats.org/officeDocument/2006/relationships" xmlns:mc="http://schemas.openxmlformats.org/markup-compatibility/2006" xmlns:mv="urn:schemas-microsoft-com:mac:vml" xmlns:p="http://schemas.openxmlformats.org/presentationml/2006/main" xmlns:c="http://schemas.openxmlformats.org/drawingml/2006/chart" xmlns:dgm="http://schemas.openxmlformats.org/drawingml/2006/diagram" xmlns:o="urn:schemas-microsoft-com:office:office" xmlns:v="urn:schemas-microsoft-com:vml" xmlns:pvml="urn:schemas-microsoft-com:office:powerpoint" xmlns:com="http://schemas.openxmlformats.org/drawingml/2006/compatibility" xmlns:p14="http://schemas.microsoft.com/office/powerpoint/2010/main" xmlns:p15="http://schemas.microsoft.com/office/powerpoint/2012/main" xmlns:ahyp="http://schemas.microsoft.com/office/drawing/2018/hyperlinkcolor" matchingName="Title only" type="titleOnly">
+<p:sldLayout xmlns:a="http://schemas.openxmlformats.org/drawingml/2006/main" xmlns:r="http://schemas.openxmlformats.org/officeDocument/2006/relationships" xmlns:p="http://schemas.openxmlformats.org/presentationml/2006/main" matchingName="Title only" type="titleOnly">
   <p:cSld name="TITLE_ONLY">
     <p:spTree>
       <p:nvGrpSpPr>
-        <p:cNvPr id="25" name="Shape 25"/>
+        <p:cNvPr id="1" name="Shape 25"/>
         <p:cNvGrpSpPr/>
         <p:nvPr/>
       </p:nvGrpSpPr>
@@ -4707,7 +4788,9 @@
       <p:sp>
         <p:nvSpPr>
           <p:cNvPr id="26" name="Google Shape;26;p6"/>
-          <p:cNvSpPr txBox="1"/>
+          <p:cNvSpPr txBox="1">
+            <a:spLocks noGrp="1"/>
+          </p:cNvSpPr>
           <p:nvPr>
             <p:ph type="title"/>
           </p:nvPr>
@@ -4726,7 +4809,7 @@
           </a:ln>
         </p:spPr>
         <p:txBody>
-          <a:bodyPr anchorCtr="0" anchor="t" bIns="91425" lIns="91425" spcFirstLastPara="1" rIns="91425" wrap="square" tIns="91425">
+          <a:bodyPr spcFirstLastPara="1" wrap="square" lIns="91425" tIns="91425" rIns="91425" bIns="91425" anchor="t" anchorCtr="0">
             <a:normAutofit/>
           </a:bodyPr>
           <a:lstStyle>
@@ -4857,15 +4940,19 @@
               <a:defRPr/>
             </a:lvl9pPr>
           </a:lstStyle>
-          <a:p/>
+          <a:p>
+            <a:endParaRPr/>
+          </a:p>
         </p:txBody>
       </p:sp>
       <p:sp>
         <p:nvSpPr>
           <p:cNvPr id="27" name="Google Shape;27;p6"/>
-          <p:cNvSpPr txBox="1"/>
+          <p:cNvSpPr txBox="1">
+            <a:spLocks noGrp="1"/>
+          </p:cNvSpPr>
           <p:nvPr>
-            <p:ph idx="12" type="sldNum"/>
+            <p:ph type="sldNum" idx="12"/>
           </p:nvPr>
         </p:nvSpPr>
         <p:spPr>
@@ -4882,11 +4969,11 @@
           </a:ln>
         </p:spPr>
         <p:txBody>
-          <a:bodyPr anchorCtr="0" anchor="ctr" bIns="91425" lIns="91425" spcFirstLastPara="1" rIns="91425" wrap="square" tIns="91425">
+          <a:bodyPr spcFirstLastPara="1" wrap="square" lIns="91425" tIns="91425" rIns="91425" bIns="91425" anchor="ctr" anchorCtr="0">
             <a:normAutofit/>
           </a:bodyPr>
           <a:lstStyle>
-            <a:lvl1pPr indent="0" lvl="0" marL="0" marR="0" algn="r">
+            <a:lvl1pPr marL="0" marR="0" lvl="0" indent="0" algn="r">
               <a:lnSpc>
                 <a:spcPct val="100000"/>
               </a:lnSpc>
@@ -4902,7 +4989,7 @@
               <a:buSzPts val="1000"/>
               <a:buFont typeface="Arial"/>
               <a:buNone/>
-              <a:defRPr b="0" i="0" sz="1000" u="none" cap="none" strike="noStrike">
+              <a:defRPr sz="1000" b="0" i="0" u="none" strike="noStrike" cap="none">
                 <a:solidFill>
                   <a:schemeClr val="dk2"/>
                 </a:solidFill>
@@ -4912,7 +4999,7 @@
                 <a:sym typeface="Arial"/>
               </a:defRPr>
             </a:lvl1pPr>
-            <a:lvl2pPr indent="0" lvl="1" marL="0" marR="0" algn="r">
+            <a:lvl2pPr marL="0" marR="0" lvl="1" indent="0" algn="r">
               <a:lnSpc>
                 <a:spcPct val="100000"/>
               </a:lnSpc>
@@ -4928,7 +5015,7 @@
               <a:buSzPts val="1000"/>
               <a:buFont typeface="Arial"/>
               <a:buNone/>
-              <a:defRPr b="0" i="0" sz="1000" u="none" cap="none" strike="noStrike">
+              <a:defRPr sz="1000" b="0" i="0" u="none" strike="noStrike" cap="none">
                 <a:solidFill>
                   <a:schemeClr val="dk2"/>
                 </a:solidFill>
@@ -4938,7 +5025,7 @@
                 <a:sym typeface="Arial"/>
               </a:defRPr>
             </a:lvl2pPr>
-            <a:lvl3pPr indent="0" lvl="2" marL="0" marR="0" algn="r">
+            <a:lvl3pPr marL="0" marR="0" lvl="2" indent="0" algn="r">
               <a:lnSpc>
                 <a:spcPct val="100000"/>
               </a:lnSpc>
@@ -4954,7 +5041,7 @@
               <a:buSzPts val="1000"/>
               <a:buFont typeface="Arial"/>
               <a:buNone/>
-              <a:defRPr b="0" i="0" sz="1000" u="none" cap="none" strike="noStrike">
+              <a:defRPr sz="1000" b="0" i="0" u="none" strike="noStrike" cap="none">
                 <a:solidFill>
                   <a:schemeClr val="dk2"/>
                 </a:solidFill>
@@ -4964,7 +5051,7 @@
                 <a:sym typeface="Arial"/>
               </a:defRPr>
             </a:lvl3pPr>
-            <a:lvl4pPr indent="0" lvl="3" marL="0" marR="0" algn="r">
+            <a:lvl4pPr marL="0" marR="0" lvl="3" indent="0" algn="r">
               <a:lnSpc>
                 <a:spcPct val="100000"/>
               </a:lnSpc>
@@ -4980,7 +5067,7 @@
               <a:buSzPts val="1000"/>
               <a:buFont typeface="Arial"/>
               <a:buNone/>
-              <a:defRPr b="0" i="0" sz="1000" u="none" cap="none" strike="noStrike">
+              <a:defRPr sz="1000" b="0" i="0" u="none" strike="noStrike" cap="none">
                 <a:solidFill>
                   <a:schemeClr val="dk2"/>
                 </a:solidFill>
@@ -4990,7 +5077,7 @@
                 <a:sym typeface="Arial"/>
               </a:defRPr>
             </a:lvl4pPr>
-            <a:lvl5pPr indent="0" lvl="4" marL="0" marR="0" algn="r">
+            <a:lvl5pPr marL="0" marR="0" lvl="4" indent="0" algn="r">
               <a:lnSpc>
                 <a:spcPct val="100000"/>
               </a:lnSpc>
@@ -5006,7 +5093,7 @@
               <a:buSzPts val="1000"/>
               <a:buFont typeface="Arial"/>
               <a:buNone/>
-              <a:defRPr b="0" i="0" sz="1000" u="none" cap="none" strike="noStrike">
+              <a:defRPr sz="1000" b="0" i="0" u="none" strike="noStrike" cap="none">
                 <a:solidFill>
                   <a:schemeClr val="dk2"/>
                 </a:solidFill>
@@ -5016,7 +5103,7 @@
                 <a:sym typeface="Arial"/>
               </a:defRPr>
             </a:lvl5pPr>
-            <a:lvl6pPr indent="0" lvl="5" marL="0" marR="0" algn="r">
+            <a:lvl6pPr marL="0" marR="0" lvl="5" indent="0" algn="r">
               <a:lnSpc>
                 <a:spcPct val="100000"/>
               </a:lnSpc>
@@ -5032,7 +5119,7 @@
               <a:buSzPts val="1000"/>
               <a:buFont typeface="Arial"/>
               <a:buNone/>
-              <a:defRPr b="0" i="0" sz="1000" u="none" cap="none" strike="noStrike">
+              <a:defRPr sz="1000" b="0" i="0" u="none" strike="noStrike" cap="none">
                 <a:solidFill>
                   <a:schemeClr val="dk2"/>
                 </a:solidFill>
@@ -5042,7 +5129,7 @@
                 <a:sym typeface="Arial"/>
               </a:defRPr>
             </a:lvl6pPr>
-            <a:lvl7pPr indent="0" lvl="6" marL="0" marR="0" algn="r">
+            <a:lvl7pPr marL="0" marR="0" lvl="6" indent="0" algn="r">
               <a:lnSpc>
                 <a:spcPct val="100000"/>
               </a:lnSpc>
@@ -5058,7 +5145,7 @@
               <a:buSzPts val="1000"/>
               <a:buFont typeface="Arial"/>
               <a:buNone/>
-              <a:defRPr b="0" i="0" sz="1000" u="none" cap="none" strike="noStrike">
+              <a:defRPr sz="1000" b="0" i="0" u="none" strike="noStrike" cap="none">
                 <a:solidFill>
                   <a:schemeClr val="dk2"/>
                 </a:solidFill>
@@ -5068,7 +5155,7 @@
                 <a:sym typeface="Arial"/>
               </a:defRPr>
             </a:lvl7pPr>
-            <a:lvl8pPr indent="0" lvl="7" marL="0" marR="0" algn="r">
+            <a:lvl8pPr marL="0" marR="0" lvl="7" indent="0" algn="r">
               <a:lnSpc>
                 <a:spcPct val="100000"/>
               </a:lnSpc>
@@ -5084,7 +5171,7 @@
               <a:buSzPts val="1000"/>
               <a:buFont typeface="Arial"/>
               <a:buNone/>
-              <a:defRPr b="0" i="0" sz="1000" u="none" cap="none" strike="noStrike">
+              <a:defRPr sz="1000" b="0" i="0" u="none" strike="noStrike" cap="none">
                 <a:solidFill>
                   <a:schemeClr val="dk2"/>
                 </a:solidFill>
@@ -5094,7 +5181,7 @@
                 <a:sym typeface="Arial"/>
               </a:defRPr>
             </a:lvl8pPr>
-            <a:lvl9pPr indent="0" lvl="8" marL="0" marR="0" algn="r">
+            <a:lvl9pPr marL="0" marR="0" lvl="8" indent="0" algn="r">
               <a:lnSpc>
                 <a:spcPct val="100000"/>
               </a:lnSpc>
@@ -5110,7 +5197,7 @@
               <a:buSzPts val="1000"/>
               <a:buFont typeface="Arial"/>
               <a:buNone/>
-              <a:defRPr b="0" i="0" sz="1000" u="none" cap="none" strike="noStrike">
+              <a:defRPr sz="1000" b="0" i="0" u="none" strike="noStrike" cap="none">
                 <a:solidFill>
                   <a:schemeClr val="dk2"/>
                 </a:solidFill>
@@ -5122,7 +5209,7 @@
             </a:lvl9pPr>
           </a:lstStyle>
           <a:p>
-            <a:pPr indent="0" lvl="0" marL="0" rtl="0" algn="r">
+            <a:pPr marL="0" lvl="0" indent="0" algn="r" rtl="0">
               <a:spcBef>
                 <a:spcPts val="0"/>
               </a:spcBef>
@@ -5148,11 +5235,11 @@
 </file>
 
 <file path=ppt/slideLayouts/slideLayout6.xml><?xml version="1.0" encoding="utf-8"?>
-<p:sldLayout xmlns:a="http://schemas.openxmlformats.org/drawingml/2006/main" xmlns:r="http://schemas.openxmlformats.org/officeDocument/2006/relationships" xmlns:mc="http://schemas.openxmlformats.org/markup-compatibility/2006" xmlns:mv="urn:schemas-microsoft-com:mac:vml" xmlns:p="http://schemas.openxmlformats.org/presentationml/2006/main" xmlns:c="http://schemas.openxmlformats.org/drawingml/2006/chart" xmlns:dgm="http://schemas.openxmlformats.org/drawingml/2006/diagram" xmlns:o="urn:schemas-microsoft-com:office:office" xmlns:v="urn:schemas-microsoft-com:vml" xmlns:pvml="urn:schemas-microsoft-com:office:powerpoint" xmlns:com="http://schemas.openxmlformats.org/drawingml/2006/compatibility" xmlns:p14="http://schemas.microsoft.com/office/powerpoint/2010/main" xmlns:p15="http://schemas.microsoft.com/office/powerpoint/2012/main" xmlns:ahyp="http://schemas.microsoft.com/office/drawing/2018/hyperlinkcolor" matchingName="One column text">
+<p:sldLayout xmlns:a="http://schemas.openxmlformats.org/drawingml/2006/main" xmlns:r="http://schemas.openxmlformats.org/officeDocument/2006/relationships" xmlns:p="http://schemas.openxmlformats.org/presentationml/2006/main" matchingName="One column text">
   <p:cSld name="ONE_COLUMN_TEXT">
     <p:spTree>
       <p:nvGrpSpPr>
-        <p:cNvPr id="28" name="Shape 28"/>
+        <p:cNvPr id="1" name="Shape 28"/>
         <p:cNvGrpSpPr/>
         <p:nvPr/>
       </p:nvGrpSpPr>
@@ -5167,7 +5254,9 @@
       <p:sp>
         <p:nvSpPr>
           <p:cNvPr id="29" name="Google Shape;29;p7"/>
-          <p:cNvSpPr txBox="1"/>
+          <p:cNvSpPr txBox="1">
+            <a:spLocks noGrp="1"/>
+          </p:cNvSpPr>
           <p:nvPr>
             <p:ph type="title"/>
           </p:nvPr>
@@ -5186,7 +5275,7 @@
           </a:ln>
         </p:spPr>
         <p:txBody>
-          <a:bodyPr anchorCtr="0" anchor="b" bIns="91425" lIns="91425" spcFirstLastPara="1" rIns="91425" wrap="square" tIns="91425">
+          <a:bodyPr spcFirstLastPara="1" wrap="square" lIns="91425" tIns="91425" rIns="91425" bIns="91425" anchor="b" anchorCtr="0">
             <a:normAutofit/>
           </a:bodyPr>
           <a:lstStyle>
@@ -5317,15 +5406,19 @@
               <a:defRPr sz="2400"/>
             </a:lvl9pPr>
           </a:lstStyle>
-          <a:p/>
+          <a:p>
+            <a:endParaRPr/>
+          </a:p>
         </p:txBody>
       </p:sp>
       <p:sp>
         <p:nvSpPr>
           <p:cNvPr id="30" name="Google Shape;30;p7"/>
-          <p:cNvSpPr txBox="1"/>
+          <p:cNvSpPr txBox="1">
+            <a:spLocks noGrp="1"/>
+          </p:cNvSpPr>
           <p:nvPr>
-            <p:ph idx="1" type="body"/>
+            <p:ph type="body" idx="1"/>
           </p:nvPr>
         </p:nvSpPr>
         <p:spPr>
@@ -5342,11 +5435,11 @@
           </a:ln>
         </p:spPr>
         <p:txBody>
-          <a:bodyPr anchorCtr="0" anchor="t" bIns="91425" lIns="91425" spcFirstLastPara="1" rIns="91425" wrap="square" tIns="91425">
+          <a:bodyPr spcFirstLastPara="1" wrap="square" lIns="91425" tIns="91425" rIns="91425" bIns="91425" anchor="t" anchorCtr="0">
             <a:normAutofit/>
           </a:bodyPr>
           <a:lstStyle>
-            <a:lvl1pPr indent="-304800" lvl="0" marL="457200" algn="l">
+            <a:lvl1pPr marL="457200" lvl="0" indent="-304800" algn="l">
               <a:lnSpc>
                 <a:spcPct val="115000"/>
               </a:lnSpc>
@@ -5360,7 +5453,7 @@
               <a:buChar char="●"/>
               <a:defRPr sz="1200"/>
             </a:lvl1pPr>
-            <a:lvl2pPr indent="-304800" lvl="1" marL="914400" algn="l">
+            <a:lvl2pPr marL="914400" lvl="1" indent="-304800" algn="l">
               <a:lnSpc>
                 <a:spcPct val="115000"/>
               </a:lnSpc>
@@ -5374,7 +5467,7 @@
               <a:buChar char="○"/>
               <a:defRPr sz="1200"/>
             </a:lvl2pPr>
-            <a:lvl3pPr indent="-304800" lvl="2" marL="1371600" algn="l">
+            <a:lvl3pPr marL="1371600" lvl="2" indent="-304800" algn="l">
               <a:lnSpc>
                 <a:spcPct val="115000"/>
               </a:lnSpc>
@@ -5388,7 +5481,7 @@
               <a:buChar char="■"/>
               <a:defRPr sz="1200"/>
             </a:lvl3pPr>
-            <a:lvl4pPr indent="-304800" lvl="3" marL="1828800" algn="l">
+            <a:lvl4pPr marL="1828800" lvl="3" indent="-304800" algn="l">
               <a:lnSpc>
                 <a:spcPct val="115000"/>
               </a:lnSpc>
@@ -5402,7 +5495,7 @@
               <a:buChar char="●"/>
               <a:defRPr sz="1200"/>
             </a:lvl4pPr>
-            <a:lvl5pPr indent="-304800" lvl="4" marL="2286000" algn="l">
+            <a:lvl5pPr marL="2286000" lvl="4" indent="-304800" algn="l">
               <a:lnSpc>
                 <a:spcPct val="115000"/>
               </a:lnSpc>
@@ -5416,7 +5509,7 @@
               <a:buChar char="○"/>
               <a:defRPr sz="1200"/>
             </a:lvl5pPr>
-            <a:lvl6pPr indent="-304800" lvl="5" marL="2743200" algn="l">
+            <a:lvl6pPr marL="2743200" lvl="5" indent="-304800" algn="l">
               <a:lnSpc>
                 <a:spcPct val="115000"/>
               </a:lnSpc>
@@ -5430,7 +5523,7 @@
               <a:buChar char="■"/>
               <a:defRPr sz="1200"/>
             </a:lvl6pPr>
-            <a:lvl7pPr indent="-304800" lvl="6" marL="3200400" algn="l">
+            <a:lvl7pPr marL="3200400" lvl="6" indent="-304800" algn="l">
               <a:lnSpc>
                 <a:spcPct val="115000"/>
               </a:lnSpc>
@@ -5444,7 +5537,7 @@
               <a:buChar char="●"/>
               <a:defRPr sz="1200"/>
             </a:lvl7pPr>
-            <a:lvl8pPr indent="-304800" lvl="7" marL="3657600" algn="l">
+            <a:lvl8pPr marL="3657600" lvl="7" indent="-304800" algn="l">
               <a:lnSpc>
                 <a:spcPct val="115000"/>
               </a:lnSpc>
@@ -5458,7 +5551,7 @@
               <a:buChar char="○"/>
               <a:defRPr sz="1200"/>
             </a:lvl8pPr>
-            <a:lvl9pPr indent="-304800" lvl="8" marL="4114800" algn="l">
+            <a:lvl9pPr marL="4114800" lvl="8" indent="-304800" algn="l">
               <a:lnSpc>
                 <a:spcPct val="115000"/>
               </a:lnSpc>
@@ -5473,15 +5566,19 @@
               <a:defRPr sz="1200"/>
             </a:lvl9pPr>
           </a:lstStyle>
-          <a:p/>
+          <a:p>
+            <a:endParaRPr/>
+          </a:p>
         </p:txBody>
       </p:sp>
       <p:sp>
         <p:nvSpPr>
           <p:cNvPr id="31" name="Google Shape;31;p7"/>
-          <p:cNvSpPr txBox="1"/>
+          <p:cNvSpPr txBox="1">
+            <a:spLocks noGrp="1"/>
+          </p:cNvSpPr>
           <p:nvPr>
-            <p:ph idx="12" type="sldNum"/>
+            <p:ph type="sldNum" idx="12"/>
           </p:nvPr>
         </p:nvSpPr>
         <p:spPr>
@@ -5498,11 +5595,11 @@
           </a:ln>
         </p:spPr>
         <p:txBody>
-          <a:bodyPr anchorCtr="0" anchor="ctr" bIns="91425" lIns="91425" spcFirstLastPara="1" rIns="91425" wrap="square" tIns="91425">
+          <a:bodyPr spcFirstLastPara="1" wrap="square" lIns="91425" tIns="91425" rIns="91425" bIns="91425" anchor="ctr" anchorCtr="0">
             <a:normAutofit/>
           </a:bodyPr>
           <a:lstStyle>
-            <a:lvl1pPr indent="0" lvl="0" marL="0" marR="0" algn="r">
+            <a:lvl1pPr marL="0" marR="0" lvl="0" indent="0" algn="r">
               <a:lnSpc>
                 <a:spcPct val="100000"/>
               </a:lnSpc>
@@ -5518,7 +5615,7 @@
               <a:buSzPts val="1000"/>
               <a:buFont typeface="Arial"/>
               <a:buNone/>
-              <a:defRPr b="0" i="0" sz="1000" u="none" cap="none" strike="noStrike">
+              <a:defRPr sz="1000" b="0" i="0" u="none" strike="noStrike" cap="none">
                 <a:solidFill>
                   <a:schemeClr val="dk2"/>
                 </a:solidFill>
@@ -5528,7 +5625,7 @@
                 <a:sym typeface="Arial"/>
               </a:defRPr>
             </a:lvl1pPr>
-            <a:lvl2pPr indent="0" lvl="1" marL="0" marR="0" algn="r">
+            <a:lvl2pPr marL="0" marR="0" lvl="1" indent="0" algn="r">
               <a:lnSpc>
                 <a:spcPct val="100000"/>
               </a:lnSpc>
@@ -5544,7 +5641,7 @@
               <a:buSzPts val="1000"/>
               <a:buFont typeface="Arial"/>
               <a:buNone/>
-              <a:defRPr b="0" i="0" sz="1000" u="none" cap="none" strike="noStrike">
+              <a:defRPr sz="1000" b="0" i="0" u="none" strike="noStrike" cap="none">
                 <a:solidFill>
                   <a:schemeClr val="dk2"/>
                 </a:solidFill>
@@ -5554,7 +5651,7 @@
                 <a:sym typeface="Arial"/>
               </a:defRPr>
             </a:lvl2pPr>
-            <a:lvl3pPr indent="0" lvl="2" marL="0" marR="0" algn="r">
+            <a:lvl3pPr marL="0" marR="0" lvl="2" indent="0" algn="r">
               <a:lnSpc>
                 <a:spcPct val="100000"/>
               </a:lnSpc>
@@ -5570,7 +5667,7 @@
               <a:buSzPts val="1000"/>
               <a:buFont typeface="Arial"/>
               <a:buNone/>
-              <a:defRPr b="0" i="0" sz="1000" u="none" cap="none" strike="noStrike">
+              <a:defRPr sz="1000" b="0" i="0" u="none" strike="noStrike" cap="none">
                 <a:solidFill>
                   <a:schemeClr val="dk2"/>
                 </a:solidFill>
@@ -5580,7 +5677,7 @@
                 <a:sym typeface="Arial"/>
               </a:defRPr>
             </a:lvl3pPr>
-            <a:lvl4pPr indent="0" lvl="3" marL="0" marR="0" algn="r">
+            <a:lvl4pPr marL="0" marR="0" lvl="3" indent="0" algn="r">
               <a:lnSpc>
                 <a:spcPct val="100000"/>
               </a:lnSpc>
@@ -5596,7 +5693,7 @@
               <a:buSzPts val="1000"/>
               <a:buFont typeface="Arial"/>
               <a:buNone/>
-              <a:defRPr b="0" i="0" sz="1000" u="none" cap="none" strike="noStrike">
+              <a:defRPr sz="1000" b="0" i="0" u="none" strike="noStrike" cap="none">
                 <a:solidFill>
                   <a:schemeClr val="dk2"/>
                 </a:solidFill>
@@ -5606,7 +5703,7 @@
                 <a:sym typeface="Arial"/>
               </a:defRPr>
             </a:lvl4pPr>
-            <a:lvl5pPr indent="0" lvl="4" marL="0" marR="0" algn="r">
+            <a:lvl5pPr marL="0" marR="0" lvl="4" indent="0" algn="r">
               <a:lnSpc>
                 <a:spcPct val="100000"/>
               </a:lnSpc>
@@ -5622,7 +5719,7 @@
               <a:buSzPts val="1000"/>
               <a:buFont typeface="Arial"/>
               <a:buNone/>
-              <a:defRPr b="0" i="0" sz="1000" u="none" cap="none" strike="noStrike">
+              <a:defRPr sz="1000" b="0" i="0" u="none" strike="noStrike" cap="none">
                 <a:solidFill>
                   <a:schemeClr val="dk2"/>
                 </a:solidFill>
@@ -5632,7 +5729,7 @@
                 <a:sym typeface="Arial"/>
               </a:defRPr>
             </a:lvl5pPr>
-            <a:lvl6pPr indent="0" lvl="5" marL="0" marR="0" algn="r">
+            <a:lvl6pPr marL="0" marR="0" lvl="5" indent="0" algn="r">
               <a:lnSpc>
                 <a:spcPct val="100000"/>
               </a:lnSpc>
@@ -5648,7 +5745,7 @@
               <a:buSzPts val="1000"/>
               <a:buFont typeface="Arial"/>
               <a:buNone/>
-              <a:defRPr b="0" i="0" sz="1000" u="none" cap="none" strike="noStrike">
+              <a:defRPr sz="1000" b="0" i="0" u="none" strike="noStrike" cap="none">
                 <a:solidFill>
                   <a:schemeClr val="dk2"/>
                 </a:solidFill>
@@ -5658,7 +5755,7 @@
                 <a:sym typeface="Arial"/>
               </a:defRPr>
             </a:lvl6pPr>
-            <a:lvl7pPr indent="0" lvl="6" marL="0" marR="0" algn="r">
+            <a:lvl7pPr marL="0" marR="0" lvl="6" indent="0" algn="r">
               <a:lnSpc>
                 <a:spcPct val="100000"/>
               </a:lnSpc>
@@ -5674,7 +5771,7 @@
               <a:buSzPts val="1000"/>
               <a:buFont typeface="Arial"/>
               <a:buNone/>
-              <a:defRPr b="0" i="0" sz="1000" u="none" cap="none" strike="noStrike">
+              <a:defRPr sz="1000" b="0" i="0" u="none" strike="noStrike" cap="none">
                 <a:solidFill>
                   <a:schemeClr val="dk2"/>
                 </a:solidFill>
@@ -5684,7 +5781,7 @@
                 <a:sym typeface="Arial"/>
               </a:defRPr>
             </a:lvl7pPr>
-            <a:lvl8pPr indent="0" lvl="7" marL="0" marR="0" algn="r">
+            <a:lvl8pPr marL="0" marR="0" lvl="7" indent="0" algn="r">
               <a:lnSpc>
                 <a:spcPct val="100000"/>
               </a:lnSpc>
@@ -5700,7 +5797,7 @@
               <a:buSzPts val="1000"/>
               <a:buFont typeface="Arial"/>
               <a:buNone/>
-              <a:defRPr b="0" i="0" sz="1000" u="none" cap="none" strike="noStrike">
+              <a:defRPr sz="1000" b="0" i="0" u="none" strike="noStrike" cap="none">
                 <a:solidFill>
                   <a:schemeClr val="dk2"/>
                 </a:solidFill>
@@ -5710,7 +5807,7 @@
                 <a:sym typeface="Arial"/>
               </a:defRPr>
             </a:lvl8pPr>
-            <a:lvl9pPr indent="0" lvl="8" marL="0" marR="0" algn="r">
+            <a:lvl9pPr marL="0" marR="0" lvl="8" indent="0" algn="r">
               <a:lnSpc>
                 <a:spcPct val="100000"/>
               </a:lnSpc>
@@ -5726,7 +5823,7 @@
               <a:buSzPts val="1000"/>
               <a:buFont typeface="Arial"/>
               <a:buNone/>
-              <a:defRPr b="0" i="0" sz="1000" u="none" cap="none" strike="noStrike">
+              <a:defRPr sz="1000" b="0" i="0" u="none" strike="noStrike" cap="none">
                 <a:solidFill>
                   <a:schemeClr val="dk2"/>
                 </a:solidFill>
@@ -5738,7 +5835,7 @@
             </a:lvl9pPr>
           </a:lstStyle>
           <a:p>
-            <a:pPr indent="0" lvl="0" marL="0" rtl="0" algn="r">
+            <a:pPr marL="0" lvl="0" indent="0" algn="r" rtl="0">
               <a:spcBef>
                 <a:spcPts val="0"/>
               </a:spcBef>
@@ -5764,11 +5861,11 @@
 </file>
 
 <file path=ppt/slideLayouts/slideLayout7.xml><?xml version="1.0" encoding="utf-8"?>
-<p:sldLayout xmlns:a="http://schemas.openxmlformats.org/drawingml/2006/main" xmlns:r="http://schemas.openxmlformats.org/officeDocument/2006/relationships" xmlns:mc="http://schemas.openxmlformats.org/markup-compatibility/2006" xmlns:mv="urn:schemas-microsoft-com:mac:vml" xmlns:p="http://schemas.openxmlformats.org/presentationml/2006/main" xmlns:c="http://schemas.openxmlformats.org/drawingml/2006/chart" xmlns:dgm="http://schemas.openxmlformats.org/drawingml/2006/diagram" xmlns:o="urn:schemas-microsoft-com:office:office" xmlns:v="urn:schemas-microsoft-com:vml" xmlns:pvml="urn:schemas-microsoft-com:office:powerpoint" xmlns:com="http://schemas.openxmlformats.org/drawingml/2006/compatibility" xmlns:p14="http://schemas.microsoft.com/office/powerpoint/2010/main" xmlns:p15="http://schemas.microsoft.com/office/powerpoint/2012/main" xmlns:ahyp="http://schemas.microsoft.com/office/drawing/2018/hyperlinkcolor" matchingName="Main point">
+<p:sldLayout xmlns:a="http://schemas.openxmlformats.org/drawingml/2006/main" xmlns:r="http://schemas.openxmlformats.org/officeDocument/2006/relationships" xmlns:p="http://schemas.openxmlformats.org/presentationml/2006/main" matchingName="Main point">
   <p:cSld name="MAIN_POINT">
     <p:spTree>
       <p:nvGrpSpPr>
-        <p:cNvPr id="32" name="Shape 32"/>
+        <p:cNvPr id="1" name="Shape 32"/>
         <p:cNvGrpSpPr/>
         <p:nvPr/>
       </p:nvGrpSpPr>
@@ -5783,7 +5880,9 @@
       <p:sp>
         <p:nvSpPr>
           <p:cNvPr id="33" name="Google Shape;33;p8"/>
-          <p:cNvSpPr txBox="1"/>
+          <p:cNvSpPr txBox="1">
+            <a:spLocks noGrp="1"/>
+          </p:cNvSpPr>
           <p:nvPr>
             <p:ph type="title"/>
           </p:nvPr>
@@ -5802,7 +5901,7 @@
           </a:ln>
         </p:spPr>
         <p:txBody>
-          <a:bodyPr anchorCtr="0" anchor="ctr" bIns="91425" lIns="91425" spcFirstLastPara="1" rIns="91425" wrap="square" tIns="91425">
+          <a:bodyPr spcFirstLastPara="1" wrap="square" lIns="91425" tIns="91425" rIns="91425" bIns="91425" anchor="ctr" anchorCtr="0">
             <a:normAutofit/>
           </a:bodyPr>
           <a:lstStyle>
@@ -5933,15 +6032,19 @@
               <a:defRPr sz="4800"/>
             </a:lvl9pPr>
           </a:lstStyle>
-          <a:p/>
+          <a:p>
+            <a:endParaRPr/>
+          </a:p>
         </p:txBody>
       </p:sp>
       <p:sp>
         <p:nvSpPr>
           <p:cNvPr id="34" name="Google Shape;34;p8"/>
-          <p:cNvSpPr txBox="1"/>
+          <p:cNvSpPr txBox="1">
+            <a:spLocks noGrp="1"/>
+          </p:cNvSpPr>
           <p:nvPr>
-            <p:ph idx="12" type="sldNum"/>
+            <p:ph type="sldNum" idx="12"/>
           </p:nvPr>
         </p:nvSpPr>
         <p:spPr>
@@ -5958,11 +6061,11 @@
           </a:ln>
         </p:spPr>
         <p:txBody>
-          <a:bodyPr anchorCtr="0" anchor="ctr" bIns="91425" lIns="91425" spcFirstLastPara="1" rIns="91425" wrap="square" tIns="91425">
+          <a:bodyPr spcFirstLastPara="1" wrap="square" lIns="91425" tIns="91425" rIns="91425" bIns="91425" anchor="ctr" anchorCtr="0">
             <a:normAutofit/>
           </a:bodyPr>
           <a:lstStyle>
-            <a:lvl1pPr indent="0" lvl="0" marL="0" marR="0" algn="r">
+            <a:lvl1pPr marL="0" marR="0" lvl="0" indent="0" algn="r">
               <a:lnSpc>
                 <a:spcPct val="100000"/>
               </a:lnSpc>
@@ -5978,7 +6081,7 @@
               <a:buSzPts val="1000"/>
               <a:buFont typeface="Arial"/>
               <a:buNone/>
-              <a:defRPr b="0" i="0" sz="1000" u="none" cap="none" strike="noStrike">
+              <a:defRPr sz="1000" b="0" i="0" u="none" strike="noStrike" cap="none">
                 <a:solidFill>
                   <a:schemeClr val="dk2"/>
                 </a:solidFill>
@@ -5988,7 +6091,7 @@
                 <a:sym typeface="Arial"/>
               </a:defRPr>
             </a:lvl1pPr>
-            <a:lvl2pPr indent="0" lvl="1" marL="0" marR="0" algn="r">
+            <a:lvl2pPr marL="0" marR="0" lvl="1" indent="0" algn="r">
               <a:lnSpc>
                 <a:spcPct val="100000"/>
               </a:lnSpc>
@@ -6004,7 +6107,7 @@
               <a:buSzPts val="1000"/>
               <a:buFont typeface="Arial"/>
               <a:buNone/>
-              <a:defRPr b="0" i="0" sz="1000" u="none" cap="none" strike="noStrike">
+              <a:defRPr sz="1000" b="0" i="0" u="none" strike="noStrike" cap="none">
                 <a:solidFill>
                   <a:schemeClr val="dk2"/>
                 </a:solidFill>
@@ -6014,7 +6117,7 @@
                 <a:sym typeface="Arial"/>
               </a:defRPr>
             </a:lvl2pPr>
-            <a:lvl3pPr indent="0" lvl="2" marL="0" marR="0" algn="r">
+            <a:lvl3pPr marL="0" marR="0" lvl="2" indent="0" algn="r">
               <a:lnSpc>
                 <a:spcPct val="100000"/>
               </a:lnSpc>
@@ -6030,7 +6133,7 @@
               <a:buSzPts val="1000"/>
               <a:buFont typeface="Arial"/>
               <a:buNone/>
-              <a:defRPr b="0" i="0" sz="1000" u="none" cap="none" strike="noStrike">
+              <a:defRPr sz="1000" b="0" i="0" u="none" strike="noStrike" cap="none">
                 <a:solidFill>
                   <a:schemeClr val="dk2"/>
                 </a:solidFill>
@@ -6040,7 +6143,7 @@
                 <a:sym typeface="Arial"/>
               </a:defRPr>
             </a:lvl3pPr>
-            <a:lvl4pPr indent="0" lvl="3" marL="0" marR="0" algn="r">
+            <a:lvl4pPr marL="0" marR="0" lvl="3" indent="0" algn="r">
               <a:lnSpc>
                 <a:spcPct val="100000"/>
               </a:lnSpc>
@@ -6056,7 +6159,7 @@
               <a:buSzPts val="1000"/>
               <a:buFont typeface="Arial"/>
               <a:buNone/>
-              <a:defRPr b="0" i="0" sz="1000" u="none" cap="none" strike="noStrike">
+              <a:defRPr sz="1000" b="0" i="0" u="none" strike="noStrike" cap="none">
                 <a:solidFill>
                   <a:schemeClr val="dk2"/>
                 </a:solidFill>
@@ -6066,7 +6169,7 @@
                 <a:sym typeface="Arial"/>
               </a:defRPr>
             </a:lvl4pPr>
-            <a:lvl5pPr indent="0" lvl="4" marL="0" marR="0" algn="r">
+            <a:lvl5pPr marL="0" marR="0" lvl="4" indent="0" algn="r">
               <a:lnSpc>
                 <a:spcPct val="100000"/>
               </a:lnSpc>
@@ -6082,7 +6185,7 @@
               <a:buSzPts val="1000"/>
               <a:buFont typeface="Arial"/>
               <a:buNone/>
-              <a:defRPr b="0" i="0" sz="1000" u="none" cap="none" strike="noStrike">
+              <a:defRPr sz="1000" b="0" i="0" u="none" strike="noStrike" cap="none">
                 <a:solidFill>
                   <a:schemeClr val="dk2"/>
                 </a:solidFill>
@@ -6092,7 +6195,7 @@
                 <a:sym typeface="Arial"/>
               </a:defRPr>
             </a:lvl5pPr>
-            <a:lvl6pPr indent="0" lvl="5" marL="0" marR="0" algn="r">
+            <a:lvl6pPr marL="0" marR="0" lvl="5" indent="0" algn="r">
               <a:lnSpc>
                 <a:spcPct val="100000"/>
               </a:lnSpc>
@@ -6108,7 +6211,7 @@
               <a:buSzPts val="1000"/>
               <a:buFont typeface="Arial"/>
               <a:buNone/>
-              <a:defRPr b="0" i="0" sz="1000" u="none" cap="none" strike="noStrike">
+              <a:defRPr sz="1000" b="0" i="0" u="none" strike="noStrike" cap="none">
                 <a:solidFill>
                   <a:schemeClr val="dk2"/>
                 </a:solidFill>
@@ -6118,7 +6221,7 @@
                 <a:sym typeface="Arial"/>
               </a:defRPr>
             </a:lvl6pPr>
-            <a:lvl7pPr indent="0" lvl="6" marL="0" marR="0" algn="r">
+            <a:lvl7pPr marL="0" marR="0" lvl="6" indent="0" algn="r">
               <a:lnSpc>
                 <a:spcPct val="100000"/>
               </a:lnSpc>
@@ -6134,7 +6237,7 @@
               <a:buSzPts val="1000"/>
               <a:buFont typeface="Arial"/>
               <a:buNone/>
-              <a:defRPr b="0" i="0" sz="1000" u="none" cap="none" strike="noStrike">
+              <a:defRPr sz="1000" b="0" i="0" u="none" strike="noStrike" cap="none">
                 <a:solidFill>
                   <a:schemeClr val="dk2"/>
                 </a:solidFill>
@@ -6144,7 +6247,7 @@
                 <a:sym typeface="Arial"/>
               </a:defRPr>
             </a:lvl7pPr>
-            <a:lvl8pPr indent="0" lvl="7" marL="0" marR="0" algn="r">
+            <a:lvl8pPr marL="0" marR="0" lvl="7" indent="0" algn="r">
               <a:lnSpc>
                 <a:spcPct val="100000"/>
               </a:lnSpc>
@@ -6160,7 +6263,7 @@
               <a:buSzPts val="1000"/>
               <a:buFont typeface="Arial"/>
               <a:buNone/>
-              <a:defRPr b="0" i="0" sz="1000" u="none" cap="none" strike="noStrike">
+              <a:defRPr sz="1000" b="0" i="0" u="none" strike="noStrike" cap="none">
                 <a:solidFill>
                   <a:schemeClr val="dk2"/>
                 </a:solidFill>
@@ -6170,7 +6273,7 @@
                 <a:sym typeface="Arial"/>
               </a:defRPr>
             </a:lvl8pPr>
-            <a:lvl9pPr indent="0" lvl="8" marL="0" marR="0" algn="r">
+            <a:lvl9pPr marL="0" marR="0" lvl="8" indent="0" algn="r">
               <a:lnSpc>
                 <a:spcPct val="100000"/>
               </a:lnSpc>
@@ -6186,7 +6289,7 @@
               <a:buSzPts val="1000"/>
               <a:buFont typeface="Arial"/>
               <a:buNone/>
-              <a:defRPr b="0" i="0" sz="1000" u="none" cap="none" strike="noStrike">
+              <a:defRPr sz="1000" b="0" i="0" u="none" strike="noStrike" cap="none">
                 <a:solidFill>
                   <a:schemeClr val="dk2"/>
                 </a:solidFill>
@@ -6198,7 +6301,7 @@
             </a:lvl9pPr>
           </a:lstStyle>
           <a:p>
-            <a:pPr indent="0" lvl="0" marL="0" rtl="0" algn="r">
+            <a:pPr marL="0" lvl="0" indent="0" algn="r" rtl="0">
               <a:spcBef>
                 <a:spcPts val="0"/>
               </a:spcBef>
@@ -6224,11 +6327,11 @@
 </file>
 
 <file path=ppt/slideLayouts/slideLayout8.xml><?xml version="1.0" encoding="utf-8"?>
-<p:sldLayout xmlns:a="http://schemas.openxmlformats.org/drawingml/2006/main" xmlns:r="http://schemas.openxmlformats.org/officeDocument/2006/relationships" xmlns:mc="http://schemas.openxmlformats.org/markup-compatibility/2006" xmlns:mv="urn:schemas-microsoft-com:mac:vml" xmlns:p="http://schemas.openxmlformats.org/presentationml/2006/main" xmlns:c="http://schemas.openxmlformats.org/drawingml/2006/chart" xmlns:dgm="http://schemas.openxmlformats.org/drawingml/2006/diagram" xmlns:o="urn:schemas-microsoft-com:office:office" xmlns:v="urn:schemas-microsoft-com:vml" xmlns:pvml="urn:schemas-microsoft-com:office:powerpoint" xmlns:com="http://schemas.openxmlformats.org/drawingml/2006/compatibility" xmlns:p14="http://schemas.microsoft.com/office/powerpoint/2010/main" xmlns:p15="http://schemas.microsoft.com/office/powerpoint/2012/main" xmlns:ahyp="http://schemas.microsoft.com/office/drawing/2018/hyperlinkcolor" matchingName="Section title and description">
+<p:sldLayout xmlns:a="http://schemas.openxmlformats.org/drawingml/2006/main" xmlns:r="http://schemas.openxmlformats.org/officeDocument/2006/relationships" xmlns:p="http://schemas.openxmlformats.org/presentationml/2006/main" matchingName="Section title and description">
   <p:cSld name="SECTION_TITLE_AND_DESCRIPTION">
     <p:spTree>
       <p:nvGrpSpPr>
-        <p:cNvPr id="35" name="Shape 35"/>
+        <p:cNvPr id="1" name="Shape 35"/>
         <p:cNvGrpSpPr/>
         <p:nvPr/>
       </p:nvGrpSpPr>
@@ -6262,12 +6365,12 @@
           </a:ln>
         </p:spPr>
         <p:txBody>
-          <a:bodyPr anchorCtr="0" anchor="ctr" bIns="91425" lIns="91425" spcFirstLastPara="1" rIns="91425" wrap="square" tIns="91425">
+          <a:bodyPr spcFirstLastPara="1" wrap="square" lIns="91425" tIns="91425" rIns="91425" bIns="91425" anchor="ctr" anchorCtr="0">
             <a:noAutofit/>
           </a:bodyPr>
           <a:lstStyle/>
           <a:p>
-            <a:pPr indent="0" lvl="0" marL="0" marR="0" rtl="0" algn="l">
+            <a:pPr marL="0" marR="0" lvl="0" indent="0" algn="l" rtl="0">
               <a:lnSpc>
                 <a:spcPct val="100000"/>
               </a:lnSpc>
@@ -6284,10 +6387,7 @@
               <a:buFont typeface="Arial"/>
               <a:buNone/>
             </a:pPr>
-            <a:r>
-              <a:t/>
-            </a:r>
-            <a:endParaRPr b="0" i="0" sz="1400" u="none" cap="none" strike="noStrike">
+            <a:endParaRPr sz="1400" b="0" i="0" u="none" strike="noStrike" cap="none">
               <a:solidFill>
                 <a:srgbClr val="000000"/>
               </a:solidFill>
@@ -6302,7 +6402,9 @@
       <p:sp>
         <p:nvSpPr>
           <p:cNvPr id="37" name="Google Shape;37;p9"/>
-          <p:cNvSpPr txBox="1"/>
+          <p:cNvSpPr txBox="1">
+            <a:spLocks noGrp="1"/>
+          </p:cNvSpPr>
           <p:nvPr>
             <p:ph type="title"/>
           </p:nvPr>
@@ -6321,7 +6423,7 @@
           </a:ln>
         </p:spPr>
         <p:txBody>
-          <a:bodyPr anchorCtr="0" anchor="b" bIns="91425" lIns="91425" spcFirstLastPara="1" rIns="91425" wrap="square" tIns="91425">
+          <a:bodyPr spcFirstLastPara="1" wrap="square" lIns="91425" tIns="91425" rIns="91425" bIns="91425" anchor="b" anchorCtr="0">
             <a:normAutofit/>
           </a:bodyPr>
           <a:lstStyle>
@@ -6452,15 +6554,19 @@
               <a:defRPr sz="4200"/>
             </a:lvl9pPr>
           </a:lstStyle>
-          <a:p/>
+          <a:p>
+            <a:endParaRPr/>
+          </a:p>
         </p:txBody>
       </p:sp>
       <p:sp>
         <p:nvSpPr>
           <p:cNvPr id="38" name="Google Shape;38;p9"/>
-          <p:cNvSpPr txBox="1"/>
+          <p:cNvSpPr txBox="1">
+            <a:spLocks noGrp="1"/>
+          </p:cNvSpPr>
           <p:nvPr>
-            <p:ph idx="1" type="subTitle"/>
+            <p:ph type="subTitle" idx="1"/>
           </p:nvPr>
         </p:nvSpPr>
         <p:spPr>
@@ -6477,7 +6583,7 @@
           </a:ln>
         </p:spPr>
         <p:txBody>
-          <a:bodyPr anchorCtr="0" anchor="t" bIns="91425" lIns="91425" spcFirstLastPara="1" rIns="91425" wrap="square" tIns="91425">
+          <a:bodyPr spcFirstLastPara="1" wrap="square" lIns="91425" tIns="91425" rIns="91425" bIns="91425" anchor="t" anchorCtr="0">
             <a:normAutofit/>
           </a:bodyPr>
           <a:lstStyle>
@@ -6608,15 +6714,19 @@
               <a:defRPr sz="2100"/>
             </a:lvl9pPr>
           </a:lstStyle>
-          <a:p/>
+          <a:p>
+            <a:endParaRPr/>
+          </a:p>
         </p:txBody>
       </p:sp>
       <p:sp>
         <p:nvSpPr>
           <p:cNvPr id="39" name="Google Shape;39;p9"/>
-          <p:cNvSpPr txBox="1"/>
+          <p:cNvSpPr txBox="1">
+            <a:spLocks noGrp="1"/>
+          </p:cNvSpPr>
           <p:nvPr>
-            <p:ph idx="2" type="body"/>
+            <p:ph type="body" idx="2"/>
           </p:nvPr>
         </p:nvSpPr>
         <p:spPr>
@@ -6633,11 +6743,11 @@
           </a:ln>
         </p:spPr>
         <p:txBody>
-          <a:bodyPr anchorCtr="0" anchor="ctr" bIns="91425" lIns="91425" spcFirstLastPara="1" rIns="91425" wrap="square" tIns="91425">
+          <a:bodyPr spcFirstLastPara="1" wrap="square" lIns="91425" tIns="91425" rIns="91425" bIns="91425" anchor="ctr" anchorCtr="0">
             <a:normAutofit/>
           </a:bodyPr>
           <a:lstStyle>
-            <a:lvl1pPr indent="-342900" lvl="0" marL="457200" algn="l">
+            <a:lvl1pPr marL="457200" lvl="0" indent="-342900" algn="l">
               <a:lnSpc>
                 <a:spcPct val="115000"/>
               </a:lnSpc>
@@ -6651,7 +6761,7 @@
               <a:buChar char="●"/>
               <a:defRPr/>
             </a:lvl1pPr>
-            <a:lvl2pPr indent="-317500" lvl="1" marL="914400" algn="l">
+            <a:lvl2pPr marL="914400" lvl="1" indent="-317500" algn="l">
               <a:lnSpc>
                 <a:spcPct val="115000"/>
               </a:lnSpc>
@@ -6665,7 +6775,7 @@
               <a:buChar char="○"/>
               <a:defRPr/>
             </a:lvl2pPr>
-            <a:lvl3pPr indent="-317500" lvl="2" marL="1371600" algn="l">
+            <a:lvl3pPr marL="1371600" lvl="2" indent="-317500" algn="l">
               <a:lnSpc>
                 <a:spcPct val="115000"/>
               </a:lnSpc>
@@ -6679,7 +6789,7 @@
               <a:buChar char="■"/>
               <a:defRPr/>
             </a:lvl3pPr>
-            <a:lvl4pPr indent="-317500" lvl="3" marL="1828800" algn="l">
+            <a:lvl4pPr marL="1828800" lvl="3" indent="-317500" algn="l">
               <a:lnSpc>
                 <a:spcPct val="115000"/>
               </a:lnSpc>
@@ -6693,7 +6803,7 @@
               <a:buChar char="●"/>
               <a:defRPr/>
             </a:lvl4pPr>
-            <a:lvl5pPr indent="-317500" lvl="4" marL="2286000" algn="l">
+            <a:lvl5pPr marL="2286000" lvl="4" indent="-317500" algn="l">
               <a:lnSpc>
                 <a:spcPct val="115000"/>
               </a:lnSpc>
@@ -6707,7 +6817,7 @@
               <a:buChar char="○"/>
               <a:defRPr/>
             </a:lvl5pPr>
-            <a:lvl6pPr indent="-317500" lvl="5" marL="2743200" algn="l">
+            <a:lvl6pPr marL="2743200" lvl="5" indent="-317500" algn="l">
               <a:lnSpc>
                 <a:spcPct val="115000"/>
               </a:lnSpc>
@@ -6721,7 +6831,7 @@
               <a:buChar char="■"/>
               <a:defRPr/>
             </a:lvl6pPr>
-            <a:lvl7pPr indent="-317500" lvl="6" marL="3200400" algn="l">
+            <a:lvl7pPr marL="3200400" lvl="6" indent="-317500" algn="l">
               <a:lnSpc>
                 <a:spcPct val="115000"/>
               </a:lnSpc>
@@ -6735,7 +6845,7 @@
               <a:buChar char="●"/>
               <a:defRPr/>
             </a:lvl7pPr>
-            <a:lvl8pPr indent="-317500" lvl="7" marL="3657600" algn="l">
+            <a:lvl8pPr marL="3657600" lvl="7" indent="-317500" algn="l">
               <a:lnSpc>
                 <a:spcPct val="115000"/>
               </a:lnSpc>
@@ -6749,7 +6859,7 @@
               <a:buChar char="○"/>
               <a:defRPr/>
             </a:lvl8pPr>
-            <a:lvl9pPr indent="-317500" lvl="8" marL="4114800" algn="l">
+            <a:lvl9pPr marL="4114800" lvl="8" indent="-317500" algn="l">
               <a:lnSpc>
                 <a:spcPct val="115000"/>
               </a:lnSpc>
@@ -6764,15 +6874,19 @@
               <a:defRPr/>
             </a:lvl9pPr>
           </a:lstStyle>
-          <a:p/>
+          <a:p>
+            <a:endParaRPr/>
+          </a:p>
         </p:txBody>
       </p:sp>
       <p:sp>
         <p:nvSpPr>
           <p:cNvPr id="40" name="Google Shape;40;p9"/>
-          <p:cNvSpPr txBox="1"/>
+          <p:cNvSpPr txBox="1">
+            <a:spLocks noGrp="1"/>
+          </p:cNvSpPr>
           <p:nvPr>
-            <p:ph idx="12" type="sldNum"/>
+            <p:ph type="sldNum" idx="12"/>
           </p:nvPr>
         </p:nvSpPr>
         <p:spPr>
@@ -6789,11 +6903,11 @@
           </a:ln>
         </p:spPr>
         <p:txBody>
-          <a:bodyPr anchorCtr="0" anchor="ctr" bIns="91425" lIns="91425" spcFirstLastPara="1" rIns="91425" wrap="square" tIns="91425">
+          <a:bodyPr spcFirstLastPara="1" wrap="square" lIns="91425" tIns="91425" rIns="91425" bIns="91425" anchor="ctr" anchorCtr="0">
             <a:normAutofit/>
           </a:bodyPr>
           <a:lstStyle>
-            <a:lvl1pPr indent="0" lvl="0" marL="0" marR="0" algn="r">
+            <a:lvl1pPr marL="0" marR="0" lvl="0" indent="0" algn="r">
               <a:lnSpc>
                 <a:spcPct val="100000"/>
               </a:lnSpc>
@@ -6809,7 +6923,7 @@
               <a:buSzPts val="1000"/>
               <a:buFont typeface="Arial"/>
               <a:buNone/>
-              <a:defRPr b="0" i="0" sz="1000" u="none" cap="none" strike="noStrike">
+              <a:defRPr sz="1000" b="0" i="0" u="none" strike="noStrike" cap="none">
                 <a:solidFill>
                   <a:schemeClr val="dk2"/>
                 </a:solidFill>
@@ -6819,7 +6933,7 @@
                 <a:sym typeface="Arial"/>
               </a:defRPr>
             </a:lvl1pPr>
-            <a:lvl2pPr indent="0" lvl="1" marL="0" marR="0" algn="r">
+            <a:lvl2pPr marL="0" marR="0" lvl="1" indent="0" algn="r">
               <a:lnSpc>
                 <a:spcPct val="100000"/>
               </a:lnSpc>
@@ -6835,7 +6949,7 @@
               <a:buSzPts val="1000"/>
               <a:buFont typeface="Arial"/>
               <a:buNone/>
-              <a:defRPr b="0" i="0" sz="1000" u="none" cap="none" strike="noStrike">
+              <a:defRPr sz="1000" b="0" i="0" u="none" strike="noStrike" cap="none">
                 <a:solidFill>
                   <a:schemeClr val="dk2"/>
                 </a:solidFill>
@@ -6845,7 +6959,7 @@
                 <a:sym typeface="Arial"/>
               </a:defRPr>
             </a:lvl2pPr>
-            <a:lvl3pPr indent="0" lvl="2" marL="0" marR="0" algn="r">
+            <a:lvl3pPr marL="0" marR="0" lvl="2" indent="0" algn="r">
               <a:lnSpc>
                 <a:spcPct val="100000"/>
               </a:lnSpc>
@@ -6861,7 +6975,7 @@
               <a:buSzPts val="1000"/>
               <a:buFont typeface="Arial"/>
               <a:buNone/>
-              <a:defRPr b="0" i="0" sz="1000" u="none" cap="none" strike="noStrike">
+              <a:defRPr sz="1000" b="0" i="0" u="none" strike="noStrike" cap="none">
                 <a:solidFill>
                   <a:schemeClr val="dk2"/>
                 </a:solidFill>
@@ -6871,7 +6985,7 @@
                 <a:sym typeface="Arial"/>
               </a:defRPr>
             </a:lvl3pPr>
-            <a:lvl4pPr indent="0" lvl="3" marL="0" marR="0" algn="r">
+            <a:lvl4pPr marL="0" marR="0" lvl="3" indent="0" algn="r">
               <a:lnSpc>
                 <a:spcPct val="100000"/>
               </a:lnSpc>
@@ -6887,7 +7001,7 @@
               <a:buSzPts val="1000"/>
               <a:buFont typeface="Arial"/>
               <a:buNone/>
-              <a:defRPr b="0" i="0" sz="1000" u="none" cap="none" strike="noStrike">
+              <a:defRPr sz="1000" b="0" i="0" u="none" strike="noStrike" cap="none">
                 <a:solidFill>
                   <a:schemeClr val="dk2"/>
                 </a:solidFill>
@@ -6897,7 +7011,7 @@
                 <a:sym typeface="Arial"/>
               </a:defRPr>
             </a:lvl4pPr>
-            <a:lvl5pPr indent="0" lvl="4" marL="0" marR="0" algn="r">
+            <a:lvl5pPr marL="0" marR="0" lvl="4" indent="0" algn="r">
               <a:lnSpc>
                 <a:spcPct val="100000"/>
               </a:lnSpc>
@@ -6913,7 +7027,7 @@
               <a:buSzPts val="1000"/>
               <a:buFont typeface="Arial"/>
               <a:buNone/>
-              <a:defRPr b="0" i="0" sz="1000" u="none" cap="none" strike="noStrike">
+              <a:defRPr sz="1000" b="0" i="0" u="none" strike="noStrike" cap="none">
                 <a:solidFill>
                   <a:schemeClr val="dk2"/>
                 </a:solidFill>
@@ -6923,7 +7037,7 @@
                 <a:sym typeface="Arial"/>
               </a:defRPr>
             </a:lvl5pPr>
-            <a:lvl6pPr indent="0" lvl="5" marL="0" marR="0" algn="r">
+            <a:lvl6pPr marL="0" marR="0" lvl="5" indent="0" algn="r">
               <a:lnSpc>
                 <a:spcPct val="100000"/>
               </a:lnSpc>
@@ -6939,7 +7053,7 @@
               <a:buSzPts val="1000"/>
               <a:buFont typeface="Arial"/>
               <a:buNone/>
-              <a:defRPr b="0" i="0" sz="1000" u="none" cap="none" strike="noStrike">
+              <a:defRPr sz="1000" b="0" i="0" u="none" strike="noStrike" cap="none">
                 <a:solidFill>
                   <a:schemeClr val="dk2"/>
                 </a:solidFill>
@@ -6949,7 +7063,7 @@
                 <a:sym typeface="Arial"/>
               </a:defRPr>
             </a:lvl6pPr>
-            <a:lvl7pPr indent="0" lvl="6" marL="0" marR="0" algn="r">
+            <a:lvl7pPr marL="0" marR="0" lvl="6" indent="0" algn="r">
               <a:lnSpc>
                 <a:spcPct val="100000"/>
               </a:lnSpc>
@@ -6965,7 +7079,7 @@
               <a:buSzPts val="1000"/>
               <a:buFont typeface="Arial"/>
               <a:buNone/>
-              <a:defRPr b="0" i="0" sz="1000" u="none" cap="none" strike="noStrike">
+              <a:defRPr sz="1000" b="0" i="0" u="none" strike="noStrike" cap="none">
                 <a:solidFill>
                   <a:schemeClr val="dk2"/>
                 </a:solidFill>
@@ -6975,7 +7089,7 @@
                 <a:sym typeface="Arial"/>
               </a:defRPr>
             </a:lvl7pPr>
-            <a:lvl8pPr indent="0" lvl="7" marL="0" marR="0" algn="r">
+            <a:lvl8pPr marL="0" marR="0" lvl="7" indent="0" algn="r">
               <a:lnSpc>
                 <a:spcPct val="100000"/>
               </a:lnSpc>
@@ -6991,7 +7105,7 @@
               <a:buSzPts val="1000"/>
               <a:buFont typeface="Arial"/>
               <a:buNone/>
-              <a:defRPr b="0" i="0" sz="1000" u="none" cap="none" strike="noStrike">
+              <a:defRPr sz="1000" b="0" i="0" u="none" strike="noStrike" cap="none">
                 <a:solidFill>
                   <a:schemeClr val="dk2"/>
                 </a:solidFill>
@@ -7001,7 +7115,7 @@
                 <a:sym typeface="Arial"/>
               </a:defRPr>
             </a:lvl8pPr>
-            <a:lvl9pPr indent="0" lvl="8" marL="0" marR="0" algn="r">
+            <a:lvl9pPr marL="0" marR="0" lvl="8" indent="0" algn="r">
               <a:lnSpc>
                 <a:spcPct val="100000"/>
               </a:lnSpc>
@@ -7017,7 +7131,7 @@
               <a:buSzPts val="1000"/>
               <a:buFont typeface="Arial"/>
               <a:buNone/>
-              <a:defRPr b="0" i="0" sz="1000" u="none" cap="none" strike="noStrike">
+              <a:defRPr sz="1000" b="0" i="0" u="none" strike="noStrike" cap="none">
                 <a:solidFill>
                   <a:schemeClr val="dk2"/>
                 </a:solidFill>
@@ -7029,7 +7143,7 @@
             </a:lvl9pPr>
           </a:lstStyle>
           <a:p>
-            <a:pPr indent="0" lvl="0" marL="0" rtl="0" algn="r">
+            <a:pPr marL="0" lvl="0" indent="0" algn="r" rtl="0">
               <a:spcBef>
                 <a:spcPts val="0"/>
               </a:spcBef>
@@ -7055,11 +7169,11 @@
 </file>
 
 <file path=ppt/slideLayouts/slideLayout9.xml><?xml version="1.0" encoding="utf-8"?>
-<p:sldLayout xmlns:a="http://schemas.openxmlformats.org/drawingml/2006/main" xmlns:r="http://schemas.openxmlformats.org/officeDocument/2006/relationships" xmlns:mc="http://schemas.openxmlformats.org/markup-compatibility/2006" xmlns:mv="urn:schemas-microsoft-com:mac:vml" xmlns:p="http://schemas.openxmlformats.org/presentationml/2006/main" xmlns:c="http://schemas.openxmlformats.org/drawingml/2006/chart" xmlns:dgm="http://schemas.openxmlformats.org/drawingml/2006/diagram" xmlns:o="urn:schemas-microsoft-com:office:office" xmlns:v="urn:schemas-microsoft-com:vml" xmlns:pvml="urn:schemas-microsoft-com:office:powerpoint" xmlns:com="http://schemas.openxmlformats.org/drawingml/2006/compatibility" xmlns:p14="http://schemas.microsoft.com/office/powerpoint/2010/main" xmlns:p15="http://schemas.microsoft.com/office/powerpoint/2012/main" xmlns:ahyp="http://schemas.microsoft.com/office/drawing/2018/hyperlinkcolor" matchingName="Caption">
+<p:sldLayout xmlns:a="http://schemas.openxmlformats.org/drawingml/2006/main" xmlns:r="http://schemas.openxmlformats.org/officeDocument/2006/relationships" xmlns:p="http://schemas.openxmlformats.org/presentationml/2006/main" matchingName="Caption">
   <p:cSld name="CAPTION_ONLY">
     <p:spTree>
       <p:nvGrpSpPr>
-        <p:cNvPr id="41" name="Shape 41"/>
+        <p:cNvPr id="1" name="Shape 41"/>
         <p:cNvGrpSpPr/>
         <p:nvPr/>
       </p:nvGrpSpPr>
@@ -7074,9 +7188,11 @@
       <p:sp>
         <p:nvSpPr>
           <p:cNvPr id="42" name="Google Shape;42;p10"/>
-          <p:cNvSpPr txBox="1"/>
+          <p:cNvSpPr txBox="1">
+            <a:spLocks noGrp="1"/>
+          </p:cNvSpPr>
           <p:nvPr>
-            <p:ph idx="1" type="body"/>
+            <p:ph type="body" idx="1"/>
           </p:nvPr>
         </p:nvSpPr>
         <p:spPr>
@@ -7093,11 +7209,11 @@
           </a:ln>
         </p:spPr>
         <p:txBody>
-          <a:bodyPr anchorCtr="0" anchor="ctr" bIns="91425" lIns="91425" spcFirstLastPara="1" rIns="91425" wrap="square" tIns="91425">
+          <a:bodyPr spcFirstLastPara="1" wrap="square" lIns="91425" tIns="91425" rIns="91425" bIns="91425" anchor="ctr" anchorCtr="0">
             <a:normAutofit/>
           </a:bodyPr>
           <a:lstStyle>
-            <a:lvl1pPr indent="-228600" lvl="0" marL="457200" algn="l">
+            <a:lvl1pPr marL="457200" lvl="0" indent="-228600" algn="l">
               <a:lnSpc>
                 <a:spcPct val="100000"/>
               </a:lnSpc>
@@ -7112,15 +7228,19 @@
               <a:defRPr/>
             </a:lvl1pPr>
           </a:lstStyle>
-          <a:p/>
+          <a:p>
+            <a:endParaRPr/>
+          </a:p>
         </p:txBody>
       </p:sp>
       <p:sp>
         <p:nvSpPr>
           <p:cNvPr id="43" name="Google Shape;43;p10"/>
-          <p:cNvSpPr txBox="1"/>
+          <p:cNvSpPr txBox="1">
+            <a:spLocks noGrp="1"/>
+          </p:cNvSpPr>
           <p:nvPr>
-            <p:ph idx="12" type="sldNum"/>
+            <p:ph type="sldNum" idx="12"/>
           </p:nvPr>
         </p:nvSpPr>
         <p:spPr>
@@ -7137,11 +7257,11 @@
           </a:ln>
         </p:spPr>
         <p:txBody>
-          <a:bodyPr anchorCtr="0" anchor="ctr" bIns="91425" lIns="91425" spcFirstLastPara="1" rIns="91425" wrap="square" tIns="91425">
+          <a:bodyPr spcFirstLastPara="1" wrap="square" lIns="91425" tIns="91425" rIns="91425" bIns="91425" anchor="ctr" anchorCtr="0">
             <a:normAutofit/>
           </a:bodyPr>
           <a:lstStyle>
-            <a:lvl1pPr indent="0" lvl="0" marL="0" marR="0" algn="r">
+            <a:lvl1pPr marL="0" marR="0" lvl="0" indent="0" algn="r">
               <a:lnSpc>
                 <a:spcPct val="100000"/>
               </a:lnSpc>
@@ -7157,7 +7277,7 @@
               <a:buSzPts val="1000"/>
               <a:buFont typeface="Arial"/>
               <a:buNone/>
-              <a:defRPr b="0" i="0" sz="1000" u="none" cap="none" strike="noStrike">
+              <a:defRPr sz="1000" b="0" i="0" u="none" strike="noStrike" cap="none">
                 <a:solidFill>
                   <a:schemeClr val="dk2"/>
                 </a:solidFill>
@@ -7167,7 +7287,7 @@
                 <a:sym typeface="Arial"/>
               </a:defRPr>
             </a:lvl1pPr>
-            <a:lvl2pPr indent="0" lvl="1" marL="0" marR="0" algn="r">
+            <a:lvl2pPr marL="0" marR="0" lvl="1" indent="0" algn="r">
               <a:lnSpc>
                 <a:spcPct val="100000"/>
               </a:lnSpc>
@@ -7183,7 +7303,7 @@
               <a:buSzPts val="1000"/>
               <a:buFont typeface="Arial"/>
               <a:buNone/>
-              <a:defRPr b="0" i="0" sz="1000" u="none" cap="none" strike="noStrike">
+              <a:defRPr sz="1000" b="0" i="0" u="none" strike="noStrike" cap="none">
                 <a:solidFill>
                   <a:schemeClr val="dk2"/>
                 </a:solidFill>
@@ -7193,7 +7313,7 @@
                 <a:sym typeface="Arial"/>
               </a:defRPr>
             </a:lvl2pPr>
-            <a:lvl3pPr indent="0" lvl="2" marL="0" marR="0" algn="r">
+            <a:lvl3pPr marL="0" marR="0" lvl="2" indent="0" algn="r">
               <a:lnSpc>
                 <a:spcPct val="100000"/>
               </a:lnSpc>
@@ -7209,7 +7329,7 @@
               <a:buSzPts val="1000"/>
               <a:buFont typeface="Arial"/>
               <a:buNone/>
-              <a:defRPr b="0" i="0" sz="1000" u="none" cap="none" strike="noStrike">
+              <a:defRPr sz="1000" b="0" i="0" u="none" strike="noStrike" cap="none">
                 <a:solidFill>
                   <a:schemeClr val="dk2"/>
                 </a:solidFill>
@@ -7219,7 +7339,7 @@
                 <a:sym typeface="Arial"/>
               </a:defRPr>
             </a:lvl3pPr>
-            <a:lvl4pPr indent="0" lvl="3" marL="0" marR="0" algn="r">
+            <a:lvl4pPr marL="0" marR="0" lvl="3" indent="0" algn="r">
               <a:lnSpc>
                 <a:spcPct val="100000"/>
               </a:lnSpc>
@@ -7235,7 +7355,7 @@
               <a:buSzPts val="1000"/>
               <a:buFont typeface="Arial"/>
               <a:buNone/>
-              <a:defRPr b="0" i="0" sz="1000" u="none" cap="none" strike="noStrike">
+              <a:defRPr sz="1000" b="0" i="0" u="none" strike="noStrike" cap="none">
                 <a:solidFill>
                   <a:schemeClr val="dk2"/>
                 </a:solidFill>
@@ -7245,7 +7365,7 @@
                 <a:sym typeface="Arial"/>
               </a:defRPr>
             </a:lvl4pPr>
-            <a:lvl5pPr indent="0" lvl="4" marL="0" marR="0" algn="r">
+            <a:lvl5pPr marL="0" marR="0" lvl="4" indent="0" algn="r">
               <a:lnSpc>
                 <a:spcPct val="100000"/>
               </a:lnSpc>
@@ -7261,7 +7381,7 @@
               <a:buSzPts val="1000"/>
               <a:buFont typeface="Arial"/>
               <a:buNone/>
-              <a:defRPr b="0" i="0" sz="1000" u="none" cap="none" strike="noStrike">
+              <a:defRPr sz="1000" b="0" i="0" u="none" strike="noStrike" cap="none">
                 <a:solidFill>
                   <a:schemeClr val="dk2"/>
                 </a:solidFill>
@@ -7271,7 +7391,7 @@
                 <a:sym typeface="Arial"/>
               </a:defRPr>
             </a:lvl5pPr>
-            <a:lvl6pPr indent="0" lvl="5" marL="0" marR="0" algn="r">
+            <a:lvl6pPr marL="0" marR="0" lvl="5" indent="0" algn="r">
               <a:lnSpc>
                 <a:spcPct val="100000"/>
               </a:lnSpc>
@@ -7287,7 +7407,7 @@
               <a:buSzPts val="1000"/>
               <a:buFont typeface="Arial"/>
               <a:buNone/>
-              <a:defRPr b="0" i="0" sz="1000" u="none" cap="none" strike="noStrike">
+              <a:defRPr sz="1000" b="0" i="0" u="none" strike="noStrike" cap="none">
                 <a:solidFill>
                   <a:schemeClr val="dk2"/>
                 </a:solidFill>
@@ -7297,7 +7417,7 @@
                 <a:sym typeface="Arial"/>
               </a:defRPr>
             </a:lvl6pPr>
-            <a:lvl7pPr indent="0" lvl="6" marL="0" marR="0" algn="r">
+            <a:lvl7pPr marL="0" marR="0" lvl="6" indent="0" algn="r">
               <a:lnSpc>
                 <a:spcPct val="100000"/>
               </a:lnSpc>
@@ -7313,7 +7433,7 @@
               <a:buSzPts val="1000"/>
               <a:buFont typeface="Arial"/>
               <a:buNone/>
-              <a:defRPr b="0" i="0" sz="1000" u="none" cap="none" strike="noStrike">
+              <a:defRPr sz="1000" b="0" i="0" u="none" strike="noStrike" cap="none">
                 <a:solidFill>
                   <a:schemeClr val="dk2"/>
                 </a:solidFill>
@@ -7323,7 +7443,7 @@
                 <a:sym typeface="Arial"/>
               </a:defRPr>
             </a:lvl7pPr>
-            <a:lvl8pPr indent="0" lvl="7" marL="0" marR="0" algn="r">
+            <a:lvl8pPr marL="0" marR="0" lvl="7" indent="0" algn="r">
               <a:lnSpc>
                 <a:spcPct val="100000"/>
               </a:lnSpc>
@@ -7339,7 +7459,7 @@
               <a:buSzPts val="1000"/>
               <a:buFont typeface="Arial"/>
               <a:buNone/>
-              <a:defRPr b="0" i="0" sz="1000" u="none" cap="none" strike="noStrike">
+              <a:defRPr sz="1000" b="0" i="0" u="none" strike="noStrike" cap="none">
                 <a:solidFill>
                   <a:schemeClr val="dk2"/>
                 </a:solidFill>
@@ -7349,7 +7469,7 @@
                 <a:sym typeface="Arial"/>
               </a:defRPr>
             </a:lvl8pPr>
-            <a:lvl9pPr indent="0" lvl="8" marL="0" marR="0" algn="r">
+            <a:lvl9pPr marL="0" marR="0" lvl="8" indent="0" algn="r">
               <a:lnSpc>
                 <a:spcPct val="100000"/>
               </a:lnSpc>
@@ -7365,7 +7485,7 @@
               <a:buSzPts val="1000"/>
               <a:buFont typeface="Arial"/>
               <a:buNone/>
-              <a:defRPr b="0" i="0" sz="1000" u="none" cap="none" strike="noStrike">
+              <a:defRPr sz="1000" b="0" i="0" u="none" strike="noStrike" cap="none">
                 <a:solidFill>
                   <a:schemeClr val="dk2"/>
                 </a:solidFill>
@@ -7377,7 +7497,7 @@
             </a:lvl9pPr>
           </a:lstStyle>
           <a:p>
-            <a:pPr indent="0" lvl="0" marL="0" rtl="0" algn="r">
+            <a:pPr marL="0" lvl="0" indent="0" algn="r" rtl="0">
               <a:spcBef>
                 <a:spcPts val="0"/>
               </a:spcBef>
@@ -7403,18 +7523,19 @@
 </file>
 
 <file path=ppt/slideMasters/slideMaster1.xml><?xml version="1.0" encoding="utf-8"?>
-<p:sldMaster xmlns:a="http://schemas.openxmlformats.org/drawingml/2006/main" xmlns:r="http://schemas.openxmlformats.org/officeDocument/2006/relationships" xmlns:mc="http://schemas.openxmlformats.org/markup-compatibility/2006" xmlns:mv="urn:schemas-microsoft-com:mac:vml" xmlns:p="http://schemas.openxmlformats.org/presentationml/2006/main" xmlns:c="http://schemas.openxmlformats.org/drawingml/2006/chart" xmlns:dgm="http://schemas.openxmlformats.org/drawingml/2006/diagram" xmlns:o="urn:schemas-microsoft-com:office:office" xmlns:v="urn:schemas-microsoft-com:vml" xmlns:pvml="urn:schemas-microsoft-com:office:powerpoint" xmlns:com="http://schemas.openxmlformats.org/drawingml/2006/compatibility" xmlns:p14="http://schemas.microsoft.com/office/powerpoint/2010/main" xmlns:p15="http://schemas.microsoft.com/office/powerpoint/2012/main" xmlns:ahyp="http://schemas.microsoft.com/office/drawing/2018/hyperlinkcolor">
+<p:sldMaster xmlns:a="http://schemas.openxmlformats.org/drawingml/2006/main" xmlns:r="http://schemas.openxmlformats.org/officeDocument/2006/relationships" xmlns:p="http://schemas.openxmlformats.org/presentationml/2006/main">
   <p:cSld name="simple-light-2">
     <p:bg>
       <p:bgPr>
         <a:solidFill>
           <a:schemeClr val="lt1"/>
         </a:solidFill>
+        <a:effectLst/>
       </p:bgPr>
     </p:bg>
     <p:spTree>
       <p:nvGrpSpPr>
-        <p:cNvPr id="5" name="Shape 5"/>
+        <p:cNvPr id="1" name="Shape 5"/>
         <p:cNvGrpSpPr/>
         <p:nvPr/>
       </p:nvGrpSpPr>
@@ -7429,7 +7550,9 @@
       <p:sp>
         <p:nvSpPr>
           <p:cNvPr id="6" name="Google Shape;6;p1"/>
-          <p:cNvSpPr txBox="1"/>
+          <p:cNvSpPr txBox="1">
+            <a:spLocks noGrp="1"/>
+          </p:cNvSpPr>
           <p:nvPr>
             <p:ph type="title"/>
           </p:nvPr>
@@ -7448,11 +7571,11 @@
           </a:ln>
         </p:spPr>
         <p:txBody>
-          <a:bodyPr anchorCtr="0" anchor="t" bIns="91425" lIns="91425" spcFirstLastPara="1" rIns="91425" wrap="square" tIns="91425">
+          <a:bodyPr spcFirstLastPara="1" wrap="square" lIns="91425" tIns="91425" rIns="91425" bIns="91425" anchor="t" anchorCtr="0">
             <a:normAutofit/>
           </a:bodyPr>
           <a:lstStyle>
-            <a:lvl1pPr lvl="0" marR="0" rtl="0" algn="l">
+            <a:lvl1pPr marR="0" lvl="0" algn="l" rtl="0">
               <a:lnSpc>
                 <a:spcPct val="100000"/>
               </a:lnSpc>
@@ -7468,7 +7591,7 @@
               <a:buSzPts val="2800"/>
               <a:buFont typeface="Arial"/>
               <a:buNone/>
-              <a:defRPr b="0" i="0" sz="2800" u="none" cap="none" strike="noStrike">
+              <a:defRPr sz="2800" b="0" i="0" u="none" strike="noStrike" cap="none">
                 <a:solidFill>
                   <a:schemeClr val="dk1"/>
                 </a:solidFill>
@@ -7478,7 +7601,7 @@
                 <a:sym typeface="Arial"/>
               </a:defRPr>
             </a:lvl1pPr>
-            <a:lvl2pPr lvl="1" marR="0" rtl="0" algn="l">
+            <a:lvl2pPr marR="0" lvl="1" algn="l" rtl="0">
               <a:lnSpc>
                 <a:spcPct val="100000"/>
               </a:lnSpc>
@@ -7494,7 +7617,7 @@
               <a:buSzPts val="2800"/>
               <a:buFont typeface="Arial"/>
               <a:buNone/>
-              <a:defRPr b="0" i="0" sz="2800" u="none" cap="none" strike="noStrike">
+              <a:defRPr sz="2800" b="0" i="0" u="none" strike="noStrike" cap="none">
                 <a:solidFill>
                   <a:schemeClr val="dk1"/>
                 </a:solidFill>
@@ -7504,7 +7627,7 @@
                 <a:sym typeface="Arial"/>
               </a:defRPr>
             </a:lvl2pPr>
-            <a:lvl3pPr lvl="2" marR="0" rtl="0" algn="l">
+            <a:lvl3pPr marR="0" lvl="2" algn="l" rtl="0">
               <a:lnSpc>
                 <a:spcPct val="100000"/>
               </a:lnSpc>
@@ -7520,7 +7643,7 @@
               <a:buSzPts val="2800"/>
               <a:buFont typeface="Arial"/>
               <a:buNone/>
-              <a:defRPr b="0" i="0" sz="2800" u="none" cap="none" strike="noStrike">
+              <a:defRPr sz="2800" b="0" i="0" u="none" strike="noStrike" cap="none">
                 <a:solidFill>
                   <a:schemeClr val="dk1"/>
                 </a:solidFill>
@@ -7530,7 +7653,7 @@
                 <a:sym typeface="Arial"/>
               </a:defRPr>
             </a:lvl3pPr>
-            <a:lvl4pPr lvl="3" marR="0" rtl="0" algn="l">
+            <a:lvl4pPr marR="0" lvl="3" algn="l" rtl="0">
               <a:lnSpc>
                 <a:spcPct val="100000"/>
               </a:lnSpc>
@@ -7546,7 +7669,7 @@
               <a:buSzPts val="2800"/>
               <a:buFont typeface="Arial"/>
               <a:buNone/>
-              <a:defRPr b="0" i="0" sz="2800" u="none" cap="none" strike="noStrike">
+              <a:defRPr sz="2800" b="0" i="0" u="none" strike="noStrike" cap="none">
                 <a:solidFill>
                   <a:schemeClr val="dk1"/>
                 </a:solidFill>
@@ -7556,7 +7679,7 @@
                 <a:sym typeface="Arial"/>
               </a:defRPr>
             </a:lvl4pPr>
-            <a:lvl5pPr lvl="4" marR="0" rtl="0" algn="l">
+            <a:lvl5pPr marR="0" lvl="4" algn="l" rtl="0">
               <a:lnSpc>
                 <a:spcPct val="100000"/>
               </a:lnSpc>
@@ -7572,7 +7695,7 @@
               <a:buSzPts val="2800"/>
               <a:buFont typeface="Arial"/>
               <a:buNone/>
-              <a:defRPr b="0" i="0" sz="2800" u="none" cap="none" strike="noStrike">
+              <a:defRPr sz="2800" b="0" i="0" u="none" strike="noStrike" cap="none">
                 <a:solidFill>
                   <a:schemeClr val="dk1"/>
                 </a:solidFill>
@@ -7582,7 +7705,7 @@
                 <a:sym typeface="Arial"/>
               </a:defRPr>
             </a:lvl5pPr>
-            <a:lvl6pPr lvl="5" marR="0" rtl="0" algn="l">
+            <a:lvl6pPr marR="0" lvl="5" algn="l" rtl="0">
               <a:lnSpc>
                 <a:spcPct val="100000"/>
               </a:lnSpc>
@@ -7598,7 +7721,7 @@
               <a:buSzPts val="2800"/>
               <a:buFont typeface="Arial"/>
               <a:buNone/>
-              <a:defRPr b="0" i="0" sz="2800" u="none" cap="none" strike="noStrike">
+              <a:defRPr sz="2800" b="0" i="0" u="none" strike="noStrike" cap="none">
                 <a:solidFill>
                   <a:schemeClr val="dk1"/>
                 </a:solidFill>
@@ -7608,7 +7731,7 @@
                 <a:sym typeface="Arial"/>
               </a:defRPr>
             </a:lvl6pPr>
-            <a:lvl7pPr lvl="6" marR="0" rtl="0" algn="l">
+            <a:lvl7pPr marR="0" lvl="6" algn="l" rtl="0">
               <a:lnSpc>
                 <a:spcPct val="100000"/>
               </a:lnSpc>
@@ -7624,7 +7747,7 @@
               <a:buSzPts val="2800"/>
               <a:buFont typeface="Arial"/>
               <a:buNone/>
-              <a:defRPr b="0" i="0" sz="2800" u="none" cap="none" strike="noStrike">
+              <a:defRPr sz="2800" b="0" i="0" u="none" strike="noStrike" cap="none">
                 <a:solidFill>
                   <a:schemeClr val="dk1"/>
                 </a:solidFill>
@@ -7634,7 +7757,7 @@
                 <a:sym typeface="Arial"/>
               </a:defRPr>
             </a:lvl7pPr>
-            <a:lvl8pPr lvl="7" marR="0" rtl="0" algn="l">
+            <a:lvl8pPr marR="0" lvl="7" algn="l" rtl="0">
               <a:lnSpc>
                 <a:spcPct val="100000"/>
               </a:lnSpc>
@@ -7650,7 +7773,7 @@
               <a:buSzPts val="2800"/>
               <a:buFont typeface="Arial"/>
               <a:buNone/>
-              <a:defRPr b="0" i="0" sz="2800" u="none" cap="none" strike="noStrike">
+              <a:defRPr sz="2800" b="0" i="0" u="none" strike="noStrike" cap="none">
                 <a:solidFill>
                   <a:schemeClr val="dk1"/>
                 </a:solidFill>
@@ -7660,7 +7783,7 @@
                 <a:sym typeface="Arial"/>
               </a:defRPr>
             </a:lvl8pPr>
-            <a:lvl9pPr lvl="8" marR="0" rtl="0" algn="l">
+            <a:lvl9pPr marR="0" lvl="8" algn="l" rtl="0">
               <a:lnSpc>
                 <a:spcPct val="100000"/>
               </a:lnSpc>
@@ -7676,7 +7799,7 @@
               <a:buSzPts val="2800"/>
               <a:buFont typeface="Arial"/>
               <a:buNone/>
-              <a:defRPr b="0" i="0" sz="2800" u="none" cap="none" strike="noStrike">
+              <a:defRPr sz="2800" b="0" i="0" u="none" strike="noStrike" cap="none">
                 <a:solidFill>
                   <a:schemeClr val="dk1"/>
                 </a:solidFill>
@@ -7687,15 +7810,19 @@
               </a:defRPr>
             </a:lvl9pPr>
           </a:lstStyle>
-          <a:p/>
+          <a:p>
+            <a:endParaRPr/>
+          </a:p>
         </p:txBody>
       </p:sp>
       <p:sp>
         <p:nvSpPr>
           <p:cNvPr id="7" name="Google Shape;7;p1"/>
-          <p:cNvSpPr txBox="1"/>
+          <p:cNvSpPr txBox="1">
+            <a:spLocks noGrp="1"/>
+          </p:cNvSpPr>
           <p:nvPr>
-            <p:ph idx="1" type="body"/>
+            <p:ph type="body" idx="1"/>
           </p:nvPr>
         </p:nvSpPr>
         <p:spPr>
@@ -7712,11 +7839,11 @@
           </a:ln>
         </p:spPr>
         <p:txBody>
-          <a:bodyPr anchorCtr="0" anchor="t" bIns="91425" lIns="91425" spcFirstLastPara="1" rIns="91425" wrap="square" tIns="91425">
+          <a:bodyPr spcFirstLastPara="1" wrap="square" lIns="91425" tIns="91425" rIns="91425" bIns="91425" anchor="t" anchorCtr="0">
             <a:normAutofit/>
           </a:bodyPr>
           <a:lstStyle>
-            <a:lvl1pPr indent="-342900" lvl="0" marL="457200" marR="0" rtl="0" algn="l">
+            <a:lvl1pPr marL="457200" marR="0" lvl="0" indent="-342900" algn="l" rtl="0">
               <a:lnSpc>
                 <a:spcPct val="115000"/>
               </a:lnSpc>
@@ -7732,7 +7859,7 @@
               <a:buSzPts val="1800"/>
               <a:buFont typeface="Arial"/>
               <a:buChar char="●"/>
-              <a:defRPr b="0" i="0" sz="1800" u="none" cap="none" strike="noStrike">
+              <a:defRPr sz="1800" b="0" i="0" u="none" strike="noStrike" cap="none">
                 <a:solidFill>
                   <a:schemeClr val="dk2"/>
                 </a:solidFill>
@@ -7742,7 +7869,7 @@
                 <a:sym typeface="Arial"/>
               </a:defRPr>
             </a:lvl1pPr>
-            <a:lvl2pPr indent="-317500" lvl="1" marL="914400" marR="0" rtl="0" algn="l">
+            <a:lvl2pPr marL="914400" marR="0" lvl="1" indent="-317500" algn="l" rtl="0">
               <a:lnSpc>
                 <a:spcPct val="115000"/>
               </a:lnSpc>
@@ -7758,7 +7885,7 @@
               <a:buSzPts val="1400"/>
               <a:buFont typeface="Arial"/>
               <a:buChar char="○"/>
-              <a:defRPr b="0" i="0" sz="1400" u="none" cap="none" strike="noStrike">
+              <a:defRPr sz="1400" b="0" i="0" u="none" strike="noStrike" cap="none">
                 <a:solidFill>
                   <a:schemeClr val="dk2"/>
                 </a:solidFill>
@@ -7768,7 +7895,7 @@
                 <a:sym typeface="Arial"/>
               </a:defRPr>
             </a:lvl2pPr>
-            <a:lvl3pPr indent="-317500" lvl="2" marL="1371600" marR="0" rtl="0" algn="l">
+            <a:lvl3pPr marL="1371600" marR="0" lvl="2" indent="-317500" algn="l" rtl="0">
               <a:lnSpc>
                 <a:spcPct val="115000"/>
               </a:lnSpc>
@@ -7784,7 +7911,7 @@
               <a:buSzPts val="1400"/>
               <a:buFont typeface="Arial"/>
               <a:buChar char="■"/>
-              <a:defRPr b="0" i="0" sz="1400" u="none" cap="none" strike="noStrike">
+              <a:defRPr sz="1400" b="0" i="0" u="none" strike="noStrike" cap="none">
                 <a:solidFill>
                   <a:schemeClr val="dk2"/>
                 </a:solidFill>
@@ -7794,7 +7921,7 @@
                 <a:sym typeface="Arial"/>
               </a:defRPr>
             </a:lvl3pPr>
-            <a:lvl4pPr indent="-317500" lvl="3" marL="1828800" marR="0" rtl="0" algn="l">
+            <a:lvl4pPr marL="1828800" marR="0" lvl="3" indent="-317500" algn="l" rtl="0">
               <a:lnSpc>
                 <a:spcPct val="115000"/>
               </a:lnSpc>
@@ -7810,7 +7937,7 @@
               <a:buSzPts val="1400"/>
               <a:buFont typeface="Arial"/>
               <a:buChar char="●"/>
-              <a:defRPr b="0" i="0" sz="1400" u="none" cap="none" strike="noStrike">
+              <a:defRPr sz="1400" b="0" i="0" u="none" strike="noStrike" cap="none">
                 <a:solidFill>
                   <a:schemeClr val="dk2"/>
                 </a:solidFill>
@@ -7820,7 +7947,7 @@
                 <a:sym typeface="Arial"/>
               </a:defRPr>
             </a:lvl4pPr>
-            <a:lvl5pPr indent="-317500" lvl="4" marL="2286000" marR="0" rtl="0" algn="l">
+            <a:lvl5pPr marL="2286000" marR="0" lvl="4" indent="-317500" algn="l" rtl="0">
               <a:lnSpc>
                 <a:spcPct val="115000"/>
               </a:lnSpc>
@@ -7836,7 +7963,7 @@
               <a:buSzPts val="1400"/>
               <a:buFont typeface="Arial"/>
               <a:buChar char="○"/>
-              <a:defRPr b="0" i="0" sz="1400" u="none" cap="none" strike="noStrike">
+              <a:defRPr sz="1400" b="0" i="0" u="none" strike="noStrike" cap="none">
                 <a:solidFill>
                   <a:schemeClr val="dk2"/>
                 </a:solidFill>
@@ -7846,7 +7973,7 @@
                 <a:sym typeface="Arial"/>
               </a:defRPr>
             </a:lvl5pPr>
-            <a:lvl6pPr indent="-317500" lvl="5" marL="2743200" marR="0" rtl="0" algn="l">
+            <a:lvl6pPr marL="2743200" marR="0" lvl="5" indent="-317500" algn="l" rtl="0">
               <a:lnSpc>
                 <a:spcPct val="115000"/>
               </a:lnSpc>
@@ -7862,7 +7989,7 @@
               <a:buSzPts val="1400"/>
               <a:buFont typeface="Arial"/>
               <a:buChar char="■"/>
-              <a:defRPr b="0" i="0" sz="1400" u="none" cap="none" strike="noStrike">
+              <a:defRPr sz="1400" b="0" i="0" u="none" strike="noStrike" cap="none">
                 <a:solidFill>
                   <a:schemeClr val="dk2"/>
                 </a:solidFill>
@@ -7872,7 +7999,7 @@
                 <a:sym typeface="Arial"/>
               </a:defRPr>
             </a:lvl6pPr>
-            <a:lvl7pPr indent="-317500" lvl="6" marL="3200400" marR="0" rtl="0" algn="l">
+            <a:lvl7pPr marL="3200400" marR="0" lvl="6" indent="-317500" algn="l" rtl="0">
               <a:lnSpc>
                 <a:spcPct val="115000"/>
               </a:lnSpc>
@@ -7888,7 +8015,7 @@
               <a:buSzPts val="1400"/>
               <a:buFont typeface="Arial"/>
               <a:buChar char="●"/>
-              <a:defRPr b="0" i="0" sz="1400" u="none" cap="none" strike="noStrike">
+              <a:defRPr sz="1400" b="0" i="0" u="none" strike="noStrike" cap="none">
                 <a:solidFill>
                   <a:schemeClr val="dk2"/>
                 </a:solidFill>
@@ -7898,7 +8025,7 @@
                 <a:sym typeface="Arial"/>
               </a:defRPr>
             </a:lvl7pPr>
-            <a:lvl8pPr indent="-317500" lvl="7" marL="3657600" marR="0" rtl="0" algn="l">
+            <a:lvl8pPr marL="3657600" marR="0" lvl="7" indent="-317500" algn="l" rtl="0">
               <a:lnSpc>
                 <a:spcPct val="115000"/>
               </a:lnSpc>
@@ -7914,7 +8041,7 @@
               <a:buSzPts val="1400"/>
               <a:buFont typeface="Arial"/>
               <a:buChar char="○"/>
-              <a:defRPr b="0" i="0" sz="1400" u="none" cap="none" strike="noStrike">
+              <a:defRPr sz="1400" b="0" i="0" u="none" strike="noStrike" cap="none">
                 <a:solidFill>
                   <a:schemeClr val="dk2"/>
                 </a:solidFill>
@@ -7924,7 +8051,7 @@
                 <a:sym typeface="Arial"/>
               </a:defRPr>
             </a:lvl8pPr>
-            <a:lvl9pPr indent="-317500" lvl="8" marL="4114800" marR="0" rtl="0" algn="l">
+            <a:lvl9pPr marL="4114800" marR="0" lvl="8" indent="-317500" algn="l" rtl="0">
               <a:lnSpc>
                 <a:spcPct val="115000"/>
               </a:lnSpc>
@@ -7940,7 +8067,7 @@
               <a:buSzPts val="1400"/>
               <a:buFont typeface="Arial"/>
               <a:buChar char="■"/>
-              <a:defRPr b="0" i="0" sz="1400" u="none" cap="none" strike="noStrike">
+              <a:defRPr sz="1400" b="0" i="0" u="none" strike="noStrike" cap="none">
                 <a:solidFill>
                   <a:schemeClr val="dk2"/>
                 </a:solidFill>
@@ -7951,15 +8078,19 @@
               </a:defRPr>
             </a:lvl9pPr>
           </a:lstStyle>
-          <a:p/>
+          <a:p>
+            <a:endParaRPr/>
+          </a:p>
         </p:txBody>
       </p:sp>
       <p:sp>
         <p:nvSpPr>
           <p:cNvPr id="8" name="Google Shape;8;p1"/>
-          <p:cNvSpPr txBox="1"/>
+          <p:cNvSpPr txBox="1">
+            <a:spLocks noGrp="1"/>
+          </p:cNvSpPr>
           <p:nvPr>
-            <p:ph idx="12" type="sldNum"/>
+            <p:ph type="sldNum" idx="12"/>
           </p:nvPr>
         </p:nvSpPr>
         <p:spPr>
@@ -7976,11 +8107,11 @@
           </a:ln>
         </p:spPr>
         <p:txBody>
-          <a:bodyPr anchorCtr="0" anchor="ctr" bIns="91425" lIns="91425" spcFirstLastPara="1" rIns="91425" wrap="square" tIns="91425">
+          <a:bodyPr spcFirstLastPara="1" wrap="square" lIns="91425" tIns="91425" rIns="91425" bIns="91425" anchor="ctr" anchorCtr="0">
             <a:normAutofit/>
           </a:bodyPr>
           <a:lstStyle>
-            <a:lvl1pPr indent="0" lvl="0" marL="0" marR="0" rtl="0" algn="r">
+            <a:lvl1pPr marL="0" marR="0" lvl="0" indent="0" algn="r" rtl="0">
               <a:lnSpc>
                 <a:spcPct val="100000"/>
               </a:lnSpc>
@@ -7996,7 +8127,7 @@
               <a:buSzPts val="1000"/>
               <a:buFont typeface="Arial"/>
               <a:buNone/>
-              <a:defRPr b="0" i="0" sz="1000" u="none" cap="none" strike="noStrike">
+              <a:defRPr sz="1000" b="0" i="0" u="none" strike="noStrike" cap="none">
                 <a:solidFill>
                   <a:schemeClr val="dk2"/>
                 </a:solidFill>
@@ -8006,7 +8137,7 @@
                 <a:sym typeface="Arial"/>
               </a:defRPr>
             </a:lvl1pPr>
-            <a:lvl2pPr indent="0" lvl="1" marL="0" marR="0" rtl="0" algn="r">
+            <a:lvl2pPr marL="0" marR="0" lvl="1" indent="0" algn="r" rtl="0">
               <a:lnSpc>
                 <a:spcPct val="100000"/>
               </a:lnSpc>
@@ -8022,7 +8153,7 @@
               <a:buSzPts val="1000"/>
               <a:buFont typeface="Arial"/>
               <a:buNone/>
-              <a:defRPr b="0" i="0" sz="1000" u="none" cap="none" strike="noStrike">
+              <a:defRPr sz="1000" b="0" i="0" u="none" strike="noStrike" cap="none">
                 <a:solidFill>
                   <a:schemeClr val="dk2"/>
                 </a:solidFill>
@@ -8032,7 +8163,7 @@
                 <a:sym typeface="Arial"/>
               </a:defRPr>
             </a:lvl2pPr>
-            <a:lvl3pPr indent="0" lvl="2" marL="0" marR="0" rtl="0" algn="r">
+            <a:lvl3pPr marL="0" marR="0" lvl="2" indent="0" algn="r" rtl="0">
               <a:lnSpc>
                 <a:spcPct val="100000"/>
               </a:lnSpc>
@@ -8048,7 +8179,7 @@
               <a:buSzPts val="1000"/>
               <a:buFont typeface="Arial"/>
               <a:buNone/>
-              <a:defRPr b="0" i="0" sz="1000" u="none" cap="none" strike="noStrike">
+              <a:defRPr sz="1000" b="0" i="0" u="none" strike="noStrike" cap="none">
                 <a:solidFill>
                   <a:schemeClr val="dk2"/>
                 </a:solidFill>
@@ -8058,7 +8189,7 @@
                 <a:sym typeface="Arial"/>
               </a:defRPr>
             </a:lvl3pPr>
-            <a:lvl4pPr indent="0" lvl="3" marL="0" marR="0" rtl="0" algn="r">
+            <a:lvl4pPr marL="0" marR="0" lvl="3" indent="0" algn="r" rtl="0">
               <a:lnSpc>
                 <a:spcPct val="100000"/>
               </a:lnSpc>
@@ -8074,7 +8205,7 @@
               <a:buSzPts val="1000"/>
               <a:buFont typeface="Arial"/>
               <a:buNone/>
-              <a:defRPr b="0" i="0" sz="1000" u="none" cap="none" strike="noStrike">
+              <a:defRPr sz="1000" b="0" i="0" u="none" strike="noStrike" cap="none">
                 <a:solidFill>
                   <a:schemeClr val="dk2"/>
                 </a:solidFill>
@@ -8084,7 +8215,7 @@
                 <a:sym typeface="Arial"/>
               </a:defRPr>
             </a:lvl4pPr>
-            <a:lvl5pPr indent="0" lvl="4" marL="0" marR="0" rtl="0" algn="r">
+            <a:lvl5pPr marL="0" marR="0" lvl="4" indent="0" algn="r" rtl="0">
               <a:lnSpc>
                 <a:spcPct val="100000"/>
               </a:lnSpc>
@@ -8100,7 +8231,7 @@
               <a:buSzPts val="1000"/>
               <a:buFont typeface="Arial"/>
               <a:buNone/>
-              <a:defRPr b="0" i="0" sz="1000" u="none" cap="none" strike="noStrike">
+              <a:defRPr sz="1000" b="0" i="0" u="none" strike="noStrike" cap="none">
                 <a:solidFill>
                   <a:schemeClr val="dk2"/>
                 </a:solidFill>
@@ -8110,7 +8241,7 @@
                 <a:sym typeface="Arial"/>
               </a:defRPr>
             </a:lvl5pPr>
-            <a:lvl6pPr indent="0" lvl="5" marL="0" marR="0" rtl="0" algn="r">
+            <a:lvl6pPr marL="0" marR="0" lvl="5" indent="0" algn="r" rtl="0">
               <a:lnSpc>
                 <a:spcPct val="100000"/>
               </a:lnSpc>
@@ -8126,7 +8257,7 @@
               <a:buSzPts val="1000"/>
               <a:buFont typeface="Arial"/>
               <a:buNone/>
-              <a:defRPr b="0" i="0" sz="1000" u="none" cap="none" strike="noStrike">
+              <a:defRPr sz="1000" b="0" i="0" u="none" strike="noStrike" cap="none">
                 <a:solidFill>
                   <a:schemeClr val="dk2"/>
                 </a:solidFill>
@@ -8136,7 +8267,7 @@
                 <a:sym typeface="Arial"/>
               </a:defRPr>
             </a:lvl6pPr>
-            <a:lvl7pPr indent="0" lvl="6" marL="0" marR="0" rtl="0" algn="r">
+            <a:lvl7pPr marL="0" marR="0" lvl="6" indent="0" algn="r" rtl="0">
               <a:lnSpc>
                 <a:spcPct val="100000"/>
               </a:lnSpc>
@@ -8152,7 +8283,7 @@
               <a:buSzPts val="1000"/>
               <a:buFont typeface="Arial"/>
               <a:buNone/>
-              <a:defRPr b="0" i="0" sz="1000" u="none" cap="none" strike="noStrike">
+              <a:defRPr sz="1000" b="0" i="0" u="none" strike="noStrike" cap="none">
                 <a:solidFill>
                   <a:schemeClr val="dk2"/>
                 </a:solidFill>
@@ -8162,7 +8293,7 @@
                 <a:sym typeface="Arial"/>
               </a:defRPr>
             </a:lvl7pPr>
-            <a:lvl8pPr indent="0" lvl="7" marL="0" marR="0" rtl="0" algn="r">
+            <a:lvl8pPr marL="0" marR="0" lvl="7" indent="0" algn="r" rtl="0">
               <a:lnSpc>
                 <a:spcPct val="100000"/>
               </a:lnSpc>
@@ -8178,7 +8309,7 @@
               <a:buSzPts val="1000"/>
               <a:buFont typeface="Arial"/>
               <a:buNone/>
-              <a:defRPr b="0" i="0" sz="1000" u="none" cap="none" strike="noStrike">
+              <a:defRPr sz="1000" b="0" i="0" u="none" strike="noStrike" cap="none">
                 <a:solidFill>
                   <a:schemeClr val="dk2"/>
                 </a:solidFill>
@@ -8188,7 +8319,7 @@
                 <a:sym typeface="Arial"/>
               </a:defRPr>
             </a:lvl8pPr>
-            <a:lvl9pPr indent="0" lvl="8" marL="0" marR="0" rtl="0" algn="r">
+            <a:lvl9pPr marL="0" marR="0" lvl="8" indent="0" algn="r" rtl="0">
               <a:lnSpc>
                 <a:spcPct val="100000"/>
               </a:lnSpc>
@@ -8204,7 +8335,7 @@
               <a:buSzPts val="1000"/>
               <a:buFont typeface="Arial"/>
               <a:buNone/>
-              <a:defRPr b="0" i="0" sz="1000" u="none" cap="none" strike="noStrike">
+              <a:defRPr sz="1000" b="0" i="0" u="none" strike="noStrike" cap="none">
                 <a:solidFill>
                   <a:schemeClr val="dk2"/>
                 </a:solidFill>
@@ -8216,7 +8347,7 @@
             </a:lvl9pPr>
           </a:lstStyle>
           <a:p>
-            <a:pPr indent="0" lvl="0" marL="0" rtl="0" algn="r">
+            <a:pPr marL="0" lvl="0" indent="0" algn="r" rtl="0">
               <a:spcBef>
                 <a:spcPts val="0"/>
               </a:spcBef>
@@ -8235,7 +8366,7 @@
       </p:sp>
     </p:spTree>
   </p:cSld>
-  <p:clrMap accent1="accent1" accent2="accent2" accent3="accent3" accent4="accent4" accent5="accent5" accent6="accent6" bg1="lt1" bg2="dk2" tx1="dk1" tx2="lt2" folHlink="folHlink" hlink="hlink"/>
+  <p:clrMap bg1="lt1" tx1="dk1" bg2="dk2" tx2="lt2" accent1="accent1" accent2="accent2" accent3="accent3" accent4="accent4" accent5="accent5" accent6="accent6" hlink="hlink" folHlink="folHlink"/>
   <p:sldLayoutIdLst>
     <p:sldLayoutId id="2147483648" r:id="rId1"/>
     <p:sldLayoutId id="2147483649" r:id="rId2"/>
@@ -8249,10 +8380,10 @@
     <p:sldLayoutId id="2147483657" r:id="rId10"/>
     <p:sldLayoutId id="2147483658" r:id="rId11"/>
   </p:sldLayoutIdLst>
-  <p:hf dt="0" ftr="0" hdr="0" sldNum="0"/>
+  <p:hf sldNum="0" hdr="0" ftr="0" dt="0"/>
   <p:txStyles>
     <p:titleStyle>
-      <a:defPPr lvl="0" marR="0" rtl="0" algn="l">
+      <a:defPPr marR="0" lvl="0" algn="l" rtl="0">
         <a:lnSpc>
           <a:spcPct val="100000"/>
         </a:lnSpc>
@@ -8263,7 +8394,7 @@
           <a:spcPts val="0"/>
         </a:spcAft>
       </a:defPPr>
-      <a:lvl1pPr lvl="0" marR="0" rtl="0" algn="l">
+      <a:lvl1pPr marR="0" lvl="0" algn="l" rtl="0">
         <a:lnSpc>
           <a:spcPct val="100000"/>
         </a:lnSpc>
@@ -8277,7 +8408,7 @@
           <a:srgbClr val="000000"/>
         </a:buClr>
         <a:buFont typeface="Arial"/>
-        <a:defRPr b="0" i="0" sz="1400" u="none" cap="none" strike="noStrike">
+        <a:defRPr sz="1400" b="0" i="0" u="none" strike="noStrike" cap="none">
           <a:solidFill>
             <a:srgbClr val="000000"/>
           </a:solidFill>
@@ -8287,7 +8418,7 @@
           <a:sym typeface="Arial"/>
         </a:defRPr>
       </a:lvl1pPr>
-      <a:lvl2pPr lvl="1" marR="0" rtl="0" algn="l">
+      <a:lvl2pPr marR="0" lvl="1" algn="l" rtl="0">
         <a:lnSpc>
           <a:spcPct val="100000"/>
         </a:lnSpc>
@@ -8301,7 +8432,7 @@
           <a:srgbClr val="000000"/>
         </a:buClr>
         <a:buFont typeface="Arial"/>
-        <a:defRPr b="0" i="0" sz="1400" u="none" cap="none" strike="noStrike">
+        <a:defRPr sz="1400" b="0" i="0" u="none" strike="noStrike" cap="none">
           <a:solidFill>
             <a:srgbClr val="000000"/>
           </a:solidFill>
@@ -8311,7 +8442,7 @@
           <a:sym typeface="Arial"/>
         </a:defRPr>
       </a:lvl2pPr>
-      <a:lvl3pPr lvl="2" marR="0" rtl="0" algn="l">
+      <a:lvl3pPr marR="0" lvl="2" algn="l" rtl="0">
         <a:lnSpc>
           <a:spcPct val="100000"/>
         </a:lnSpc>
@@ -8325,7 +8456,7 @@
           <a:srgbClr val="000000"/>
         </a:buClr>
         <a:buFont typeface="Arial"/>
-        <a:defRPr b="0" i="0" sz="1400" u="none" cap="none" strike="noStrike">
+        <a:defRPr sz="1400" b="0" i="0" u="none" strike="noStrike" cap="none">
           <a:solidFill>
             <a:srgbClr val="000000"/>
           </a:solidFill>
@@ -8335,7 +8466,7 @@
           <a:sym typeface="Arial"/>
         </a:defRPr>
       </a:lvl3pPr>
-      <a:lvl4pPr lvl="3" marR="0" rtl="0" algn="l">
+      <a:lvl4pPr marR="0" lvl="3" algn="l" rtl="0">
         <a:lnSpc>
           <a:spcPct val="100000"/>
         </a:lnSpc>
@@ -8349,7 +8480,7 @@
           <a:srgbClr val="000000"/>
         </a:buClr>
         <a:buFont typeface="Arial"/>
-        <a:defRPr b="0" i="0" sz="1400" u="none" cap="none" strike="noStrike">
+        <a:defRPr sz="1400" b="0" i="0" u="none" strike="noStrike" cap="none">
           <a:solidFill>
             <a:srgbClr val="000000"/>
           </a:solidFill>
@@ -8359,7 +8490,7 @@
           <a:sym typeface="Arial"/>
         </a:defRPr>
       </a:lvl4pPr>
-      <a:lvl5pPr lvl="4" marR="0" rtl="0" algn="l">
+      <a:lvl5pPr marR="0" lvl="4" algn="l" rtl="0">
         <a:lnSpc>
           <a:spcPct val="100000"/>
         </a:lnSpc>
@@ -8373,7 +8504,7 @@
           <a:srgbClr val="000000"/>
         </a:buClr>
         <a:buFont typeface="Arial"/>
-        <a:defRPr b="0" i="0" sz="1400" u="none" cap="none" strike="noStrike">
+        <a:defRPr sz="1400" b="0" i="0" u="none" strike="noStrike" cap="none">
           <a:solidFill>
             <a:srgbClr val="000000"/>
           </a:solidFill>
@@ -8383,7 +8514,7 @@
           <a:sym typeface="Arial"/>
         </a:defRPr>
       </a:lvl5pPr>
-      <a:lvl6pPr lvl="5" marR="0" rtl="0" algn="l">
+      <a:lvl6pPr marR="0" lvl="5" algn="l" rtl="0">
         <a:lnSpc>
           <a:spcPct val="100000"/>
         </a:lnSpc>
@@ -8397,7 +8528,7 @@
           <a:srgbClr val="000000"/>
         </a:buClr>
         <a:buFont typeface="Arial"/>
-        <a:defRPr b="0" i="0" sz="1400" u="none" cap="none" strike="noStrike">
+        <a:defRPr sz="1400" b="0" i="0" u="none" strike="noStrike" cap="none">
           <a:solidFill>
             <a:srgbClr val="000000"/>
           </a:solidFill>
@@ -8407,7 +8538,7 @@
           <a:sym typeface="Arial"/>
         </a:defRPr>
       </a:lvl6pPr>
-      <a:lvl7pPr lvl="6" marR="0" rtl="0" algn="l">
+      <a:lvl7pPr marR="0" lvl="6" algn="l" rtl="0">
         <a:lnSpc>
           <a:spcPct val="100000"/>
         </a:lnSpc>
@@ -8421,7 +8552,7 @@
           <a:srgbClr val="000000"/>
         </a:buClr>
         <a:buFont typeface="Arial"/>
-        <a:defRPr b="0" i="0" sz="1400" u="none" cap="none" strike="noStrike">
+        <a:defRPr sz="1400" b="0" i="0" u="none" strike="noStrike" cap="none">
           <a:solidFill>
             <a:srgbClr val="000000"/>
           </a:solidFill>
@@ -8431,7 +8562,7 @@
           <a:sym typeface="Arial"/>
         </a:defRPr>
       </a:lvl7pPr>
-      <a:lvl8pPr lvl="7" marR="0" rtl="0" algn="l">
+      <a:lvl8pPr marR="0" lvl="7" algn="l" rtl="0">
         <a:lnSpc>
           <a:spcPct val="100000"/>
         </a:lnSpc>
@@ -8445,7 +8576,7 @@
           <a:srgbClr val="000000"/>
         </a:buClr>
         <a:buFont typeface="Arial"/>
-        <a:defRPr b="0" i="0" sz="1400" u="none" cap="none" strike="noStrike">
+        <a:defRPr sz="1400" b="0" i="0" u="none" strike="noStrike" cap="none">
           <a:solidFill>
             <a:srgbClr val="000000"/>
           </a:solidFill>
@@ -8455,7 +8586,7 @@
           <a:sym typeface="Arial"/>
         </a:defRPr>
       </a:lvl8pPr>
-      <a:lvl9pPr lvl="8" marR="0" rtl="0" algn="l">
+      <a:lvl9pPr marR="0" lvl="8" algn="l" rtl="0">
         <a:lnSpc>
           <a:spcPct val="100000"/>
         </a:lnSpc>
@@ -8469,7 +8600,7 @@
           <a:srgbClr val="000000"/>
         </a:buClr>
         <a:buFont typeface="Arial"/>
-        <a:defRPr b="0" i="0" sz="1400" u="none" cap="none" strike="noStrike">
+        <a:defRPr sz="1400" b="0" i="0" u="none" strike="noStrike" cap="none">
           <a:solidFill>
             <a:srgbClr val="000000"/>
           </a:solidFill>
@@ -8481,7 +8612,7 @@
       </a:lvl9pPr>
     </p:titleStyle>
     <p:bodyStyle>
-      <a:defPPr lvl="0" marR="0" rtl="0" algn="l">
+      <a:defPPr marR="0" lvl="0" algn="l" rtl="0">
         <a:lnSpc>
           <a:spcPct val="100000"/>
         </a:lnSpc>
@@ -8492,7 +8623,7 @@
           <a:spcPts val="0"/>
         </a:spcAft>
       </a:defPPr>
-      <a:lvl1pPr lvl="0" marR="0" rtl="0" algn="l">
+      <a:lvl1pPr marR="0" lvl="0" algn="l" rtl="0">
         <a:lnSpc>
           <a:spcPct val="100000"/>
         </a:lnSpc>
@@ -8506,7 +8637,7 @@
           <a:srgbClr val="000000"/>
         </a:buClr>
         <a:buFont typeface="Arial"/>
-        <a:defRPr b="0" i="0" sz="1400" u="none" cap="none" strike="noStrike">
+        <a:defRPr sz="1400" b="0" i="0" u="none" strike="noStrike" cap="none">
           <a:solidFill>
             <a:srgbClr val="000000"/>
           </a:solidFill>
@@ -8516,7 +8647,7 @@
           <a:sym typeface="Arial"/>
         </a:defRPr>
       </a:lvl1pPr>
-      <a:lvl2pPr lvl="1" marR="0" rtl="0" algn="l">
+      <a:lvl2pPr marR="0" lvl="1" algn="l" rtl="0">
         <a:lnSpc>
           <a:spcPct val="100000"/>
         </a:lnSpc>
@@ -8530,7 +8661,7 @@
           <a:srgbClr val="000000"/>
         </a:buClr>
         <a:buFont typeface="Arial"/>
-        <a:defRPr b="0" i="0" sz="1400" u="none" cap="none" strike="noStrike">
+        <a:defRPr sz="1400" b="0" i="0" u="none" strike="noStrike" cap="none">
           <a:solidFill>
             <a:srgbClr val="000000"/>
           </a:solidFill>
@@ -8540,7 +8671,7 @@
           <a:sym typeface="Arial"/>
         </a:defRPr>
       </a:lvl2pPr>
-      <a:lvl3pPr lvl="2" marR="0" rtl="0" algn="l">
+      <a:lvl3pPr marR="0" lvl="2" algn="l" rtl="0">
         <a:lnSpc>
           <a:spcPct val="100000"/>
         </a:lnSpc>
@@ -8554,7 +8685,7 @@
           <a:srgbClr val="000000"/>
         </a:buClr>
         <a:buFont typeface="Arial"/>
-        <a:defRPr b="0" i="0" sz="1400" u="none" cap="none" strike="noStrike">
+        <a:defRPr sz="1400" b="0" i="0" u="none" strike="noStrike" cap="none">
           <a:solidFill>
             <a:srgbClr val="000000"/>
           </a:solidFill>
@@ -8564,7 +8695,7 @@
           <a:sym typeface="Arial"/>
         </a:defRPr>
       </a:lvl3pPr>
-      <a:lvl4pPr lvl="3" marR="0" rtl="0" algn="l">
+      <a:lvl4pPr marR="0" lvl="3" algn="l" rtl="0">
         <a:lnSpc>
           <a:spcPct val="100000"/>
         </a:lnSpc>
@@ -8578,7 +8709,7 @@
           <a:srgbClr val="000000"/>
         </a:buClr>
         <a:buFont typeface="Arial"/>
-        <a:defRPr b="0" i="0" sz="1400" u="none" cap="none" strike="noStrike">
+        <a:defRPr sz="1400" b="0" i="0" u="none" strike="noStrike" cap="none">
           <a:solidFill>
             <a:srgbClr val="000000"/>
           </a:solidFill>
@@ -8588,7 +8719,7 @@
           <a:sym typeface="Arial"/>
         </a:defRPr>
       </a:lvl4pPr>
-      <a:lvl5pPr lvl="4" marR="0" rtl="0" algn="l">
+      <a:lvl5pPr marR="0" lvl="4" algn="l" rtl="0">
         <a:lnSpc>
           <a:spcPct val="100000"/>
         </a:lnSpc>
@@ -8602,7 +8733,7 @@
           <a:srgbClr val="000000"/>
         </a:buClr>
         <a:buFont typeface="Arial"/>
-        <a:defRPr b="0" i="0" sz="1400" u="none" cap="none" strike="noStrike">
+        <a:defRPr sz="1400" b="0" i="0" u="none" strike="noStrike" cap="none">
           <a:solidFill>
             <a:srgbClr val="000000"/>
           </a:solidFill>
@@ -8612,7 +8743,7 @@
           <a:sym typeface="Arial"/>
         </a:defRPr>
       </a:lvl5pPr>
-      <a:lvl6pPr lvl="5" marR="0" rtl="0" algn="l">
+      <a:lvl6pPr marR="0" lvl="5" algn="l" rtl="0">
         <a:lnSpc>
           <a:spcPct val="100000"/>
         </a:lnSpc>
@@ -8626,7 +8757,7 @@
           <a:srgbClr val="000000"/>
         </a:buClr>
         <a:buFont typeface="Arial"/>
-        <a:defRPr b="0" i="0" sz="1400" u="none" cap="none" strike="noStrike">
+        <a:defRPr sz="1400" b="0" i="0" u="none" strike="noStrike" cap="none">
           <a:solidFill>
             <a:srgbClr val="000000"/>
           </a:solidFill>
@@ -8636,7 +8767,7 @@
           <a:sym typeface="Arial"/>
         </a:defRPr>
       </a:lvl6pPr>
-      <a:lvl7pPr lvl="6" marR="0" rtl="0" algn="l">
+      <a:lvl7pPr marR="0" lvl="6" algn="l" rtl="0">
         <a:lnSpc>
           <a:spcPct val="100000"/>
         </a:lnSpc>
@@ -8650,7 +8781,7 @@
           <a:srgbClr val="000000"/>
         </a:buClr>
         <a:buFont typeface="Arial"/>
-        <a:defRPr b="0" i="0" sz="1400" u="none" cap="none" strike="noStrike">
+        <a:defRPr sz="1400" b="0" i="0" u="none" strike="noStrike" cap="none">
           <a:solidFill>
             <a:srgbClr val="000000"/>
           </a:solidFill>
@@ -8660,7 +8791,7 @@
           <a:sym typeface="Arial"/>
         </a:defRPr>
       </a:lvl7pPr>
-      <a:lvl8pPr lvl="7" marR="0" rtl="0" algn="l">
+      <a:lvl8pPr marR="0" lvl="7" algn="l" rtl="0">
         <a:lnSpc>
           <a:spcPct val="100000"/>
         </a:lnSpc>
@@ -8674,7 +8805,7 @@
           <a:srgbClr val="000000"/>
         </a:buClr>
         <a:buFont typeface="Arial"/>
-        <a:defRPr b="0" i="0" sz="1400" u="none" cap="none" strike="noStrike">
+        <a:defRPr sz="1400" b="0" i="0" u="none" strike="noStrike" cap="none">
           <a:solidFill>
             <a:srgbClr val="000000"/>
           </a:solidFill>
@@ -8684,7 +8815,7 @@
           <a:sym typeface="Arial"/>
         </a:defRPr>
       </a:lvl8pPr>
-      <a:lvl9pPr lvl="8" marR="0" rtl="0" algn="l">
+      <a:lvl9pPr marR="0" lvl="8" algn="l" rtl="0">
         <a:lnSpc>
           <a:spcPct val="100000"/>
         </a:lnSpc>
@@ -8698,7 +8829,7 @@
           <a:srgbClr val="000000"/>
         </a:buClr>
         <a:buFont typeface="Arial"/>
-        <a:defRPr b="0" i="0" sz="1400" u="none" cap="none" strike="noStrike">
+        <a:defRPr sz="1400" b="0" i="0" u="none" strike="noStrike" cap="none">
           <a:solidFill>
             <a:srgbClr val="000000"/>
           </a:solidFill>
@@ -8710,7 +8841,7 @@
       </a:lvl9pPr>
     </p:bodyStyle>
     <p:otherStyle>
-      <a:defPPr lvl="0" marR="0" rtl="0" algn="l">
+      <a:defPPr marR="0" lvl="0" algn="l" rtl="0">
         <a:lnSpc>
           <a:spcPct val="100000"/>
         </a:lnSpc>
@@ -8721,7 +8852,7 @@
           <a:spcPts val="0"/>
         </a:spcAft>
       </a:defPPr>
-      <a:lvl1pPr lvl="0" marR="0" rtl="0" algn="l">
+      <a:lvl1pPr marR="0" lvl="0" algn="l" rtl="0">
         <a:lnSpc>
           <a:spcPct val="100000"/>
         </a:lnSpc>
@@ -8735,7 +8866,7 @@
           <a:srgbClr val="000000"/>
         </a:buClr>
         <a:buFont typeface="Arial"/>
-        <a:defRPr b="0" i="0" sz="1400" u="none" cap="none" strike="noStrike">
+        <a:defRPr sz="1400" b="0" i="0" u="none" strike="noStrike" cap="none">
           <a:solidFill>
             <a:srgbClr val="000000"/>
           </a:solidFill>
@@ -8745,7 +8876,7 @@
           <a:sym typeface="Arial"/>
         </a:defRPr>
       </a:lvl1pPr>
-      <a:lvl2pPr lvl="1" marR="0" rtl="0" algn="l">
+      <a:lvl2pPr marR="0" lvl="1" algn="l" rtl="0">
         <a:lnSpc>
           <a:spcPct val="100000"/>
         </a:lnSpc>
@@ -8759,7 +8890,7 @@
           <a:srgbClr val="000000"/>
         </a:buClr>
         <a:buFont typeface="Arial"/>
-        <a:defRPr b="0" i="0" sz="1400" u="none" cap="none" strike="noStrike">
+        <a:defRPr sz="1400" b="0" i="0" u="none" strike="noStrike" cap="none">
           <a:solidFill>
             <a:srgbClr val="000000"/>
           </a:solidFill>
@@ -8769,7 +8900,7 @@
           <a:sym typeface="Arial"/>
         </a:defRPr>
       </a:lvl2pPr>
-      <a:lvl3pPr lvl="2" marR="0" rtl="0" algn="l">
+      <a:lvl3pPr marR="0" lvl="2" algn="l" rtl="0">
         <a:lnSpc>
           <a:spcPct val="100000"/>
         </a:lnSpc>
@@ -8783,7 +8914,7 @@
           <a:srgbClr val="000000"/>
         </a:buClr>
         <a:buFont typeface="Arial"/>
-        <a:defRPr b="0" i="0" sz="1400" u="none" cap="none" strike="noStrike">
+        <a:defRPr sz="1400" b="0" i="0" u="none" strike="noStrike" cap="none">
           <a:solidFill>
             <a:srgbClr val="000000"/>
           </a:solidFill>
@@ -8793,7 +8924,7 @@
           <a:sym typeface="Arial"/>
         </a:defRPr>
       </a:lvl3pPr>
-      <a:lvl4pPr lvl="3" marR="0" rtl="0" algn="l">
+      <a:lvl4pPr marR="0" lvl="3" algn="l" rtl="0">
         <a:lnSpc>
           <a:spcPct val="100000"/>
         </a:lnSpc>
@@ -8807,7 +8938,7 @@
           <a:srgbClr val="000000"/>
         </a:buClr>
         <a:buFont typeface="Arial"/>
-        <a:defRPr b="0" i="0" sz="1400" u="none" cap="none" strike="noStrike">
+        <a:defRPr sz="1400" b="0" i="0" u="none" strike="noStrike" cap="none">
           <a:solidFill>
             <a:srgbClr val="000000"/>
           </a:solidFill>
@@ -8817,7 +8948,7 @@
           <a:sym typeface="Arial"/>
         </a:defRPr>
       </a:lvl4pPr>
-      <a:lvl5pPr lvl="4" marR="0" rtl="0" algn="l">
+      <a:lvl5pPr marR="0" lvl="4" algn="l" rtl="0">
         <a:lnSpc>
           <a:spcPct val="100000"/>
         </a:lnSpc>
@@ -8831,7 +8962,7 @@
           <a:srgbClr val="000000"/>
         </a:buClr>
         <a:buFont typeface="Arial"/>
-        <a:defRPr b="0" i="0" sz="1400" u="none" cap="none" strike="noStrike">
+        <a:defRPr sz="1400" b="0" i="0" u="none" strike="noStrike" cap="none">
           <a:solidFill>
             <a:srgbClr val="000000"/>
           </a:solidFill>
@@ -8841,7 +8972,7 @@
           <a:sym typeface="Arial"/>
         </a:defRPr>
       </a:lvl5pPr>
-      <a:lvl6pPr lvl="5" marR="0" rtl="0" algn="l">
+      <a:lvl6pPr marR="0" lvl="5" algn="l" rtl="0">
         <a:lnSpc>
           <a:spcPct val="100000"/>
         </a:lnSpc>
@@ -8855,7 +8986,7 @@
           <a:srgbClr val="000000"/>
         </a:buClr>
         <a:buFont typeface="Arial"/>
-        <a:defRPr b="0" i="0" sz="1400" u="none" cap="none" strike="noStrike">
+        <a:defRPr sz="1400" b="0" i="0" u="none" strike="noStrike" cap="none">
           <a:solidFill>
             <a:srgbClr val="000000"/>
           </a:solidFill>
@@ -8865,7 +8996,7 @@
           <a:sym typeface="Arial"/>
         </a:defRPr>
       </a:lvl6pPr>
-      <a:lvl7pPr lvl="6" marR="0" rtl="0" algn="l">
+      <a:lvl7pPr marR="0" lvl="6" algn="l" rtl="0">
         <a:lnSpc>
           <a:spcPct val="100000"/>
         </a:lnSpc>
@@ -8879,7 +9010,7 @@
           <a:srgbClr val="000000"/>
         </a:buClr>
         <a:buFont typeface="Arial"/>
-        <a:defRPr b="0" i="0" sz="1400" u="none" cap="none" strike="noStrike">
+        <a:defRPr sz="1400" b="0" i="0" u="none" strike="noStrike" cap="none">
           <a:solidFill>
             <a:srgbClr val="000000"/>
           </a:solidFill>
@@ -8889,7 +9020,7 @@
           <a:sym typeface="Arial"/>
         </a:defRPr>
       </a:lvl7pPr>
-      <a:lvl8pPr lvl="7" marR="0" rtl="0" algn="l">
+      <a:lvl8pPr marR="0" lvl="7" algn="l" rtl="0">
         <a:lnSpc>
           <a:spcPct val="100000"/>
         </a:lnSpc>
@@ -8903,7 +9034,7 @@
           <a:srgbClr val="000000"/>
         </a:buClr>
         <a:buFont typeface="Arial"/>
-        <a:defRPr b="0" i="0" sz="1400" u="none" cap="none" strike="noStrike">
+        <a:defRPr sz="1400" b="0" i="0" u="none" strike="noStrike" cap="none">
           <a:solidFill>
             <a:srgbClr val="000000"/>
           </a:solidFill>
@@ -8913,7 +9044,7 @@
           <a:sym typeface="Arial"/>
         </a:defRPr>
       </a:lvl8pPr>
-      <a:lvl9pPr lvl="8" marR="0" rtl="0" algn="l">
+      <a:lvl9pPr marR="0" lvl="8" algn="l" rtl="0">
         <a:lnSpc>
           <a:spcPct val="100000"/>
         </a:lnSpc>
@@ -8927,7 +9058,7 @@
           <a:srgbClr val="000000"/>
         </a:buClr>
         <a:buFont typeface="Arial"/>
-        <a:defRPr b="0" i="0" sz="1400" u="none" cap="none" strike="noStrike">
+        <a:defRPr sz="1400" b="0" i="0" u="none" strike="noStrike" cap="none">
           <a:solidFill>
             <a:srgbClr val="000000"/>
           </a:solidFill>
@@ -8943,11 +9074,11 @@
 </file>
 
 <file path=ppt/slides/slide1.xml><?xml version="1.0" encoding="utf-8"?>
-<p:sld xmlns:a="http://schemas.openxmlformats.org/drawingml/2006/main" xmlns:r="http://schemas.openxmlformats.org/officeDocument/2006/relationships" xmlns:mc="http://schemas.openxmlformats.org/markup-compatibility/2006" xmlns:mv="urn:schemas-microsoft-com:mac:vml" xmlns:p="http://schemas.openxmlformats.org/presentationml/2006/main" xmlns:c="http://schemas.openxmlformats.org/drawingml/2006/chart" xmlns:dgm="http://schemas.openxmlformats.org/drawingml/2006/diagram" xmlns:o="urn:schemas-microsoft-com:office:office" xmlns:v="urn:schemas-microsoft-com:vml" xmlns:pvml="urn:schemas-microsoft-com:office:powerpoint" xmlns:com="http://schemas.openxmlformats.org/drawingml/2006/compatibility" xmlns:p14="http://schemas.microsoft.com/office/powerpoint/2010/main" xmlns:p15="http://schemas.microsoft.com/office/powerpoint/2012/main" xmlns:ahyp="http://schemas.microsoft.com/office/drawing/2018/hyperlinkcolor">
+<p:sld xmlns:a="http://schemas.openxmlformats.org/drawingml/2006/main" xmlns:r="http://schemas.openxmlformats.org/officeDocument/2006/relationships" xmlns:p="http://schemas.openxmlformats.org/presentationml/2006/main">
   <p:cSld>
     <p:spTree>
       <p:nvGrpSpPr>
-        <p:cNvPr id="53" name="Shape 53"/>
+        <p:cNvPr id="1" name="Shape 53"/>
         <p:cNvGrpSpPr/>
         <p:nvPr/>
       </p:nvGrpSpPr>
@@ -8962,7 +9093,9 @@
       <p:sp>
         <p:nvSpPr>
           <p:cNvPr id="54" name="Google Shape;54;p13"/>
-          <p:cNvSpPr txBox="1"/>
+          <p:cNvSpPr txBox="1">
+            <a:spLocks noGrp="1"/>
+          </p:cNvSpPr>
           <p:nvPr>
             <p:ph type="title"/>
           </p:nvPr>
@@ -8981,12 +9114,12 @@
           </a:ln>
         </p:spPr>
         <p:txBody>
-          <a:bodyPr anchorCtr="0" anchor="t" bIns="91425" lIns="91425" spcFirstLastPara="1" rIns="91425" wrap="square" tIns="91425">
+          <a:bodyPr spcFirstLastPara="1" wrap="square" lIns="91425" tIns="91425" rIns="91425" bIns="91425" anchor="t" anchorCtr="0">
             <a:normAutofit fontScale="90000"/>
           </a:bodyPr>
           <a:lstStyle/>
           <a:p>
-            <a:pPr indent="0" lvl="0" marL="0" rtl="0" algn="l">
+            <a:pPr marL="0" lvl="0" indent="0" algn="l" rtl="0">
               <a:lnSpc>
                 <a:spcPct val="100000"/>
               </a:lnSpc>
@@ -9010,9 +9143,11 @@
       <p:sp>
         <p:nvSpPr>
           <p:cNvPr id="55" name="Google Shape;55;p13"/>
-          <p:cNvSpPr txBox="1"/>
+          <p:cNvSpPr txBox="1">
+            <a:spLocks noGrp="1"/>
+          </p:cNvSpPr>
           <p:nvPr>
-            <p:ph idx="1" type="body"/>
+            <p:ph type="body" idx="1"/>
           </p:nvPr>
         </p:nvSpPr>
         <p:spPr>
@@ -9029,12 +9164,12 @@
           </a:ln>
         </p:spPr>
         <p:txBody>
-          <a:bodyPr anchorCtr="0" anchor="t" bIns="91425" lIns="91425" spcFirstLastPara="1" rIns="91425" wrap="square" tIns="91425">
-            <a:normAutofit fontScale="92500"/>
+          <a:bodyPr spcFirstLastPara="1" wrap="square" lIns="91425" tIns="91425" rIns="91425" bIns="91425" anchor="t" anchorCtr="0">
+            <a:normAutofit fontScale="92500" lnSpcReduction="10000"/>
           </a:bodyPr>
           <a:lstStyle/>
           <a:p>
-            <a:pPr indent="-342900" lvl="0" marL="457200" rtl="0" algn="l">
+            <a:pPr marL="457200" lvl="0" indent="-342900" algn="l" rtl="0">
               <a:lnSpc>
                 <a:spcPct val="115000"/>
               </a:lnSpc>
@@ -9048,16 +9183,16 @@
               <a:buChar char="●"/>
             </a:pPr>
             <a:r>
-              <a:rPr lang="en"/>
+              <a:rPr lang="en" dirty="0"/>
               <a:t>For the first two weeks of class, attendance will be taken for administrative purposes.</a:t>
             </a:r>
             <a:br>
-              <a:rPr lang="en"/>
+              <a:rPr lang="en" dirty="0"/>
             </a:br>
-            <a:endParaRPr/>
+            <a:endParaRPr dirty="0"/>
           </a:p>
           <a:p>
-            <a:pPr indent="-342900" lvl="0" marL="457200" rtl="0" algn="l">
+            <a:pPr marL="457200" lvl="0" indent="-342900" algn="l" rtl="0">
               <a:lnSpc>
                 <a:spcPct val="115000"/>
               </a:lnSpc>
@@ -9071,13 +9206,13 @@
               <a:buChar char="●"/>
             </a:pPr>
             <a:r>
-              <a:rPr lang="en"/>
+              <a:rPr lang="en" dirty="0"/>
               <a:t>Students who do not attended classes during the first two weeks are subject to administrative withdrawal.</a:t>
             </a:r>
-            <a:endParaRPr/>
+            <a:endParaRPr dirty="0"/>
           </a:p>
           <a:p>
-            <a:pPr indent="-342900" lvl="0" marL="457200" rtl="0" algn="l">
+            <a:pPr marL="457200" lvl="0" indent="-342900" algn="l" rtl="0">
               <a:lnSpc>
                 <a:spcPct val="115000"/>
               </a:lnSpc>
@@ -9091,13 +9226,13 @@
               <a:buChar char="●"/>
             </a:pPr>
             <a:r>
-              <a:rPr lang="en"/>
+              <a:rPr lang="en" dirty="0"/>
               <a:t>You are responsibility to for using the feedback system to record your attendance during the first two weeks of class you have attended class via the following link:</a:t>
             </a:r>
-            <a:endParaRPr/>
+            <a:endParaRPr dirty="0"/>
           </a:p>
           <a:p>
-            <a:pPr indent="0" lvl="0" marL="114300" rtl="0" algn="ctr">
+            <a:pPr marL="114300" lvl="0" indent="0" algn="ctr" rtl="0">
               <a:lnSpc>
                 <a:spcPct val="115000"/>
               </a:lnSpc>
@@ -9111,7 +9246,7 @@
               <a:buNone/>
             </a:pPr>
             <a:r>
-              <a:rPr lang="en" u="sng">
+              <a:rPr lang="en" u="sng" dirty="0">
                 <a:solidFill>
                   <a:schemeClr val="hlink"/>
                 </a:solidFill>
@@ -9119,14 +9254,14 @@
               </a:rPr>
               <a:t>Feedback System</a:t>
             </a:r>
-            <a:endParaRPr>
+            <a:endParaRPr dirty="0">
               <a:solidFill>
                 <a:schemeClr val="hlink"/>
               </a:solidFill>
             </a:endParaRPr>
           </a:p>
           <a:p>
-            <a:pPr indent="0" lvl="0" marL="114300" rtl="0" algn="r">
+            <a:pPr marL="114300" lvl="0" indent="0" algn="r" rtl="0">
               <a:lnSpc>
                 <a:spcPct val="115000"/>
               </a:lnSpc>
@@ -9140,7 +9275,7 @@
               <a:buNone/>
             </a:pPr>
             <a:br>
-              <a:rPr lang="en" sz="1500" u="sng">
+              <a:rPr lang="en" sz="1500" u="sng" dirty="0">
                 <a:solidFill>
                   <a:schemeClr val="hlink"/>
                 </a:solidFill>
@@ -9148,15 +9283,58 @@
               </a:rPr>
             </a:br>
             <a:r>
-              <a:rPr lang="en" sz="1500" u="sng">
+              <a:rPr lang="en" sz="1500" u="sng" dirty="0">
                 <a:solidFill>
                   <a:schemeClr val="hlink"/>
                 </a:solidFill>
-                <a:hlinkClick r:id="rId5"/>
+                <a:hlinkClick r:id="rId4"/>
               </a:rPr>
               <a:t>Fall22 Feedback System</a:t>
             </a:r>
-            <a:endParaRPr sz="1500"/>
+            <a:endParaRPr lang="en-US" sz="1500" dirty="0"/>
+          </a:p>
+        </p:txBody>
+      </p:sp>
+      <p:sp>
+        <p:nvSpPr>
+          <p:cNvPr id="2" name="TextBox 1">
+            <a:extLst>
+              <a:ext uri="{FF2B5EF4-FFF2-40B4-BE49-F238E27FC236}">
+                <a16:creationId xmlns:a16="http://schemas.microsoft.com/office/drawing/2014/main" id="{6E6D93C3-933D-7742-B6A7-BC710139A6F8}"/>
+              </a:ext>
+            </a:extLst>
+          </p:cNvPr>
+          <p:cNvSpPr txBox="1"/>
+          <p:nvPr/>
+        </p:nvSpPr>
+        <p:spPr>
+          <a:xfrm>
+            <a:off x="63612" y="4731027"/>
+            <a:ext cx="5118709" cy="307777"/>
+          </a:xfrm>
+          <a:prstGeom prst="rect">
+            <a:avLst/>
+          </a:prstGeom>
+          <a:noFill/>
+        </p:spPr>
+        <p:txBody>
+          <a:bodyPr wrap="none" rtlCol="0">
+            <a:spAutoFit/>
+          </a:bodyPr>
+          <a:lstStyle/>
+          <a:p>
+            <a:r>
+              <a:rPr lang="en-US" dirty="0"/>
+              <a:t>https://</a:t>
+            </a:r>
+            <a:r>
+              <a:rPr lang="en-US" dirty="0" err="1"/>
+              <a:t>catalog.csun.edu</a:t>
+            </a:r>
+            <a:r>
+              <a:rPr lang="en-US" dirty="0"/>
+              <a:t>/policies/attendance-class-attendance/</a:t>
+            </a:r>
           </a:p>
         </p:txBody>
       </p:sp>
@@ -9169,11 +9347,11 @@
 </file>
 
 <file path=ppt/slides/slide2.xml><?xml version="1.0" encoding="utf-8"?>
-<p:sld xmlns:a="http://schemas.openxmlformats.org/drawingml/2006/main" xmlns:r="http://schemas.openxmlformats.org/officeDocument/2006/relationships" xmlns:mc="http://schemas.openxmlformats.org/markup-compatibility/2006" xmlns:mv="urn:schemas-microsoft-com:mac:vml" xmlns:p="http://schemas.openxmlformats.org/presentationml/2006/main" xmlns:c="http://schemas.openxmlformats.org/drawingml/2006/chart" xmlns:dgm="http://schemas.openxmlformats.org/drawingml/2006/diagram" xmlns:o="urn:schemas-microsoft-com:office:office" xmlns:v="urn:schemas-microsoft-com:vml" xmlns:pvml="urn:schemas-microsoft-com:office:powerpoint" xmlns:com="http://schemas.openxmlformats.org/drawingml/2006/compatibility" xmlns:p14="http://schemas.microsoft.com/office/powerpoint/2010/main" xmlns:p15="http://schemas.microsoft.com/office/powerpoint/2012/main" xmlns:ahyp="http://schemas.microsoft.com/office/drawing/2018/hyperlinkcolor">
+<p:sld xmlns:a="http://schemas.openxmlformats.org/drawingml/2006/main" xmlns:r="http://schemas.openxmlformats.org/officeDocument/2006/relationships" xmlns:p="http://schemas.openxmlformats.org/presentationml/2006/main">
   <p:cSld>
     <p:spTree>
       <p:nvGrpSpPr>
-        <p:cNvPr id="59" name="Shape 59"/>
+        <p:cNvPr id="1" name="Shape 59"/>
         <p:cNvGrpSpPr/>
         <p:nvPr/>
       </p:nvGrpSpPr>
@@ -9188,7 +9366,9 @@
       <p:sp>
         <p:nvSpPr>
           <p:cNvPr id="60" name="Google Shape;60;p14"/>
-          <p:cNvSpPr txBox="1"/>
+          <p:cNvSpPr txBox="1">
+            <a:spLocks noGrp="1"/>
+          </p:cNvSpPr>
           <p:nvPr>
             <p:ph type="title"/>
           </p:nvPr>
@@ -9207,12 +9387,12 @@
           </a:ln>
         </p:spPr>
         <p:txBody>
-          <a:bodyPr anchorCtr="0" anchor="t" bIns="91425" lIns="91425" spcFirstLastPara="1" rIns="91425" wrap="square" tIns="91425">
+          <a:bodyPr spcFirstLastPara="1" wrap="square" lIns="91425" tIns="91425" rIns="91425" bIns="91425" anchor="t" anchorCtr="0">
             <a:normAutofit fontScale="90000"/>
           </a:bodyPr>
           <a:lstStyle/>
           <a:p>
-            <a:pPr indent="0" lvl="0" marL="0" rtl="0" algn="l">
+            <a:pPr marL="0" lvl="0" indent="0" algn="l" rtl="0">
               <a:lnSpc>
                 <a:spcPct val="100000"/>
               </a:lnSpc>
@@ -9236,9 +9416,11 @@
       <p:sp>
         <p:nvSpPr>
           <p:cNvPr id="61" name="Google Shape;61;p14"/>
-          <p:cNvSpPr txBox="1"/>
+          <p:cNvSpPr txBox="1">
+            <a:spLocks noGrp="1"/>
+          </p:cNvSpPr>
           <p:nvPr>
-            <p:ph idx="1" type="body"/>
+            <p:ph type="body" idx="1"/>
           </p:nvPr>
         </p:nvSpPr>
         <p:spPr>
@@ -9255,12 +9437,12 @@
           </a:ln>
         </p:spPr>
         <p:txBody>
-          <a:bodyPr anchorCtr="0" anchor="t" bIns="91425" lIns="91425" spcFirstLastPara="1" rIns="91425" wrap="square" tIns="91425">
+          <a:bodyPr spcFirstLastPara="1" wrap="square" lIns="91425" tIns="91425" rIns="91425" bIns="91425" anchor="t" anchorCtr="0">
             <a:noAutofit/>
           </a:bodyPr>
           <a:lstStyle/>
           <a:p>
-            <a:pPr indent="-285750" lvl="0" marL="421640" rtl="0" algn="l">
+            <a:pPr marL="421640" lvl="0" indent="-285750" algn="l" rtl="0">
               <a:lnSpc>
                 <a:spcPct val="95000"/>
               </a:lnSpc>
@@ -9274,13 +9456,13 @@
               <a:buChar char="●"/>
             </a:pPr>
             <a:r>
-              <a:rPr lang="en" sz="1460"/>
+              <a:rPr lang="en" sz="1600" dirty="0"/>
               <a:t>Greetings and Introductions:</a:t>
             </a:r>
-            <a:endParaRPr/>
+            <a:endParaRPr sz="1600" dirty="0"/>
           </a:p>
           <a:p>
-            <a:pPr indent="-285749" lvl="1" marL="878839" rtl="0" algn="l">
+            <a:pPr marL="878839" lvl="1" indent="-285749" algn="l" rtl="0">
               <a:lnSpc>
                 <a:spcPct val="95000"/>
               </a:lnSpc>
@@ -9294,13 +9476,13 @@
               <a:buChar char="○"/>
             </a:pPr>
             <a:r>
-              <a:rPr lang="en" sz="1200"/>
+              <a:rPr lang="en" sz="1200" dirty="0"/>
               <a:t>Class notes: notes_01_23.md</a:t>
             </a:r>
-            <a:endParaRPr/>
+            <a:endParaRPr dirty="0"/>
           </a:p>
           <a:p>
-            <a:pPr indent="-285749" lvl="1" marL="878839" rtl="0" algn="l">
+            <a:pPr marL="878839" lvl="1" indent="-285749" algn="l" rtl="0">
               <a:lnSpc>
                 <a:spcPct val="95000"/>
               </a:lnSpc>
@@ -9314,16 +9496,16 @@
               <a:buChar char="○"/>
             </a:pPr>
             <a:r>
-              <a:rPr lang="en" sz="1200"/>
+              <a:rPr lang="en" sz="1200" dirty="0"/>
               <a:t>Markdown viewer</a:t>
             </a:r>
             <a:br>
-              <a:rPr lang="en" sz="1200"/>
+              <a:rPr lang="en" sz="1200" dirty="0"/>
             </a:br>
-            <a:endParaRPr sz="1200"/>
+            <a:endParaRPr sz="1200" dirty="0"/>
           </a:p>
           <a:p>
-            <a:pPr indent="-285750" lvl="0" marL="421640" rtl="0" algn="l">
+            <a:pPr marL="421640" lvl="0" indent="-285750" algn="l" rtl="0">
               <a:lnSpc>
                 <a:spcPct val="95000"/>
               </a:lnSpc>
@@ -9337,13 +9519,13 @@
               <a:buChar char="●"/>
             </a:pPr>
             <a:r>
-              <a:rPr lang="en" sz="1600"/>
+              <a:rPr lang="en" sz="1600" dirty="0"/>
               <a:t>Command Line Interface (CLI) versus a Graphic User Interface (GUI)</a:t>
             </a:r>
-            <a:endParaRPr sz="800"/>
+            <a:endParaRPr sz="800" dirty="0"/>
           </a:p>
           <a:p>
-            <a:pPr indent="-285749" lvl="1" marL="878839" rtl="0" algn="l">
+            <a:pPr marL="878839" lvl="1" indent="-285749" algn="l" rtl="0">
               <a:lnSpc>
                 <a:spcPct val="95000"/>
               </a:lnSpc>
@@ -9357,11 +9539,11 @@
               <a:buChar char="○"/>
             </a:pPr>
             <a:r>
-              <a:rPr lang="en" sz="1200"/>
+              <a:rPr lang="en" sz="1200" dirty="0"/>
               <a:t>The missing semester: </a:t>
             </a:r>
             <a:r>
-              <a:rPr lang="en" sz="1200" u="sng">
+              <a:rPr lang="en" sz="1200" u="sng" dirty="0">
                 <a:solidFill>
                   <a:schemeClr val="hlink"/>
                 </a:solidFill>
@@ -9369,10 +9551,10 @@
               </a:rPr>
               <a:t>https://missing.csail.mit.edu/</a:t>
             </a:r>
-            <a:endParaRPr sz="1200"/>
+            <a:endParaRPr sz="1200" dirty="0"/>
           </a:p>
           <a:p>
-            <a:pPr indent="-285750" lvl="2" marL="1336040" rtl="0" algn="l">
+            <a:pPr marL="1336040" lvl="2" indent="-285750" algn="l" rtl="0">
               <a:lnSpc>
                 <a:spcPct val="95000"/>
               </a:lnSpc>
@@ -9386,13 +9568,13 @@
               <a:buChar char="■"/>
             </a:pPr>
             <a:r>
-              <a:rPr lang="en" sz="1200"/>
+              <a:rPr lang="en" sz="1200" dirty="0"/>
               <a:t>The shell, shell tools and scripting, and the command line environment</a:t>
             </a:r>
-            <a:endParaRPr/>
+            <a:endParaRPr dirty="0"/>
           </a:p>
           <a:p>
-            <a:pPr indent="-285750" lvl="2" marL="1336040" rtl="0" algn="l">
+            <a:pPr marL="1336040" lvl="2" indent="-285750" algn="l" rtl="0">
               <a:lnSpc>
                 <a:spcPct val="95000"/>
               </a:lnSpc>
@@ -9406,13 +9588,13 @@
               <a:buChar char="■"/>
             </a:pPr>
             <a:r>
-              <a:rPr lang="en" sz="1200"/>
+              <a:rPr lang="en" sz="1200" dirty="0"/>
               <a:t>Version Control (git)</a:t>
             </a:r>
-            <a:endParaRPr/>
+            <a:endParaRPr dirty="0"/>
           </a:p>
           <a:p>
-            <a:pPr indent="-285750" lvl="2" marL="1336040" rtl="0" algn="l">
+            <a:pPr marL="1336040" lvl="2" indent="-285750" algn="l" rtl="0">
               <a:lnSpc>
                 <a:spcPct val="95000"/>
               </a:lnSpc>
@@ -9426,13 +9608,13 @@
               <a:buChar char="■"/>
             </a:pPr>
             <a:r>
-              <a:rPr lang="en" sz="1200"/>
+              <a:rPr lang="en" sz="1200" dirty="0"/>
               <a:t>Editors (vim) &lt;- but I will use Sublime Text in this class</a:t>
             </a:r>
-            <a:endParaRPr/>
+            <a:endParaRPr dirty="0"/>
           </a:p>
           <a:p>
-            <a:pPr indent="-285749" lvl="1" marL="878839" rtl="0" algn="l">
+            <a:pPr marL="878839" lvl="1" indent="-285749" algn="l" rtl="0">
               <a:lnSpc>
                 <a:spcPct val="95000"/>
               </a:lnSpc>
@@ -9446,16 +9628,16 @@
               <a:buChar char="○"/>
             </a:pPr>
             <a:r>
-              <a:rPr lang="en" sz="1200"/>
+              <a:rPr lang="en" sz="1200" dirty="0"/>
               <a:t>A comparison between the CLI and the GUI</a:t>
             </a:r>
             <a:br>
-              <a:rPr lang="en" sz="1600"/>
+              <a:rPr lang="en" sz="1600" dirty="0"/>
             </a:br>
-            <a:endParaRPr sz="1600"/>
+            <a:endParaRPr sz="1600" dirty="0"/>
           </a:p>
           <a:p>
-            <a:pPr indent="-285750" lvl="0" marL="421640" rtl="0" algn="l">
+            <a:pPr marL="421640" lvl="0" indent="-285750" algn="l" rtl="0">
               <a:lnSpc>
                 <a:spcPct val="95000"/>
               </a:lnSpc>
@@ -9469,13 +9651,13 @@
               <a:buChar char="●"/>
             </a:pPr>
             <a:r>
-              <a:rPr lang="en" sz="1460"/>
+              <a:rPr lang="en" sz="1460" dirty="0"/>
               <a:t>Canonical Class Directory: ~/classes/comp122/</a:t>
             </a:r>
-            <a:endParaRPr/>
+            <a:endParaRPr dirty="0"/>
           </a:p>
           <a:p>
-            <a:pPr indent="-171450" lvl="1" marL="782320" rtl="0" algn="l">
+            <a:pPr marL="782320" lvl="1" indent="-171450" algn="l" rtl="0">
               <a:lnSpc>
                 <a:spcPct val="95000"/>
               </a:lnSpc>
@@ -9489,13 +9671,17 @@
               <a:buChar char="○"/>
             </a:pPr>
             <a:r>
-              <a:rPr lang="en" sz="1200"/>
-              <a:t>Introduction to COMP122: 		introduction.md</a:t>
+              <a:rPr lang="en" sz="1200" dirty="0"/>
+              <a:t>Introduction to COMP122: 		</a:t>
             </a:r>
-            <a:endParaRPr sz="1200"/>
+            <a:r>
+              <a:rPr lang="en" sz="1200" dirty="0" err="1"/>
+              <a:t>introduction.md</a:t>
+            </a:r>
+            <a:endParaRPr sz="1200" dirty="0"/>
           </a:p>
           <a:p>
-            <a:pPr indent="-171450" lvl="1" marL="782320" rtl="0" algn="l">
+            <a:pPr marL="782320" lvl="1" indent="-171450" algn="l" rtl="0">
               <a:lnSpc>
                 <a:spcPct val="95000"/>
               </a:lnSpc>
@@ -9509,13 +9695,17 @@
               <a:buChar char="○"/>
             </a:pPr>
             <a:r>
-              <a:rPr lang="en" sz="1200"/>
-              <a:t>Syllabus:  				syllabus.md</a:t>
+              <a:rPr lang="en" sz="1200" dirty="0"/>
+              <a:t>Syllabus:  			</a:t>
             </a:r>
-            <a:endParaRPr sz="1200"/>
+            <a:r>
+              <a:rPr lang="en" sz="1200" dirty="0" err="1"/>
+              <a:t>syllabus.md</a:t>
+            </a:r>
+            <a:endParaRPr sz="1200" dirty="0"/>
           </a:p>
           <a:p>
-            <a:pPr indent="-171450" lvl="1" marL="782320" rtl="0" algn="l">
+            <a:pPr marL="782320" lvl="1" indent="-171450" algn="l" rtl="0">
               <a:lnSpc>
                 <a:spcPct val="95000"/>
               </a:lnSpc>
@@ -9529,13 +9719,17 @@
               <a:buChar char="○"/>
             </a:pPr>
             <a:r>
-              <a:rPr lang="en" sz="1200"/>
-              <a:t>Assignments: 				assignments.md</a:t>
+              <a:rPr lang="en" sz="1200" dirty="0"/>
+              <a:t>Assignments: 			</a:t>
             </a:r>
-            <a:endParaRPr sz="1200"/>
+            <a:r>
+              <a:rPr lang="en" sz="1200" dirty="0" err="1"/>
+              <a:t>assignments.md</a:t>
+            </a:r>
+            <a:endParaRPr sz="1200" dirty="0"/>
           </a:p>
           <a:p>
-            <a:pPr indent="-171450" lvl="1" marL="782320" rtl="0" algn="l">
+            <a:pPr marL="782320" lvl="1" indent="-171450" algn="l" rtl="0">
               <a:lnSpc>
                 <a:spcPct val="95000"/>
               </a:lnSpc>
@@ -9549,13 +9743,21 @@
               <a:buChar char="○"/>
             </a:pPr>
             <a:r>
-              <a:rPr lang="en" sz="1200"/>
-              <a:t>Schedule: 				schedule.md </a:t>
+              <a:rPr lang="en" sz="1200" dirty="0"/>
+              <a:t>Schedule: 			</a:t>
             </a:r>
-            <a:endParaRPr/>
+            <a:r>
+              <a:rPr lang="en" sz="1200" dirty="0" err="1"/>
+              <a:t>schedule.md</a:t>
+            </a:r>
+            <a:r>
+              <a:rPr lang="en" sz="1200" dirty="0"/>
+              <a:t> </a:t>
+            </a:r>
+            <a:endParaRPr dirty="0"/>
           </a:p>
           <a:p>
-            <a:pPr indent="-171450" lvl="1" marL="782320" rtl="0" algn="l">
+            <a:pPr marL="782320" lvl="1" indent="-171450" algn="l" rtl="0">
               <a:lnSpc>
                 <a:spcPct val="95000"/>
               </a:lnSpc>
@@ -9569,10 +9771,10 @@
               <a:buChar char="○"/>
             </a:pPr>
             <a:r>
-              <a:rPr lang="en" sz="1200"/>
-              <a:t>Class Material:				directory for each section of the class</a:t>
+              <a:rPr lang="en" sz="1200" dirty="0"/>
+              <a:t>Class Material:			directory for each section of the class</a:t>
             </a:r>
-            <a:endParaRPr sz="1600"/>
+            <a:endParaRPr sz="1600" dirty="0"/>
           </a:p>
         </p:txBody>
       </p:sp>
@@ -9585,11 +9787,11 @@
 </file>
 
 <file path=ppt/slides/slide3.xml><?xml version="1.0" encoding="utf-8"?>
-<p:sld xmlns:a="http://schemas.openxmlformats.org/drawingml/2006/main" xmlns:r="http://schemas.openxmlformats.org/officeDocument/2006/relationships" xmlns:mc="http://schemas.openxmlformats.org/markup-compatibility/2006" xmlns:mv="urn:schemas-microsoft-com:mac:vml" xmlns:p="http://schemas.openxmlformats.org/presentationml/2006/main" xmlns:c="http://schemas.openxmlformats.org/drawingml/2006/chart" xmlns:dgm="http://schemas.openxmlformats.org/drawingml/2006/diagram" xmlns:o="urn:schemas-microsoft-com:office:office" xmlns:v="urn:schemas-microsoft-com:vml" xmlns:pvml="urn:schemas-microsoft-com:office:powerpoint" xmlns:com="http://schemas.openxmlformats.org/drawingml/2006/compatibility" xmlns:p14="http://schemas.microsoft.com/office/powerpoint/2010/main" xmlns:p15="http://schemas.microsoft.com/office/powerpoint/2012/main" xmlns:ahyp="http://schemas.microsoft.com/office/drawing/2018/hyperlinkcolor">
+<p:sld xmlns:a="http://schemas.openxmlformats.org/drawingml/2006/main" xmlns:r="http://schemas.openxmlformats.org/officeDocument/2006/relationships" xmlns:p="http://schemas.openxmlformats.org/presentationml/2006/main">
   <p:cSld>
     <p:spTree>
       <p:nvGrpSpPr>
-        <p:cNvPr id="65" name="Shape 65"/>
+        <p:cNvPr id="1" name="Shape 65"/>
         <p:cNvGrpSpPr/>
         <p:nvPr/>
       </p:nvGrpSpPr>
@@ -9604,7 +9806,9 @@
       <p:sp>
         <p:nvSpPr>
           <p:cNvPr id="66" name="Google Shape;66;p15"/>
-          <p:cNvSpPr txBox="1"/>
+          <p:cNvSpPr txBox="1">
+            <a:spLocks noGrp="1"/>
+          </p:cNvSpPr>
           <p:nvPr>
             <p:ph type="title"/>
           </p:nvPr>
@@ -9623,12 +9827,12 @@
           </a:ln>
         </p:spPr>
         <p:txBody>
-          <a:bodyPr anchorCtr="0" anchor="t" bIns="91425" lIns="91425" spcFirstLastPara="1" rIns="91425" wrap="square" tIns="91425">
+          <a:bodyPr spcFirstLastPara="1" wrap="square" lIns="91425" tIns="91425" rIns="91425" bIns="91425" anchor="t" anchorCtr="0">
             <a:normAutofit fontScale="90000"/>
           </a:bodyPr>
           <a:lstStyle/>
           <a:p>
-            <a:pPr indent="0" lvl="0" marL="0" rtl="0" algn="l">
+            <a:pPr marL="0" lvl="0" indent="0" algn="l" rtl="0">
               <a:lnSpc>
                 <a:spcPct val="100000"/>
               </a:lnSpc>
@@ -9652,9 +9856,11 @@
       <p:sp>
         <p:nvSpPr>
           <p:cNvPr id="67" name="Google Shape;67;p15"/>
-          <p:cNvSpPr txBox="1"/>
+          <p:cNvSpPr txBox="1">
+            <a:spLocks noGrp="1"/>
+          </p:cNvSpPr>
           <p:nvPr>
-            <p:ph idx="1" type="body"/>
+            <p:ph type="body" idx="1"/>
           </p:nvPr>
         </p:nvSpPr>
         <p:spPr>
@@ -9671,12 +9877,12 @@
           </a:ln>
         </p:spPr>
         <p:txBody>
-          <a:bodyPr anchorCtr="0" anchor="t" bIns="91425" lIns="91425" spcFirstLastPara="1" rIns="91425" wrap="square" tIns="91425">
+          <a:bodyPr spcFirstLastPara="1" wrap="square" lIns="91425" tIns="91425" rIns="91425" bIns="91425" anchor="t" anchorCtr="0">
             <a:noAutofit/>
           </a:bodyPr>
           <a:lstStyle/>
           <a:p>
-            <a:pPr indent="-342900" lvl="0" marL="444500" rtl="0" algn="l">
+            <a:pPr marL="444500" lvl="0" indent="-342900" algn="l" rtl="0">
               <a:lnSpc>
                 <a:spcPct val="95000"/>
               </a:lnSpc>
@@ -9696,7 +9902,7 @@
             <a:endParaRPr/>
           </a:p>
           <a:p>
-            <a:pPr indent="-317500" lvl="1" marL="901700" rtl="0" algn="l">
+            <a:pPr marL="901700" lvl="1" indent="-317500" algn="l" rtl="0">
               <a:lnSpc>
                 <a:spcPct val="95000"/>
               </a:lnSpc>
@@ -9721,7 +9927,7 @@
             <a:endParaRPr sz="1600"/>
           </a:p>
           <a:p>
-            <a:pPr indent="-317500" lvl="1" marL="901700" rtl="0" algn="l">
+            <a:pPr marL="901700" lvl="1" indent="-317500" algn="l" rtl="0">
               <a:lnSpc>
                 <a:spcPct val="95000"/>
               </a:lnSpc>
@@ -9750,7 +9956,7 @@
             <a:endParaRPr sz="1600"/>
           </a:p>
           <a:p>
-            <a:pPr indent="-342900" lvl="0" marL="444500" rtl="0" algn="l">
+            <a:pPr marL="444500" lvl="0" indent="-342900" algn="l" rtl="0">
               <a:lnSpc>
                 <a:spcPct val="95000"/>
               </a:lnSpc>
@@ -9770,7 +9976,7 @@
             <a:endParaRPr/>
           </a:p>
           <a:p>
-            <a:pPr indent="-285750" lvl="1" marL="844550" rtl="0" algn="l">
+            <a:pPr marL="844550" lvl="1" indent="-285750" algn="l" rtl="0">
               <a:lnSpc>
                 <a:spcPct val="95000"/>
               </a:lnSpc>
@@ -9795,7 +10001,7 @@
             <a:endParaRPr sz="1600"/>
           </a:p>
           <a:p>
-            <a:pPr indent="-285750" lvl="1" marL="844550" rtl="0" algn="l">
+            <a:pPr marL="844550" lvl="1" indent="-285750" algn="l" rtl="0">
               <a:lnSpc>
                 <a:spcPct val="95000"/>
               </a:lnSpc>
@@ -9815,7 +10021,7 @@
             <a:endParaRPr/>
           </a:p>
           <a:p>
-            <a:pPr indent="-342900" lvl="0" marL="444500" rtl="0" algn="l">
+            <a:pPr marL="444500" lvl="0" indent="-342900" algn="l" rtl="0">
               <a:lnSpc>
                 <a:spcPct val="95000"/>
               </a:lnSpc>
@@ -9844,7 +10050,7 @@
                 <a:hlinkClick r:id="rId6">
                   <a:extLst>
                     <a:ext uri="{A12FA001-AC4F-418D-AE19-62706E023703}">
-                      <ahyp:hlinkClr val="tx"/>
+                      <ahyp:hlinkClr xmlns:ahyp="http://schemas.microsoft.com/office/drawing/2018/hyperlinkcolor" val="tx"/>
                     </a:ext>
                   </a:extLst>
                 </a:hlinkClick>
@@ -9858,7 +10064,7 @@
             </a:endParaRPr>
           </a:p>
           <a:p>
-            <a:pPr indent="-317500" lvl="1" marL="901700" rtl="0" algn="l">
+            <a:pPr marL="901700" lvl="1" indent="-317500" algn="l" rtl="0">
               <a:lnSpc>
                 <a:spcPct val="95000"/>
               </a:lnSpc>
@@ -9890,7 +10096,7 @@
             <a:endParaRPr sz="1600"/>
           </a:p>
           <a:p>
-            <a:pPr indent="-342900" lvl="0" marL="444500" rtl="0" algn="l">
+            <a:pPr marL="444500" lvl="0" indent="-342900" algn="l" rtl="0">
               <a:lnSpc>
                 <a:spcPct val="95000"/>
               </a:lnSpc>
@@ -9910,7 +10116,7 @@
             <a:endParaRPr/>
           </a:p>
           <a:p>
-            <a:pPr indent="-342900" lvl="0" marL="444500" rtl="0" algn="l">
+            <a:pPr marL="444500" lvl="0" indent="-342900" algn="l" rtl="0">
               <a:lnSpc>
                 <a:spcPct val="95000"/>
               </a:lnSpc>
@@ -9930,7 +10136,7 @@
             <a:endParaRPr/>
           </a:p>
           <a:p>
-            <a:pPr indent="-342900" lvl="0" marL="457200" rtl="0" algn="l">
+            <a:pPr marL="457200" lvl="0" indent="-342900" algn="l" rtl="0">
               <a:lnSpc>
                 <a:spcPct val="95000"/>
               </a:lnSpc>
@@ -9964,11 +10170,11 @@
 </file>
 
 <file path=ppt/slides/slide4.xml><?xml version="1.0" encoding="utf-8"?>
-<p:sld xmlns:a="http://schemas.openxmlformats.org/drawingml/2006/main" xmlns:r="http://schemas.openxmlformats.org/officeDocument/2006/relationships" xmlns:mc="http://schemas.openxmlformats.org/markup-compatibility/2006" xmlns:mv="urn:schemas-microsoft-com:mac:vml" xmlns:p="http://schemas.openxmlformats.org/presentationml/2006/main" xmlns:c="http://schemas.openxmlformats.org/drawingml/2006/chart" xmlns:dgm="http://schemas.openxmlformats.org/drawingml/2006/diagram" xmlns:o="urn:schemas-microsoft-com:office:office" xmlns:v="urn:schemas-microsoft-com:vml" xmlns:pvml="urn:schemas-microsoft-com:office:powerpoint" xmlns:com="http://schemas.openxmlformats.org/drawingml/2006/compatibility" xmlns:p14="http://schemas.microsoft.com/office/powerpoint/2010/main" xmlns:p15="http://schemas.microsoft.com/office/powerpoint/2012/main" xmlns:ahyp="http://schemas.microsoft.com/office/drawing/2018/hyperlinkcolor">
+<p:sld xmlns:a="http://schemas.openxmlformats.org/drawingml/2006/main" xmlns:r="http://schemas.openxmlformats.org/officeDocument/2006/relationships" xmlns:p="http://schemas.openxmlformats.org/presentationml/2006/main">
   <p:cSld>
     <p:spTree>
       <p:nvGrpSpPr>
-        <p:cNvPr id="71" name="Shape 71"/>
+        <p:cNvPr id="1" name="Shape 71"/>
         <p:cNvGrpSpPr/>
         <p:nvPr/>
       </p:nvGrpSpPr>
@@ -9983,9 +10189,11 @@
       <p:sp>
         <p:nvSpPr>
           <p:cNvPr id="72" name="Google Shape;72;p16"/>
-          <p:cNvSpPr txBox="1"/>
+          <p:cNvSpPr txBox="1">
+            <a:spLocks noGrp="1"/>
+          </p:cNvSpPr>
           <p:nvPr>
-            <p:ph idx="1" type="body"/>
+            <p:ph type="body" idx="1"/>
           </p:nvPr>
         </p:nvSpPr>
         <p:spPr>
@@ -10002,12 +10210,12 @@
           </a:ln>
         </p:spPr>
         <p:txBody>
-          <a:bodyPr anchorCtr="0" anchor="t" bIns="91425" lIns="91425" spcFirstLastPara="1" rIns="91425" wrap="square" tIns="91425">
+          <a:bodyPr spcFirstLastPara="1" wrap="square" lIns="91425" tIns="91425" rIns="91425" bIns="91425" anchor="t" anchorCtr="0">
             <a:noAutofit/>
           </a:bodyPr>
           <a:lstStyle/>
           <a:p>
-            <a:pPr indent="-323850" lvl="0" marL="457200" rtl="0" algn="l">
+            <a:pPr marL="457200" lvl="0" indent="-323850" algn="l" rtl="0">
               <a:lnSpc>
                 <a:spcPct val="115000"/>
               </a:lnSpc>
@@ -10027,7 +10235,7 @@
             <a:endParaRPr sz="1500"/>
           </a:p>
           <a:p>
-            <a:pPr indent="-298450" lvl="1" marL="914400" rtl="0" algn="l">
+            <a:pPr marL="914400" lvl="1" indent="-298450" algn="l" rtl="0">
               <a:lnSpc>
                 <a:spcPct val="115000"/>
               </a:lnSpc>
@@ -10053,7 +10261,7 @@
             <a:endParaRPr sz="1100"/>
           </a:p>
           <a:p>
-            <a:pPr indent="-323850" lvl="0" marL="457200" rtl="0" algn="l">
+            <a:pPr marL="457200" lvl="0" indent="-323850" algn="l" rtl="0">
               <a:lnSpc>
                 <a:spcPct val="115000"/>
               </a:lnSpc>
@@ -10073,7 +10281,7 @@
             <a:endParaRPr sz="1500"/>
           </a:p>
           <a:p>
-            <a:pPr indent="-298450" lvl="1" marL="914400" rtl="0" algn="l">
+            <a:pPr marL="914400" lvl="1" indent="-298450" algn="l" rtl="0">
               <a:lnSpc>
                 <a:spcPct val="115000"/>
               </a:lnSpc>
@@ -10093,7 +10301,7 @@
             <a:endParaRPr sz="1100"/>
           </a:p>
           <a:p>
-            <a:pPr indent="-298450" lvl="2" marL="1371600" rtl="0" algn="l">
+            <a:pPr marL="1371600" lvl="2" indent="-298450" algn="l" rtl="0">
               <a:lnSpc>
                 <a:spcPct val="115000"/>
               </a:lnSpc>
@@ -10113,7 +10321,7 @@
             <a:endParaRPr sz="1100"/>
           </a:p>
           <a:p>
-            <a:pPr indent="-298450" lvl="2" marL="1371600" rtl="0" algn="l">
+            <a:pPr marL="1371600" lvl="2" indent="-298450" algn="l" rtl="0">
               <a:lnSpc>
                 <a:spcPct val="115000"/>
               </a:lnSpc>
@@ -10133,7 +10341,7 @@
             <a:endParaRPr sz="1100"/>
           </a:p>
           <a:p>
-            <a:pPr indent="-298450" lvl="2" marL="1371600" rtl="0" algn="l">
+            <a:pPr marL="1371600" lvl="2" indent="-298450" algn="l" rtl="0">
               <a:lnSpc>
                 <a:spcPct val="115000"/>
               </a:lnSpc>
@@ -10153,7 +10361,7 @@
             <a:endParaRPr sz="1100"/>
           </a:p>
           <a:p>
-            <a:pPr indent="-298450" lvl="1" marL="914400" rtl="0" algn="l">
+            <a:pPr marL="914400" lvl="1" indent="-298450" algn="l" rtl="0">
               <a:lnSpc>
                 <a:spcPct val="115000"/>
               </a:lnSpc>
@@ -10173,7 +10381,7 @@
             <a:endParaRPr sz="1100"/>
           </a:p>
           <a:p>
-            <a:pPr indent="-298450" lvl="1" marL="914400" rtl="0" algn="l">
+            <a:pPr marL="914400" lvl="1" indent="-298450" algn="l" rtl="0">
               <a:lnSpc>
                 <a:spcPct val="115000"/>
               </a:lnSpc>
@@ -10193,7 +10401,7 @@
             <a:endParaRPr sz="1100"/>
           </a:p>
           <a:p>
-            <a:pPr indent="-298450" lvl="1" marL="914400" rtl="0" algn="l">
+            <a:pPr marL="914400" lvl="1" indent="-298450" algn="l" rtl="0">
               <a:lnSpc>
                 <a:spcPct val="115000"/>
               </a:lnSpc>
@@ -10216,7 +10424,7 @@
             <a:endParaRPr sz="1100"/>
           </a:p>
           <a:p>
-            <a:pPr indent="-323850" lvl="0" marL="457200" rtl="0" algn="l">
+            <a:pPr marL="457200" lvl="0" indent="-323850" algn="l" rtl="0">
               <a:lnSpc>
                 <a:spcPct val="115000"/>
               </a:lnSpc>
@@ -10236,7 +10444,7 @@
             <a:endParaRPr sz="1500"/>
           </a:p>
           <a:p>
-            <a:pPr indent="-298450" lvl="1" marL="914400" rtl="0" algn="l">
+            <a:pPr marL="914400" lvl="1" indent="-298450" algn="l" rtl="0">
               <a:lnSpc>
                 <a:spcPct val="115000"/>
               </a:lnSpc>
@@ -10256,7 +10464,7 @@
             <a:endParaRPr sz="1100"/>
           </a:p>
           <a:p>
-            <a:pPr indent="-298450" lvl="1" marL="914400" rtl="0" algn="l">
+            <a:pPr marL="914400" lvl="1" indent="-298450" algn="l" rtl="0">
               <a:lnSpc>
                 <a:spcPct val="115000"/>
               </a:lnSpc>
@@ -10279,7 +10487,7 @@
             <a:endParaRPr sz="1000"/>
           </a:p>
           <a:p>
-            <a:pPr indent="-323850" lvl="0" marL="457200" rtl="0" algn="l">
+            <a:pPr marL="457200" lvl="0" indent="-323850" algn="l" rtl="0">
               <a:lnSpc>
                 <a:spcPct val="115000"/>
               </a:lnSpc>
@@ -10317,23 +10525,23 @@
           <a:solidFill>
             <a:schemeClr val="lt2"/>
           </a:solidFill>
-          <a:ln cap="flat" cmpd="sng" w="9525">
+          <a:ln w="9525" cap="flat" cmpd="sng">
             <a:solidFill>
               <a:schemeClr val="dk2"/>
             </a:solidFill>
             <a:prstDash val="solid"/>
             <a:round/>
-            <a:headEnd len="sm" w="sm" type="none"/>
-            <a:tailEnd len="sm" w="sm" type="none"/>
+            <a:headEnd type="none" w="sm" len="sm"/>
+            <a:tailEnd type="none" w="sm" len="sm"/>
           </a:ln>
         </p:spPr>
         <p:txBody>
-          <a:bodyPr anchorCtr="0" anchor="ctr" bIns="91425" lIns="91425" spcFirstLastPara="1" rIns="91425" wrap="square" tIns="91425">
+          <a:bodyPr spcFirstLastPara="1" wrap="square" lIns="91425" tIns="91425" rIns="91425" bIns="91425" anchor="ctr" anchorCtr="0">
             <a:noAutofit/>
           </a:bodyPr>
           <a:lstStyle/>
           <a:p>
-            <a:pPr indent="0" lvl="0" marL="0" marR="0" rtl="0" algn="l">
+            <a:pPr marL="0" marR="0" lvl="0" indent="0" algn="l" rtl="0">
               <a:lnSpc>
                 <a:spcPct val="100000"/>
               </a:lnSpc>
@@ -10350,10 +10558,7 @@
               <a:buFont typeface="Arial"/>
               <a:buNone/>
             </a:pPr>
-            <a:r>
-              <a:t/>
-            </a:r>
-            <a:endParaRPr b="0" i="0" sz="1400" u="none" cap="none" strike="noStrike">
+            <a:endParaRPr sz="1400" b="0" i="0" u="none" strike="noStrike" cap="none">
               <a:solidFill>
                 <a:srgbClr val="000000"/>
               </a:solidFill>
@@ -10382,23 +10587,23 @@
           <a:solidFill>
             <a:schemeClr val="lt2"/>
           </a:solidFill>
-          <a:ln cap="flat" cmpd="sng" w="9525">
+          <a:ln w="9525" cap="flat" cmpd="sng">
             <a:solidFill>
               <a:schemeClr val="dk2"/>
             </a:solidFill>
             <a:prstDash val="solid"/>
             <a:round/>
-            <a:headEnd len="sm" w="sm" type="none"/>
-            <a:tailEnd len="sm" w="sm" type="none"/>
+            <a:headEnd type="none" w="sm" len="sm"/>
+            <a:tailEnd type="none" w="sm" len="sm"/>
           </a:ln>
         </p:spPr>
         <p:txBody>
-          <a:bodyPr anchorCtr="0" anchor="ctr" bIns="91425" lIns="91425" spcFirstLastPara="1" rIns="91425" wrap="square" tIns="91425">
+          <a:bodyPr spcFirstLastPara="1" wrap="square" lIns="91425" tIns="91425" rIns="91425" bIns="91425" anchor="ctr" anchorCtr="0">
             <a:noAutofit/>
           </a:bodyPr>
           <a:lstStyle/>
           <a:p>
-            <a:pPr indent="0" lvl="0" marL="0" marR="0" rtl="0" algn="l">
+            <a:pPr marL="0" marR="0" lvl="0" indent="0" algn="l" rtl="0">
               <a:lnSpc>
                 <a:spcPct val="100000"/>
               </a:lnSpc>
@@ -10416,7 +10621,7 @@
               <a:buNone/>
             </a:pPr>
             <a:r>
-              <a:rPr b="0" i="0" lang="en" sz="1200" u="none" cap="none" strike="noStrike">
+              <a:rPr lang="en" sz="1200" b="0" i="0" u="none" strike="noStrike" cap="none">
                 <a:solidFill>
                   <a:srgbClr val="000000"/>
                 </a:solidFill>
@@ -10427,7 +10632,7 @@
               </a:rPr>
               <a:t>Source:      .i</a:t>
             </a:r>
-            <a:endParaRPr b="0" i="0" sz="1200" u="none" cap="none" strike="noStrike">
+            <a:endParaRPr sz="1200" b="0" i="0" u="none" strike="noStrike" cap="none">
               <a:solidFill>
                 <a:srgbClr val="000000"/>
               </a:solidFill>
@@ -10442,7 +10647,9 @@
       <p:sp>
         <p:nvSpPr>
           <p:cNvPr id="75" name="Google Shape;75;p16"/>
-          <p:cNvSpPr txBox="1"/>
+          <p:cNvSpPr txBox="1">
+            <a:spLocks noGrp="1"/>
+          </p:cNvSpPr>
           <p:nvPr>
             <p:ph type="title"/>
           </p:nvPr>
@@ -10461,12 +10668,12 @@
           </a:ln>
         </p:spPr>
         <p:txBody>
-          <a:bodyPr anchorCtr="0" anchor="t" bIns="91425" lIns="91425" spcFirstLastPara="1" rIns="91425" wrap="square" tIns="91425">
+          <a:bodyPr spcFirstLastPara="1" wrap="square" lIns="91425" tIns="91425" rIns="91425" bIns="91425" anchor="t" anchorCtr="0">
             <a:normAutofit fontScale="90000"/>
           </a:bodyPr>
           <a:lstStyle/>
           <a:p>
-            <a:pPr indent="0" lvl="0" marL="0" rtl="0" algn="l">
+            <a:pPr marL="0" lvl="0" indent="0" algn="l" rtl="0">
               <a:lnSpc>
                 <a:spcPct val="100000"/>
               </a:lnSpc>
@@ -10504,23 +10711,23 @@
           <a:solidFill>
             <a:schemeClr val="lt2"/>
           </a:solidFill>
-          <a:ln cap="flat" cmpd="sng" w="9525">
+          <a:ln w="9525" cap="flat" cmpd="sng">
             <a:solidFill>
               <a:schemeClr val="dk2"/>
             </a:solidFill>
             <a:prstDash val="solid"/>
             <a:round/>
-            <a:headEnd len="sm" w="sm" type="none"/>
-            <a:tailEnd len="sm" w="sm" type="none"/>
+            <a:headEnd type="none" w="sm" len="sm"/>
+            <a:tailEnd type="none" w="sm" len="sm"/>
           </a:ln>
         </p:spPr>
         <p:txBody>
-          <a:bodyPr anchorCtr="0" anchor="ctr" bIns="91425" lIns="91425" spcFirstLastPara="1" rIns="91425" wrap="square" tIns="91425">
+          <a:bodyPr spcFirstLastPara="1" wrap="square" lIns="91425" tIns="91425" rIns="91425" bIns="91425" anchor="ctr" anchorCtr="0">
             <a:noAutofit/>
           </a:bodyPr>
           <a:lstStyle/>
           <a:p>
-            <a:pPr indent="0" lvl="0" marL="0" marR="0" rtl="0" algn="ctr">
+            <a:pPr marL="0" marR="0" lvl="0" indent="0" algn="ctr" rtl="0">
               <a:lnSpc>
                 <a:spcPct val="100000"/>
               </a:lnSpc>
@@ -10538,7 +10745,7 @@
               <a:buNone/>
             </a:pPr>
             <a:r>
-              <a:rPr b="0" i="0" lang="en" sz="1400" u="none" cap="none" strike="noStrike">
+              <a:rPr lang="en" sz="1400" b="0" i="0" u="none" strike="noStrike" cap="none">
                 <a:solidFill>
                   <a:srgbClr val="000000"/>
                 </a:solidFill>
@@ -10549,7 +10756,7 @@
               </a:rPr>
               <a:t>Languages</a:t>
             </a:r>
-            <a:endParaRPr b="0" i="0" sz="1400" u="none" cap="none" strike="noStrike">
+            <a:endParaRPr sz="1400" b="0" i="0" u="none" strike="noStrike" cap="none">
               <a:solidFill>
                 <a:srgbClr val="000000"/>
               </a:solidFill>
@@ -10578,23 +10785,23 @@
           <a:solidFill>
             <a:schemeClr val="lt2"/>
           </a:solidFill>
-          <a:ln cap="flat" cmpd="sng" w="9525">
+          <a:ln w="9525" cap="flat" cmpd="sng">
             <a:solidFill>
               <a:schemeClr val="dk2"/>
             </a:solidFill>
             <a:prstDash val="solid"/>
             <a:round/>
-            <a:headEnd len="sm" w="sm" type="none"/>
-            <a:tailEnd len="sm" w="sm" type="none"/>
+            <a:headEnd type="none" w="sm" len="sm"/>
+            <a:tailEnd type="none" w="sm" len="sm"/>
           </a:ln>
         </p:spPr>
         <p:txBody>
-          <a:bodyPr anchorCtr="0" anchor="ctr" bIns="91425" lIns="91425" spcFirstLastPara="1" rIns="91425" wrap="square" tIns="91425">
+          <a:bodyPr spcFirstLastPara="1" wrap="square" lIns="91425" tIns="91425" rIns="91425" bIns="91425" anchor="ctr" anchorCtr="0">
             <a:noAutofit/>
           </a:bodyPr>
           <a:lstStyle/>
           <a:p>
-            <a:pPr indent="0" lvl="0" marL="0" marR="0" rtl="0" algn="ctr">
+            <a:pPr marL="0" marR="0" lvl="0" indent="0" algn="ctr" rtl="0">
               <a:lnSpc>
                 <a:spcPct val="100000"/>
               </a:lnSpc>
@@ -10612,7 +10819,7 @@
               <a:buNone/>
             </a:pPr>
             <a:r>
-              <a:rPr b="0" i="0" lang="en" sz="1400" u="none" cap="none" strike="noStrike">
+              <a:rPr lang="en" sz="1400" b="0" i="0" u="none" strike="noStrike" cap="none">
                 <a:solidFill>
                   <a:srgbClr val="000000"/>
                 </a:solidFill>
@@ -10623,7 +10830,7 @@
               </a:rPr>
               <a:t>Hardware</a:t>
             </a:r>
-            <a:endParaRPr b="0" i="0" sz="1400" u="none" cap="none" strike="noStrike">
+            <a:endParaRPr sz="1400" b="0" i="0" u="none" strike="noStrike" cap="none">
               <a:solidFill>
                 <a:srgbClr val="000000"/>
               </a:solidFill>
@@ -10648,30 +10855,30 @@
           </a:xfrm>
           <a:prstGeom prst="downArrow">
             <a:avLst>
-              <a:gd fmla="val 50000" name="adj1"/>
-              <a:gd fmla="val 50000" name="adj2"/>
+              <a:gd name="adj1" fmla="val 50000"/>
+              <a:gd name="adj2" fmla="val 50000"/>
             </a:avLst>
           </a:prstGeom>
           <a:solidFill>
             <a:schemeClr val="lt2"/>
           </a:solidFill>
-          <a:ln cap="flat" cmpd="sng" w="9525">
+          <a:ln w="9525" cap="flat" cmpd="sng">
             <a:solidFill>
               <a:schemeClr val="dk2"/>
             </a:solidFill>
             <a:prstDash val="solid"/>
             <a:round/>
-            <a:headEnd len="sm" w="sm" type="none"/>
-            <a:tailEnd len="sm" w="sm" type="none"/>
+            <a:headEnd type="none" w="sm" len="sm"/>
+            <a:tailEnd type="none" w="sm" len="sm"/>
           </a:ln>
         </p:spPr>
         <p:txBody>
-          <a:bodyPr anchorCtr="0" anchor="ctr" bIns="91425" lIns="91425" spcFirstLastPara="1" rIns="91425" wrap="square" tIns="91425">
+          <a:bodyPr spcFirstLastPara="1" wrap="square" lIns="91425" tIns="91425" rIns="91425" bIns="91425" anchor="ctr" anchorCtr="0">
             <a:noAutofit/>
           </a:bodyPr>
           <a:lstStyle/>
           <a:p>
-            <a:pPr indent="0" lvl="0" marL="0" marR="0" rtl="0" algn="l">
+            <a:pPr marL="0" marR="0" lvl="0" indent="0" algn="l" rtl="0">
               <a:lnSpc>
                 <a:spcPct val="100000"/>
               </a:lnSpc>
@@ -10688,10 +10895,7 @@
               <a:buFont typeface="Arial"/>
               <a:buNone/>
             </a:pPr>
-            <a:r>
-              <a:t/>
-            </a:r>
-            <a:endParaRPr b="0" i="0" sz="1400" u="none" cap="none" strike="noStrike">
+            <a:endParaRPr sz="1400" b="0" i="0" u="none" strike="noStrike" cap="none">
               <a:solidFill>
                 <a:srgbClr val="000000"/>
               </a:solidFill>
@@ -10720,23 +10924,23 @@
           <a:solidFill>
             <a:srgbClr val="FFFFFF"/>
           </a:solidFill>
-          <a:ln cap="flat" cmpd="sng" w="9525">
+          <a:ln w="9525" cap="flat" cmpd="sng">
             <a:solidFill>
               <a:srgbClr val="999999"/>
             </a:solidFill>
             <a:prstDash val="solid"/>
             <a:round/>
-            <a:headEnd len="sm" w="sm" type="none"/>
-            <a:tailEnd len="sm" w="sm" type="none"/>
+            <a:headEnd type="none" w="sm" len="sm"/>
+            <a:tailEnd type="none" w="sm" len="sm"/>
           </a:ln>
         </p:spPr>
         <p:txBody>
-          <a:bodyPr anchorCtr="0" anchor="t" bIns="91425" lIns="91425" spcFirstLastPara="1" rIns="91425" wrap="square" tIns="91425">
+          <a:bodyPr spcFirstLastPara="1" wrap="square" lIns="91425" tIns="91425" rIns="91425" bIns="91425" anchor="t" anchorCtr="0">
             <a:spAutoFit/>
           </a:bodyPr>
           <a:lstStyle/>
           <a:p>
-            <a:pPr indent="0" lvl="0" marL="0" marR="0" rtl="0" algn="ctr">
+            <a:pPr marL="0" marR="0" lvl="0" indent="0" algn="ctr" rtl="0">
               <a:lnSpc>
                 <a:spcPct val="100000"/>
               </a:lnSpc>
@@ -10754,7 +10958,7 @@
               <a:buNone/>
             </a:pPr>
             <a:r>
-              <a:rPr b="0" i="0" lang="en" sz="1000" u="none" cap="none" strike="noStrike">
+              <a:rPr lang="en" sz="1000" b="0" i="0" u="none" strike="noStrike" cap="none">
                 <a:solidFill>
                   <a:srgbClr val="000000"/>
                 </a:solidFill>
@@ -10765,7 +10969,7 @@
               </a:rPr>
               <a:t>Translation Process</a:t>
             </a:r>
-            <a:endParaRPr b="0" i="0" sz="1000" u="none" cap="none" strike="noStrike">
+            <a:endParaRPr sz="1000" b="0" i="0" u="none" strike="noStrike" cap="none">
               <a:solidFill>
                 <a:srgbClr val="000000"/>
               </a:solidFill>
@@ -10794,23 +10998,23 @@
           <a:solidFill>
             <a:schemeClr val="lt2"/>
           </a:solidFill>
-          <a:ln cap="flat" cmpd="sng" w="9525">
+          <a:ln w="9525" cap="flat" cmpd="sng">
             <a:solidFill>
               <a:schemeClr val="dk2"/>
             </a:solidFill>
             <a:prstDash val="solid"/>
             <a:round/>
-            <a:headEnd len="sm" w="sm" type="none"/>
-            <a:tailEnd len="sm" w="sm" type="none"/>
+            <a:headEnd type="none" w="sm" len="sm"/>
+            <a:tailEnd type="none" w="sm" len="sm"/>
           </a:ln>
         </p:spPr>
         <p:txBody>
-          <a:bodyPr anchorCtr="0" anchor="ctr" bIns="91425" lIns="91425" spcFirstLastPara="1" rIns="91425" wrap="square" tIns="91425">
+          <a:bodyPr spcFirstLastPara="1" wrap="square" lIns="91425" tIns="91425" rIns="91425" bIns="91425" anchor="ctr" anchorCtr="0">
             <a:noAutofit/>
           </a:bodyPr>
           <a:lstStyle/>
           <a:p>
-            <a:pPr indent="0" lvl="0" marL="0" marR="0" rtl="0" algn="l">
+            <a:pPr marL="0" marR="0" lvl="0" indent="0" algn="l" rtl="0">
               <a:lnSpc>
                 <a:spcPct val="100000"/>
               </a:lnSpc>
@@ -10828,7 +11032,7 @@
               <a:buNone/>
             </a:pPr>
             <a:r>
-              <a:rPr b="0" i="0" lang="en" sz="1200" u="none" cap="none" strike="noStrike">
+              <a:rPr lang="en" sz="1200" b="0" i="0" u="none" strike="noStrike" cap="none">
                 <a:solidFill>
                   <a:srgbClr val="000000"/>
                 </a:solidFill>
@@ -10839,7 +11043,7 @@
               </a:rPr>
               <a:t>Source:      .java</a:t>
             </a:r>
-            <a:endParaRPr b="0" i="0" sz="1200" u="none" cap="none" strike="noStrike">
+            <a:endParaRPr sz="1200" b="0" i="0" u="none" strike="noStrike" cap="none">
               <a:solidFill>
                 <a:srgbClr val="000000"/>
               </a:solidFill>
@@ -10868,23 +11072,23 @@
           <a:solidFill>
             <a:schemeClr val="lt2"/>
           </a:solidFill>
-          <a:ln cap="flat" cmpd="sng" w="9525">
+          <a:ln w="9525" cap="flat" cmpd="sng">
             <a:solidFill>
               <a:schemeClr val="dk2"/>
             </a:solidFill>
             <a:prstDash val="solid"/>
             <a:round/>
-            <a:headEnd len="sm" w="sm" type="none"/>
-            <a:tailEnd len="sm" w="sm" type="none"/>
+            <a:headEnd type="none" w="sm" len="sm"/>
+            <a:tailEnd type="none" w="sm" len="sm"/>
           </a:ln>
         </p:spPr>
         <p:txBody>
-          <a:bodyPr anchorCtr="0" anchor="ctr" bIns="91425" lIns="91425" spcFirstLastPara="1" rIns="91425" wrap="square" tIns="91425">
+          <a:bodyPr spcFirstLastPara="1" wrap="square" lIns="91425" tIns="91425" rIns="91425" bIns="91425" anchor="ctr" anchorCtr="0">
             <a:noAutofit/>
           </a:bodyPr>
           <a:lstStyle/>
           <a:p>
-            <a:pPr indent="0" lvl="0" marL="0" marR="0" rtl="0" algn="l">
+            <a:pPr marL="0" marR="0" lvl="0" indent="0" algn="l" rtl="0">
               <a:lnSpc>
                 <a:spcPct val="100000"/>
               </a:lnSpc>
@@ -10902,7 +11106,7 @@
               <a:buNone/>
             </a:pPr>
             <a:r>
-              <a:rPr b="0" i="0" lang="en" sz="1200" u="none" cap="none" strike="noStrike">
+              <a:rPr lang="en" sz="1200" b="0" i="0" u="none" strike="noStrike" cap="none">
                 <a:solidFill>
                   <a:srgbClr val="000000"/>
                 </a:solidFill>
@@ -10913,7 +11117,7 @@
               </a:rPr>
               <a:t>Assembly:    .s</a:t>
             </a:r>
-            <a:endParaRPr b="0" i="0" sz="1200" u="none" cap="none" strike="noStrike">
+            <a:endParaRPr sz="1200" b="0" i="0" u="none" strike="noStrike" cap="none">
               <a:solidFill>
                 <a:srgbClr val="000000"/>
               </a:solidFill>
@@ -10942,23 +11146,23 @@
           <a:solidFill>
             <a:schemeClr val="lt2"/>
           </a:solidFill>
-          <a:ln cap="flat" cmpd="sng" w="9525">
+          <a:ln w="9525" cap="flat" cmpd="sng">
             <a:solidFill>
               <a:schemeClr val="dk2"/>
             </a:solidFill>
             <a:prstDash val="solid"/>
             <a:round/>
-            <a:headEnd len="sm" w="sm" type="none"/>
-            <a:tailEnd len="sm" w="sm" type="none"/>
+            <a:headEnd type="none" w="sm" len="sm"/>
+            <a:tailEnd type="none" w="sm" len="sm"/>
           </a:ln>
         </p:spPr>
         <p:txBody>
-          <a:bodyPr anchorCtr="0" anchor="ctr" bIns="91425" lIns="91425" spcFirstLastPara="1" rIns="91425" wrap="square" tIns="91425">
+          <a:bodyPr spcFirstLastPara="1" wrap="square" lIns="91425" tIns="91425" rIns="91425" bIns="91425" anchor="ctr" anchorCtr="0">
             <a:noAutofit/>
           </a:bodyPr>
           <a:lstStyle/>
           <a:p>
-            <a:pPr indent="0" lvl="0" marL="0" marR="0" rtl="0" algn="l">
+            <a:pPr marL="0" marR="0" lvl="0" indent="0" algn="l" rtl="0">
               <a:lnSpc>
                 <a:spcPct val="100000"/>
               </a:lnSpc>
@@ -10976,7 +11180,7 @@
               <a:buNone/>
             </a:pPr>
             <a:r>
-              <a:rPr b="0" i="0" lang="en" sz="1200" u="none" cap="none" strike="noStrike">
+              <a:rPr lang="en" sz="1200" b="0" i="0" u="none" strike="noStrike" cap="none">
                 <a:solidFill>
                   <a:srgbClr val="000000"/>
                 </a:solidFill>
@@ -10987,7 +11191,7 @@
               </a:rPr>
               <a:t>Object:      .o</a:t>
             </a:r>
-            <a:endParaRPr b="0" i="0" sz="1200" u="none" cap="none" strike="noStrike">
+            <a:endParaRPr sz="1200" b="0" i="0" u="none" strike="noStrike" cap="none">
               <a:solidFill>
                 <a:srgbClr val="000000"/>
               </a:solidFill>
@@ -11016,23 +11220,23 @@
           <a:solidFill>
             <a:schemeClr val="lt2"/>
           </a:solidFill>
-          <a:ln cap="flat" cmpd="sng" w="9525">
+          <a:ln w="9525" cap="flat" cmpd="sng">
             <a:solidFill>
               <a:schemeClr val="dk2"/>
             </a:solidFill>
             <a:prstDash val="solid"/>
             <a:round/>
-            <a:headEnd len="sm" w="sm" type="none"/>
-            <a:tailEnd len="sm" w="sm" type="none"/>
+            <a:headEnd type="none" w="sm" len="sm"/>
+            <a:tailEnd type="none" w="sm" len="sm"/>
           </a:ln>
         </p:spPr>
         <p:txBody>
-          <a:bodyPr anchorCtr="0" anchor="ctr" bIns="91425" lIns="91425" spcFirstLastPara="1" rIns="91425" wrap="square" tIns="91425">
+          <a:bodyPr spcFirstLastPara="1" wrap="square" lIns="91425" tIns="91425" rIns="91425" bIns="91425" anchor="ctr" anchorCtr="0">
             <a:noAutofit/>
           </a:bodyPr>
           <a:lstStyle/>
           <a:p>
-            <a:pPr indent="0" lvl="0" marL="0" marR="0" rtl="0" algn="l">
+            <a:pPr marL="0" marR="0" lvl="0" indent="0" algn="l" rtl="0">
               <a:lnSpc>
                 <a:spcPct val="100000"/>
               </a:lnSpc>
@@ -11050,7 +11254,7 @@
               <a:buNone/>
             </a:pPr>
             <a:r>
-              <a:rPr b="0" i="0" lang="en" sz="1200" u="none" cap="none" strike="noStrike">
+              <a:rPr lang="en" sz="1200" b="0" i="0" u="none" strike="noStrike" cap="none">
                 <a:solidFill>
                   <a:srgbClr val="000000"/>
                 </a:solidFill>
@@ -11061,7 +11265,7 @@
               </a:rPr>
               <a:t>Executable:  a.out</a:t>
             </a:r>
-            <a:endParaRPr b="0" i="0" sz="1200" u="none" cap="none" strike="noStrike">
+            <a:endParaRPr sz="1200" b="0" i="0" u="none" strike="noStrike" cap="none">
               <a:solidFill>
                 <a:srgbClr val="000000"/>
               </a:solidFill>
@@ -11090,23 +11294,23 @@
           <a:solidFill>
             <a:schemeClr val="lt2"/>
           </a:solidFill>
-          <a:ln cap="flat" cmpd="sng" w="9525">
+          <a:ln w="9525" cap="flat" cmpd="sng">
             <a:solidFill>
               <a:schemeClr val="dk2"/>
             </a:solidFill>
             <a:prstDash val="solid"/>
             <a:round/>
-            <a:headEnd len="sm" w="sm" type="none"/>
-            <a:tailEnd len="sm" w="sm" type="none"/>
+            <a:headEnd type="none" w="sm" len="sm"/>
+            <a:tailEnd type="none" w="sm" len="sm"/>
           </a:ln>
         </p:spPr>
         <p:txBody>
-          <a:bodyPr anchorCtr="0" anchor="ctr" bIns="91425" lIns="91425" spcFirstLastPara="1" rIns="91425" wrap="square" tIns="91425">
+          <a:bodyPr spcFirstLastPara="1" wrap="square" lIns="91425" tIns="91425" rIns="91425" bIns="91425" anchor="ctr" anchorCtr="0">
             <a:noAutofit/>
           </a:bodyPr>
           <a:lstStyle/>
           <a:p>
-            <a:pPr indent="0" lvl="0" marL="0" marR="0" rtl="0" algn="l">
+            <a:pPr marL="0" marR="0" lvl="0" indent="0" algn="l" rtl="0">
               <a:lnSpc>
                 <a:spcPct val="100000"/>
               </a:lnSpc>
@@ -11124,7 +11328,7 @@
               <a:buNone/>
             </a:pPr>
             <a:r>
-              <a:rPr b="0" i="0" lang="en" sz="1200" u="none" cap="none" strike="noStrike">
+              <a:rPr lang="en" sz="1200" b="0" i="0" u="none" strike="noStrike" cap="none">
                 <a:solidFill>
                   <a:srgbClr val="000000"/>
                 </a:solidFill>
@@ -11135,7 +11339,7 @@
               </a:rPr>
               <a:t>Object:      .class</a:t>
             </a:r>
-            <a:endParaRPr b="0" i="0" sz="1200" u="none" cap="none" strike="noStrike">
+            <a:endParaRPr sz="1200" b="0" i="0" u="none" strike="noStrike" cap="none">
               <a:solidFill>
                 <a:srgbClr val="000000"/>
               </a:solidFill>
@@ -11164,23 +11368,23 @@
           <a:solidFill>
             <a:srgbClr val="FFFFFF"/>
           </a:solidFill>
-          <a:ln cap="flat" cmpd="sng" w="9525">
+          <a:ln w="9525" cap="flat" cmpd="sng">
             <a:solidFill>
               <a:srgbClr val="999999"/>
             </a:solidFill>
             <a:prstDash val="solid"/>
             <a:round/>
-            <a:headEnd len="sm" w="sm" type="none"/>
-            <a:tailEnd len="sm" w="sm" type="none"/>
+            <a:headEnd type="none" w="sm" len="sm"/>
+            <a:tailEnd type="none" w="sm" len="sm"/>
           </a:ln>
         </p:spPr>
         <p:txBody>
-          <a:bodyPr anchorCtr="0" anchor="t" bIns="91425" lIns="91425" spcFirstLastPara="1" rIns="91425" wrap="square" tIns="91425">
+          <a:bodyPr spcFirstLastPara="1" wrap="square" lIns="91425" tIns="91425" rIns="91425" bIns="91425" anchor="t" anchorCtr="0">
             <a:spAutoFit/>
           </a:bodyPr>
           <a:lstStyle/>
           <a:p>
-            <a:pPr indent="0" lvl="0" marL="0" marR="0" rtl="0" algn="ctr">
+            <a:pPr marL="0" marR="0" lvl="0" indent="0" algn="ctr" rtl="0">
               <a:lnSpc>
                 <a:spcPct val="100000"/>
               </a:lnSpc>
@@ -11198,7 +11402,7 @@
               <a:buNone/>
             </a:pPr>
             <a:r>
-              <a:rPr b="0" i="0" lang="en" sz="1000" u="none" cap="none" strike="noStrike">
+              <a:rPr lang="en" sz="1000" b="0" i="0" u="none" strike="noStrike" cap="none">
                 <a:solidFill>
                   <a:srgbClr val="000000"/>
                 </a:solidFill>
@@ -11209,7 +11413,7 @@
               </a:rPr>
               <a:t>Virtual Machine</a:t>
             </a:r>
-            <a:endParaRPr b="0" i="0" sz="1000" u="none" cap="none" strike="noStrike">
+            <a:endParaRPr sz="1000" b="0" i="0" u="none" strike="noStrike" cap="none">
               <a:solidFill>
                 <a:srgbClr val="000000"/>
               </a:solidFill>
@@ -11228,37 +11432,37 @@
           <p:nvPr/>
         </p:nvSpPr>
         <p:spPr>
-          <a:xfrm flipH="1" rot="-5400000">
+          <a:xfrm rot="-5400000" flipH="1">
             <a:off x="7743025" y="3384175"/>
             <a:ext cx="559500" cy="719700"/>
           </a:xfrm>
           <a:prstGeom prst="bentUpArrow">
             <a:avLst>
-              <a:gd fmla="val 25000" name="adj1"/>
-              <a:gd fmla="val 25865" name="adj2"/>
-              <a:gd fmla="val 25000" name="adj3"/>
+              <a:gd name="adj1" fmla="val 25000"/>
+              <a:gd name="adj2" fmla="val 25865"/>
+              <a:gd name="adj3" fmla="val 25000"/>
             </a:avLst>
           </a:prstGeom>
           <a:solidFill>
             <a:schemeClr val="lt2"/>
           </a:solidFill>
-          <a:ln cap="flat" cmpd="sng" w="9525">
+          <a:ln w="9525" cap="flat" cmpd="sng">
             <a:solidFill>
               <a:schemeClr val="dk2"/>
             </a:solidFill>
             <a:prstDash val="solid"/>
             <a:round/>
-            <a:headEnd len="sm" w="sm" type="none"/>
-            <a:tailEnd len="sm" w="sm" type="none"/>
+            <a:headEnd type="none" w="sm" len="sm"/>
+            <a:tailEnd type="none" w="sm" len="sm"/>
           </a:ln>
         </p:spPr>
         <p:txBody>
-          <a:bodyPr anchorCtr="0" anchor="ctr" bIns="91425" lIns="91425" spcFirstLastPara="1" rIns="91425" wrap="square" tIns="91425">
+          <a:bodyPr spcFirstLastPara="1" wrap="square" lIns="91425" tIns="91425" rIns="91425" bIns="91425" anchor="ctr" anchorCtr="0">
             <a:noAutofit/>
           </a:bodyPr>
           <a:lstStyle/>
           <a:p>
-            <a:pPr indent="0" lvl="0" marL="0" marR="0" rtl="0" algn="l">
+            <a:pPr marL="0" marR="0" lvl="0" indent="0" algn="l" rtl="0">
               <a:lnSpc>
                 <a:spcPct val="100000"/>
               </a:lnSpc>
@@ -11275,10 +11479,7 @@
               <a:buFont typeface="Arial"/>
               <a:buNone/>
             </a:pPr>
-            <a:r>
-              <a:t/>
-            </a:r>
-            <a:endParaRPr b="0" i="0" sz="1400" u="none" cap="none" strike="noStrike">
+            <a:endParaRPr sz="1400" b="0" i="0" u="none" strike="noStrike" cap="none">
               <a:solidFill>
                 <a:srgbClr val="000000"/>
               </a:solidFill>
@@ -11308,14 +11509,14 @@
             <a:avLst/>
           </a:prstGeom>
           <a:noFill/>
-          <a:ln cap="flat" cmpd="sng" w="9525">
+          <a:ln w="9525" cap="flat" cmpd="sng">
             <a:solidFill>
               <a:schemeClr val="dk2"/>
             </a:solidFill>
             <a:prstDash val="solid"/>
             <a:round/>
-            <a:headEnd len="sm" w="sm" type="none"/>
-            <a:tailEnd len="med" w="med" type="triangle"/>
+            <a:headEnd type="none" w="sm" len="sm"/>
+            <a:tailEnd type="triangle" w="med" len="med"/>
           </a:ln>
         </p:spPr>
       </p:cxnSp>
@@ -11336,23 +11537,23 @@
           <a:solidFill>
             <a:srgbClr val="F3F3F3"/>
           </a:solidFill>
-          <a:ln cap="flat" cmpd="sng" w="9525">
+          <a:ln w="9525" cap="flat" cmpd="sng">
             <a:solidFill>
               <a:srgbClr val="EFEFEF"/>
             </a:solidFill>
             <a:prstDash val="solid"/>
             <a:round/>
-            <a:headEnd len="sm" w="sm" type="none"/>
-            <a:tailEnd len="sm" w="sm" type="none"/>
+            <a:headEnd type="none" w="sm" len="sm"/>
+            <a:tailEnd type="none" w="sm" len="sm"/>
           </a:ln>
         </p:spPr>
         <p:txBody>
-          <a:bodyPr anchorCtr="0" anchor="t" bIns="91425" lIns="91425" spcFirstLastPara="1" rIns="91425" wrap="square" tIns="91425">
+          <a:bodyPr spcFirstLastPara="1" wrap="square" lIns="91425" tIns="91425" rIns="91425" bIns="91425" anchor="t" anchorCtr="0">
             <a:spAutoFit/>
           </a:bodyPr>
           <a:lstStyle/>
           <a:p>
-            <a:pPr indent="0" lvl="0" marL="0" marR="0" rtl="0" algn="ctr">
+            <a:pPr marL="0" marR="0" lvl="0" indent="0" algn="ctr" rtl="0">
               <a:lnSpc>
                 <a:spcPct val="100000"/>
               </a:lnSpc>
@@ -11370,7 +11571,7 @@
               <a:buNone/>
             </a:pPr>
             <a:r>
-              <a:rPr b="0" i="0" lang="en" sz="600" u="none" cap="none" strike="noStrike">
+              <a:rPr lang="en" sz="600" b="0" i="0" u="none" strike="noStrike" cap="none">
                 <a:solidFill>
                   <a:srgbClr val="000000"/>
                 </a:solidFill>
@@ -11381,7 +11582,7 @@
               </a:rPr>
               <a:t>javac</a:t>
             </a:r>
-            <a:endParaRPr b="0" i="0" sz="600" u="none" cap="none" strike="noStrike">
+            <a:endParaRPr sz="600" b="0" i="0" u="none" strike="noStrike" cap="none">
               <a:solidFill>
                 <a:srgbClr val="000000"/>
               </a:solidFill>
@@ -11411,14 +11612,14 @@
             <a:avLst/>
           </a:prstGeom>
           <a:noFill/>
-          <a:ln cap="flat" cmpd="sng" w="9525">
+          <a:ln w="9525" cap="flat" cmpd="sng">
             <a:solidFill>
               <a:schemeClr val="dk2"/>
             </a:solidFill>
             <a:prstDash val="solid"/>
             <a:round/>
-            <a:headEnd len="sm" w="sm" type="none"/>
-            <a:tailEnd len="med" w="med" type="triangle"/>
+            <a:headEnd type="none" w="sm" len="sm"/>
+            <a:tailEnd type="triangle" w="med" len="med"/>
           </a:ln>
         </p:spPr>
       </p:cxnSp>
@@ -11439,23 +11640,23 @@
           <a:solidFill>
             <a:srgbClr val="F3F3F3"/>
           </a:solidFill>
-          <a:ln cap="flat" cmpd="sng" w="9525">
+          <a:ln w="9525" cap="flat" cmpd="sng">
             <a:solidFill>
               <a:srgbClr val="EFEFEF"/>
             </a:solidFill>
             <a:prstDash val="solid"/>
             <a:round/>
-            <a:headEnd len="sm" w="sm" type="none"/>
-            <a:tailEnd len="sm" w="sm" type="none"/>
+            <a:headEnd type="none" w="sm" len="sm"/>
+            <a:tailEnd type="none" w="sm" len="sm"/>
           </a:ln>
         </p:spPr>
         <p:txBody>
-          <a:bodyPr anchorCtr="0" anchor="t" bIns="91425" lIns="91425" spcFirstLastPara="1" rIns="91425" wrap="square" tIns="91425">
+          <a:bodyPr spcFirstLastPara="1" wrap="square" lIns="91425" tIns="91425" rIns="91425" bIns="91425" anchor="t" anchorCtr="0">
             <a:spAutoFit/>
           </a:bodyPr>
           <a:lstStyle/>
           <a:p>
-            <a:pPr indent="0" lvl="0" marL="0" marR="0" rtl="0" algn="ctr">
+            <a:pPr marL="0" marR="0" lvl="0" indent="0" algn="ctr" rtl="0">
               <a:lnSpc>
                 <a:spcPct val="100000"/>
               </a:lnSpc>
@@ -11473,7 +11674,7 @@
               <a:buNone/>
             </a:pPr>
             <a:r>
-              <a:rPr b="0" i="0" lang="en" sz="600" u="none" cap="none" strike="noStrike">
+              <a:rPr lang="en" sz="600" b="0" i="0" u="none" strike="noStrike" cap="none">
                 <a:solidFill>
                   <a:srgbClr val="000000"/>
                 </a:solidFill>
@@ -11484,7 +11685,7 @@
               </a:rPr>
               <a:t>java</a:t>
             </a:r>
-            <a:endParaRPr b="0" i="0" sz="600" u="none" cap="none" strike="noStrike">
+            <a:endParaRPr sz="600" b="0" i="0" u="none" strike="noStrike" cap="none">
               <a:solidFill>
                 <a:srgbClr val="000000"/>
               </a:solidFill>
@@ -11513,23 +11714,23 @@
           <a:solidFill>
             <a:srgbClr val="FFFFFF"/>
           </a:solidFill>
-          <a:ln cap="flat" cmpd="sng" w="9525">
+          <a:ln w="9525" cap="flat" cmpd="sng">
             <a:solidFill>
               <a:srgbClr val="999999"/>
             </a:solidFill>
             <a:prstDash val="solid"/>
             <a:round/>
-            <a:headEnd len="sm" w="sm" type="none"/>
-            <a:tailEnd len="sm" w="sm" type="none"/>
+            <a:headEnd type="none" w="sm" len="sm"/>
+            <a:tailEnd type="none" w="sm" len="sm"/>
           </a:ln>
         </p:spPr>
         <p:txBody>
-          <a:bodyPr anchorCtr="0" anchor="t" bIns="91425" lIns="91425" spcFirstLastPara="1" rIns="91425" wrap="square" tIns="91425">
+          <a:bodyPr spcFirstLastPara="1" wrap="square" lIns="91425" tIns="91425" rIns="91425" bIns="91425" anchor="t" anchorCtr="0">
             <a:spAutoFit/>
           </a:bodyPr>
           <a:lstStyle/>
           <a:p>
-            <a:pPr indent="0" lvl="0" marL="0" marR="0" rtl="0" algn="l">
+            <a:pPr marL="0" marR="0" lvl="0" indent="0" algn="l" rtl="0">
               <a:lnSpc>
                 <a:spcPct val="100000"/>
               </a:lnSpc>
@@ -11547,7 +11748,7 @@
               <a:buNone/>
             </a:pPr>
             <a:r>
-              <a:rPr b="0" i="0" lang="en" sz="700" u="none" cap="none" strike="noStrike">
+              <a:rPr lang="en" sz="700" b="0" i="0" u="none" strike="noStrike" cap="none">
                 <a:solidFill>
                   <a:srgbClr val="000000"/>
                 </a:solidFill>
@@ -11558,7 +11759,7 @@
               </a:rPr>
               <a:t>cc:  ← .h, .c</a:t>
             </a:r>
-            <a:endParaRPr b="0" i="0" sz="700" u="none" cap="none" strike="noStrike">
+            <a:endParaRPr sz="700" b="0" i="0" u="none" strike="noStrike" cap="none">
               <a:solidFill>
                 <a:srgbClr val="000000"/>
               </a:solidFill>
@@ -11569,7 +11770,7 @@
             </a:endParaRPr>
           </a:p>
           <a:p>
-            <a:pPr indent="0" lvl="0" marL="0" marR="0" rtl="0" algn="l">
+            <a:pPr marL="0" marR="0" lvl="0" indent="0" algn="l" rtl="0">
               <a:lnSpc>
                 <a:spcPct val="100000"/>
               </a:lnSpc>
@@ -11587,7 +11788,7 @@
               <a:buNone/>
             </a:pPr>
             <a:r>
-              <a:rPr b="0" i="0" lang="en" sz="700" u="none" cap="none" strike="noStrike">
+              <a:rPr lang="en" sz="700" b="0" i="0" u="none" strike="noStrike" cap="none">
                 <a:solidFill>
                   <a:srgbClr val="000000"/>
                 </a:solidFill>
@@ -11598,7 +11799,7 @@
               </a:rPr>
               <a:t>     .i ← cpp</a:t>
             </a:r>
-            <a:endParaRPr b="0" i="0" sz="700" u="none" cap="none" strike="noStrike">
+            <a:endParaRPr sz="700" b="0" i="0" u="none" strike="noStrike" cap="none">
               <a:solidFill>
                 <a:srgbClr val="000000"/>
               </a:solidFill>
@@ -11609,7 +11810,7 @@
             </a:endParaRPr>
           </a:p>
           <a:p>
-            <a:pPr indent="0" lvl="0" marL="0" marR="0" rtl="0" algn="l">
+            <a:pPr marL="0" marR="0" lvl="0" indent="0" algn="l" rtl="0">
               <a:lnSpc>
                 <a:spcPct val="100000"/>
               </a:lnSpc>
@@ -11627,7 +11828,7 @@
               <a:buNone/>
             </a:pPr>
             <a:r>
-              <a:rPr b="0" i="0" lang="en" sz="700" u="none" cap="none" strike="noStrike">
+              <a:rPr lang="en" sz="700" b="0" i="0" u="none" strike="noStrike" cap="none">
                 <a:solidFill>
                   <a:srgbClr val="000000"/>
                 </a:solidFill>
@@ -11639,7 +11840,7 @@
               <a:t>     .s ← ccom</a:t>
             </a:r>
             <a:br>
-              <a:rPr b="0" i="0" lang="en" sz="700" u="none" cap="none" strike="noStrike">
+              <a:rPr lang="en" sz="700" b="0" i="0" u="none" strike="noStrike" cap="none">
                 <a:solidFill>
                   <a:srgbClr val="000000"/>
                 </a:solidFill>
@@ -11650,7 +11851,7 @@
               </a:rPr>
             </a:br>
             <a:r>
-              <a:rPr b="0" i="0" lang="en" sz="700" u="none" cap="none" strike="noStrike">
+              <a:rPr lang="en" sz="700" b="0" i="0" u="none" strike="noStrike" cap="none">
                 <a:solidFill>
                   <a:srgbClr val="000000"/>
                 </a:solidFill>
@@ -11661,7 +11862,7 @@
               </a:rPr>
               <a:t>     .o ← as </a:t>
             </a:r>
-            <a:endParaRPr b="0" i="0" sz="700" u="none" cap="none" strike="noStrike">
+            <a:endParaRPr sz="700" b="0" i="0" u="none" strike="noStrike" cap="none">
               <a:solidFill>
                 <a:srgbClr val="000000"/>
               </a:solidFill>
@@ -11672,7 +11873,7 @@
             </a:endParaRPr>
           </a:p>
           <a:p>
-            <a:pPr indent="0" lvl="0" marL="0" marR="0" rtl="0" algn="l">
+            <a:pPr marL="0" marR="0" lvl="0" indent="0" algn="l" rtl="0">
               <a:lnSpc>
                 <a:spcPct val="100000"/>
               </a:lnSpc>
@@ -11690,7 +11891,7 @@
               <a:buNone/>
             </a:pPr>
             <a:r>
-              <a:rPr b="0" i="0" lang="en" sz="700" u="none" cap="none" strike="noStrike">
+              <a:rPr lang="en" sz="700" b="0" i="0" u="none" strike="noStrike" cap="none">
                 <a:solidFill>
                   <a:srgbClr val="000000"/>
                 </a:solidFill>
@@ -11701,7 +11902,7 @@
               </a:rPr>
               <a:t>     .out ← ld </a:t>
             </a:r>
-            <a:endParaRPr b="0" i="0" sz="700" u="none" cap="none" strike="noStrike">
+            <a:endParaRPr sz="700" b="0" i="0" u="none" strike="noStrike" cap="none">
               <a:solidFill>
                 <a:srgbClr val="000000"/>
               </a:solidFill>
@@ -11731,14 +11932,14 @@
             <a:avLst/>
           </a:prstGeom>
           <a:noFill/>
-          <a:ln cap="flat" cmpd="sng" w="9525">
+          <a:ln w="9525" cap="flat" cmpd="sng">
             <a:solidFill>
               <a:schemeClr val="dk2"/>
             </a:solidFill>
             <a:prstDash val="solid"/>
             <a:round/>
-            <a:headEnd len="sm" w="sm" type="none"/>
-            <a:tailEnd len="med" w="med" type="triangle"/>
+            <a:headEnd type="none" w="sm" len="sm"/>
+            <a:tailEnd type="triangle" w="med" len="med"/>
           </a:ln>
         </p:spPr>
       </p:cxnSp>
@@ -11760,14 +11961,14 @@
             <a:avLst/>
           </a:prstGeom>
           <a:noFill/>
-          <a:ln cap="flat" cmpd="sng" w="9525">
+          <a:ln w="9525" cap="flat" cmpd="sng">
             <a:solidFill>
               <a:schemeClr val="dk2"/>
             </a:solidFill>
             <a:prstDash val="solid"/>
             <a:round/>
-            <a:headEnd len="sm" w="sm" type="none"/>
-            <a:tailEnd len="med" w="med" type="triangle"/>
+            <a:headEnd type="none" w="sm" len="sm"/>
+            <a:tailEnd type="triangle" w="med" len="med"/>
           </a:ln>
         </p:spPr>
       </p:cxnSp>
@@ -11789,14 +11990,14 @@
             <a:avLst/>
           </a:prstGeom>
           <a:noFill/>
-          <a:ln cap="flat" cmpd="sng" w="9525">
+          <a:ln w="9525" cap="flat" cmpd="sng">
             <a:solidFill>
               <a:schemeClr val="dk2"/>
             </a:solidFill>
             <a:prstDash val="solid"/>
             <a:round/>
-            <a:headEnd len="sm" w="sm" type="none"/>
-            <a:tailEnd len="med" w="med" type="triangle"/>
+            <a:headEnd type="none" w="sm" len="sm"/>
+            <a:tailEnd type="triangle" w="med" len="med"/>
           </a:ln>
         </p:spPr>
       </p:cxnSp>
@@ -11817,23 +12018,23 @@
           <a:solidFill>
             <a:schemeClr val="lt2"/>
           </a:solidFill>
-          <a:ln cap="flat" cmpd="sng" w="9525">
+          <a:ln w="9525" cap="flat" cmpd="sng">
             <a:solidFill>
               <a:schemeClr val="dk2"/>
             </a:solidFill>
             <a:prstDash val="solid"/>
             <a:round/>
-            <a:headEnd len="sm" w="sm" type="none"/>
-            <a:tailEnd len="sm" w="sm" type="none"/>
+            <a:headEnd type="none" w="sm" len="sm"/>
+            <a:tailEnd type="none" w="sm" len="sm"/>
           </a:ln>
         </p:spPr>
         <p:txBody>
-          <a:bodyPr anchorCtr="0" anchor="ctr" bIns="91425" lIns="91425" spcFirstLastPara="1" rIns="91425" wrap="square" tIns="91425">
+          <a:bodyPr spcFirstLastPara="1" wrap="square" lIns="91425" tIns="91425" rIns="91425" bIns="91425" anchor="ctr" anchorCtr="0">
             <a:noAutofit/>
           </a:bodyPr>
           <a:lstStyle/>
           <a:p>
-            <a:pPr indent="0" lvl="0" marL="0" marR="0" rtl="0" algn="l">
+            <a:pPr marL="0" marR="0" lvl="0" indent="0" algn="l" rtl="0">
               <a:lnSpc>
                 <a:spcPct val="100000"/>
               </a:lnSpc>
@@ -11851,7 +12052,7 @@
               <a:buNone/>
             </a:pPr>
             <a:r>
-              <a:rPr b="0" i="0" lang="en" sz="1200" u="none" cap="none" strike="noStrike">
+              <a:rPr lang="en" sz="1200" b="0" i="0" u="none" strike="noStrike" cap="none">
                 <a:solidFill>
                   <a:srgbClr val="000000"/>
                 </a:solidFill>
@@ -11862,7 +12063,7 @@
               </a:rPr>
               <a:t>Source:      .c</a:t>
             </a:r>
-            <a:endParaRPr b="0" i="0" sz="1200" u="none" cap="none" strike="noStrike">
+            <a:endParaRPr sz="1200" b="0" i="0" u="none" strike="noStrike" cap="none">
               <a:solidFill>
                 <a:srgbClr val="000000"/>
               </a:solidFill>
@@ -11887,31 +12088,31 @@
           </a:xfrm>
           <a:prstGeom prst="bentUpArrow">
             <a:avLst>
-              <a:gd fmla="val 25000" name="adj1"/>
-              <a:gd fmla="val 25000" name="adj2"/>
-              <a:gd fmla="val 25000" name="adj3"/>
+              <a:gd name="adj1" fmla="val 25000"/>
+              <a:gd name="adj2" fmla="val 25000"/>
+              <a:gd name="adj3" fmla="val 25000"/>
             </a:avLst>
           </a:prstGeom>
           <a:solidFill>
             <a:schemeClr val="lt2"/>
           </a:solidFill>
-          <a:ln cap="flat" cmpd="sng" w="9525">
+          <a:ln w="9525" cap="flat" cmpd="sng">
             <a:solidFill>
               <a:schemeClr val="dk2"/>
             </a:solidFill>
             <a:prstDash val="solid"/>
             <a:round/>
-            <a:headEnd len="sm" w="sm" type="none"/>
-            <a:tailEnd len="sm" w="sm" type="none"/>
+            <a:headEnd type="none" w="sm" len="sm"/>
+            <a:tailEnd type="none" w="sm" len="sm"/>
           </a:ln>
         </p:spPr>
         <p:txBody>
-          <a:bodyPr anchorCtr="0" anchor="ctr" bIns="91425" lIns="91425" spcFirstLastPara="1" rIns="91425" wrap="square" tIns="91425">
+          <a:bodyPr spcFirstLastPara="1" wrap="square" lIns="91425" tIns="91425" rIns="91425" bIns="91425" anchor="ctr" anchorCtr="0">
             <a:noAutofit/>
           </a:bodyPr>
           <a:lstStyle/>
           <a:p>
-            <a:pPr indent="0" lvl="0" marL="0" marR="0" rtl="0" algn="l">
+            <a:pPr marL="0" marR="0" lvl="0" indent="0" algn="l" rtl="0">
               <a:lnSpc>
                 <a:spcPct val="100000"/>
               </a:lnSpc>
@@ -11928,10 +12129,7 @@
               <a:buFont typeface="Arial"/>
               <a:buNone/>
             </a:pPr>
-            <a:r>
-              <a:t/>
-            </a:r>
-            <a:endParaRPr b="0" i="0" sz="1400" u="none" cap="none" strike="noStrike">
+            <a:endParaRPr sz="1400" b="0" i="0" u="none" strike="noStrike" cap="none">
               <a:solidFill>
                 <a:srgbClr val="000000"/>
               </a:solidFill>
@@ -11960,23 +12158,23 @@
           <a:solidFill>
             <a:schemeClr val="lt2"/>
           </a:solidFill>
-          <a:ln cap="flat" cmpd="sng" w="9525">
+          <a:ln w="9525" cap="flat" cmpd="sng">
             <a:solidFill>
               <a:schemeClr val="dk2"/>
             </a:solidFill>
             <a:prstDash val="solid"/>
             <a:round/>
-            <a:headEnd len="sm" w="sm" type="none"/>
-            <a:tailEnd len="sm" w="sm" type="none"/>
+            <a:headEnd type="none" w="sm" len="sm"/>
+            <a:tailEnd type="none" w="sm" len="sm"/>
           </a:ln>
         </p:spPr>
         <p:txBody>
-          <a:bodyPr anchorCtr="0" anchor="ctr" bIns="91425" lIns="91425" spcFirstLastPara="1" rIns="91425" wrap="square" tIns="91425">
+          <a:bodyPr spcFirstLastPara="1" wrap="square" lIns="91425" tIns="91425" rIns="91425" bIns="91425" anchor="ctr" anchorCtr="0">
             <a:noAutofit/>
           </a:bodyPr>
           <a:lstStyle/>
           <a:p>
-            <a:pPr indent="0" lvl="0" marL="0" marR="0" rtl="0" algn="l">
+            <a:pPr marL="0" marR="0" lvl="0" indent="0" algn="l" rtl="0">
               <a:lnSpc>
                 <a:spcPct val="100000"/>
               </a:lnSpc>
@@ -11994,7 +12192,7 @@
               <a:buNone/>
             </a:pPr>
             <a:r>
-              <a:rPr b="0" i="0" lang="en" sz="500" u="none" cap="none" strike="noStrike">
+              <a:rPr lang="en" sz="500" b="0" i="0" u="none" strike="noStrike" cap="none">
                 <a:solidFill>
                   <a:srgbClr val="000000"/>
                 </a:solidFill>
@@ -12005,7 +12203,7 @@
               </a:rPr>
               <a:t>kernel</a:t>
             </a:r>
-            <a:endParaRPr b="0" i="0" sz="500" u="none" cap="none" strike="noStrike">
+            <a:endParaRPr sz="500" b="0" i="0" u="none" strike="noStrike" cap="none">
               <a:solidFill>
                 <a:srgbClr val="000000"/>
               </a:solidFill>
@@ -12034,23 +12232,23 @@
           <a:solidFill>
             <a:schemeClr val="lt2"/>
           </a:solidFill>
-          <a:ln cap="flat" cmpd="sng" w="9525">
+          <a:ln w="9525" cap="flat" cmpd="sng">
             <a:solidFill>
               <a:schemeClr val="dk2"/>
             </a:solidFill>
             <a:prstDash val="solid"/>
             <a:round/>
-            <a:headEnd len="sm" w="sm" type="none"/>
-            <a:tailEnd len="sm" w="sm" type="none"/>
+            <a:headEnd type="none" w="sm" len="sm"/>
+            <a:tailEnd type="none" w="sm" len="sm"/>
           </a:ln>
         </p:spPr>
         <p:txBody>
-          <a:bodyPr anchorCtr="0" anchor="ctr" bIns="91425" lIns="91425" spcFirstLastPara="1" rIns="91425" wrap="square" tIns="91425">
+          <a:bodyPr spcFirstLastPara="1" wrap="square" lIns="91425" tIns="91425" rIns="91425" bIns="91425" anchor="ctr" anchorCtr="0">
             <a:noAutofit/>
           </a:bodyPr>
           <a:lstStyle/>
           <a:p>
-            <a:pPr indent="0" lvl="0" marL="0" marR="0" rtl="0" algn="l">
+            <a:pPr marL="0" marR="0" lvl="0" indent="0" algn="l" rtl="0">
               <a:lnSpc>
                 <a:spcPct val="100000"/>
               </a:lnSpc>
@@ -12068,7 +12266,7 @@
               <a:buNone/>
             </a:pPr>
             <a:r>
-              <a:rPr b="0" i="0" lang="en" sz="500" u="none" cap="none" strike="noStrike">
+              <a:rPr lang="en" sz="500" b="0" i="0" u="none" strike="noStrike" cap="none">
                 <a:solidFill>
                   <a:srgbClr val="000000"/>
                 </a:solidFill>
@@ -12079,7 +12277,7 @@
               </a:rPr>
               <a:t>kernel</a:t>
             </a:r>
-            <a:endParaRPr b="0" i="0" sz="500" u="none" cap="none" strike="noStrike">
+            <a:endParaRPr sz="500" b="0" i="0" u="none" strike="noStrike" cap="none">
               <a:solidFill>
                 <a:srgbClr val="000000"/>
               </a:solidFill>
@@ -12100,7 +12298,288 @@
 </file>
 
 <file path=ppt/theme/theme1.xml><?xml version="1.0" encoding="utf-8"?>
-<a:theme xmlns:a="http://schemas.openxmlformats.org/drawingml/2006/main" xmlns:r="http://schemas.openxmlformats.org/officeDocument/2006/relationships">
+<a:theme xmlns:a="http://schemas.openxmlformats.org/drawingml/2006/main" name="Simple Light">
+  <a:themeElements>
+    <a:clrScheme name="Simple Light">
+      <a:dk1>
+        <a:srgbClr val="000000"/>
+      </a:dk1>
+      <a:lt1>
+        <a:srgbClr val="FFFFFF"/>
+      </a:lt1>
+      <a:dk2>
+        <a:srgbClr val="595959"/>
+      </a:dk2>
+      <a:lt2>
+        <a:srgbClr val="EEEEEE"/>
+      </a:lt2>
+      <a:accent1>
+        <a:srgbClr val="4285F4"/>
+      </a:accent1>
+      <a:accent2>
+        <a:srgbClr val="212121"/>
+      </a:accent2>
+      <a:accent3>
+        <a:srgbClr val="78909C"/>
+      </a:accent3>
+      <a:accent4>
+        <a:srgbClr val="FFAB40"/>
+      </a:accent4>
+      <a:accent5>
+        <a:srgbClr val="0097A7"/>
+      </a:accent5>
+      <a:accent6>
+        <a:srgbClr val="EEFF41"/>
+      </a:accent6>
+      <a:hlink>
+        <a:srgbClr val="0097A7"/>
+      </a:hlink>
+      <a:folHlink>
+        <a:srgbClr val="0097A7"/>
+      </a:folHlink>
+    </a:clrScheme>
+    <a:fontScheme name="Office">
+      <a:majorFont>
+        <a:latin typeface="Arial"/>
+        <a:ea typeface=""/>
+        <a:cs typeface=""/>
+        <a:font script="Jpan" typeface="ＭＳ Ｐゴシック"/>
+        <a:font script="Hang" typeface="맑은 고딕"/>
+        <a:font script="Hans" typeface="宋体"/>
+        <a:font script="Hant" typeface="新細明體"/>
+        <a:font script="Arab" typeface="Times New Roman"/>
+        <a:font script="Hebr" typeface="Times New Roman"/>
+        <a:font script="Thai" typeface="Angsana New"/>
+        <a:font script="Ethi" typeface="Nyala"/>
+        <a:font script="Beng" typeface="Vrinda"/>
+        <a:font script="Gujr" typeface="Shruti"/>
+        <a:font script="Khmr" typeface="MoolBoran"/>
+        <a:font script="Knda" typeface="Tunga"/>
+        <a:font script="Guru" typeface="Raavi"/>
+        <a:font script="Cans" typeface="Euphemia"/>
+        <a:font script="Cher" typeface="Plantagenet Cherokee"/>
+        <a:font script="Yiii" typeface="Microsoft Yi Baiti"/>
+        <a:font script="Tibt" typeface="Microsoft Himalaya"/>
+        <a:font script="Thaa" typeface="MV Boli"/>
+        <a:font script="Deva" typeface="Mangal"/>
+        <a:font script="Telu" typeface="Gautami"/>
+        <a:font script="Taml" typeface="Latha"/>
+        <a:font script="Syrc" typeface="Estrangelo Edessa"/>
+        <a:font script="Orya" typeface="Kalinga"/>
+        <a:font script="Mlym" typeface="Kartika"/>
+        <a:font script="Laoo" typeface="DokChampa"/>
+        <a:font script="Sinh" typeface="Iskoola Pota"/>
+        <a:font script="Mong" typeface="Mongolian Baiti"/>
+        <a:font script="Viet" typeface="Times New Roman"/>
+        <a:font script="Uigh" typeface="Microsoft Uighur"/>
+        <a:font script="Geor" typeface="Sylfaen"/>
+      </a:majorFont>
+      <a:minorFont>
+        <a:latin typeface="Arial"/>
+        <a:ea typeface=""/>
+        <a:cs typeface=""/>
+        <a:font script="Jpan" typeface="ＭＳ Ｐゴシック"/>
+        <a:font script="Hang" typeface="맑은 고딕"/>
+        <a:font script="Hans" typeface="宋体"/>
+        <a:font script="Hant" typeface="新細明體"/>
+        <a:font script="Arab" typeface="Arial"/>
+        <a:font script="Hebr" typeface="Arial"/>
+        <a:font script="Thai" typeface="Cordia New"/>
+        <a:font script="Ethi" typeface="Nyala"/>
+        <a:font script="Beng" typeface="Vrinda"/>
+        <a:font script="Gujr" typeface="Shruti"/>
+        <a:font script="Khmr" typeface="DaunPenh"/>
+        <a:font script="Knda" typeface="Tunga"/>
+        <a:font script="Guru" typeface="Raavi"/>
+        <a:font script="Cans" typeface="Euphemia"/>
+        <a:font script="Cher" typeface="Plantagenet Cherokee"/>
+        <a:font script="Yiii" typeface="Microsoft Yi Baiti"/>
+        <a:font script="Tibt" typeface="Microsoft Himalaya"/>
+        <a:font script="Thaa" typeface="MV Boli"/>
+        <a:font script="Deva" typeface="Mangal"/>
+        <a:font script="Telu" typeface="Gautami"/>
+        <a:font script="Taml" typeface="Latha"/>
+        <a:font script="Syrc" typeface="Estrangelo Edessa"/>
+        <a:font script="Orya" typeface="Kalinga"/>
+        <a:font script="Mlym" typeface="Kartika"/>
+        <a:font script="Laoo" typeface="DokChampa"/>
+        <a:font script="Sinh" typeface="Iskoola Pota"/>
+        <a:font script="Mong" typeface="Mongolian Baiti"/>
+        <a:font script="Viet" typeface="Arial"/>
+        <a:font script="Uigh" typeface="Microsoft Uighur"/>
+        <a:font script="Geor" typeface="Sylfaen"/>
+      </a:minorFont>
+    </a:fontScheme>
+    <a:fmtScheme name="Office">
+      <a:fillStyleLst>
+        <a:solidFill>
+          <a:schemeClr val="phClr"/>
+        </a:solidFill>
+        <a:gradFill rotWithShape="1">
+          <a:gsLst>
+            <a:gs pos="0">
+              <a:schemeClr val="phClr">
+                <a:tint val="50000"/>
+                <a:satMod val="300000"/>
+              </a:schemeClr>
+            </a:gs>
+            <a:gs pos="35000">
+              <a:schemeClr val="phClr">
+                <a:tint val="37000"/>
+                <a:satMod val="300000"/>
+              </a:schemeClr>
+            </a:gs>
+            <a:gs pos="100000">
+              <a:schemeClr val="phClr">
+                <a:tint val="15000"/>
+                <a:satMod val="350000"/>
+              </a:schemeClr>
+            </a:gs>
+          </a:gsLst>
+          <a:lin ang="16200000" scaled="1"/>
+        </a:gradFill>
+        <a:gradFill rotWithShape="1">
+          <a:gsLst>
+            <a:gs pos="0">
+              <a:schemeClr val="phClr">
+                <a:tint val="100000"/>
+                <a:shade val="100000"/>
+                <a:satMod val="130000"/>
+              </a:schemeClr>
+            </a:gs>
+            <a:gs pos="100000">
+              <a:schemeClr val="phClr">
+                <a:tint val="50000"/>
+                <a:shade val="100000"/>
+                <a:satMod val="350000"/>
+              </a:schemeClr>
+            </a:gs>
+          </a:gsLst>
+          <a:lin ang="16200000" scaled="0"/>
+        </a:gradFill>
+      </a:fillStyleLst>
+      <a:lnStyleLst>
+        <a:ln w="9525" cap="flat" cmpd="sng" algn="ctr">
+          <a:solidFill>
+            <a:schemeClr val="phClr">
+              <a:shade val="95000"/>
+              <a:satMod val="105000"/>
+            </a:schemeClr>
+          </a:solidFill>
+          <a:prstDash val="solid"/>
+        </a:ln>
+        <a:ln w="25400" cap="flat" cmpd="sng" algn="ctr">
+          <a:solidFill>
+            <a:schemeClr val="phClr"/>
+          </a:solidFill>
+          <a:prstDash val="solid"/>
+        </a:ln>
+        <a:ln w="38100" cap="flat" cmpd="sng" algn="ctr">
+          <a:solidFill>
+            <a:schemeClr val="phClr"/>
+          </a:solidFill>
+          <a:prstDash val="solid"/>
+        </a:ln>
+      </a:lnStyleLst>
+      <a:effectStyleLst>
+        <a:effectStyle>
+          <a:effectLst>
+            <a:outerShdw blurRad="40000" dist="20000" dir="5400000" rotWithShape="0">
+              <a:srgbClr val="000000">
+                <a:alpha val="38000"/>
+              </a:srgbClr>
+            </a:outerShdw>
+          </a:effectLst>
+        </a:effectStyle>
+        <a:effectStyle>
+          <a:effectLst>
+            <a:outerShdw blurRad="40000" dist="23000" dir="5400000" rotWithShape="0">
+              <a:srgbClr val="000000">
+                <a:alpha val="35000"/>
+              </a:srgbClr>
+            </a:outerShdw>
+          </a:effectLst>
+        </a:effectStyle>
+        <a:effectStyle>
+          <a:effectLst>
+            <a:outerShdw blurRad="40000" dist="23000" dir="5400000" rotWithShape="0">
+              <a:srgbClr val="000000">
+                <a:alpha val="35000"/>
+              </a:srgbClr>
+            </a:outerShdw>
+          </a:effectLst>
+          <a:scene3d>
+            <a:camera prst="orthographicFront">
+              <a:rot lat="0" lon="0" rev="0"/>
+            </a:camera>
+            <a:lightRig rig="threePt" dir="t">
+              <a:rot lat="0" lon="0" rev="1200000"/>
+            </a:lightRig>
+          </a:scene3d>
+          <a:sp3d>
+            <a:bevelT w="63500" h="25400"/>
+          </a:sp3d>
+        </a:effectStyle>
+      </a:effectStyleLst>
+      <a:bgFillStyleLst>
+        <a:solidFill>
+          <a:schemeClr val="phClr"/>
+        </a:solidFill>
+        <a:gradFill rotWithShape="1">
+          <a:gsLst>
+            <a:gs pos="0">
+              <a:schemeClr val="phClr">
+                <a:tint val="40000"/>
+                <a:satMod val="350000"/>
+              </a:schemeClr>
+            </a:gs>
+            <a:gs pos="40000">
+              <a:schemeClr val="phClr">
+                <a:tint val="45000"/>
+                <a:shade val="99000"/>
+                <a:satMod val="350000"/>
+              </a:schemeClr>
+            </a:gs>
+            <a:gs pos="100000">
+              <a:schemeClr val="phClr">
+                <a:shade val="20000"/>
+                <a:satMod val="255000"/>
+              </a:schemeClr>
+            </a:gs>
+          </a:gsLst>
+          <a:path path="circle">
+            <a:fillToRect l="50000" t="-80000" r="50000" b="180000"/>
+          </a:path>
+        </a:gradFill>
+        <a:gradFill rotWithShape="1">
+          <a:gsLst>
+            <a:gs pos="0">
+              <a:schemeClr val="phClr">
+                <a:tint val="80000"/>
+                <a:satMod val="300000"/>
+              </a:schemeClr>
+            </a:gs>
+            <a:gs pos="100000">
+              <a:schemeClr val="phClr">
+                <a:shade val="30000"/>
+                <a:satMod val="200000"/>
+              </a:schemeClr>
+            </a:gs>
+          </a:gsLst>
+          <a:path path="circle">
+            <a:fillToRect l="50000" t="50000" r="50000" b="50000"/>
+          </a:path>
+        </a:gradFill>
+      </a:bgFillStyleLst>
+    </a:fmtScheme>
+  </a:themeElements>
+  <a:objectDefaults/>
+  <a:extraClrSchemeLst/>
+</a:theme>
+</file>
+
+<file path=ppt/theme/theme2.xml><?xml version="1.0" encoding="utf-8"?>
+<a:theme xmlns:a="http://schemas.openxmlformats.org/drawingml/2006/main">
   <a:themeElements>
     <a:clrScheme name="Default">
       <a:dk1>
@@ -12375,284 +12854,7 @@
       </a:bgFillStyleLst>
     </a:fmtScheme>
   </a:themeElements>
-</a:theme>
-</file>
-
-<file path=ppt/theme/theme2.xml><?xml version="1.0" encoding="utf-8"?>
-<a:theme xmlns:a="http://schemas.openxmlformats.org/drawingml/2006/main" xmlns:r="http://schemas.openxmlformats.org/officeDocument/2006/relationships" name="Simple Light">
-  <a:themeElements>
-    <a:clrScheme name="Simple Light">
-      <a:dk1>
-        <a:srgbClr val="000000"/>
-      </a:dk1>
-      <a:lt1>
-        <a:srgbClr val="FFFFFF"/>
-      </a:lt1>
-      <a:dk2>
-        <a:srgbClr val="595959"/>
-      </a:dk2>
-      <a:lt2>
-        <a:srgbClr val="EEEEEE"/>
-      </a:lt2>
-      <a:accent1>
-        <a:srgbClr val="4285F4"/>
-      </a:accent1>
-      <a:accent2>
-        <a:srgbClr val="212121"/>
-      </a:accent2>
-      <a:accent3>
-        <a:srgbClr val="78909C"/>
-      </a:accent3>
-      <a:accent4>
-        <a:srgbClr val="FFAB40"/>
-      </a:accent4>
-      <a:accent5>
-        <a:srgbClr val="0097A7"/>
-      </a:accent5>
-      <a:accent6>
-        <a:srgbClr val="EEFF41"/>
-      </a:accent6>
-      <a:hlink>
-        <a:srgbClr val="0097A7"/>
-      </a:hlink>
-      <a:folHlink>
-        <a:srgbClr val="0097A7"/>
-      </a:folHlink>
-    </a:clrScheme>
-    <a:fontScheme name="Office">
-      <a:majorFont>
-        <a:latin typeface="Arial"/>
-        <a:ea typeface=""/>
-        <a:cs typeface=""/>
-        <a:font script="Jpan" typeface="ＭＳ Ｐゴシック"/>
-        <a:font script="Hang" typeface="맑은 고딕"/>
-        <a:font script="Hans" typeface="宋体"/>
-        <a:font script="Hant" typeface="新細明體"/>
-        <a:font script="Arab" typeface="Times New Roman"/>
-        <a:font script="Hebr" typeface="Times New Roman"/>
-        <a:font script="Thai" typeface="Angsana New"/>
-        <a:font script="Ethi" typeface="Nyala"/>
-        <a:font script="Beng" typeface="Vrinda"/>
-        <a:font script="Gujr" typeface="Shruti"/>
-        <a:font script="Khmr" typeface="MoolBoran"/>
-        <a:font script="Knda" typeface="Tunga"/>
-        <a:font script="Guru" typeface="Raavi"/>
-        <a:font script="Cans" typeface="Euphemia"/>
-        <a:font script="Cher" typeface="Plantagenet Cherokee"/>
-        <a:font script="Yiii" typeface="Microsoft Yi Baiti"/>
-        <a:font script="Tibt" typeface="Microsoft Himalaya"/>
-        <a:font script="Thaa" typeface="MV Boli"/>
-        <a:font script="Deva" typeface="Mangal"/>
-        <a:font script="Telu" typeface="Gautami"/>
-        <a:font script="Taml" typeface="Latha"/>
-        <a:font script="Syrc" typeface="Estrangelo Edessa"/>
-        <a:font script="Orya" typeface="Kalinga"/>
-        <a:font script="Mlym" typeface="Kartika"/>
-        <a:font script="Laoo" typeface="DokChampa"/>
-        <a:font script="Sinh" typeface="Iskoola Pota"/>
-        <a:font script="Mong" typeface="Mongolian Baiti"/>
-        <a:font script="Viet" typeface="Times New Roman"/>
-        <a:font script="Uigh" typeface="Microsoft Uighur"/>
-        <a:font script="Geor" typeface="Sylfaen"/>
-      </a:majorFont>
-      <a:minorFont>
-        <a:latin typeface="Arial"/>
-        <a:ea typeface=""/>
-        <a:cs typeface=""/>
-        <a:font script="Jpan" typeface="ＭＳ Ｐゴシック"/>
-        <a:font script="Hang" typeface="맑은 고딕"/>
-        <a:font script="Hans" typeface="宋体"/>
-        <a:font script="Hant" typeface="新細明體"/>
-        <a:font script="Arab" typeface="Arial"/>
-        <a:font script="Hebr" typeface="Arial"/>
-        <a:font script="Thai" typeface="Cordia New"/>
-        <a:font script="Ethi" typeface="Nyala"/>
-        <a:font script="Beng" typeface="Vrinda"/>
-        <a:font script="Gujr" typeface="Shruti"/>
-        <a:font script="Khmr" typeface="DaunPenh"/>
-        <a:font script="Knda" typeface="Tunga"/>
-        <a:font script="Guru" typeface="Raavi"/>
-        <a:font script="Cans" typeface="Euphemia"/>
-        <a:font script="Cher" typeface="Plantagenet Cherokee"/>
-        <a:font script="Yiii" typeface="Microsoft Yi Baiti"/>
-        <a:font script="Tibt" typeface="Microsoft Himalaya"/>
-        <a:font script="Thaa" typeface="MV Boli"/>
-        <a:font script="Deva" typeface="Mangal"/>
-        <a:font script="Telu" typeface="Gautami"/>
-        <a:font script="Taml" typeface="Latha"/>
-        <a:font script="Syrc" typeface="Estrangelo Edessa"/>
-        <a:font script="Orya" typeface="Kalinga"/>
-        <a:font script="Mlym" typeface="Kartika"/>
-        <a:font script="Laoo" typeface="DokChampa"/>
-        <a:font script="Sinh" typeface="Iskoola Pota"/>
-        <a:font script="Mong" typeface="Mongolian Baiti"/>
-        <a:font script="Viet" typeface="Arial"/>
-        <a:font script="Uigh" typeface="Microsoft Uighur"/>
-        <a:font script="Geor" typeface="Sylfaen"/>
-      </a:minorFont>
-    </a:fontScheme>
-    <a:fmtScheme name="Office">
-      <a:fillStyleLst>
-        <a:solidFill>
-          <a:schemeClr val="phClr"/>
-        </a:solidFill>
-        <a:gradFill rotWithShape="1">
-          <a:gsLst>
-            <a:gs pos="0">
-              <a:schemeClr val="phClr">
-                <a:tint val="50000"/>
-                <a:satMod val="300000"/>
-              </a:schemeClr>
-            </a:gs>
-            <a:gs pos="35000">
-              <a:schemeClr val="phClr">
-                <a:tint val="37000"/>
-                <a:satMod val="300000"/>
-              </a:schemeClr>
-            </a:gs>
-            <a:gs pos="100000">
-              <a:schemeClr val="phClr">
-                <a:tint val="15000"/>
-                <a:satMod val="350000"/>
-              </a:schemeClr>
-            </a:gs>
-          </a:gsLst>
-          <a:lin ang="16200000" scaled="1"/>
-        </a:gradFill>
-        <a:gradFill rotWithShape="1">
-          <a:gsLst>
-            <a:gs pos="0">
-              <a:schemeClr val="phClr">
-                <a:tint val="100000"/>
-                <a:shade val="100000"/>
-                <a:satMod val="130000"/>
-              </a:schemeClr>
-            </a:gs>
-            <a:gs pos="100000">
-              <a:schemeClr val="phClr">
-                <a:tint val="50000"/>
-                <a:shade val="100000"/>
-                <a:satMod val="350000"/>
-              </a:schemeClr>
-            </a:gs>
-          </a:gsLst>
-          <a:lin ang="16200000" scaled="0"/>
-        </a:gradFill>
-      </a:fillStyleLst>
-      <a:lnStyleLst>
-        <a:ln w="9525" cap="flat" cmpd="sng" algn="ctr">
-          <a:solidFill>
-            <a:schemeClr val="phClr">
-              <a:shade val="95000"/>
-              <a:satMod val="105000"/>
-            </a:schemeClr>
-          </a:solidFill>
-          <a:prstDash val="solid"/>
-        </a:ln>
-        <a:ln w="25400" cap="flat" cmpd="sng" algn="ctr">
-          <a:solidFill>
-            <a:schemeClr val="phClr"/>
-          </a:solidFill>
-          <a:prstDash val="solid"/>
-        </a:ln>
-        <a:ln w="38100" cap="flat" cmpd="sng" algn="ctr">
-          <a:solidFill>
-            <a:schemeClr val="phClr"/>
-          </a:solidFill>
-          <a:prstDash val="solid"/>
-        </a:ln>
-      </a:lnStyleLst>
-      <a:effectStyleLst>
-        <a:effectStyle>
-          <a:effectLst>
-            <a:outerShdw blurRad="40000" dist="20000" dir="5400000" rotWithShape="0">
-              <a:srgbClr val="000000">
-                <a:alpha val="38000"/>
-              </a:srgbClr>
-            </a:outerShdw>
-          </a:effectLst>
-        </a:effectStyle>
-        <a:effectStyle>
-          <a:effectLst>
-            <a:outerShdw blurRad="40000" dist="23000" dir="5400000" rotWithShape="0">
-              <a:srgbClr val="000000">
-                <a:alpha val="35000"/>
-              </a:srgbClr>
-            </a:outerShdw>
-          </a:effectLst>
-        </a:effectStyle>
-        <a:effectStyle>
-          <a:effectLst>
-            <a:outerShdw blurRad="40000" dist="23000" dir="5400000" rotWithShape="0">
-              <a:srgbClr val="000000">
-                <a:alpha val="35000"/>
-              </a:srgbClr>
-            </a:outerShdw>
-          </a:effectLst>
-          <a:scene3d>
-            <a:camera prst="orthographicFront">
-              <a:rot lat="0" lon="0" rev="0"/>
-            </a:camera>
-            <a:lightRig rig="threePt" dir="t">
-              <a:rot lat="0" lon="0" rev="1200000"/>
-            </a:lightRig>
-          </a:scene3d>
-          <a:sp3d>
-            <a:bevelT w="63500" h="25400"/>
-          </a:sp3d>
-        </a:effectStyle>
-      </a:effectStyleLst>
-      <a:bgFillStyleLst>
-        <a:solidFill>
-          <a:schemeClr val="phClr"/>
-        </a:solidFill>
-        <a:gradFill rotWithShape="1">
-          <a:gsLst>
-            <a:gs pos="0">
-              <a:schemeClr val="phClr">
-                <a:tint val="40000"/>
-                <a:satMod val="350000"/>
-              </a:schemeClr>
-            </a:gs>
-            <a:gs pos="40000">
-              <a:schemeClr val="phClr">
-                <a:tint val="45000"/>
-                <a:shade val="99000"/>
-                <a:satMod val="350000"/>
-              </a:schemeClr>
-            </a:gs>
-            <a:gs pos="100000">
-              <a:schemeClr val="phClr">
-                <a:shade val="20000"/>
-                <a:satMod val="255000"/>
-              </a:schemeClr>
-            </a:gs>
-          </a:gsLst>
-          <a:path path="circle">
-            <a:fillToRect l="50000" t="-80000" r="50000" b="180000"/>
-          </a:path>
-        </a:gradFill>
-        <a:gradFill rotWithShape="1">
-          <a:gsLst>
-            <a:gs pos="0">
-              <a:schemeClr val="phClr">
-                <a:tint val="80000"/>
-                <a:satMod val="300000"/>
-              </a:schemeClr>
-            </a:gs>
-            <a:gs pos="100000">
-              <a:schemeClr val="phClr">
-                <a:shade val="30000"/>
-                <a:satMod val="200000"/>
-              </a:schemeClr>
-            </a:gs>
-          </a:gsLst>
-          <a:path path="circle">
-            <a:fillToRect l="50000" t="50000" r="50000" b="50000"/>
-          </a:path>
-        </a:gradFill>
-      </a:bgFillStyleLst>
-    </a:fmtScheme>
-  </a:themeElements>
+  <a:objectDefaults/>
+  <a:extraClrSchemeLst/>
 </a:theme>
 </file>
--- a/administrative/documents/day1_agenda.pptx
+++ b/administrative/documents/day1_agenda.pptx
@@ -9882,6 +9882,30 @@
           </a:bodyPr>
           <a:lstStyle/>
           <a:p>
+            <a:pPr marL="444500">
+              <a:lnSpc>
+                <a:spcPct val="95000"/>
+              </a:lnSpc>
+              <a:buSzPts val="2000"/>
+            </a:pPr>
+            <a:r>
+              <a:rPr lang="en-US" sz="2000" dirty="0"/>
+              <a:t>Sublime Text:</a:t>
+            </a:r>
+          </a:p>
+          <a:p>
+            <a:pPr marL="444500">
+              <a:lnSpc>
+                <a:spcPct val="95000"/>
+              </a:lnSpc>
+              <a:buSzPts val="2000"/>
+            </a:pPr>
+            <a:r>
+              <a:rPr lang="en-US" sz="2000" dirty="0"/>
+              <a:t>One Markdown: </a:t>
+            </a:r>
+          </a:p>
+          <a:p>
             <a:pPr marL="444500" lvl="0" indent="-342900" algn="l" rtl="0">
               <a:lnSpc>
                 <a:spcPct val="95000"/>
@@ -9896,10 +9920,10 @@
               <a:buChar char="●"/>
             </a:pPr>
             <a:r>
-              <a:rPr lang="en" sz="2000"/>
+              <a:rPr lang="en" sz="2000" dirty="0"/>
               <a:t>GitHub Documents:</a:t>
             </a:r>
-            <a:endParaRPr/>
+            <a:endParaRPr dirty="0"/>
           </a:p>
           <a:p>
             <a:pPr marL="901700" lvl="1" indent="-317500" algn="l" rtl="0">
@@ -9916,7 +9940,7 @@
               <a:buChar char="○"/>
             </a:pPr>
             <a:r>
-              <a:rPr lang="en" sz="1600" u="sng">
+              <a:rPr lang="en" sz="1600" u="sng" dirty="0">
                 <a:solidFill>
                   <a:schemeClr val="hlink"/>
                 </a:solidFill>
@@ -9924,7 +9948,7 @@
               </a:rPr>
               <a:t>https://github.com/COMP122</a:t>
             </a:r>
-            <a:endParaRPr sz="1600"/>
+            <a:endParaRPr sz="1600" dirty="0"/>
           </a:p>
           <a:p>
             <a:pPr marL="901700" lvl="1" indent="-317500" algn="l" rtl="0">
@@ -9941,11 +9965,11 @@
               <a:buChar char="○"/>
             </a:pPr>
             <a:r>
-              <a:rPr lang="en" sz="1600"/>
+              <a:rPr lang="en" sz="1600" dirty="0"/>
               <a:t>Invitations URLs:  for example: </a:t>
             </a:r>
             <a:r>
-              <a:rPr lang="en" sz="1600" u="sng">
+              <a:rPr lang="en" sz="1600" u="sng" dirty="0">
                 <a:solidFill>
                   <a:schemeClr val="hlink"/>
                 </a:solidFill>
@@ -9953,7 +9977,7 @@
               </a:rPr>
               <a:t>https://classroom.github.com/a/c1oXvbim</a:t>
             </a:r>
-            <a:endParaRPr sz="1600"/>
+            <a:endParaRPr sz="1600" dirty="0"/>
           </a:p>
           <a:p>
             <a:pPr marL="444500" lvl="0" indent="-342900" algn="l" rtl="0">
@@ -9970,10 +9994,18 @@
               <a:buChar char="●"/>
             </a:pPr>
             <a:r>
-              <a:rPr lang="en" sz="2000"/>
-              <a:t>Living Documents (on my.csun.edu – drive) </a:t>
+              <a:rPr lang="en" sz="2000" dirty="0"/>
+              <a:t>Living Documents (on </a:t>
             </a:r>
-            <a:endParaRPr/>
+            <a:r>
+              <a:rPr lang="en" sz="2000" dirty="0" err="1"/>
+              <a:t>my.csun.edu</a:t>
+            </a:r>
+            <a:r>
+              <a:rPr lang="en" sz="2000" dirty="0"/>
+              <a:t> – drive) </a:t>
+            </a:r>
+            <a:endParaRPr dirty="0"/>
           </a:p>
           <a:p>
             <a:pPr marL="844550" lvl="1" indent="-285750" algn="l" rtl="0">
@@ -9990,7 +10022,7 @@
               <a:buChar char="○"/>
             </a:pPr>
             <a:r>
-              <a:rPr lang="en" sz="1600" u="sng">
+              <a:rPr lang="en" sz="1600" u="sng" dirty="0">
                 <a:solidFill>
                   <a:schemeClr val="hlink"/>
                 </a:solidFill>
@@ -9998,7 +10030,7 @@
               </a:rPr>
               <a:t>https://drive.google.com/drive/u/0/folders/1WpDQTpX-rFnPNkcynDI2-7faFX0qOzjH</a:t>
             </a:r>
-            <a:endParaRPr sz="1600"/>
+            <a:endParaRPr sz="1600" dirty="0"/>
           </a:p>
           <a:p>
             <a:pPr marL="844550" lvl="1" indent="-285750" algn="l" rtl="0">
@@ -10015,10 +10047,10 @@
               <a:buChar char="○"/>
             </a:pPr>
             <a:r>
-              <a:rPr lang="en" sz="1600"/>
+              <a:rPr lang="en" sz="1600" dirty="0"/>
               <a:t>Copies are in: */documents/*</a:t>
             </a:r>
-            <a:endParaRPr/>
+            <a:endParaRPr dirty="0"/>
           </a:p>
           <a:p>
             <a:pPr marL="444500" lvl="0" indent="-342900" algn="l" rtl="0">
@@ -10035,15 +10067,15 @@
               <a:buChar char="●"/>
             </a:pPr>
             <a:r>
-              <a:rPr lang="en" sz="2000"/>
+              <a:rPr lang="en" sz="2000" dirty="0"/>
               <a:t>Class Discussions: </a:t>
             </a:r>
             <a:r>
-              <a:rPr lang="en" sz="1600"/>
+              <a:rPr lang="en" sz="1600" dirty="0"/>
               <a:t>Slack: </a:t>
             </a:r>
             <a:r>
-              <a:rPr lang="en" sz="1600" u="sng">
+              <a:rPr lang="en" sz="1600" u="sng" dirty="0">
                 <a:solidFill>
                   <a:schemeClr val="accent5"/>
                 </a:solidFill>
@@ -10057,7 +10089,7 @@
               </a:rPr>
               <a:t>comp122-csun.slack.com</a:t>
             </a:r>
-            <a:endParaRPr sz="1600" u="sng">
+            <a:endParaRPr sz="1600" u="sng" dirty="0">
               <a:solidFill>
                 <a:schemeClr val="accent5"/>
               </a:solidFill>
@@ -10078,7 +10110,7 @@
               <a:buChar char="○"/>
             </a:pPr>
             <a:r>
-              <a:rPr lang="en" sz="1600">
+              <a:rPr lang="en" sz="1600" dirty="0">
                 <a:solidFill>
                   <a:schemeClr val="dk1"/>
                 </a:solidFill>
@@ -10086,54 +10118,14 @@
               <a:t>channel: </a:t>
             </a:r>
             <a:r>
-              <a:rPr lang="en" sz="1600" u="sng">
+              <a:rPr lang="en" sz="1600" u="sng" dirty="0">
                 <a:solidFill>
                   <a:schemeClr val="accent5"/>
                 </a:solidFill>
               </a:rPr>
               <a:t>#fitzgerald-s23</a:t>
             </a:r>
-            <a:endParaRPr sz="1600"/>
-          </a:p>
-          <a:p>
-            <a:pPr marL="444500" lvl="0" indent="-342900" algn="l" rtl="0">
-              <a:lnSpc>
-                <a:spcPct val="95000"/>
-              </a:lnSpc>
-              <a:spcBef>
-                <a:spcPts val="0"/>
-              </a:spcBef>
-              <a:spcAft>
-                <a:spcPts val="0"/>
-              </a:spcAft>
-              <a:buSzPts val="2000"/>
-              <a:buChar char="●"/>
-            </a:pPr>
-            <a:r>
-              <a:rPr lang="en" sz="2000"/>
-              <a:t>One Markdown: </a:t>
-            </a:r>
-            <a:endParaRPr/>
-          </a:p>
-          <a:p>
-            <a:pPr marL="444500" lvl="0" indent="-342900" algn="l" rtl="0">
-              <a:lnSpc>
-                <a:spcPct val="95000"/>
-              </a:lnSpc>
-              <a:spcBef>
-                <a:spcPts val="0"/>
-              </a:spcBef>
-              <a:spcAft>
-                <a:spcPts val="0"/>
-              </a:spcAft>
-              <a:buSzPts val="2000"/>
-              <a:buChar char="●"/>
-            </a:pPr>
-            <a:r>
-              <a:rPr lang="en" sz="2000"/>
-              <a:t>Sublime Text:</a:t>
-            </a:r>
-            <a:endParaRPr/>
+            <a:endParaRPr sz="1600" dirty="0"/>
           </a:p>
           <a:p>
             <a:pPr marL="457200" lvl="0" indent="-342900" algn="l" rtl="0">
@@ -10150,10 +10142,18 @@
               <a:buChar char="●"/>
             </a:pPr>
             <a:r>
-              <a:rPr lang="en" sz="2000"/>
-              <a:t>Class material:  bin/, reference/, and mips/</a:t>
+              <a:rPr lang="en" sz="2000" dirty="0"/>
+              <a:t>Class material:  bin/, reference/, and </a:t>
             </a:r>
-            <a:endParaRPr sz="2000">
+            <a:r>
+              <a:rPr lang="en" sz="2000" dirty="0" err="1"/>
+              <a:t>mips</a:t>
+            </a:r>
+            <a:r>
+              <a:rPr lang="en" sz="2000" dirty="0"/>
+              <a:t>/</a:t>
+            </a:r>
+            <a:endParaRPr sz="2000" dirty="0">
               <a:solidFill>
                 <a:schemeClr val="dk1"/>
               </a:solidFill>
